--- a/DIY_soft-core_uP.pptx
+++ b/DIY_soft-core_uP.pptx
@@ -17,25 +17,25 @@
     <p:sldId id="319" r:id="rId5"/>
     <p:sldId id="341" r:id="rId6"/>
     <p:sldId id="323" r:id="rId7"/>
-    <p:sldId id="324" r:id="rId8"/>
-    <p:sldId id="327" r:id="rId9"/>
-    <p:sldId id="342" r:id="rId10"/>
-    <p:sldId id="335" r:id="rId11"/>
-    <p:sldId id="336" r:id="rId12"/>
-    <p:sldId id="337" r:id="rId13"/>
-    <p:sldId id="325" r:id="rId14"/>
-    <p:sldId id="326" r:id="rId15"/>
-    <p:sldId id="338" r:id="rId16"/>
-    <p:sldId id="328" r:id="rId17"/>
-    <p:sldId id="339" r:id="rId18"/>
-    <p:sldId id="322" r:id="rId19"/>
-    <p:sldId id="330" r:id="rId20"/>
-    <p:sldId id="329" r:id="rId21"/>
-    <p:sldId id="331" r:id="rId22"/>
-    <p:sldId id="332" r:id="rId23"/>
-    <p:sldId id="333" r:id="rId24"/>
-    <p:sldId id="334" r:id="rId25"/>
-    <p:sldId id="340" r:id="rId26"/>
+    <p:sldId id="340" r:id="rId8"/>
+    <p:sldId id="324" r:id="rId9"/>
+    <p:sldId id="327" r:id="rId10"/>
+    <p:sldId id="342" r:id="rId11"/>
+    <p:sldId id="335" r:id="rId12"/>
+    <p:sldId id="336" r:id="rId13"/>
+    <p:sldId id="337" r:id="rId14"/>
+    <p:sldId id="325" r:id="rId15"/>
+    <p:sldId id="326" r:id="rId16"/>
+    <p:sldId id="338" r:id="rId17"/>
+    <p:sldId id="328" r:id="rId18"/>
+    <p:sldId id="339" r:id="rId19"/>
+    <p:sldId id="322" r:id="rId20"/>
+    <p:sldId id="330" r:id="rId21"/>
+    <p:sldId id="329" r:id="rId22"/>
+    <p:sldId id="331" r:id="rId23"/>
+    <p:sldId id="332" r:id="rId24"/>
+    <p:sldId id="333" r:id="rId25"/>
+    <p:sldId id="334" r:id="rId26"/>
     <p:sldId id="259" r:id="rId27"/>
     <p:sldId id="260" r:id="rId28"/>
     <p:sldId id="261" r:id="rId29"/>
@@ -729,11 +729,7 @@
           <a:p>
             <a:r>
               <a:rPr lang="en-US" dirty="0" smtClean="0"/>
-              <a:t>An FPGA contemplating </a:t>
-            </a:r>
-            <a:r>
-              <a:rPr lang="en-US" dirty="0" smtClean="0"/>
-              <a:t>a</a:t>
+              <a:t>An FPGA contemplating a</a:t>
             </a:r>
             <a:r>
               <a:rPr lang="en-US" baseline="0" dirty="0" smtClean="0"/>
@@ -894,35 +890,27 @@
           <a:p>
             <a:r>
               <a:rPr lang="en-US" dirty="0" smtClean="0"/>
-              <a:t>24 &amp; 32-bit instruction immediate</a:t>
+              <a:t>This gives a flavor of the op-codes, see the spreadsheet</a:t>
             </a:r>
             <a:r>
               <a:rPr lang="en-US" baseline="0" dirty="0" smtClean="0"/>
-              <a:t> f</a:t>
-            </a:r>
-            <a:r>
-              <a:rPr lang="en-US" dirty="0" smtClean="0"/>
-              <a:t>ormats</a:t>
+              <a:t> for complete list and their formats.  Without tags would need four sets of each instruction.  </a:t>
+            </a:r>
+            <a:r>
+              <a:rPr lang="en-US" baseline="0" dirty="0" err="1" smtClean="0"/>
+              <a:t>BRccRC</a:t>
             </a:r>
             <a:r>
               <a:rPr lang="en-US" baseline="0" dirty="0" smtClean="0"/>
-              <a:t> using an addition byte </a:t>
-            </a:r>
-            <a:r>
-              <a:rPr lang="en-US" dirty="0" smtClean="0"/>
-              <a:t>12-bit format:</a:t>
+              <a:t> &amp; </a:t>
+            </a:r>
+            <a:r>
+              <a:rPr lang="en-US" baseline="0" dirty="0" err="1" smtClean="0"/>
+              <a:t>JMPccRC</a:t>
             </a:r>
             <a:r>
               <a:rPr lang="en-US" baseline="0" dirty="0" smtClean="0"/>
-              <a:t>  </a:t>
-            </a:r>
-            <a:r>
-              <a:rPr lang="en-US" baseline="0" dirty="0" err="1" smtClean="0"/>
-              <a:t>nnnnnnnn</a:t>
-            </a:r>
-            <a:r>
-              <a:rPr lang="en-US" baseline="0" dirty="0" smtClean="0"/>
-              <a:t> nnnn1, immediate size: 10ss0, -4…-1: 11nn0 or  0…7: 0nnn0</a:t>
+              <a:t> are relative/absolute branches on condition code test of register contents.</a:t>
             </a:r>
             <a:endParaRPr lang="en-US" dirty="0"/>
           </a:p>
@@ -1079,19 +1067,11 @@
           <a:p>
             <a:r>
               <a:rPr lang="en-US" dirty="0" smtClean="0"/>
-              <a:t>The consensus is that 2’s complement</a:t>
+              <a:t>The</a:t>
             </a:r>
             <a:r>
               <a:rPr lang="en-US" baseline="0" dirty="0" smtClean="0"/>
-              <a:t> works better than sign &amp; magnitude.  </a:t>
-            </a:r>
-            <a:r>
-              <a:rPr lang="en-US" dirty="0" smtClean="0"/>
-              <a:t>Float format: exponent</a:t>
-            </a:r>
-            <a:r>
-              <a:rPr lang="en-US" baseline="0" dirty="0" smtClean="0"/>
-              <a:t> bits, exponent sign, mantissa sign, mantissa; zero extended on both ends on load, truncated on store?</a:t>
+              <a:t> type code of the D register implies the type of the ALU immediate?</a:t>
             </a:r>
             <a:endParaRPr lang="en-US" dirty="0"/>
           </a:p>
@@ -1248,27 +1228,19 @@
           <a:p>
             <a:r>
               <a:rPr lang="en-US" dirty="0" smtClean="0"/>
-              <a:t>Advantage of zero extension</a:t>
+              <a:t>The consensus is that 2’s complement</a:t>
             </a:r>
             <a:r>
               <a:rPr lang="en-US" baseline="0" dirty="0" smtClean="0"/>
-              <a:t> is that it applies to all shown formats.  </a:t>
-            </a:r>
-            <a:r>
-              <a:rPr lang="en-US" dirty="0" smtClean="0"/>
-              <a:t>Alt-754 underflow and overflow uses number of trailing zeros in memory format to adjust exponent.  One exponent tag bit needed.  2</a:t>
-            </a:r>
-            <a:r>
-              <a:rPr lang="en-US" baseline="30000" dirty="0" smtClean="0"/>
-              <a:t>nd</a:t>
-            </a:r>
-            <a:r>
-              <a:rPr lang="en-US" dirty="0" smtClean="0"/>
-              <a:t> tag bit for Euclidian</a:t>
+              <a:t> works better than sign &amp; magnitude.  </a:t>
+            </a:r>
+            <a:r>
+              <a:rPr lang="en-US" dirty="0" smtClean="0"/>
+              <a:t>Float format: exponent</a:t>
             </a:r>
             <a:r>
               <a:rPr lang="en-US" baseline="0" dirty="0" smtClean="0"/>
-              <a:t> distance computation. Consensus for exponent is off-set binary (can use sign extension).</a:t>
+              <a:t> bits, exponent sign, mantissa sign, mantissa; zero extended on both ends on load, truncated on store?</a:t>
             </a:r>
             <a:endParaRPr lang="en-US" dirty="0"/>
           </a:p>
@@ -1425,27 +1397,27 @@
           <a:p>
             <a:r>
               <a:rPr lang="en-US" dirty="0" smtClean="0"/>
-              <a:t>Targeted AMD/Xilinx </a:t>
-            </a:r>
-            <a:r>
-              <a:rPr lang="en-US" dirty="0" err="1" smtClean="0"/>
-              <a:t>Vivado</a:t>
-            </a:r>
-            <a:r>
-              <a:rPr lang="en-US" dirty="0" smtClean="0"/>
-              <a:t> 24.2, Spartan-7,</a:t>
+              <a:t>Advantage of zero extension</a:t>
             </a:r>
             <a:r>
               <a:rPr lang="en-US" baseline="0" dirty="0" smtClean="0"/>
-              <a:t> Real Digital Boolean Board. FPGA has 6 input LUTs.  </a:t>
-            </a:r>
-            <a:r>
-              <a:rPr lang="en-US" sz="1200" dirty="0" smtClean="0"/>
-              <a:t>TROC16_16min</a:t>
+              <a:t> is that it applies to all shown formats.  </a:t>
+            </a:r>
+            <a:r>
+              <a:rPr lang="en-US" dirty="0" smtClean="0"/>
+              <a:t>Alt-754 underflow and overflow uses number of trailing zeros in memory format to adjust exponent.  One exponent tag bit needed.  2</a:t>
+            </a:r>
+            <a:r>
+              <a:rPr lang="en-US" baseline="30000" dirty="0" smtClean="0"/>
+              <a:t>nd</a:t>
+            </a:r>
+            <a:r>
+              <a:rPr lang="en-US" dirty="0" smtClean="0"/>
+              <a:t> tag bit for Euclidian</a:t>
             </a:r>
             <a:r>
               <a:rPr lang="en-US" baseline="0" dirty="0" smtClean="0"/>
-              <a:t>:  Unsigned 16-bit data only.  Three instruction loop runs, no other test bench.</a:t>
+              <a:t> distance computation. Consensus for exponent is off-set binary (can use sign extension).</a:t>
             </a:r>
             <a:endParaRPr lang="en-US" dirty="0"/>
           </a:p>
@@ -1546,7 +1518,7 @@
     </p:spTree>
     <p:extLst>
       <p:ext uri="{BB962C8B-B14F-4D97-AF65-F5344CB8AC3E}">
-        <p14:creationId xmlns:p14="http://schemas.microsoft.com/office/powerpoint/2010/main" val="3695887483"/>
+        <p14:creationId xmlns:p14="http://schemas.microsoft.com/office/powerpoint/2010/main" val="1710364663"/>
       </p:ext>
     </p:extLst>
   </p:cSld>
@@ -1614,7 +1586,35 @@
             </a:r>
             <a:r>
               <a:rPr lang="en-US" baseline="0" dirty="0" smtClean="0"/>
-              <a:t> Real Digital Boolean Board.  Three instruction loop runs, no other test bench.</a:t>
+              <a:t> Real Digital Boolean Board. FPGA has 6 input LUTs.  </a:t>
+            </a:r>
+            <a:r>
+              <a:rPr lang="en-US" sz="1200" dirty="0" smtClean="0"/>
+              <a:t>TROC16_16min</a:t>
+            </a:r>
+            <a:r>
+              <a:rPr lang="en-US" baseline="0" dirty="0" smtClean="0"/>
+              <a:t>:  Unsigned 16-bit data only.  Three instruction loop runs, no other test bench.  Other FPGA tool chains: Intel/Altera, </a:t>
+            </a:r>
+            <a:r>
+              <a:rPr lang="en-US" baseline="0" dirty="0" err="1" smtClean="0"/>
+              <a:t>Latticesemi</a:t>
+            </a:r>
+            <a:r>
+              <a:rPr lang="en-US" baseline="0" dirty="0" smtClean="0"/>
+              <a:t>, </a:t>
+            </a:r>
+            <a:r>
+              <a:rPr lang="en-US" baseline="0" dirty="0" err="1" smtClean="0"/>
+              <a:t>Gowin</a:t>
+            </a:r>
+            <a:r>
+              <a:rPr lang="en-US" baseline="0" dirty="0" smtClean="0"/>
+              <a:t>, Microchip/</a:t>
+            </a:r>
+            <a:r>
+              <a:rPr lang="en-US" baseline="0" dirty="0" err="1" smtClean="0"/>
+              <a:t>Actel</a:t>
             </a:r>
             <a:endParaRPr lang="en-US" dirty="0"/>
           </a:p>
@@ -1783,7 +1783,7 @@
             </a:r>
             <a:r>
               <a:rPr lang="en-US" baseline="0" dirty="0" smtClean="0"/>
-              <a:t> Real Digital Boolean Board.  Three instruction loop runs, no other test bench yet.</a:t>
+              <a:t> Real Digital Boolean Board.  Three instruction loop runs, no other test bench.</a:t>
             </a:r>
             <a:endParaRPr lang="en-US" dirty="0"/>
           </a:p>
@@ -1940,11 +1940,19 @@
           <a:p>
             <a:r>
               <a:rPr lang="en-US" dirty="0" smtClean="0"/>
-              <a:t>Much of the planning involved</a:t>
+              <a:t>Targeted AMD/Xilinx </a:t>
+            </a:r>
+            <a:r>
+              <a:rPr lang="en-US" dirty="0" err="1" smtClean="0"/>
+              <a:t>Vivado</a:t>
+            </a:r>
+            <a:r>
+              <a:rPr lang="en-US" dirty="0" smtClean="0"/>
+              <a:t> 24.2, Spartan-7,</a:t>
             </a:r>
             <a:r>
               <a:rPr lang="en-US" baseline="0" dirty="0" smtClean="0"/>
-              <a:t> refining or reconsidering the instructions and their formats.  Necessary instructions, useful instructions</a:t>
+              <a:t> Real Digital Boolean Board.  Three instruction loop runs, no other test bench yet.</a:t>
             </a:r>
             <a:endParaRPr lang="en-US" dirty="0"/>
           </a:p>
@@ -2045,7 +2053,7 @@
     </p:spTree>
     <p:extLst>
       <p:ext uri="{BB962C8B-B14F-4D97-AF65-F5344CB8AC3E}">
-        <p14:creationId xmlns:p14="http://schemas.microsoft.com/office/powerpoint/2010/main" val="4277161414"/>
+        <p14:creationId xmlns:p14="http://schemas.microsoft.com/office/powerpoint/2010/main" val="3695887483"/>
       </p:ext>
     </p:extLst>
   </p:cSld>
@@ -2101,19 +2109,15 @@
           <a:p>
             <a:r>
               <a:rPr lang="en-US" dirty="0" smtClean="0"/>
-              <a:t>*Residue and PC registers </a:t>
-            </a:r>
-            <a:r>
-              <a:rPr lang="en-US" dirty="0" err="1" smtClean="0"/>
-              <a:t>MUXed</a:t>
-            </a:r>
-            <a:r>
-              <a:rPr lang="en-US" dirty="0" smtClean="0"/>
-              <a:t> into LUT RAM outputs as per LUT RAM</a:t>
+              <a:t>Much of the planning involved</a:t>
             </a:r>
             <a:r>
               <a:rPr lang="en-US" baseline="0" dirty="0" smtClean="0"/>
-              <a:t> addresses.  Modified 2016 diagram.</a:t>
+              <a:t> refining or reconsidering the instructions and their formats.  Necessary instructions, useful </a:t>
+            </a:r>
+            <a:r>
+              <a:rPr lang="en-US" baseline="0" dirty="0" smtClean="0"/>
+              <a:t>instructions.  A corporate design process uses benchmarks and simulator to determine utility of each instruction.</a:t>
             </a:r>
             <a:endParaRPr lang="en-US" dirty="0"/>
           </a:p>
@@ -2214,7 +2218,7 @@
     </p:spTree>
     <p:extLst>
       <p:ext uri="{BB962C8B-B14F-4D97-AF65-F5344CB8AC3E}">
-        <p14:creationId xmlns:p14="http://schemas.microsoft.com/office/powerpoint/2010/main" val="72987854"/>
+        <p14:creationId xmlns:p14="http://schemas.microsoft.com/office/powerpoint/2010/main" val="4277161414"/>
       </p:ext>
     </p:extLst>
   </p:cSld>
@@ -2270,15 +2274,19 @@
           <a:p>
             <a:r>
               <a:rPr lang="en-US" dirty="0" smtClean="0"/>
-              <a:t>Single cycle implementation much friendlier</a:t>
+              <a:t>*Residue and PC registers </a:t>
+            </a:r>
+            <a:r>
+              <a:rPr lang="en-US" dirty="0" err="1" smtClean="0"/>
+              <a:t>MUXed</a:t>
+            </a:r>
+            <a:r>
+              <a:rPr lang="en-US" dirty="0" smtClean="0"/>
+              <a:t> into LUT RAM outputs as per LUT RAM</a:t>
             </a:r>
             <a:r>
               <a:rPr lang="en-US" baseline="0" dirty="0" smtClean="0"/>
-              <a:t> towards experimentation: can comment code in an out.  Generics &amp; conditional generate is the better way.  </a:t>
-            </a:r>
-            <a:r>
-              <a:rPr lang="en-US" baseline="0" smtClean="0"/>
-              <a:t>Example at: https://opencores.org/projects/alwcpu </a:t>
+              <a:t> addresses.  Modified 2016 diagram.</a:t>
             </a:r>
             <a:endParaRPr lang="en-US" dirty="0"/>
           </a:p>
@@ -2379,7 +2387,7 @@
     </p:spTree>
     <p:extLst>
       <p:ext uri="{BB962C8B-B14F-4D97-AF65-F5344CB8AC3E}">
-        <p14:creationId xmlns:p14="http://schemas.microsoft.com/office/powerpoint/2010/main" val="3905435254"/>
+        <p14:creationId xmlns:p14="http://schemas.microsoft.com/office/powerpoint/2010/main" val="72987854"/>
       </p:ext>
     </p:extLst>
   </p:cSld>
@@ -2435,27 +2443,15 @@
           <a:p>
             <a:r>
               <a:rPr lang="en-US" dirty="0" smtClean="0"/>
-              <a:t>Recommended to use unsigned signals as much as possible with </a:t>
-            </a:r>
-            <a:r>
-              <a:rPr lang="en-US" dirty="0" err="1" smtClean="0"/>
-              <a:t>ieee.numeric_std.all</a:t>
-            </a:r>
-            <a:r>
-              <a:rPr lang="en-US" dirty="0" smtClean="0"/>
-              <a:t>  Data</a:t>
+              <a:t>Single cycle implementation much friendlier</a:t>
             </a:r>
             <a:r>
               <a:rPr lang="en-US" baseline="0" dirty="0" smtClean="0"/>
-              <a:t> type coercions via signed, unsigned &amp; </a:t>
-            </a:r>
-            <a:r>
-              <a:rPr lang="en-US" baseline="0" dirty="0" err="1" smtClean="0"/>
-              <a:t>std_logic_vector</a:t>
-            </a:r>
-            <a:r>
-              <a:rPr lang="en-US" baseline="0" dirty="0" smtClean="0"/>
-              <a:t> functions.</a:t>
+              <a:t> towards experimentation: can comment code in an out.  Generics &amp; conditional generate is the better way.  </a:t>
+            </a:r>
+            <a:r>
+              <a:rPr lang="en-US" baseline="0" smtClean="0"/>
+              <a:t>Example at: https://opencores.org/projects/alwcpu </a:t>
             </a:r>
             <a:endParaRPr lang="en-US" dirty="0"/>
           </a:p>
@@ -2556,7 +2552,7 @@
     </p:spTree>
     <p:extLst>
       <p:ext uri="{BB962C8B-B14F-4D97-AF65-F5344CB8AC3E}">
-        <p14:creationId xmlns:p14="http://schemas.microsoft.com/office/powerpoint/2010/main" val="3537184524"/>
+        <p14:creationId xmlns:p14="http://schemas.microsoft.com/office/powerpoint/2010/main" val="3905435254"/>
       </p:ext>
     </p:extLst>
   </p:cSld>
@@ -2789,11 +2785,27 @@
           <a:p>
             <a:r>
               <a:rPr lang="en-US" dirty="0" smtClean="0"/>
-              <a:t>Each instruction updates default values as needed.  Loads and store take two clock cycles</a:t>
+              <a:t>Recommended to use unsigned signals as much as possible with </a:t>
+            </a:r>
+            <a:r>
+              <a:rPr lang="en-US" dirty="0" err="1" smtClean="0"/>
+              <a:t>ieee.numeric_std.all</a:t>
+            </a:r>
+            <a:r>
+              <a:rPr lang="en-US" dirty="0" smtClean="0"/>
+              <a:t>  Data</a:t>
             </a:r>
             <a:r>
               <a:rPr lang="en-US" baseline="0" dirty="0" smtClean="0"/>
-              <a:t> and thus three states.  Will need additional states for interrupts &amp; slow operations.</a:t>
+              <a:t> type coercions via signed, unsigned &amp; </a:t>
+            </a:r>
+            <a:r>
+              <a:rPr lang="en-US" baseline="0" dirty="0" err="1" smtClean="0"/>
+              <a:t>std_logic_vector</a:t>
+            </a:r>
+            <a:r>
+              <a:rPr lang="en-US" baseline="0" dirty="0" smtClean="0"/>
+              <a:t> functions.</a:t>
             </a:r>
             <a:endParaRPr lang="en-US" dirty="0"/>
           </a:p>
@@ -2894,7 +2906,7 @@
     </p:spTree>
     <p:extLst>
       <p:ext uri="{BB962C8B-B14F-4D97-AF65-F5344CB8AC3E}">
-        <p14:creationId xmlns:p14="http://schemas.microsoft.com/office/powerpoint/2010/main" val="168993430"/>
+        <p14:creationId xmlns:p14="http://schemas.microsoft.com/office/powerpoint/2010/main" val="3537184524"/>
       </p:ext>
     </p:extLst>
   </p:cSld>
@@ -2950,7 +2962,11 @@
           <a:p>
             <a:r>
               <a:rPr lang="en-US" dirty="0" smtClean="0"/>
-              <a:t>VHDL-2008</a:t>
+              <a:t>Each instruction updates default values as needed.  Loads and store take two clock cycles</a:t>
+            </a:r>
+            <a:r>
+              <a:rPr lang="en-US" baseline="0" dirty="0" smtClean="0"/>
+              <a:t> and thus three states needed.  Will need additional states for interrupts &amp; slow operations.</a:t>
             </a:r>
             <a:endParaRPr lang="en-US" dirty="0"/>
           </a:p>
@@ -3051,7 +3067,7 @@
     </p:spTree>
     <p:extLst>
       <p:ext uri="{BB962C8B-B14F-4D97-AF65-F5344CB8AC3E}">
-        <p14:creationId xmlns:p14="http://schemas.microsoft.com/office/powerpoint/2010/main" val="2889749112"/>
+        <p14:creationId xmlns:p14="http://schemas.microsoft.com/office/powerpoint/2010/main" val="168993430"/>
       </p:ext>
     </p:extLst>
   </p:cSld>
@@ -3107,31 +3123,7 @@
           <a:p>
             <a:r>
               <a:rPr lang="en-US" dirty="0" smtClean="0"/>
-              <a:t>Keeping a log of utilization</a:t>
-            </a:r>
-            <a:r>
-              <a:rPr lang="en-US" baseline="0" dirty="0" smtClean="0"/>
-              <a:t> &amp; </a:t>
-            </a:r>
-            <a:r>
-              <a:rPr lang="en-US" baseline="0" dirty="0" err="1" smtClean="0"/>
-              <a:t>Fmax</a:t>
-            </a:r>
-            <a:r>
-              <a:rPr lang="en-US" dirty="0" smtClean="0"/>
-              <a:t> numbers for each variation to evaluate</a:t>
-            </a:r>
-            <a:r>
-              <a:rPr lang="en-US" baseline="0" dirty="0" smtClean="0"/>
-              <a:t> additional instruction’s and </a:t>
-            </a:r>
-            <a:r>
-              <a:rPr lang="en-US" baseline="0" dirty="0" err="1" smtClean="0"/>
-              <a:t>optimiation’s</a:t>
-            </a:r>
-            <a:r>
-              <a:rPr lang="en-US" baseline="0" dirty="0" smtClean="0"/>
-              <a:t> performance</a:t>
+              <a:t>VHDL-2008</a:t>
             </a:r>
             <a:endParaRPr lang="en-US" dirty="0"/>
           </a:p>
@@ -3232,7 +3224,7 @@
     </p:spTree>
     <p:extLst>
       <p:ext uri="{BB962C8B-B14F-4D97-AF65-F5344CB8AC3E}">
-        <p14:creationId xmlns:p14="http://schemas.microsoft.com/office/powerpoint/2010/main" val="3439215653"/>
+        <p14:creationId xmlns:p14="http://schemas.microsoft.com/office/powerpoint/2010/main" val="2889749112"/>
       </p:ext>
     </p:extLst>
   </p:cSld>
@@ -3286,50 +3278,41 @@
           <a:bodyPr/>
           <a:lstStyle/>
           <a:p>
-            <a:pPr marL="0" marR="0" indent="0" algn="l" defTabSz="914400" rtl="0" eaLnBrk="1" fontAlgn="auto" latinLnBrk="0" hangingPunct="1">
-              <a:lnSpc>
-                <a:spcPct val="100000"/>
-              </a:lnSpc>
-              <a:spcBef>
-                <a:spcPts val="0"/>
-              </a:spcBef>
-              <a:spcAft>
-                <a:spcPts val="0"/>
-              </a:spcAft>
-              <a:buClrTx/>
-              <a:buSzTx/>
-              <a:buFontTx/>
-              <a:buNone/>
-              <a:tabLst/>
-              <a:defRPr/>
-            </a:pPr>
+            <a:r>
+              <a:rPr lang="en-US" dirty="0" smtClean="0"/>
+              <a:t>Keeping a log of utilization</a:t>
+            </a:r>
             <a:r>
               <a:rPr lang="en-US" baseline="0" dirty="0" smtClean="0"/>
-              <a:t>*Nakano uses Flex, Bison &amp; Perl to create </a:t>
+              <a:t> &amp; </a:t>
             </a:r>
             <a:r>
               <a:rPr lang="en-US" baseline="0" dirty="0" err="1" smtClean="0"/>
-              <a:t>gcc</a:t>
+              <a:t>Fmax</a:t>
+            </a:r>
+            <a:r>
+              <a:rPr lang="en-US" dirty="0" smtClean="0"/>
+              <a:t> numbers for each variation to evaluate</a:t>
             </a:r>
             <a:r>
               <a:rPr lang="en-US" baseline="0" dirty="0" smtClean="0"/>
-              <a:t> compiler.  Wirth’s Oberon also a possibility.  </a:t>
+              <a:t> additional </a:t>
             </a:r>
             <a:r>
               <a:rPr lang="en-US" baseline="0" dirty="0" smtClean="0"/>
-              <a:t>SDCC?  Problem </a:t>
+              <a:t>instruction </a:t>
             </a:r>
             <a:r>
               <a:rPr lang="en-US" baseline="0" dirty="0" smtClean="0"/>
-              <a:t>is register allocation.  **Also covers several float formats and their encoding.  </a:t>
-            </a:r>
-            <a:r>
-              <a:rPr lang="en-US" dirty="0" smtClean="0"/>
-              <a:t>***DRAM read/written 256 bits at a time.  On read 256</a:t>
+              <a:t>and </a:t>
             </a:r>
             <a:r>
               <a:rPr lang="en-US" baseline="0" dirty="0" smtClean="0"/>
-              <a:t> bits split into 7x 36, 6x 42 or 5x 48-bit words with minimal waste.  </a:t>
+              <a:t>optimization </a:t>
+            </a:r>
+            <a:r>
+              <a:rPr lang="en-US" baseline="0" dirty="0" smtClean="0"/>
+              <a:t>performance</a:t>
             </a:r>
             <a:endParaRPr lang="en-US" dirty="0"/>
           </a:p>
@@ -3430,7 +3413,7 @@
     </p:spTree>
     <p:extLst>
       <p:ext uri="{BB962C8B-B14F-4D97-AF65-F5344CB8AC3E}">
-        <p14:creationId xmlns:p14="http://schemas.microsoft.com/office/powerpoint/2010/main" val="673828821"/>
+        <p14:creationId xmlns:p14="http://schemas.microsoft.com/office/powerpoint/2010/main" val="3439215653"/>
       </p:ext>
     </p:extLst>
   </p:cSld>
@@ -3484,21 +3467,42 @@
           <a:bodyPr/>
           <a:lstStyle/>
           <a:p>
-            <a:r>
-              <a:rPr lang="en-US" dirty="0" smtClean="0"/>
-              <a:t>A complete operation code list and their formats helps</a:t>
-            </a:r>
+            <a:pPr marL="0" marR="0" indent="0" algn="l" defTabSz="914400" rtl="0" eaLnBrk="1" fontAlgn="auto" latinLnBrk="0" hangingPunct="1">
+              <a:lnSpc>
+                <a:spcPct val="100000"/>
+              </a:lnSpc>
+              <a:spcBef>
+                <a:spcPts val="0"/>
+              </a:spcBef>
+              <a:spcAft>
+                <a:spcPts val="0"/>
+              </a:spcAft>
+              <a:buClrTx/>
+              <a:buSzTx/>
+              <a:buFontTx/>
+              <a:buNone/>
+              <a:tabLst/>
+              <a:defRPr/>
+            </a:pPr>
             <a:r>
               <a:rPr lang="en-US" baseline="0" dirty="0" smtClean="0"/>
-              <a:t> greatly when doing simplifications/</a:t>
+              <a:t>*Nakano uses Flex, Bison &amp; Perl to create </a:t>
             </a:r>
             <a:r>
               <a:rPr lang="en-US" baseline="0" dirty="0" err="1" smtClean="0"/>
-              <a:t>subsetting</a:t>
+              <a:t>gcc</a:t>
             </a:r>
             <a:r>
               <a:rPr lang="en-US" baseline="0" dirty="0" smtClean="0"/>
-              <a:t> that will be later supplemented.</a:t>
+              <a:t> compiler.  Wirth’s Oberon also a possibility.  SDCC?  Problem is register allocation.  **Also covers several float formats and their encoding.  </a:t>
+            </a:r>
+            <a:r>
+              <a:rPr lang="en-US" dirty="0" smtClean="0"/>
+              <a:t>***DRAM read/written 256 bits at a time.  On read 256</a:t>
+            </a:r>
+            <a:r>
+              <a:rPr lang="en-US" baseline="0" dirty="0" smtClean="0"/>
+              <a:t> bits split into 7x 36, 6x 42 or 5x 48-bit words with minimal waste.  </a:t>
             </a:r>
             <a:endParaRPr lang="en-US" dirty="0"/>
           </a:p>
@@ -3599,7 +3603,7 @@
     </p:spTree>
     <p:extLst>
       <p:ext uri="{BB962C8B-B14F-4D97-AF65-F5344CB8AC3E}">
-        <p14:creationId xmlns:p14="http://schemas.microsoft.com/office/powerpoint/2010/main" val="401731691"/>
+        <p14:creationId xmlns:p14="http://schemas.microsoft.com/office/powerpoint/2010/main" val="673828821"/>
       </p:ext>
     </p:extLst>
   </p:cSld>
@@ -3655,11 +3659,19 @@
           <a:p>
             <a:r>
               <a:rPr lang="en-US" dirty="0" smtClean="0"/>
-              <a:t>IEEE-754 now supports floating-point divide</a:t>
+              <a:t>A complete operation code list and their formats helps</a:t>
             </a:r>
             <a:r>
               <a:rPr lang="en-US" baseline="0" dirty="0" smtClean="0"/>
-              <a:t> remainder and the residue (round-off portion) of add/subtract/multiply.</a:t>
+              <a:t> greatly when doing simplifications/</a:t>
+            </a:r>
+            <a:r>
+              <a:rPr lang="en-US" baseline="0" dirty="0" err="1" smtClean="0"/>
+              <a:t>subsetting</a:t>
+            </a:r>
+            <a:r>
+              <a:rPr lang="en-US" baseline="0" dirty="0" smtClean="0"/>
+              <a:t> that will be later supplemented.</a:t>
             </a:r>
             <a:endParaRPr lang="en-US" dirty="0"/>
           </a:p>
@@ -6133,7 +6145,15 @@
             </a:r>
             <a:r>
               <a:rPr lang="en-US" baseline="0" dirty="0" smtClean="0"/>
-              <a:t> addresses, e.g. 32 registers.  </a:t>
+              <a:t> addresses, e.g. 32 registers.  12-bit immediate in 32-bits matches that of </a:t>
+            </a:r>
+            <a:r>
+              <a:rPr lang="en-US" baseline="0" dirty="0" err="1" smtClean="0"/>
+              <a:t>risc</a:t>
+            </a:r>
+            <a:r>
+              <a:rPr lang="en-US" baseline="0" dirty="0" smtClean="0"/>
+              <a:t>-v with no compromise on # of 24-bit op-codes</a:t>
             </a:r>
             <a:endParaRPr lang="en-US" dirty="0"/>
           </a:p>
@@ -6318,82 +6338,10 @@
                 <a:ea typeface="+mn-ea"/>
                 <a:cs typeface="+mn-cs"/>
               </a:rPr>
-              <a:t>nstruction set </a:t>
-            </a:r>
-            <a:r>
-              <a:rPr lang="en-US" sz="1200" kern="1200" dirty="0" smtClean="0">
-                <a:solidFill>
-                  <a:schemeClr val="tx1"/>
-                </a:solidFill>
-                <a:effectLst/>
-                <a:latin typeface="+mn-lt"/>
-                <a:ea typeface="+mn-ea"/>
-                <a:cs typeface="+mn-cs"/>
-              </a:rPr>
-              <a:t>support for </a:t>
-            </a:r>
-            <a:r>
-              <a:rPr lang="en-US" sz="1200" kern="1200" dirty="0" smtClean="0">
-                <a:solidFill>
-                  <a:schemeClr val="tx1"/>
-                </a:solidFill>
-                <a:effectLst/>
-                <a:latin typeface="+mn-lt"/>
-                <a:ea typeface="+mn-ea"/>
-                <a:cs typeface="+mn-cs"/>
-              </a:rPr>
-              <a:t>both register and dual-stack based </a:t>
-            </a:r>
-            <a:r>
-              <a:rPr lang="en-US" sz="1200" kern="1200" dirty="0" smtClean="0">
-                <a:solidFill>
-                  <a:schemeClr val="tx1"/>
-                </a:solidFill>
-                <a:effectLst/>
-                <a:latin typeface="+mn-lt"/>
-                <a:ea typeface="+mn-ea"/>
-                <a:cs typeface="+mn-cs"/>
-              </a:rPr>
-              <a:t>coding, </a:t>
-            </a:r>
-            <a:r>
-              <a:rPr lang="en-US" sz="1200" kern="1200" dirty="0" smtClean="0">
-                <a:solidFill>
-                  <a:schemeClr val="tx1"/>
-                </a:solidFill>
-                <a:effectLst/>
-                <a:latin typeface="+mn-lt"/>
-                <a:ea typeface="+mn-ea"/>
-                <a:cs typeface="+mn-cs"/>
-              </a:rPr>
-              <a:t>What is not </a:t>
-            </a:r>
-            <a:r>
-              <a:rPr lang="en-US" sz="1200" kern="1200" dirty="0" smtClean="0">
-                <a:solidFill>
-                  <a:schemeClr val="tx1"/>
-                </a:solidFill>
-                <a:effectLst/>
-                <a:latin typeface="+mn-lt"/>
-                <a:ea typeface="+mn-ea"/>
-                <a:cs typeface="+mn-cs"/>
-              </a:rPr>
-              <a:t>specified</a:t>
+              <a:t>nstruction set support for both register and dual-stack based coding; What is not specified;</a:t>
             </a:r>
             <a:r>
               <a:rPr lang="en-US" sz="1200" kern="1200" baseline="0" dirty="0" smtClean="0">
-                <a:solidFill>
-                  <a:schemeClr val="tx1"/>
-                </a:solidFill>
-                <a:effectLst/>
-                <a:latin typeface="+mn-lt"/>
-                <a:ea typeface="+mn-ea"/>
-                <a:cs typeface="+mn-cs"/>
-              </a:rPr>
-              <a:t> &amp;</a:t>
-            </a:r>
-            <a:r>
-              <a:rPr lang="en-US" sz="1200" kern="1200" dirty="0" smtClean="0">
                 <a:solidFill>
                   <a:schemeClr val="tx1"/>
                 </a:solidFill>
@@ -6751,14 +6699,6 @@
           <a:bodyPr/>
           <a:lstStyle/>
           <a:p>
-            <a:r>
-              <a:rPr lang="en-US" dirty="0" smtClean="0"/>
-              <a:t>Little endian</a:t>
-            </a:r>
-            <a:r>
-              <a:rPr lang="en-US" baseline="0" dirty="0" smtClean="0"/>
-              <a:t> dominates, so am using it.  Op-code starts at the instruction LSB.  R, S, T &amp; D are register address fields.  X’s are op-code bits.  Register address field locations do not vary among various size instructions. A zero byte is a trap instruction.</a:t>
-            </a:r>
             <a:endParaRPr lang="en-US" dirty="0"/>
           </a:p>
         </p:txBody>
@@ -6858,7 +6798,7 @@
     </p:spTree>
     <p:extLst>
       <p:ext uri="{BB962C8B-B14F-4D97-AF65-F5344CB8AC3E}">
-        <p14:creationId xmlns:p14="http://schemas.microsoft.com/office/powerpoint/2010/main" val="2880589634"/>
+        <p14:creationId xmlns:p14="http://schemas.microsoft.com/office/powerpoint/2010/main" val="401731691"/>
       </p:ext>
     </p:extLst>
   </p:cSld>
@@ -6914,11 +6854,11 @@
           <a:p>
             <a:r>
               <a:rPr lang="en-US" dirty="0" smtClean="0"/>
-              <a:t>Residue</a:t>
+              <a:t>Little endian</a:t>
             </a:r>
             <a:r>
               <a:rPr lang="en-US" baseline="0" dirty="0" smtClean="0"/>
-              <a:t> is register 28 and PC is register 31.  N indicates 2’s complement constant, I indicates using D register data type.  24-bit instructions have a full set of indexed or base + offset load/store instructions</a:t>
+              <a:t> dominates, so am using it.  Op-code starts at the instruction LSB.  R, S, T &amp; D are register address fields.  X’s are op-code bits.  Register address field locations do not vary among various size instructions. A zero instruction byte is a trap instruction.</a:t>
             </a:r>
             <a:endParaRPr lang="en-US" dirty="0"/>
           </a:p>
@@ -7019,7 +6959,7 @@
     </p:spTree>
     <p:extLst>
       <p:ext uri="{BB962C8B-B14F-4D97-AF65-F5344CB8AC3E}">
-        <p14:creationId xmlns:p14="http://schemas.microsoft.com/office/powerpoint/2010/main" val="1710364663"/>
+        <p14:creationId xmlns:p14="http://schemas.microsoft.com/office/powerpoint/2010/main" val="2880589634"/>
       </p:ext>
     </p:extLst>
   </p:cSld>
@@ -7075,11 +7015,11 @@
           <a:p>
             <a:r>
               <a:rPr lang="en-US" dirty="0" smtClean="0"/>
-              <a:t>This gives a flavor of the op-codes, see the spreadsheet</a:t>
+              <a:t>Residue</a:t>
             </a:r>
             <a:r>
               <a:rPr lang="en-US" baseline="0" dirty="0" smtClean="0"/>
-              <a:t> for complete list and their formats.  Without tags would need four sets of each instruction.</a:t>
+              <a:t> is register 28 and PC is register 31.  N indicates 2’s complement constant, I indicates using D register data type.  24-bit instructions have a full set of indexed or base + offset load/store instructions.  SHFTI &amp; EXTCTI could be replaced by load/store byte absolute.</a:t>
             </a:r>
             <a:endParaRPr lang="en-US" dirty="0"/>
           </a:p>
@@ -7371,7 +7311,7 @@
           <a:p>
             <a:fld id="{597B3554-E48D-4042-8BC8-156CF19819B1}" type="datetime1">
               <a:rPr lang="en-US" smtClean="0"/>
-              <a:t>2/22/2025</a:t>
+              <a:t>2/23/2025</a:t>
             </a:fld>
             <a:endParaRPr lang="en-US"/>
           </a:p>
@@ -7541,7 +7481,7 @@
           <a:p>
             <a:fld id="{08748482-27D4-4490-93F1-FC478CD1D69D}" type="datetime1">
               <a:rPr lang="en-US" smtClean="0"/>
-              <a:t>2/22/2025</a:t>
+              <a:t>2/23/2025</a:t>
             </a:fld>
             <a:endParaRPr lang="en-US"/>
           </a:p>
@@ -7721,7 +7661,7 @@
           <a:p>
             <a:fld id="{5803C183-9D35-4B57-BCA0-E77552C5783A}" type="datetime1">
               <a:rPr lang="en-US" smtClean="0"/>
-              <a:t>2/22/2025</a:t>
+              <a:t>2/23/2025</a:t>
             </a:fld>
             <a:endParaRPr lang="en-US"/>
           </a:p>
@@ -7891,7 +7831,7 @@
           <a:p>
             <a:fld id="{D106FFBC-5CCE-47DA-92C8-69397CF800F5}" type="datetime1">
               <a:rPr lang="en-US" smtClean="0"/>
-              <a:t>2/22/2025</a:t>
+              <a:t>2/23/2025</a:t>
             </a:fld>
             <a:endParaRPr lang="en-US"/>
           </a:p>
@@ -8137,7 +8077,7 @@
           <a:p>
             <a:fld id="{7A851FC4-1B5A-4A7C-AA95-15844BE05AA9}" type="datetime1">
               <a:rPr lang="en-US" smtClean="0"/>
-              <a:t>2/22/2025</a:t>
+              <a:t>2/23/2025</a:t>
             </a:fld>
             <a:endParaRPr lang="en-US"/>
           </a:p>
@@ -8425,7 +8365,7 @@
           <a:p>
             <a:fld id="{C01B0DD6-CB45-457F-A1DA-9E3A0E3683D6}" type="datetime1">
               <a:rPr lang="en-US" smtClean="0"/>
-              <a:t>2/22/2025</a:t>
+              <a:t>2/23/2025</a:t>
             </a:fld>
             <a:endParaRPr lang="en-US"/>
           </a:p>
@@ -8847,7 +8787,7 @@
           <a:p>
             <a:fld id="{CA458FD7-BAE3-4CDD-8C19-AD20F5972751}" type="datetime1">
               <a:rPr lang="en-US" smtClean="0"/>
-              <a:t>2/22/2025</a:t>
+              <a:t>2/23/2025</a:t>
             </a:fld>
             <a:endParaRPr lang="en-US"/>
           </a:p>
@@ -8965,7 +8905,7 @@
           <a:p>
             <a:fld id="{AC9E4D94-E4FF-4667-9276-D4665BFC9DCB}" type="datetime1">
               <a:rPr lang="en-US" smtClean="0"/>
-              <a:t>2/22/2025</a:t>
+              <a:t>2/23/2025</a:t>
             </a:fld>
             <a:endParaRPr lang="en-US"/>
           </a:p>
@@ -9060,7 +9000,7 @@
           <a:p>
             <a:fld id="{5D8DFC15-7203-4972-853B-6FEACD84F7DF}" type="datetime1">
               <a:rPr lang="en-US" smtClean="0"/>
-              <a:t>2/22/2025</a:t>
+              <a:t>2/23/2025</a:t>
             </a:fld>
             <a:endParaRPr lang="en-US"/>
           </a:p>
@@ -9337,7 +9277,7 @@
           <a:p>
             <a:fld id="{3551DEEB-6358-41BB-B985-D3DD34568FA1}" type="datetime1">
               <a:rPr lang="en-US" smtClean="0"/>
-              <a:t>2/22/2025</a:t>
+              <a:t>2/23/2025</a:t>
             </a:fld>
             <a:endParaRPr lang="en-US"/>
           </a:p>
@@ -9590,7 +9530,7 @@
           <a:p>
             <a:fld id="{E4ACCB68-27F7-431D-B234-05878582807D}" type="datetime1">
               <a:rPr lang="en-US" smtClean="0"/>
-              <a:t>2/22/2025</a:t>
+              <a:t>2/23/2025</a:t>
             </a:fld>
             <a:endParaRPr lang="en-US"/>
           </a:p>
@@ -9803,7 +9743,7 @@
           <a:p>
             <a:fld id="{FC27569B-FE9D-4E13-9399-A8B5AD924944}" type="datetime1">
               <a:rPr lang="en-US" smtClean="0"/>
-              <a:t>2/22/2025</a:t>
+              <a:t>2/23/2025</a:t>
             </a:fld>
             <a:endParaRPr lang="en-US"/>
           </a:p>
@@ -10375,18 +10315,18 @@
         <p:spPr>
           <a:xfrm>
             <a:off x="457200" y="274638"/>
-            <a:ext cx="8229600" cy="792162"/>
+            <a:ext cx="8229600" cy="639762"/>
           </a:xfrm>
         </p:spPr>
         <p:txBody>
           <a:bodyPr>
-            <a:normAutofit/>
+            <a:noAutofit/>
           </a:bodyPr>
           <a:lstStyle/>
           <a:p>
             <a:r>
               <a:rPr lang="en-US" sz="4000" dirty="0" smtClean="0"/>
-              <a:t>Variable length immediate formats</a:t>
+              <a:t>TROC 24 &amp; 32-bit Op-code list</a:t>
             </a:r>
             <a:endParaRPr lang="en-US" sz="4000" dirty="0"/>
           </a:p>
@@ -10405,108 +10345,475 @@
         <p:spPr>
           <a:xfrm>
             <a:off x="533400" y="1066800"/>
-            <a:ext cx="8229600" cy="5181600"/>
+            <a:ext cx="8229600" cy="5257800"/>
           </a:xfrm>
         </p:spPr>
         <p:txBody>
-          <a:bodyPr numCol="1">
-            <a:normAutofit lnSpcReduction="10000"/>
+          <a:bodyPr numCol="2" spcCol="274320">
+            <a:noAutofit/>
           </a:bodyPr>
           <a:lstStyle/>
           <a:p>
-            <a:r>
-              <a:rPr lang="en-US" sz="3000" dirty="0" smtClean="0"/>
-              <a:t>N or I field is five bits</a:t>
-            </a:r>
-          </a:p>
-          <a:p>
-            <a:r>
-              <a:rPr lang="en-US" sz="3000" dirty="0" smtClean="0"/>
-              <a:t>For troc16_16hwa if N=“10000” then the next 16-bits is the immediate, otherwise the values can be from -15 to +15.</a:t>
-            </a:r>
-          </a:p>
-          <a:p>
-            <a:r>
-              <a:rPr lang="en-US" sz="3000" dirty="0" smtClean="0"/>
-              <a:t>For 24 &amp; 32-bit instructions there are several format choices.</a:t>
-            </a:r>
-          </a:p>
-          <a:p>
-            <a:pPr lvl="1"/>
-            <a:r>
-              <a:rPr lang="en-US" sz="2600" dirty="0" smtClean="0"/>
-              <a:t>Allocating four bits and the next byte eight bits allows a 12-bit signed </a:t>
-            </a:r>
-            <a:r>
-              <a:rPr lang="en-US" sz="2600" dirty="0" smtClean="0"/>
-              <a:t>immediate:  </a:t>
-            </a:r>
-            <a:r>
-              <a:rPr lang="en-US" sz="2400" dirty="0" err="1" smtClean="0"/>
-              <a:t>s</a:t>
-            </a:r>
-            <a:r>
-              <a:rPr lang="en-US" sz="2400" dirty="0" err="1" smtClean="0"/>
-              <a:t>nnnnnnn</a:t>
-            </a:r>
-            <a:r>
-              <a:rPr lang="en-US" sz="2400" dirty="0" smtClean="0"/>
-              <a:t> nnnn1 </a:t>
-            </a:r>
-          </a:p>
-          <a:p>
-            <a:pPr marL="457200" lvl="1" indent="0">
+            <a:pPr marL="0" indent="0">
               <a:buNone/>
             </a:pPr>
             <a:r>
-              <a:rPr lang="en-US" sz="2600" dirty="0" smtClean="0"/>
-              <a:t>This </a:t>
-            </a:r>
-            <a:r>
-              <a:rPr lang="en-US" sz="2600" dirty="0" smtClean="0"/>
-              <a:t>leaves four codes to indicate the size of the following </a:t>
-            </a:r>
-            <a:r>
-              <a:rPr lang="en-US" sz="2600" dirty="0" smtClean="0"/>
-              <a:t>immediate: </a:t>
-            </a:r>
-            <a:r>
-              <a:rPr lang="en-US" sz="2400" dirty="0" smtClean="0"/>
-              <a:t>10ss0</a:t>
-            </a:r>
-          </a:p>
-          <a:p>
-            <a:pPr marL="457200" lvl="1" indent="0">
+              <a:rPr lang="en-US" sz="1800" dirty="0" smtClean="0"/>
+              <a:t>LDU8</a:t>
+            </a:r>
+            <a:r>
+              <a:rPr lang="en-US" sz="1800" dirty="0"/>
+              <a:t>, LDU16, LDU24, </a:t>
+            </a:r>
+            <a:r>
+              <a:rPr lang="en-US" sz="1800" dirty="0" smtClean="0"/>
+              <a:t>LDU32,</a:t>
+            </a:r>
+          </a:p>
+          <a:p>
+            <a:pPr marL="0" indent="0">
               <a:buNone/>
             </a:pPr>
             <a:r>
-              <a:rPr lang="en-US" sz="2600" dirty="0" smtClean="0"/>
-              <a:t>Or </a:t>
-            </a:r>
-            <a:r>
-              <a:rPr lang="en-US" sz="2600" dirty="0" smtClean="0"/>
-              <a:t>a value from -4 to </a:t>
-            </a:r>
-            <a:r>
-              <a:rPr lang="en-US" sz="2600" dirty="0" smtClean="0"/>
-              <a:t>7</a:t>
-            </a:r>
-            <a:r>
-              <a:rPr lang="en-US" sz="2600" dirty="0" smtClean="0"/>
-              <a:t>:  </a:t>
-            </a:r>
-            <a:r>
-              <a:rPr lang="en-US" sz="2400" dirty="0"/>
-              <a:t>-4…-1: 11nn0 or  0…7: 0nnn0</a:t>
-            </a:r>
-            <a:endParaRPr lang="en-US" sz="2600" dirty="0" smtClean="0"/>
+              <a:rPr lang="en-US" sz="1800" dirty="0" smtClean="0"/>
+              <a:t>LD8</a:t>
+            </a:r>
+            <a:r>
+              <a:rPr lang="en-US" sz="1800" dirty="0"/>
+              <a:t>, LD16, LD24, </a:t>
+            </a:r>
+            <a:r>
+              <a:rPr lang="en-US" sz="1800" dirty="0" smtClean="0"/>
+              <a:t>LD32, </a:t>
+            </a:r>
+          </a:p>
+          <a:p>
+            <a:pPr marL="0" indent="0">
+              <a:buNone/>
+            </a:pPr>
+            <a:r>
+              <a:rPr lang="en-US" sz="1800" dirty="0" smtClean="0"/>
+              <a:t>FLD8</a:t>
+            </a:r>
+            <a:r>
+              <a:rPr lang="en-US" sz="1800" dirty="0"/>
+              <a:t>, </a:t>
+            </a:r>
+            <a:r>
+              <a:rPr lang="en-US" sz="1800" dirty="0" smtClean="0"/>
+              <a:t>FLD16</a:t>
+            </a:r>
+            <a:r>
+              <a:rPr lang="en-US" sz="1800" dirty="0"/>
+              <a:t>, FLD24, </a:t>
+            </a:r>
+            <a:r>
+              <a:rPr lang="en-US" sz="1800" dirty="0" smtClean="0"/>
+              <a:t>FLD32, </a:t>
+            </a:r>
+          </a:p>
+          <a:p>
+            <a:pPr marL="0" indent="0">
+              <a:buNone/>
+            </a:pPr>
+            <a:r>
+              <a:rPr lang="en-US" sz="1800" dirty="0" smtClean="0"/>
+              <a:t>PLD8</a:t>
+            </a:r>
+            <a:r>
+              <a:rPr lang="en-US" sz="1800" dirty="0"/>
+              <a:t>, PLD16, PLD24, PLD32, </a:t>
+            </a:r>
+            <a:endParaRPr lang="en-US" sz="1800" dirty="0" smtClean="0"/>
+          </a:p>
+          <a:p>
+            <a:pPr marL="0" indent="0">
+              <a:buNone/>
+            </a:pPr>
+            <a:r>
+              <a:rPr lang="en-US" sz="1800" dirty="0" smtClean="0"/>
+              <a:t>LEA8</a:t>
+            </a:r>
+            <a:r>
+              <a:rPr lang="en-US" sz="1800" dirty="0"/>
+              <a:t>, LEA16, LEA24, LEA32, </a:t>
+            </a:r>
+            <a:endParaRPr lang="en-US" sz="1800" dirty="0" smtClean="0"/>
+          </a:p>
+          <a:p>
+            <a:pPr marL="0" indent="0">
+              <a:buNone/>
+            </a:pPr>
+            <a:r>
+              <a:rPr lang="en-US" sz="1800" dirty="0" smtClean="0"/>
+              <a:t>ST8</a:t>
+            </a:r>
+            <a:r>
+              <a:rPr lang="en-US" sz="1800" dirty="0"/>
+              <a:t>, ST16, ST24, ST32, </a:t>
+            </a:r>
+            <a:endParaRPr lang="en-US" sz="1800" dirty="0" smtClean="0"/>
+          </a:p>
+          <a:p>
+            <a:pPr marL="0" indent="0">
+              <a:buNone/>
+            </a:pPr>
+            <a:r>
+              <a:rPr lang="en-US" sz="1800" dirty="0" smtClean="0"/>
+              <a:t>ADD</a:t>
+            </a:r>
+            <a:r>
+              <a:rPr lang="en-US" sz="1800" dirty="0"/>
+              <a:t>, ADDI, SUB, SUBI, </a:t>
+            </a:r>
+            <a:endParaRPr lang="en-US" sz="1800" dirty="0" smtClean="0"/>
+          </a:p>
+          <a:p>
+            <a:pPr marL="0" indent="0">
+              <a:buNone/>
+            </a:pPr>
+            <a:r>
+              <a:rPr lang="en-US" sz="1800" dirty="0" smtClean="0"/>
+              <a:t>MUL</a:t>
+            </a:r>
+            <a:r>
+              <a:rPr lang="en-US" sz="1800" dirty="0"/>
+              <a:t>, MULI, MAC, DIV, DIVI, </a:t>
+            </a:r>
+            <a:endParaRPr lang="en-US" sz="1800" dirty="0" smtClean="0"/>
+          </a:p>
+          <a:p>
+            <a:pPr marL="0" indent="0">
+              <a:buNone/>
+            </a:pPr>
+            <a:r>
+              <a:rPr lang="en-US" sz="1800" dirty="0" smtClean="0"/>
+              <a:t>AND</a:t>
+            </a:r>
+            <a:r>
+              <a:rPr lang="en-US" sz="1800" dirty="0"/>
+              <a:t>, ANDI, OR, ORI, </a:t>
+            </a:r>
+            <a:endParaRPr lang="en-US" sz="1800" dirty="0" smtClean="0"/>
+          </a:p>
+          <a:p>
+            <a:pPr marL="0" indent="0">
+              <a:buNone/>
+            </a:pPr>
+            <a:r>
+              <a:rPr lang="en-US" sz="1800" dirty="0" smtClean="0"/>
+              <a:t>XOR</a:t>
+            </a:r>
+            <a:r>
+              <a:rPr lang="en-US" sz="1800" dirty="0"/>
+              <a:t>, XORI, CMP, CMPI, </a:t>
+            </a:r>
+            <a:endParaRPr lang="en-US" sz="1800" dirty="0" smtClean="0"/>
+          </a:p>
+          <a:p>
+            <a:pPr marL="0" indent="0">
+              <a:buNone/>
+            </a:pPr>
+            <a:r>
+              <a:rPr lang="en-US" sz="1800" dirty="0" smtClean="0"/>
+              <a:t>FATAN2PI</a:t>
+            </a:r>
+            <a:r>
+              <a:rPr lang="en-US" sz="1800" dirty="0"/>
+              <a:t>, FPOW, FPOWI, </a:t>
+            </a:r>
+            <a:endParaRPr lang="en-US" sz="1800" dirty="0" smtClean="0"/>
+          </a:p>
+          <a:p>
+            <a:pPr marL="0" indent="0">
+              <a:buNone/>
+            </a:pPr>
+            <a:r>
+              <a:rPr lang="en-US" sz="1800" dirty="0" smtClean="0"/>
+              <a:t>INSRT</a:t>
+            </a:r>
+            <a:r>
+              <a:rPr lang="en-US" sz="1800" dirty="0"/>
+              <a:t>, INSRTI, EXTRCT, EXTRCTI, </a:t>
+            </a:r>
+            <a:endParaRPr lang="en-US" sz="1800" dirty="0" smtClean="0"/>
+          </a:p>
+          <a:p>
+            <a:pPr marL="0" indent="0">
+              <a:buNone/>
+            </a:pPr>
+            <a:r>
+              <a:rPr lang="en-US" sz="1800" dirty="0" smtClean="0"/>
+              <a:t>ROL</a:t>
+            </a:r>
+            <a:r>
+              <a:rPr lang="en-US" sz="1800" dirty="0"/>
+              <a:t>, ROLI, SHR, SHRI, </a:t>
+            </a:r>
+            <a:endParaRPr lang="en-US" sz="1800" dirty="0" smtClean="0"/>
+          </a:p>
+          <a:p>
+            <a:pPr marL="0" indent="0">
+              <a:buNone/>
+            </a:pPr>
+            <a:r>
+              <a:rPr lang="en-US" sz="1800" dirty="0" smtClean="0"/>
+              <a:t>ASR</a:t>
+            </a:r>
+            <a:r>
+              <a:rPr lang="en-US" sz="1800" dirty="0"/>
+              <a:t>, ASRI, SHL, SHLI, </a:t>
+            </a:r>
+            <a:endParaRPr lang="en-US" sz="1800" dirty="0" smtClean="0"/>
+          </a:p>
+          <a:p>
+            <a:pPr marL="0" indent="0">
+              <a:buNone/>
+            </a:pPr>
+            <a:r>
+              <a:rPr lang="en-US" sz="1800" dirty="0" err="1" smtClean="0"/>
+              <a:t>JMPcc</a:t>
+            </a:r>
+            <a:r>
+              <a:rPr lang="en-US" sz="1800" dirty="0"/>
+              <a:t>, </a:t>
+            </a:r>
+            <a:r>
+              <a:rPr lang="en-US" sz="1800" dirty="0" err="1"/>
+              <a:t>CALLcc</a:t>
+            </a:r>
+            <a:r>
+              <a:rPr lang="en-US" sz="1800" dirty="0"/>
+              <a:t>, </a:t>
+            </a:r>
+            <a:r>
+              <a:rPr lang="en-US" sz="1800" dirty="0" err="1"/>
+              <a:t>BRcc</a:t>
+            </a:r>
+            <a:r>
+              <a:rPr lang="en-US" sz="1800" dirty="0"/>
+              <a:t>, </a:t>
+            </a:r>
+            <a:r>
+              <a:rPr lang="en-US" sz="1800" dirty="0" err="1"/>
+              <a:t>BSRcc</a:t>
+            </a:r>
+            <a:r>
+              <a:rPr lang="en-US" sz="1800" dirty="0"/>
+              <a:t>, </a:t>
+            </a:r>
+            <a:endParaRPr lang="en-US" sz="1800" dirty="0" smtClean="0"/>
+          </a:p>
+          <a:p>
+            <a:pPr marL="0" indent="0">
+              <a:buNone/>
+            </a:pPr>
+            <a:r>
+              <a:rPr lang="en-US" sz="1800" dirty="0" smtClean="0"/>
+              <a:t>BBS</a:t>
+            </a:r>
+            <a:r>
+              <a:rPr lang="en-US" sz="1800" dirty="0"/>
+              <a:t>, BBC, </a:t>
+            </a:r>
+            <a:r>
+              <a:rPr lang="en-US" sz="1800" dirty="0" err="1"/>
+              <a:t>BRccRC</a:t>
+            </a:r>
+            <a:r>
+              <a:rPr lang="en-US" sz="1800" dirty="0"/>
+              <a:t>, </a:t>
+            </a:r>
+            <a:r>
+              <a:rPr lang="en-US" sz="1800" dirty="0" err="1"/>
+              <a:t>JMPccRC</a:t>
+            </a:r>
+            <a:r>
+              <a:rPr lang="en-US" sz="1800" dirty="0"/>
+              <a:t>, </a:t>
+            </a:r>
+            <a:endParaRPr lang="en-US" sz="1800" dirty="0" smtClean="0"/>
+          </a:p>
+          <a:p>
+            <a:pPr marL="0" indent="0">
+              <a:buNone/>
+            </a:pPr>
+            <a:r>
+              <a:rPr lang="en-US" sz="1800" dirty="0" smtClean="0"/>
+              <a:t>MAX</a:t>
+            </a:r>
+            <a:r>
+              <a:rPr lang="en-US" sz="1800" dirty="0"/>
+              <a:t>, MAXI, MIN, MINI</a:t>
+            </a:r>
+            <a:r>
+              <a:rPr lang="en-US" sz="1800" dirty="0" smtClean="0"/>
+              <a:t>, </a:t>
+            </a:r>
+          </a:p>
+          <a:p>
+            <a:pPr marL="0" indent="0">
+              <a:buNone/>
+            </a:pPr>
+            <a:r>
+              <a:rPr lang="en-US" sz="1800" dirty="0" smtClean="0"/>
+              <a:t>MEDIAN</a:t>
+            </a:r>
+            <a:r>
+              <a:rPr lang="en-US" sz="1800" dirty="0"/>
+              <a:t>, EADD, EADDI, </a:t>
+            </a:r>
+            <a:endParaRPr lang="en-US" sz="1800" dirty="0" smtClean="0"/>
+          </a:p>
+          <a:p>
+            <a:pPr marL="0" indent="0">
+              <a:buNone/>
+            </a:pPr>
+            <a:r>
+              <a:rPr lang="en-US" sz="1800" dirty="0" smtClean="0"/>
+              <a:t>VECT</a:t>
+            </a:r>
+            <a:r>
+              <a:rPr lang="en-US" sz="1800" dirty="0"/>
+              <a:t>, </a:t>
+            </a:r>
+            <a:r>
+              <a:rPr lang="en-US" sz="1800" dirty="0" smtClean="0"/>
+              <a:t>LOOP</a:t>
+            </a:r>
+            <a:r>
+              <a:rPr lang="en-US" sz="1800" dirty="0"/>
+              <a:t>, </a:t>
+            </a:r>
+            <a:r>
+              <a:rPr lang="en-US" sz="1600" dirty="0" smtClean="0"/>
+              <a:t>LOOPI (My 66000 instructions)</a:t>
+            </a:r>
+            <a:endParaRPr lang="en-US" sz="1800" dirty="0" smtClean="0"/>
+          </a:p>
+          <a:p>
+            <a:pPr marL="0" indent="0">
+              <a:buNone/>
+            </a:pPr>
+            <a:r>
+              <a:rPr lang="en-US" sz="1800" dirty="0" smtClean="0"/>
+              <a:t>TRAP</a:t>
+            </a:r>
+            <a:r>
+              <a:rPr lang="en-US" sz="1800" dirty="0"/>
+              <a:t>, BKPT, </a:t>
+            </a:r>
+            <a:r>
+              <a:rPr lang="en-US" sz="1800" dirty="0" smtClean="0"/>
+              <a:t>ALIGNW</a:t>
+            </a:r>
+            <a:r>
+              <a:rPr lang="en-US" sz="1800" dirty="0"/>
+              <a:t>, </a:t>
+            </a:r>
+            <a:r>
+              <a:rPr lang="en-US" sz="1800" dirty="0" smtClean="0"/>
+              <a:t>ALIGNC  </a:t>
+            </a:r>
+          </a:p>
+          <a:p>
+            <a:pPr marL="0" indent="0">
+              <a:buNone/>
+            </a:pPr>
+            <a:endParaRPr lang="en-US" sz="1800" dirty="0" smtClean="0"/>
+          </a:p>
+          <a:p>
+            <a:pPr marL="0" indent="0">
+              <a:buNone/>
+            </a:pPr>
+            <a:r>
+              <a:rPr lang="en-US" sz="1800" dirty="0"/>
+              <a:t>T</a:t>
+            </a:r>
+            <a:r>
+              <a:rPr lang="en-US" sz="1800" dirty="0" smtClean="0"/>
+              <a:t>hree operand only (32-bit)</a:t>
+            </a:r>
+          </a:p>
+          <a:p>
+            <a:pPr marL="0" indent="0">
+              <a:buNone/>
+            </a:pPr>
+            <a:r>
+              <a:rPr lang="en-US" sz="1800" dirty="0" smtClean="0"/>
+              <a:t>MMOV, PCND, PCB1, STM, </a:t>
+            </a:r>
+          </a:p>
+          <a:p>
+            <a:pPr marL="0" indent="0">
+              <a:buNone/>
+            </a:pPr>
+            <a:r>
+              <a:rPr lang="en-US" sz="1800" dirty="0" smtClean="0"/>
+              <a:t>LDM, CASE, MUX, MERGE</a:t>
+            </a:r>
+          </a:p>
+          <a:p>
+            <a:pPr marL="0" indent="0">
+              <a:buNone/>
+            </a:pPr>
+            <a:endParaRPr lang="en-US" sz="1800" dirty="0" smtClean="0"/>
+          </a:p>
+          <a:p>
+            <a:pPr marL="0" indent="0">
+              <a:buNone/>
+            </a:pPr>
+            <a:r>
+              <a:rPr lang="en-US" sz="1800" dirty="0" smtClean="0"/>
+              <a:t>~32 single operand (24-bit)</a:t>
+            </a:r>
+          </a:p>
+          <a:p>
+            <a:pPr marL="0" indent="0">
+              <a:buNone/>
+            </a:pPr>
+            <a:r>
+              <a:rPr lang="en-US" sz="1800" dirty="0"/>
+              <a:t>LDZCNT, LD1CNT, TRZCNT, TR1CNT</a:t>
+            </a:r>
+          </a:p>
+          <a:p>
+            <a:pPr marL="0" indent="0">
+              <a:buNone/>
+            </a:pPr>
+            <a:r>
+              <a:rPr lang="en-US" sz="1800" dirty="0" smtClean="0"/>
+              <a:t>POPCNT, SINPI</a:t>
+            </a:r>
+            <a:r>
+              <a:rPr lang="en-US" sz="1800" dirty="0"/>
+              <a:t>, COSPI, </a:t>
+            </a:r>
+            <a:r>
+              <a:rPr lang="en-US" sz="1800" dirty="0" smtClean="0"/>
+              <a:t>TANPI, </a:t>
+            </a:r>
+            <a:endParaRPr lang="en-US" sz="1800" dirty="0"/>
+          </a:p>
+          <a:p>
+            <a:pPr marL="0" indent="0">
+              <a:buNone/>
+            </a:pPr>
+            <a:r>
+              <a:rPr lang="en-US" sz="1800" dirty="0"/>
+              <a:t>ASINPI, ACOSPI, </a:t>
+            </a:r>
+            <a:r>
+              <a:rPr lang="en-US" sz="1800" dirty="0" smtClean="0"/>
+              <a:t>ATANPI, …</a:t>
+            </a:r>
           </a:p>
         </p:txBody>
       </p:sp>
     </p:spTree>
     <p:extLst>
       <p:ext uri="{BB962C8B-B14F-4D97-AF65-F5344CB8AC3E}">
-        <p14:creationId xmlns:p14="http://schemas.microsoft.com/office/powerpoint/2010/main" val="2359068046"/>
+        <p14:creationId xmlns:p14="http://schemas.microsoft.com/office/powerpoint/2010/main" val="3925111156"/>
       </p:ext>
     </p:extLst>
   </p:cSld>
@@ -10564,7 +10871,7 @@
           <a:p>
             <a:r>
               <a:rPr lang="en-US" sz="4000" dirty="0" smtClean="0"/>
-              <a:t>Data formats</a:t>
+              <a:t>Variable length immediate values</a:t>
             </a:r>
             <a:endParaRPr lang="en-US" sz="4000" dirty="0"/>
           </a:p>
@@ -10582,59 +10889,95 @@
         </p:nvSpPr>
         <p:spPr>
           <a:xfrm>
-            <a:off x="457200" y="1219200"/>
+            <a:off x="533400" y="1066800"/>
             <a:ext cx="8229600" cy="5181600"/>
           </a:xfrm>
         </p:spPr>
         <p:txBody>
           <a:bodyPr numCol="1">
-            <a:normAutofit/>
+            <a:normAutofit lnSpcReduction="10000"/>
           </a:bodyPr>
           <a:lstStyle/>
           <a:p>
             <a:r>
+              <a:rPr lang="en-US" sz="3000" dirty="0" smtClean="0"/>
+              <a:t>N or I field is five bits</a:t>
+            </a:r>
+          </a:p>
+          <a:p>
+            <a:r>
+              <a:rPr lang="en-US" sz="3000" dirty="0" smtClean="0"/>
+              <a:t>For troc16_16hwa if N=“10000” then the next 16-bits is the immediate, otherwise the values can be from -15 to +15.</a:t>
+            </a:r>
+          </a:p>
+          <a:p>
+            <a:r>
+              <a:rPr lang="en-US" sz="3000" dirty="0" smtClean="0"/>
+              <a:t>For 24 &amp; 32-bit instructions there are several format choices.</a:t>
+            </a:r>
+          </a:p>
+          <a:p>
+            <a:pPr marL="457200" lvl="1" indent="0">
+              <a:buNone/>
+            </a:pPr>
+            <a:r>
               <a:rPr lang="en-US" sz="2600" dirty="0" smtClean="0"/>
-              <a:t>Unsigned is the usual binary</a:t>
-            </a:r>
-          </a:p>
-          <a:p>
+              <a:t>Allocating four bits and the next byte allows a 12-bit signed immediate:  </a:t>
+            </a:r>
+            <a:r>
+              <a:rPr lang="en-US" sz="2400" i="1" dirty="0" err="1" smtClean="0"/>
+              <a:t>snnnnnnn</a:t>
+            </a:r>
+            <a:r>
+              <a:rPr lang="en-US" sz="2400" i="1" dirty="0" smtClean="0"/>
+              <a:t> nnnn1 </a:t>
+            </a:r>
+          </a:p>
+          <a:p>
+            <a:pPr marL="457200" lvl="1" indent="0">
+              <a:buNone/>
+            </a:pPr>
             <a:r>
               <a:rPr lang="en-US" sz="2600" dirty="0" smtClean="0"/>
-              <a:t>Signed can be either two’s complement or sign and magnitude with sign at the least significant end</a:t>
-            </a:r>
-          </a:p>
-          <a:p>
+              <a:t>This leaves four codes to indicate the size of the following immediate: </a:t>
+            </a:r>
+            <a:r>
+              <a:rPr lang="en-US" sz="2400" i="1" dirty="0" smtClean="0"/>
+              <a:t>10ss0</a:t>
+            </a:r>
+          </a:p>
+          <a:p>
+            <a:pPr marL="457200" lvl="1" indent="0">
+              <a:buNone/>
+            </a:pPr>
             <a:r>
               <a:rPr lang="en-US" sz="2600" dirty="0" smtClean="0"/>
-              <a:t>Floats can use zero extension if both the exponent and the mantissa can be zero extended.  Implies exponent and mantissa signs in the middle with exponent first.</a:t>
-            </a:r>
-          </a:p>
-          <a:p>
-            <a:r>
-              <a:rPr lang="en-US" sz="2600" dirty="0" smtClean="0"/>
-              <a:t>Of the proposed floating-point formats, one typically converts between memory format and register format during memory load and store.  </a:t>
-            </a:r>
-            <a:r>
-              <a:rPr lang="en-US" sz="2600" dirty="0"/>
-              <a:t>T</a:t>
-            </a:r>
-            <a:r>
-              <a:rPr lang="en-US" sz="2600" dirty="0" smtClean="0"/>
-              <a:t>ag bits provided for additional exponent and mantissa bits.</a:t>
-            </a:r>
-          </a:p>
-          <a:p>
-            <a:r>
-              <a:rPr lang="en-US" sz="2600" dirty="0" smtClean="0"/>
-              <a:t>Other possible formats appear to require greater logic</a:t>
-            </a:r>
+              <a:t>And a value from -4 to 7:  </a:t>
+            </a:r>
+            <a:r>
+              <a:rPr lang="en-US" sz="2400" dirty="0"/>
+              <a:t>-4…-1: </a:t>
+            </a:r>
+            <a:r>
+              <a:rPr lang="en-US" sz="2400" i="1" dirty="0"/>
+              <a:t>11nn0</a:t>
+            </a:r>
+            <a:r>
+              <a:rPr lang="en-US" sz="2400" dirty="0"/>
+              <a:t> or  0…7: </a:t>
+            </a:r>
+            <a:r>
+              <a:rPr lang="en-US" sz="2400" i="1" dirty="0"/>
+              <a:t>0nnn0</a:t>
+            </a:r>
+            <a:endParaRPr lang="en-US" sz="2600" i="1" dirty="0" smtClean="0"/>
           </a:p>
         </p:txBody>
       </p:sp>
     </p:spTree>
     <p:extLst>
       <p:ext uri="{BB962C8B-B14F-4D97-AF65-F5344CB8AC3E}">
-        <p14:creationId xmlns:p14="http://schemas.microsoft.com/office/powerpoint/2010/main" val="2356612811"/>
+        <p14:creationId xmlns:p14="http://schemas.microsoft.com/office/powerpoint/2010/main" val="2359068046"/>
       </p:ext>
     </p:extLst>
   </p:cSld>
@@ -10692,7 +11035,7 @@
           <a:p>
             <a:r>
               <a:rPr lang="en-US" sz="4000" dirty="0" smtClean="0"/>
-              <a:t>Example 16-bit data formats</a:t>
+              <a:t>Data formats</a:t>
             </a:r>
             <a:endParaRPr lang="en-US" sz="4000" dirty="0"/>
           </a:p>
@@ -10710,543 +11053,55 @@
         </p:nvSpPr>
         <p:spPr>
           <a:xfrm>
-            <a:off x="457200" y="1295400"/>
+            <a:off x="457200" y="1219200"/>
             <a:ext cx="8229600" cy="5181600"/>
           </a:xfrm>
         </p:spPr>
         <p:txBody>
           <a:bodyPr numCol="1">
-            <a:normAutofit/>
+            <a:normAutofit lnSpcReduction="10000"/>
           </a:bodyPr>
           <a:lstStyle/>
           <a:p>
             <a:r>
               <a:rPr lang="en-US" sz="2600" dirty="0" smtClean="0"/>
-              <a:t>Unsigned</a:t>
-            </a:r>
-            <a:r>
-              <a:rPr lang="en-US" sz="2000" dirty="0" smtClean="0"/>
-              <a:t>, has type code of zero</a:t>
-            </a:r>
-          </a:p>
-          <a:p>
-            <a:pPr marL="457200" lvl="1" indent="0">
-              <a:spcAft>
-                <a:spcPts val="600"/>
-              </a:spcAft>
-              <a:buNone/>
-            </a:pPr>
-            <a:r>
-              <a:rPr lang="en-US" sz="2000" b="1" dirty="0" smtClean="0">
-                <a:latin typeface="Courier New" panose="02070309020205020404" pitchFamily="49" charset="0"/>
-                <a:cs typeface="Courier New" panose="02070309020205020404" pitchFamily="49" charset="0"/>
-              </a:rPr>
-              <a:t>0000 </a:t>
-            </a:r>
-            <a:r>
-              <a:rPr lang="en-US" sz="2000" b="1" dirty="0" err="1" smtClean="0">
-                <a:latin typeface="Courier New" panose="02070309020205020404" pitchFamily="49" charset="0"/>
-                <a:cs typeface="Courier New" panose="02070309020205020404" pitchFamily="49" charset="0"/>
-              </a:rPr>
-              <a:t>nnnn</a:t>
-            </a:r>
-            <a:r>
-              <a:rPr lang="en-US" sz="2000" b="1" dirty="0" smtClean="0">
-                <a:latin typeface="Courier New" panose="02070309020205020404" pitchFamily="49" charset="0"/>
-                <a:cs typeface="Courier New" panose="02070309020205020404" pitchFamily="49" charset="0"/>
-              </a:rPr>
-              <a:t> </a:t>
-            </a:r>
-            <a:r>
-              <a:rPr lang="en-US" sz="2000" b="1" dirty="0" err="1" smtClean="0">
-                <a:latin typeface="Courier New" panose="02070309020205020404" pitchFamily="49" charset="0"/>
-                <a:cs typeface="Courier New" panose="02070309020205020404" pitchFamily="49" charset="0"/>
-              </a:rPr>
-              <a:t>nnnn</a:t>
-            </a:r>
-            <a:r>
-              <a:rPr lang="en-US" sz="2000" b="1" dirty="0" smtClean="0">
-                <a:latin typeface="Courier New" panose="02070309020205020404" pitchFamily="49" charset="0"/>
-                <a:cs typeface="Courier New" panose="02070309020205020404" pitchFamily="49" charset="0"/>
-              </a:rPr>
-              <a:t> </a:t>
-            </a:r>
-            <a:r>
-              <a:rPr lang="en-US" sz="2000" b="1" dirty="0" err="1" smtClean="0">
-                <a:latin typeface="Courier New" panose="02070309020205020404" pitchFamily="49" charset="0"/>
-                <a:cs typeface="Courier New" panose="02070309020205020404" pitchFamily="49" charset="0"/>
-              </a:rPr>
-              <a:t>nnnn</a:t>
-            </a:r>
-            <a:r>
-              <a:rPr lang="en-US" sz="2000" b="1" dirty="0" smtClean="0">
-                <a:latin typeface="Courier New" panose="02070309020205020404" pitchFamily="49" charset="0"/>
-                <a:cs typeface="Courier New" panose="02070309020205020404" pitchFamily="49" charset="0"/>
-              </a:rPr>
-              <a:t> </a:t>
-            </a:r>
-            <a:r>
-              <a:rPr lang="en-US" sz="2000" b="1" dirty="0" err="1" smtClean="0">
-                <a:latin typeface="Courier New" panose="02070309020205020404" pitchFamily="49" charset="0"/>
-                <a:cs typeface="Courier New" panose="02070309020205020404" pitchFamily="49" charset="0"/>
-              </a:rPr>
-              <a:t>nnnn</a:t>
-            </a:r>
-            <a:r>
-              <a:rPr lang="en-US" sz="2000" dirty="0" smtClean="0">
-                <a:cs typeface="Courier New" panose="02070309020205020404" pitchFamily="49" charset="0"/>
-              </a:rPr>
-              <a:t> register format</a:t>
+              <a:t>Unsigned is the usual binary</a:t>
             </a:r>
           </a:p>
           <a:p>
             <a:r>
               <a:rPr lang="en-US" sz="2600" dirty="0" smtClean="0"/>
-              <a:t>Sign &amp; magnitude or 2’s complement</a:t>
-            </a:r>
-            <a:r>
-              <a:rPr lang="en-US" sz="2000" dirty="0" smtClean="0"/>
-              <a:t>, has type code of one</a:t>
-            </a:r>
-          </a:p>
-          <a:p>
-            <a:pPr marL="457200" lvl="1" indent="0">
-              <a:spcAft>
-                <a:spcPts val="600"/>
-              </a:spcAft>
-              <a:buNone/>
-            </a:pPr>
-            <a:r>
-              <a:rPr lang="en-US" sz="2000" b="1" dirty="0" smtClean="0">
-                <a:latin typeface="Courier New" panose="02070309020205020404" pitchFamily="49" charset="0"/>
-                <a:cs typeface="Courier New" panose="02070309020205020404" pitchFamily="49" charset="0"/>
-              </a:rPr>
-              <a:t>0100 </a:t>
-            </a:r>
-            <a:r>
-              <a:rPr lang="en-US" sz="2000" b="1" dirty="0" err="1">
-                <a:latin typeface="Courier New" panose="02070309020205020404" pitchFamily="49" charset="0"/>
-                <a:cs typeface="Courier New" panose="02070309020205020404" pitchFamily="49" charset="0"/>
-              </a:rPr>
-              <a:t>s</a:t>
-            </a:r>
-            <a:r>
-              <a:rPr lang="en-US" sz="2000" b="1" dirty="0" err="1" smtClean="0">
-                <a:latin typeface="Courier New" panose="02070309020205020404" pitchFamily="49" charset="0"/>
-                <a:cs typeface="Courier New" panose="02070309020205020404" pitchFamily="49" charset="0"/>
-              </a:rPr>
-              <a:t>nnn</a:t>
-            </a:r>
-            <a:r>
-              <a:rPr lang="en-US" sz="2000" b="1" dirty="0" smtClean="0">
-                <a:latin typeface="Courier New" panose="02070309020205020404" pitchFamily="49" charset="0"/>
-                <a:cs typeface="Courier New" panose="02070309020205020404" pitchFamily="49" charset="0"/>
-              </a:rPr>
-              <a:t> </a:t>
-            </a:r>
-            <a:r>
-              <a:rPr lang="en-US" sz="2000" b="1" dirty="0" err="1" smtClean="0">
-                <a:latin typeface="Courier New" panose="02070309020205020404" pitchFamily="49" charset="0"/>
-                <a:cs typeface="Courier New" panose="02070309020205020404" pitchFamily="49" charset="0"/>
-              </a:rPr>
-              <a:t>nnnn</a:t>
-            </a:r>
-            <a:r>
-              <a:rPr lang="en-US" sz="2000" b="1" dirty="0" smtClean="0">
-                <a:latin typeface="Courier New" panose="02070309020205020404" pitchFamily="49" charset="0"/>
-                <a:cs typeface="Courier New" panose="02070309020205020404" pitchFamily="49" charset="0"/>
-              </a:rPr>
-              <a:t> </a:t>
-            </a:r>
-            <a:r>
-              <a:rPr lang="en-US" sz="2000" b="1" dirty="0" err="1" smtClean="0">
-                <a:latin typeface="Courier New" panose="02070309020205020404" pitchFamily="49" charset="0"/>
-                <a:cs typeface="Courier New" panose="02070309020205020404" pitchFamily="49" charset="0"/>
-              </a:rPr>
-              <a:t>nnnn</a:t>
-            </a:r>
-            <a:r>
-              <a:rPr lang="en-US" sz="2000" b="1" dirty="0" smtClean="0">
-                <a:latin typeface="Courier New" panose="02070309020205020404" pitchFamily="49" charset="0"/>
-                <a:cs typeface="Courier New" panose="02070309020205020404" pitchFamily="49" charset="0"/>
-              </a:rPr>
-              <a:t> </a:t>
-            </a:r>
-            <a:r>
-              <a:rPr lang="en-US" sz="2000" b="1" dirty="0" err="1" smtClean="0">
-                <a:latin typeface="Courier New" panose="02070309020205020404" pitchFamily="49" charset="0"/>
-                <a:cs typeface="Courier New" panose="02070309020205020404" pitchFamily="49" charset="0"/>
-              </a:rPr>
-              <a:t>nnnn</a:t>
-            </a:r>
-            <a:r>
-              <a:rPr lang="en-US" sz="2000" b="1" dirty="0" smtClean="0">
-                <a:latin typeface="Courier New" panose="02070309020205020404" pitchFamily="49" charset="0"/>
-                <a:cs typeface="Courier New" panose="02070309020205020404" pitchFamily="49" charset="0"/>
-              </a:rPr>
-              <a:t>  </a:t>
-            </a:r>
-            <a:r>
-              <a:rPr lang="en-US" sz="2000" dirty="0" smtClean="0">
-                <a:cs typeface="Courier New" panose="02070309020205020404" pitchFamily="49" charset="0"/>
-              </a:rPr>
-              <a:t>sign could be at either end</a:t>
+              <a:t>Signed can be either two’s complement or sign and magnitude with sign at the least significant end</a:t>
             </a:r>
           </a:p>
           <a:p>
             <a:r>
               <a:rPr lang="en-US" sz="2600" dirty="0" smtClean="0"/>
-              <a:t>Simple float	</a:t>
-            </a:r>
+              <a:t>Floats can use zero extension if both the exponent and the mantissa can be zero extended.  Implies exponent and mantissa signs in the middle with exponent first.</a:t>
+            </a:r>
+          </a:p>
+          <a:p>
+            <a:endParaRPr lang="en-US" sz="2600" dirty="0" smtClean="0"/>
+          </a:p>
+          <a:p>
+            <a:r>
+              <a:rPr lang="en-US" sz="2600" dirty="0" smtClean="0"/>
+              <a:t>For floating-point one typically converts between memory format and register format during memory load and store.  </a:t>
+            </a:r>
+            <a:r>
+              <a:rPr lang="en-US" sz="2600" dirty="0"/>
+              <a:t>T</a:t>
+            </a:r>
+            <a:r>
+              <a:rPr lang="en-US" sz="2600" dirty="0" smtClean="0"/>
+              <a:t>ag bits provided for additional exponent and mantissa bits</a:t>
+            </a:r>
+          </a:p>
+          <a:p>
+            <a:pPr lvl="1"/>
             <a:r>
               <a:rPr lang="en-US" sz="2400" dirty="0" smtClean="0"/>
-              <a:t>arranged to support zero extension</a:t>
-            </a:r>
-            <a:endParaRPr lang="en-US" sz="2600" dirty="0" smtClean="0"/>
-          </a:p>
-          <a:p>
-            <a:pPr marL="457200" lvl="1" indent="0">
-              <a:spcAft>
-                <a:spcPts val="600"/>
-              </a:spcAft>
-              <a:buNone/>
-            </a:pPr>
-            <a:r>
-              <a:rPr lang="en-US" sz="2000" b="1" dirty="0" smtClean="0">
-                <a:latin typeface="Courier New" panose="02070309020205020404" pitchFamily="49" charset="0"/>
-                <a:cs typeface="Courier New" panose="02070309020205020404" pitchFamily="49" charset="0"/>
-              </a:rPr>
-              <a:t>1000 </a:t>
-            </a:r>
-            <a:r>
-              <a:rPr lang="en-US" sz="2000" b="1" dirty="0" err="1" smtClean="0">
-                <a:latin typeface="Courier New" panose="02070309020205020404" pitchFamily="49" charset="0"/>
-                <a:cs typeface="Courier New" panose="02070309020205020404" pitchFamily="49" charset="0"/>
-              </a:rPr>
-              <a:t>eeee</a:t>
-            </a:r>
-            <a:r>
-              <a:rPr lang="en-US" sz="2000" b="1" dirty="0" smtClean="0">
-                <a:latin typeface="Courier New" panose="02070309020205020404" pitchFamily="49" charset="0"/>
-                <a:cs typeface="Courier New" panose="02070309020205020404" pitchFamily="49" charset="0"/>
-              </a:rPr>
-              <a:t> sS</a:t>
-            </a:r>
-            <a:r>
-              <a:rPr lang="en-US" sz="2000" b="1" dirty="0" smtClean="0">
-                <a:solidFill>
-                  <a:schemeClr val="bg1">
-                    <a:lumMod val="50000"/>
-                  </a:schemeClr>
-                </a:solidFill>
-                <a:latin typeface="Courier New" panose="02070309020205020404" pitchFamily="49" charset="0"/>
-                <a:cs typeface="Courier New" panose="02070309020205020404" pitchFamily="49" charset="0"/>
-              </a:rPr>
-              <a:t>1.</a:t>
-            </a:r>
-            <a:r>
-              <a:rPr lang="en-US" sz="2000" b="1" dirty="0" smtClean="0">
-                <a:latin typeface="Courier New" panose="02070309020205020404" pitchFamily="49" charset="0"/>
-                <a:cs typeface="Courier New" panose="02070309020205020404" pitchFamily="49" charset="0"/>
-              </a:rPr>
-              <a:t>mm </a:t>
-            </a:r>
-            <a:r>
-              <a:rPr lang="en-US" sz="2000" b="1" dirty="0" err="1" smtClean="0">
-                <a:latin typeface="Courier New" panose="02070309020205020404" pitchFamily="49" charset="0"/>
-                <a:cs typeface="Courier New" panose="02070309020205020404" pitchFamily="49" charset="0"/>
-              </a:rPr>
-              <a:t>mmmm</a:t>
-            </a:r>
-            <a:r>
-              <a:rPr lang="en-US" sz="2000" b="1" dirty="0" smtClean="0">
-                <a:latin typeface="Courier New" panose="02070309020205020404" pitchFamily="49" charset="0"/>
-                <a:cs typeface="Courier New" panose="02070309020205020404" pitchFamily="49" charset="0"/>
-              </a:rPr>
-              <a:t> </a:t>
-            </a:r>
-            <a:r>
-              <a:rPr lang="en-US" sz="2000" b="1" dirty="0" err="1" smtClean="0">
-                <a:latin typeface="Courier New" panose="02070309020205020404" pitchFamily="49" charset="0"/>
-                <a:cs typeface="Courier New" panose="02070309020205020404" pitchFamily="49" charset="0"/>
-              </a:rPr>
-              <a:t>mmmm</a:t>
-            </a:r>
-            <a:r>
-              <a:rPr lang="en-US" sz="2000" b="1" dirty="0" smtClean="0">
-                <a:latin typeface="Courier New" panose="02070309020205020404" pitchFamily="49" charset="0"/>
-                <a:cs typeface="Courier New" panose="02070309020205020404" pitchFamily="49" charset="0"/>
-              </a:rPr>
-              <a:t> </a:t>
-            </a:r>
-            <a:r>
-              <a:rPr lang="en-US" sz="2000" dirty="0" smtClean="0">
-                <a:cs typeface="Courier New" panose="02070309020205020404" pitchFamily="49" charset="0"/>
-              </a:rPr>
-              <a:t>exponent, sign &amp; mantissa sign</a:t>
-            </a:r>
-            <a:endParaRPr lang="en-US" sz="2000" b="1" dirty="0" smtClean="0">
-              <a:latin typeface="Courier New" panose="02070309020205020404" pitchFamily="49" charset="0"/>
-              <a:cs typeface="Courier New" panose="02070309020205020404" pitchFamily="49" charset="0"/>
-            </a:endParaRPr>
-          </a:p>
-          <a:p>
-            <a:r>
-              <a:rPr lang="en-US" sz="2600" dirty="0" smtClean="0"/>
-              <a:t>Alt-754		</a:t>
-            </a:r>
-            <a:r>
-              <a:rPr lang="en-US" sz="2400" dirty="0" smtClean="0"/>
-              <a:t>supports gradual underflow &amp; overflow</a:t>
-            </a:r>
-          </a:p>
-          <a:p>
-            <a:pPr marL="457200" lvl="1" indent="0">
-              <a:buNone/>
-            </a:pPr>
-            <a:r>
-              <a:rPr lang="en-US" sz="2000" b="1" dirty="0">
-                <a:latin typeface="Courier New" panose="02070309020205020404" pitchFamily="49" charset="0"/>
-                <a:cs typeface="Courier New" panose="02070309020205020404" pitchFamily="49" charset="0"/>
-              </a:rPr>
-              <a:t> </a:t>
-            </a:r>
-            <a:r>
-              <a:rPr lang="en-US" sz="2000" b="1" dirty="0" smtClean="0">
-                <a:latin typeface="Courier New" panose="02070309020205020404" pitchFamily="49" charset="0"/>
-                <a:cs typeface="Courier New" panose="02070309020205020404" pitchFamily="49" charset="0"/>
-              </a:rPr>
-              <a:t>    </a:t>
-            </a:r>
-            <a:r>
-              <a:rPr lang="en-US" sz="2000" b="1" dirty="0" err="1" smtClean="0">
-                <a:latin typeface="Courier New" panose="02070309020205020404" pitchFamily="49" charset="0"/>
-                <a:cs typeface="Courier New" panose="02070309020205020404" pitchFamily="49" charset="0"/>
-              </a:rPr>
-              <a:t>eeee</a:t>
-            </a:r>
-            <a:r>
-              <a:rPr lang="en-US" sz="2000" b="1" dirty="0" smtClean="0">
-                <a:latin typeface="Courier New" panose="02070309020205020404" pitchFamily="49" charset="0"/>
-                <a:cs typeface="Courier New" panose="02070309020205020404" pitchFamily="49" charset="0"/>
-              </a:rPr>
-              <a:t> sS</a:t>
-            </a:r>
-            <a:r>
-              <a:rPr lang="en-US" sz="2000" b="1" dirty="0" smtClean="0">
-                <a:solidFill>
-                  <a:schemeClr val="bg1">
-                    <a:lumMod val="50000"/>
-                  </a:schemeClr>
-                </a:solidFill>
-                <a:latin typeface="Courier New" panose="02070309020205020404" pitchFamily="49" charset="0"/>
-                <a:cs typeface="Courier New" panose="02070309020205020404" pitchFamily="49" charset="0"/>
-              </a:rPr>
-              <a:t>1.</a:t>
-            </a:r>
-            <a:r>
-              <a:rPr lang="en-US" sz="2000" b="1" dirty="0" smtClean="0">
-                <a:latin typeface="Courier New" panose="02070309020205020404" pitchFamily="49" charset="0"/>
-                <a:cs typeface="Courier New" panose="02070309020205020404" pitchFamily="49" charset="0"/>
-              </a:rPr>
-              <a:t>mm </a:t>
-            </a:r>
-            <a:r>
-              <a:rPr lang="en-US" sz="2000" b="1" dirty="0" err="1" smtClean="0">
-                <a:latin typeface="Courier New" panose="02070309020205020404" pitchFamily="49" charset="0"/>
-                <a:cs typeface="Courier New" panose="02070309020205020404" pitchFamily="49" charset="0"/>
-              </a:rPr>
-              <a:t>mmmm</a:t>
-            </a:r>
-            <a:r>
-              <a:rPr lang="en-US" sz="2000" b="1" dirty="0" smtClean="0">
-                <a:latin typeface="Courier New" panose="02070309020205020404" pitchFamily="49" charset="0"/>
-                <a:cs typeface="Courier New" panose="02070309020205020404" pitchFamily="49" charset="0"/>
-              </a:rPr>
-              <a:t> </a:t>
-            </a:r>
-            <a:r>
-              <a:rPr lang="en-US" sz="2000" b="1" dirty="0" err="1" smtClean="0">
-                <a:latin typeface="Courier New" panose="02070309020205020404" pitchFamily="49" charset="0"/>
-                <a:cs typeface="Courier New" panose="02070309020205020404" pitchFamily="49" charset="0"/>
-              </a:rPr>
-              <a:t>mmmm</a:t>
-            </a:r>
-            <a:r>
-              <a:rPr lang="en-US" sz="2000" b="1" dirty="0" smtClean="0">
-                <a:latin typeface="Courier New" panose="02070309020205020404" pitchFamily="49" charset="0"/>
-                <a:cs typeface="Courier New" panose="02070309020205020404" pitchFamily="49" charset="0"/>
-              </a:rPr>
-              <a:t> </a:t>
-            </a:r>
-            <a:r>
-              <a:rPr lang="en-US" sz="2000" dirty="0" smtClean="0">
-                <a:cs typeface="Courier New" panose="02070309020205020404" pitchFamily="49" charset="0"/>
-              </a:rPr>
-              <a:t>memory format</a:t>
-            </a:r>
-          </a:p>
-          <a:p>
-            <a:pPr marL="457200" lvl="1" indent="0">
-              <a:buNone/>
-            </a:pPr>
-            <a:r>
-              <a:rPr lang="en-US" sz="2000" b="1" dirty="0" smtClean="0">
-                <a:latin typeface="Courier New" panose="02070309020205020404" pitchFamily="49" charset="0"/>
-                <a:cs typeface="Courier New" panose="02070309020205020404" pitchFamily="49" charset="0"/>
-              </a:rPr>
-              <a:t>     0000 sS</a:t>
-            </a:r>
-            <a:r>
-              <a:rPr lang="en-US" sz="2000" b="1" dirty="0" smtClean="0">
-                <a:solidFill>
-                  <a:schemeClr val="bg1">
-                    <a:lumMod val="50000"/>
-                  </a:schemeClr>
-                </a:solidFill>
-                <a:latin typeface="Courier New" panose="02070309020205020404" pitchFamily="49" charset="0"/>
-                <a:cs typeface="Courier New" panose="02070309020205020404" pitchFamily="49" charset="0"/>
-              </a:rPr>
-              <a:t>1.</a:t>
-            </a:r>
-            <a:r>
-              <a:rPr lang="en-US" sz="2000" b="1" dirty="0" smtClean="0">
-                <a:latin typeface="Courier New" panose="02070309020205020404" pitchFamily="49" charset="0"/>
-                <a:cs typeface="Courier New" panose="02070309020205020404" pitchFamily="49" charset="0"/>
-              </a:rPr>
-              <a:t>mm mm10 0000 </a:t>
-            </a:r>
-            <a:r>
-              <a:rPr lang="en-US" sz="2000" dirty="0" smtClean="0">
-                <a:cs typeface="Courier New" panose="02070309020205020404" pitchFamily="49" charset="0"/>
-              </a:rPr>
-              <a:t>underflow, uses # trailing zeros</a:t>
-            </a:r>
-            <a:endParaRPr lang="en-US" sz="2000" dirty="0">
-              <a:latin typeface="Courier New" panose="02070309020205020404" pitchFamily="49" charset="0"/>
-              <a:cs typeface="Courier New" panose="02070309020205020404" pitchFamily="49" charset="0"/>
-            </a:endParaRPr>
-          </a:p>
-          <a:p>
-            <a:pPr marL="457200" lvl="1" indent="0">
-              <a:buNone/>
-            </a:pPr>
-            <a:r>
-              <a:rPr lang="en-US" sz="2000" b="1" dirty="0" smtClean="0">
-                <a:latin typeface="Courier New" panose="02070309020205020404" pitchFamily="49" charset="0"/>
-                <a:cs typeface="Courier New" panose="02070309020205020404" pitchFamily="49" charset="0"/>
-              </a:rPr>
-              <a:t>     1111 sS</a:t>
-            </a:r>
-            <a:r>
-              <a:rPr lang="en-US" sz="2000" b="1" dirty="0" smtClean="0">
-                <a:solidFill>
-                  <a:schemeClr val="bg1">
-                    <a:lumMod val="50000"/>
-                  </a:schemeClr>
-                </a:solidFill>
-                <a:latin typeface="Courier New" panose="02070309020205020404" pitchFamily="49" charset="0"/>
-                <a:cs typeface="Courier New" panose="02070309020205020404" pitchFamily="49" charset="0"/>
-              </a:rPr>
-              <a:t>1.</a:t>
-            </a:r>
-            <a:r>
-              <a:rPr lang="en-US" sz="2000" b="1" dirty="0" smtClean="0">
-                <a:latin typeface="Courier New" panose="02070309020205020404" pitchFamily="49" charset="0"/>
-                <a:cs typeface="Courier New" panose="02070309020205020404" pitchFamily="49" charset="0"/>
-              </a:rPr>
-              <a:t>mm </a:t>
-            </a:r>
-            <a:r>
-              <a:rPr lang="en-US" sz="2000" b="1" dirty="0">
-                <a:latin typeface="Courier New" panose="02070309020205020404" pitchFamily="49" charset="0"/>
-                <a:cs typeface="Courier New" panose="02070309020205020404" pitchFamily="49" charset="0"/>
-              </a:rPr>
-              <a:t>mm10 0000 </a:t>
-            </a:r>
-            <a:r>
-              <a:rPr lang="en-US" sz="2000" dirty="0">
-                <a:cs typeface="Courier New" panose="02070309020205020404" pitchFamily="49" charset="0"/>
-              </a:rPr>
-              <a:t>underflow, uses # trailing zeros</a:t>
-            </a:r>
-            <a:endParaRPr lang="en-US" sz="2000" dirty="0">
-              <a:latin typeface="Courier New" panose="02070309020205020404" pitchFamily="49" charset="0"/>
-              <a:cs typeface="Courier New" panose="02070309020205020404" pitchFamily="49" charset="0"/>
-            </a:endParaRPr>
-          </a:p>
-          <a:p>
-            <a:pPr marL="457200" lvl="1" indent="0">
-              <a:buNone/>
-            </a:pPr>
-            <a:r>
-              <a:rPr lang="en-US" sz="2000" b="1" dirty="0" smtClean="0">
-                <a:latin typeface="Courier New" panose="02070309020205020404" pitchFamily="49" charset="0"/>
-                <a:cs typeface="Courier New" panose="02070309020205020404" pitchFamily="49" charset="0"/>
-              </a:rPr>
-              <a:t>11ee </a:t>
-            </a:r>
-            <a:r>
-              <a:rPr lang="en-US" sz="2000" b="1" dirty="0" err="1" smtClean="0">
-                <a:latin typeface="Courier New" panose="02070309020205020404" pitchFamily="49" charset="0"/>
-                <a:cs typeface="Courier New" panose="02070309020205020404" pitchFamily="49" charset="0"/>
-              </a:rPr>
-              <a:t>eeee</a:t>
-            </a:r>
-            <a:r>
-              <a:rPr lang="en-US" sz="2000" b="1" dirty="0" smtClean="0">
-                <a:latin typeface="Courier New" panose="02070309020205020404" pitchFamily="49" charset="0"/>
-                <a:cs typeface="Courier New" panose="02070309020205020404" pitchFamily="49" charset="0"/>
-              </a:rPr>
-              <a:t> sS</a:t>
-            </a:r>
-            <a:r>
-              <a:rPr lang="en-US" sz="2000" b="1" dirty="0" smtClean="0">
-                <a:solidFill>
-                  <a:schemeClr val="bg1">
-                    <a:lumMod val="50000"/>
-                  </a:schemeClr>
-                </a:solidFill>
-                <a:latin typeface="Courier New" panose="02070309020205020404" pitchFamily="49" charset="0"/>
-                <a:cs typeface="Courier New" panose="02070309020205020404" pitchFamily="49" charset="0"/>
-              </a:rPr>
-              <a:t>1.</a:t>
-            </a:r>
-            <a:r>
-              <a:rPr lang="en-US" sz="2000" b="1" dirty="0" smtClean="0">
-                <a:latin typeface="Courier New" panose="02070309020205020404" pitchFamily="49" charset="0"/>
-                <a:cs typeface="Courier New" panose="02070309020205020404" pitchFamily="49" charset="0"/>
-              </a:rPr>
-              <a:t>mm </a:t>
-            </a:r>
-            <a:r>
-              <a:rPr lang="en-US" sz="2000" b="1" dirty="0" err="1" smtClean="0">
-                <a:latin typeface="Courier New" panose="02070309020205020404" pitchFamily="49" charset="0"/>
-                <a:cs typeface="Courier New" panose="02070309020205020404" pitchFamily="49" charset="0"/>
-              </a:rPr>
-              <a:t>mmmm</a:t>
-            </a:r>
-            <a:r>
-              <a:rPr lang="en-US" sz="2000" b="1" dirty="0" smtClean="0">
-                <a:latin typeface="Courier New" panose="02070309020205020404" pitchFamily="49" charset="0"/>
-                <a:cs typeface="Courier New" panose="02070309020205020404" pitchFamily="49" charset="0"/>
-              </a:rPr>
-              <a:t> </a:t>
-            </a:r>
-            <a:r>
-              <a:rPr lang="en-US" sz="2000" b="1" dirty="0" err="1" smtClean="0">
-                <a:latin typeface="Courier New" panose="02070309020205020404" pitchFamily="49" charset="0"/>
-                <a:cs typeface="Courier New" panose="02070309020205020404" pitchFamily="49" charset="0"/>
-              </a:rPr>
-              <a:t>mmmm</a:t>
-            </a:r>
-            <a:r>
-              <a:rPr lang="en-US" sz="2200" dirty="0" smtClean="0"/>
-              <a:t>  </a:t>
-            </a:r>
-            <a:r>
-              <a:rPr lang="en-US" sz="2000" dirty="0" smtClean="0"/>
-              <a:t>register format, E adjusted</a:t>
+              <a:t>POSIT &amp; PT-float need 4 additional mantissa bits in register format for 24 &amp; 32-bit floats.</a:t>
             </a:r>
           </a:p>
         </p:txBody>
@@ -11254,7 +11109,7 @@
     </p:spTree>
     <p:extLst>
       <p:ext uri="{BB962C8B-B14F-4D97-AF65-F5344CB8AC3E}">
-        <p14:creationId xmlns:p14="http://schemas.microsoft.com/office/powerpoint/2010/main" val="2694861103"/>
+        <p14:creationId xmlns:p14="http://schemas.microsoft.com/office/powerpoint/2010/main" val="2356612811"/>
       </p:ext>
     </p:extLst>
   </p:cSld>
@@ -11301,25 +11156,18 @@
         <p:spPr>
           <a:xfrm>
             <a:off x="457200" y="274638"/>
-            <a:ext cx="8229600" cy="1096962"/>
+            <a:ext cx="8229600" cy="792162"/>
           </a:xfrm>
         </p:spPr>
         <p:txBody>
           <a:bodyPr>
-            <a:normAutofit fontScale="90000"/>
+            <a:normAutofit/>
           </a:bodyPr>
           <a:lstStyle/>
           <a:p>
             <a:r>
               <a:rPr lang="en-US" sz="4000" dirty="0" smtClean="0"/>
-              <a:t>The initial implementation</a:t>
-            </a:r>
-            <a:br>
-              <a:rPr lang="en-US" sz="4000" dirty="0" smtClean="0"/>
-            </a:br>
-            <a:r>
-              <a:rPr lang="en-US" sz="4000" dirty="0" smtClean="0"/>
-              <a:t>Troc16_16min</a:t>
+              <a:t>Example 16-bit data formats</a:t>
             </a:r>
             <a:endParaRPr lang="en-US" sz="4000" dirty="0"/>
           </a:p>
@@ -11337,186 +11185,294 @@
         </p:nvSpPr>
         <p:spPr>
           <a:xfrm>
-            <a:off x="457200" y="1600200"/>
-            <a:ext cx="8229600" cy="4648200"/>
+            <a:off x="457200" y="1295400"/>
+            <a:ext cx="8229600" cy="5181600"/>
           </a:xfrm>
         </p:spPr>
         <p:txBody>
-          <a:bodyPr>
-            <a:normAutofit fontScale="92500" lnSpcReduction="20000"/>
+          <a:bodyPr numCol="1">
+            <a:normAutofit/>
           </a:bodyPr>
           <a:lstStyle/>
           <a:p>
             <a:r>
-              <a:rPr lang="en-US" dirty="0" smtClean="0"/>
-              <a:t>Tagged, Register Oriented Computer, 16+ bit instructions, 16-bit data</a:t>
-            </a:r>
-            <a:r>
-              <a:rPr lang="en-US" sz="3000" dirty="0" smtClean="0"/>
-              <a:t> </a:t>
-            </a:r>
-            <a:r>
               <a:rPr lang="en-US" sz="2600" dirty="0" smtClean="0"/>
-              <a:t>(no tags on min variant)</a:t>
-            </a:r>
-          </a:p>
-          <a:p>
-            <a:r>
-              <a:rPr lang="en-US" dirty="0" smtClean="0"/>
-              <a:t>32-bit memory: both an instruction and the 16-bit immediate, if needed</a:t>
-            </a:r>
-          </a:p>
-          <a:p>
-            <a:r>
-              <a:rPr lang="en-US" dirty="0" smtClean="0"/>
-              <a:t>Two port register file</a:t>
-            </a:r>
-          </a:p>
-          <a:p>
-            <a:r>
-              <a:rPr lang="en-US" dirty="0" smtClean="0"/>
-              <a:t>Great LUT counts! multiply instruction included</a:t>
+              <a:t>Unsigned</a:t>
+            </a:r>
+            <a:r>
+              <a:rPr lang="en-US" sz="2000" dirty="0" smtClean="0"/>
+              <a:t>, has type code of zero</a:t>
             </a:r>
           </a:p>
           <a:p>
             <a:pPr marL="457200" lvl="1" indent="0">
+              <a:spcAft>
+                <a:spcPts val="600"/>
+              </a:spcAft>
               <a:buNone/>
             </a:pPr>
             <a:r>
-              <a:rPr lang="en-US" sz="2400" b="1" dirty="0" smtClean="0">
+              <a:rPr lang="en-US" sz="2000" b="1" dirty="0" smtClean="0">
                 <a:latin typeface="Courier New" panose="02070309020205020404" pitchFamily="49" charset="0"/>
                 <a:cs typeface="Courier New" panose="02070309020205020404" pitchFamily="49" charset="0"/>
               </a:rPr>
-              <a:t>LUTs </a:t>
-            </a:r>
-            <a:r>
-              <a:rPr lang="en-US" sz="2400" b="1" dirty="0" err="1" smtClean="0">
+              <a:t>00-- </a:t>
+            </a:r>
+            <a:r>
+              <a:rPr lang="en-US" sz="2000" b="1" dirty="0" err="1" smtClean="0">
                 <a:latin typeface="Courier New" panose="02070309020205020404" pitchFamily="49" charset="0"/>
                 <a:cs typeface="Courier New" panose="02070309020205020404" pitchFamily="49" charset="0"/>
               </a:rPr>
-              <a:t>LUTram</a:t>
-            </a:r>
-            <a:r>
-              <a:rPr lang="en-US" sz="2400" b="1" dirty="0" smtClean="0">
+              <a:t>nnnn</a:t>
+            </a:r>
+            <a:r>
+              <a:rPr lang="en-US" sz="2000" b="1" dirty="0" smtClean="0">
                 <a:latin typeface="Courier New" panose="02070309020205020404" pitchFamily="49" charset="0"/>
                 <a:cs typeface="Courier New" panose="02070309020205020404" pitchFamily="49" charset="0"/>
               </a:rPr>
               <a:t> </a:t>
             </a:r>
             <a:r>
-              <a:rPr lang="en-US" sz="2400" b="1" dirty="0">
+              <a:rPr lang="en-US" sz="2000" b="1" dirty="0" err="1" smtClean="0">
                 <a:latin typeface="Courier New" panose="02070309020205020404" pitchFamily="49" charset="0"/>
                 <a:cs typeface="Courier New" panose="02070309020205020404" pitchFamily="49" charset="0"/>
               </a:rPr>
-              <a:t>DFF </a:t>
-            </a:r>
-            <a:r>
-              <a:rPr lang="en-US" sz="2400" b="1" dirty="0" smtClean="0">
-                <a:latin typeface="Courier New" panose="02070309020205020404" pitchFamily="49" charset="0"/>
-                <a:cs typeface="Courier New" panose="02070309020205020404" pitchFamily="49" charset="0"/>
-              </a:rPr>
-              <a:t>BRAM  </a:t>
-            </a:r>
-            <a:r>
-              <a:rPr lang="en-US" sz="2400" b="1" dirty="0">
-                <a:latin typeface="Courier New" panose="02070309020205020404" pitchFamily="49" charset="0"/>
-                <a:cs typeface="Courier New" panose="02070309020205020404" pitchFamily="49" charset="0"/>
-              </a:rPr>
-              <a:t>DSP </a:t>
-            </a:r>
-            <a:r>
-              <a:rPr lang="en-US" sz="2400" b="1" dirty="0" smtClean="0">
-                <a:latin typeface="Courier New" panose="02070309020205020404" pitchFamily="49" charset="0"/>
-                <a:cs typeface="Courier New" panose="02070309020205020404" pitchFamily="49" charset="0"/>
-              </a:rPr>
-              <a:t>clock</a:t>
-            </a:r>
-          </a:p>
-          <a:p>
-            <a:pPr marL="914400" lvl="1" indent="-457200">
-              <a:buAutoNum type="arabicPlain" startAt="232"/>
-            </a:pPr>
-            <a:r>
-              <a:rPr lang="en-US" sz="2400" b="1" dirty="0" smtClean="0">
-                <a:latin typeface="Courier New" panose="02070309020205020404" pitchFamily="49" charset="0"/>
-                <a:cs typeface="Courier New" panose="02070309020205020404" pitchFamily="49" charset="0"/>
-              </a:rPr>
-              <a:t>    16    50  0.5   1   </a:t>
-            </a:r>
-            <a:r>
-              <a:rPr lang="en-US" sz="2400" b="1" dirty="0" smtClean="0">
-                <a:latin typeface="Courier New" panose="02070309020205020404" pitchFamily="49" charset="0"/>
-                <a:cs typeface="Courier New" panose="02070309020205020404" pitchFamily="49" charset="0"/>
-              </a:rPr>
-              <a:t>13.6ns </a:t>
-            </a:r>
-            <a:r>
-              <a:rPr lang="en-US" sz="2400" dirty="0" err="1" smtClean="0">
-                <a:cs typeface="Courier New" panose="02070309020205020404" pitchFamily="49" charset="0"/>
-              </a:rPr>
-              <a:t>Vivado</a:t>
-            </a:r>
-            <a:r>
-              <a:rPr lang="en-US" sz="2400" b="1" dirty="0" smtClean="0">
+              <a:t>nnnn</a:t>
+            </a:r>
+            <a:r>
+              <a:rPr lang="en-US" sz="2000" b="1" dirty="0" smtClean="0">
                 <a:latin typeface="Courier New" panose="02070309020205020404" pitchFamily="49" charset="0"/>
                 <a:cs typeface="Courier New" panose="02070309020205020404" pitchFamily="49" charset="0"/>
               </a:rPr>
               <a:t> </a:t>
             </a:r>
             <a:r>
-              <a:rPr lang="en-US" sz="2400" dirty="0" smtClean="0">
-                <a:cs typeface="Courier New" panose="02070309020205020404" pitchFamily="49" charset="0"/>
-              </a:rPr>
-              <a:t>default</a:t>
-            </a:r>
-            <a:endParaRPr lang="en-US" sz="2400" dirty="0" smtClean="0">
-              <a:cs typeface="Courier New" panose="02070309020205020404" pitchFamily="49" charset="0"/>
-            </a:endParaRPr>
-          </a:p>
-          <a:p>
-            <a:pPr marL="914400" lvl="1" indent="-457200">
-              <a:buAutoNum type="arabicPlain" startAt="208"/>
-            </a:pPr>
-            <a:r>
-              <a:rPr lang="en-US" sz="2400" b="1" dirty="0" smtClean="0">
+              <a:rPr lang="en-US" sz="2000" b="1" dirty="0" err="1" smtClean="0">
                 <a:latin typeface="Courier New" panose="02070309020205020404" pitchFamily="49" charset="0"/>
                 <a:cs typeface="Courier New" panose="02070309020205020404" pitchFamily="49" charset="0"/>
               </a:rPr>
-              <a:t>    16    </a:t>
-            </a:r>
-            <a:r>
-              <a:rPr lang="en-US" sz="2400" b="1" dirty="0">
-                <a:latin typeface="Courier New" panose="02070309020205020404" pitchFamily="49" charset="0"/>
-                <a:cs typeface="Courier New" panose="02070309020205020404" pitchFamily="49" charset="0"/>
-              </a:rPr>
-              <a:t>50 </a:t>
-            </a:r>
-            <a:r>
-              <a:rPr lang="en-US" sz="2400" b="1" dirty="0" smtClean="0">
+              <a:t>nnnn</a:t>
+            </a:r>
+            <a:r>
+              <a:rPr lang="en-US" sz="2000" b="1" dirty="0" smtClean="0">
                 <a:latin typeface="Courier New" panose="02070309020205020404" pitchFamily="49" charset="0"/>
                 <a:cs typeface="Courier New" panose="02070309020205020404" pitchFamily="49" charset="0"/>
               </a:rPr>
               <a:t> </a:t>
             </a:r>
             <a:r>
-              <a:rPr lang="en-US" sz="2400" b="1" dirty="0">
+              <a:rPr lang="en-US" sz="2000" b="1" dirty="0" err="1" smtClean="0">
                 <a:latin typeface="Courier New" panose="02070309020205020404" pitchFamily="49" charset="0"/>
                 <a:cs typeface="Courier New" panose="02070309020205020404" pitchFamily="49" charset="0"/>
               </a:rPr>
-              <a:t>0.5   1  </a:t>
-            </a:r>
-            <a:r>
-              <a:rPr lang="en-US" sz="2400" b="1" dirty="0" smtClean="0">
+              <a:t>nnnn</a:t>
+            </a:r>
+            <a:r>
+              <a:rPr lang="en-US" sz="2000" dirty="0" smtClean="0">
+                <a:cs typeface="Courier New" panose="02070309020205020404" pitchFamily="49" charset="0"/>
+              </a:rPr>
+              <a:t> register format</a:t>
+            </a:r>
+          </a:p>
+          <a:p>
+            <a:r>
+              <a:rPr lang="en-US" sz="2600" dirty="0" smtClean="0"/>
+              <a:t>Sign &amp; magnitude or 2’s complement</a:t>
+            </a:r>
+            <a:r>
+              <a:rPr lang="en-US" sz="2000" dirty="0" smtClean="0"/>
+              <a:t>, has type code of one</a:t>
+            </a:r>
+          </a:p>
+          <a:p>
+            <a:pPr marL="457200" lvl="1" indent="0">
+              <a:spcAft>
+                <a:spcPts val="600"/>
+              </a:spcAft>
+              <a:buNone/>
+            </a:pPr>
+            <a:r>
+              <a:rPr lang="en-US" sz="2000" b="1" dirty="0" smtClean="0">
                 <a:latin typeface="Courier New" panose="02070309020205020404" pitchFamily="49" charset="0"/>
                 <a:cs typeface="Courier New" panose="02070309020205020404" pitchFamily="49" charset="0"/>
               </a:rPr>
-              <a:t> 13.3ns </a:t>
-            </a:r>
-            <a:r>
-              <a:rPr lang="en-US" sz="2600" dirty="0" smtClean="0">
+              <a:t>01-- </a:t>
+            </a:r>
+            <a:r>
+              <a:rPr lang="en-US" sz="2000" b="1" dirty="0" err="1">
+                <a:latin typeface="Courier New" panose="02070309020205020404" pitchFamily="49" charset="0"/>
                 <a:cs typeface="Courier New" panose="02070309020205020404" pitchFamily="49" charset="0"/>
               </a:rPr>
-              <a:t>area optimize</a:t>
+              <a:t>s</a:t>
+            </a:r>
+            <a:r>
+              <a:rPr lang="en-US" sz="2000" b="1" dirty="0" err="1" smtClean="0">
+                <a:latin typeface="Courier New" panose="02070309020205020404" pitchFamily="49" charset="0"/>
+                <a:cs typeface="Courier New" panose="02070309020205020404" pitchFamily="49" charset="0"/>
+              </a:rPr>
+              <a:t>nnn</a:t>
+            </a:r>
+            <a:r>
+              <a:rPr lang="en-US" sz="2000" b="1" dirty="0" smtClean="0">
+                <a:latin typeface="Courier New" panose="02070309020205020404" pitchFamily="49" charset="0"/>
+                <a:cs typeface="Courier New" panose="02070309020205020404" pitchFamily="49" charset="0"/>
+              </a:rPr>
+              <a:t> </a:t>
+            </a:r>
+            <a:r>
+              <a:rPr lang="en-US" sz="2000" b="1" dirty="0" err="1" smtClean="0">
+                <a:latin typeface="Courier New" panose="02070309020205020404" pitchFamily="49" charset="0"/>
+                <a:cs typeface="Courier New" panose="02070309020205020404" pitchFamily="49" charset="0"/>
+              </a:rPr>
+              <a:t>nnnn</a:t>
+            </a:r>
+            <a:r>
+              <a:rPr lang="en-US" sz="2000" b="1" dirty="0" smtClean="0">
+                <a:latin typeface="Courier New" panose="02070309020205020404" pitchFamily="49" charset="0"/>
+                <a:cs typeface="Courier New" panose="02070309020205020404" pitchFamily="49" charset="0"/>
+              </a:rPr>
+              <a:t> </a:t>
+            </a:r>
+            <a:r>
+              <a:rPr lang="en-US" sz="2000" b="1" dirty="0" err="1" smtClean="0">
+                <a:latin typeface="Courier New" panose="02070309020205020404" pitchFamily="49" charset="0"/>
+                <a:cs typeface="Courier New" panose="02070309020205020404" pitchFamily="49" charset="0"/>
+              </a:rPr>
+              <a:t>nnnn</a:t>
+            </a:r>
+            <a:r>
+              <a:rPr lang="en-US" sz="2000" b="1" dirty="0" smtClean="0">
+                <a:latin typeface="Courier New" panose="02070309020205020404" pitchFamily="49" charset="0"/>
+                <a:cs typeface="Courier New" panose="02070309020205020404" pitchFamily="49" charset="0"/>
+              </a:rPr>
+              <a:t> </a:t>
+            </a:r>
+            <a:r>
+              <a:rPr lang="en-US" sz="2000" b="1" dirty="0" err="1" smtClean="0">
+                <a:latin typeface="Courier New" panose="02070309020205020404" pitchFamily="49" charset="0"/>
+                <a:cs typeface="Courier New" panose="02070309020205020404" pitchFamily="49" charset="0"/>
+              </a:rPr>
+              <a:t>nnnn</a:t>
+            </a:r>
+            <a:r>
+              <a:rPr lang="en-US" sz="2000" b="1" dirty="0" smtClean="0">
+                <a:latin typeface="Courier New" panose="02070309020205020404" pitchFamily="49" charset="0"/>
+                <a:cs typeface="Courier New" panose="02070309020205020404" pitchFamily="49" charset="0"/>
+              </a:rPr>
+              <a:t>  </a:t>
+            </a:r>
+            <a:r>
+              <a:rPr lang="en-US" sz="2000" dirty="0" smtClean="0">
+                <a:cs typeface="Courier New" panose="02070309020205020404" pitchFamily="49" charset="0"/>
+              </a:rPr>
+              <a:t>sign could be at either end</a:t>
+            </a:r>
+          </a:p>
+          <a:p>
+            <a:r>
+              <a:rPr lang="en-US" sz="2600" dirty="0" smtClean="0"/>
+              <a:t>Simple float	</a:t>
+            </a:r>
+            <a:r>
+              <a:rPr lang="en-US" sz="2400" dirty="0" smtClean="0"/>
+              <a:t>arranged to support zero extension</a:t>
+            </a:r>
+            <a:endParaRPr lang="en-US" sz="2600" dirty="0" smtClean="0"/>
+          </a:p>
+          <a:p>
+            <a:pPr marL="457200" lvl="1" indent="0">
+              <a:spcAft>
+                <a:spcPts val="600"/>
+              </a:spcAft>
+              <a:buNone/>
+            </a:pPr>
+            <a:r>
+              <a:rPr lang="en-US" sz="2000" b="1" dirty="0" smtClean="0">
+                <a:latin typeface="Courier New" panose="02070309020205020404" pitchFamily="49" charset="0"/>
+                <a:cs typeface="Courier New" panose="02070309020205020404" pitchFamily="49" charset="0"/>
+              </a:rPr>
+              <a:t>10-- </a:t>
+            </a:r>
+            <a:r>
+              <a:rPr lang="en-US" sz="2000" b="1" dirty="0" err="1" smtClean="0">
+                <a:latin typeface="Courier New" panose="02070309020205020404" pitchFamily="49" charset="0"/>
+                <a:cs typeface="Courier New" panose="02070309020205020404" pitchFamily="49" charset="0"/>
+              </a:rPr>
+              <a:t>eeee</a:t>
+            </a:r>
+            <a:r>
+              <a:rPr lang="en-US" sz="2000" b="1" dirty="0" smtClean="0">
+                <a:latin typeface="Courier New" panose="02070309020205020404" pitchFamily="49" charset="0"/>
+                <a:cs typeface="Courier New" panose="02070309020205020404" pitchFamily="49" charset="0"/>
+              </a:rPr>
+              <a:t> sS</a:t>
+            </a:r>
+            <a:r>
+              <a:rPr lang="en-US" sz="2000" b="1" dirty="0" smtClean="0">
+                <a:solidFill>
+                  <a:schemeClr val="bg1">
+                    <a:lumMod val="50000"/>
+                  </a:schemeClr>
+                </a:solidFill>
+                <a:latin typeface="Courier New" panose="02070309020205020404" pitchFamily="49" charset="0"/>
+                <a:cs typeface="Courier New" panose="02070309020205020404" pitchFamily="49" charset="0"/>
+              </a:rPr>
+              <a:t>1.</a:t>
+            </a:r>
+            <a:r>
+              <a:rPr lang="en-US" sz="2000" b="1" dirty="0" smtClean="0">
+                <a:latin typeface="Courier New" panose="02070309020205020404" pitchFamily="49" charset="0"/>
+                <a:cs typeface="Courier New" panose="02070309020205020404" pitchFamily="49" charset="0"/>
+              </a:rPr>
+              <a:t>mm </a:t>
+            </a:r>
+            <a:r>
+              <a:rPr lang="en-US" sz="2000" b="1" dirty="0" err="1" smtClean="0">
+                <a:latin typeface="Courier New" panose="02070309020205020404" pitchFamily="49" charset="0"/>
+                <a:cs typeface="Courier New" panose="02070309020205020404" pitchFamily="49" charset="0"/>
+              </a:rPr>
+              <a:t>mmmm</a:t>
+            </a:r>
+            <a:r>
+              <a:rPr lang="en-US" sz="2000" b="1" dirty="0" smtClean="0">
+                <a:latin typeface="Courier New" panose="02070309020205020404" pitchFamily="49" charset="0"/>
+                <a:cs typeface="Courier New" panose="02070309020205020404" pitchFamily="49" charset="0"/>
+              </a:rPr>
+              <a:t> </a:t>
+            </a:r>
+            <a:r>
+              <a:rPr lang="en-US" sz="2000" b="1" dirty="0" err="1" smtClean="0">
+                <a:latin typeface="Courier New" panose="02070309020205020404" pitchFamily="49" charset="0"/>
+                <a:cs typeface="Courier New" panose="02070309020205020404" pitchFamily="49" charset="0"/>
+              </a:rPr>
+              <a:t>mmmm</a:t>
+            </a:r>
+            <a:r>
+              <a:rPr lang="en-US" sz="2000" b="1" dirty="0" smtClean="0">
+                <a:latin typeface="Courier New" panose="02070309020205020404" pitchFamily="49" charset="0"/>
+                <a:cs typeface="Courier New" panose="02070309020205020404" pitchFamily="49" charset="0"/>
+              </a:rPr>
+              <a:t> </a:t>
+            </a:r>
+            <a:r>
+              <a:rPr lang="en-US" sz="2000" dirty="0" smtClean="0">
+                <a:cs typeface="Courier New" panose="02070309020205020404" pitchFamily="49" charset="0"/>
+              </a:rPr>
+              <a:t>exponent, sign &amp; mantissa sign</a:t>
+            </a:r>
+            <a:endParaRPr lang="en-US" sz="2000" b="1" dirty="0" smtClean="0">
+              <a:latin typeface="Courier New" panose="02070309020205020404" pitchFamily="49" charset="0"/>
+              <a:cs typeface="Courier New" panose="02070309020205020404" pitchFamily="49" charset="0"/>
+            </a:endParaRPr>
+          </a:p>
+          <a:p>
+            <a:r>
+              <a:rPr lang="en-US" sz="2600" dirty="0" smtClean="0"/>
+              <a:t>Alt-754		</a:t>
+            </a:r>
+            <a:r>
+              <a:rPr lang="en-US" sz="2400" dirty="0" smtClean="0"/>
+              <a:t>supports gradual underflow &amp; overflow</a:t>
             </a:r>
           </a:p>
           <a:p>
@@ -11524,49 +11480,254 @@
               <a:buNone/>
             </a:pPr>
             <a:r>
-              <a:rPr lang="en-US" sz="2400" b="1" dirty="0" smtClean="0">
+              <a:rPr lang="en-US" sz="2000" b="1" dirty="0">
                 <a:latin typeface="Courier New" panose="02070309020205020404" pitchFamily="49" charset="0"/>
                 <a:cs typeface="Courier New" panose="02070309020205020404" pitchFamily="49" charset="0"/>
               </a:rPr>
-              <a:t>355   144    66  </a:t>
-            </a:r>
-            <a:r>
-              <a:rPr lang="en-US" sz="2400" b="1" dirty="0">
+              <a:t> </a:t>
+            </a:r>
+            <a:r>
+              <a:rPr lang="en-US" sz="2000" b="1" dirty="0" smtClean="0">
                 <a:latin typeface="Courier New" panose="02070309020205020404" pitchFamily="49" charset="0"/>
                 <a:cs typeface="Courier New" panose="02070309020205020404" pitchFamily="49" charset="0"/>
               </a:rPr>
-              <a:t>0.5   1    </a:t>
-            </a:r>
-            <a:r>
-              <a:rPr lang="en-US" sz="2400" b="1" dirty="0" smtClean="0">
+              <a:t>    </a:t>
+            </a:r>
+            <a:r>
+              <a:rPr lang="en-US" sz="2000" b="1" dirty="0" err="1" smtClean="0">
                 <a:latin typeface="Courier New" panose="02070309020205020404" pitchFamily="49" charset="0"/>
                 <a:cs typeface="Courier New" panose="02070309020205020404" pitchFamily="49" charset="0"/>
               </a:rPr>
-              <a:t>9.7ns </a:t>
-            </a:r>
-            <a:r>
-              <a:rPr lang="en-US" sz="2600" dirty="0" err="1" smtClean="0">
+              <a:t>eeee</a:t>
+            </a:r>
+            <a:r>
+              <a:rPr lang="en-US" sz="2000" b="1" dirty="0" smtClean="0">
+                <a:latin typeface="Courier New" panose="02070309020205020404" pitchFamily="49" charset="0"/>
                 <a:cs typeface="Courier New" panose="02070309020205020404" pitchFamily="49" charset="0"/>
               </a:rPr>
-              <a:t>Fmax</a:t>
-            </a:r>
-            <a:r>
-              <a:rPr lang="en-US" sz="2600" dirty="0" smtClean="0">
+              <a:t> sS</a:t>
+            </a:r>
+            <a:r>
+              <a:rPr lang="en-US" sz="2000" b="1" dirty="0" smtClean="0">
+                <a:solidFill>
+                  <a:schemeClr val="bg1">
+                    <a:lumMod val="50000"/>
+                  </a:schemeClr>
+                </a:solidFill>
+                <a:latin typeface="Courier New" panose="02070309020205020404" pitchFamily="49" charset="0"/>
                 <a:cs typeface="Courier New" panose="02070309020205020404" pitchFamily="49" charset="0"/>
               </a:rPr>
-              <a:t> optimize</a:t>
-            </a:r>
-            <a:endParaRPr lang="en-US" sz="2600" dirty="0">
+              <a:t>1.</a:t>
+            </a:r>
+            <a:r>
+              <a:rPr lang="en-US" sz="2000" b="1" dirty="0" smtClean="0">
+                <a:latin typeface="Courier New" panose="02070309020205020404" pitchFamily="49" charset="0"/>
+                <a:cs typeface="Courier New" panose="02070309020205020404" pitchFamily="49" charset="0"/>
+              </a:rPr>
+              <a:t>mm </a:t>
+            </a:r>
+            <a:r>
+              <a:rPr lang="en-US" sz="2000" b="1" dirty="0" err="1" smtClean="0">
+                <a:latin typeface="Courier New" panose="02070309020205020404" pitchFamily="49" charset="0"/>
+                <a:cs typeface="Courier New" panose="02070309020205020404" pitchFamily="49" charset="0"/>
+              </a:rPr>
+              <a:t>mmmm</a:t>
+            </a:r>
+            <a:r>
+              <a:rPr lang="en-US" sz="2000" b="1" dirty="0" smtClean="0">
+                <a:latin typeface="Courier New" panose="02070309020205020404" pitchFamily="49" charset="0"/>
+                <a:cs typeface="Courier New" panose="02070309020205020404" pitchFamily="49" charset="0"/>
+              </a:rPr>
+              <a:t> </a:t>
+            </a:r>
+            <a:r>
+              <a:rPr lang="en-US" sz="2000" b="1" dirty="0" err="1" smtClean="0">
+                <a:latin typeface="Courier New" panose="02070309020205020404" pitchFamily="49" charset="0"/>
+                <a:cs typeface="Courier New" panose="02070309020205020404" pitchFamily="49" charset="0"/>
+              </a:rPr>
+              <a:t>mmmm</a:t>
+            </a:r>
+            <a:r>
+              <a:rPr lang="en-US" sz="2000" b="1" dirty="0" smtClean="0">
+                <a:latin typeface="Courier New" panose="02070309020205020404" pitchFamily="49" charset="0"/>
+                <a:cs typeface="Courier New" panose="02070309020205020404" pitchFamily="49" charset="0"/>
+              </a:rPr>
+              <a:t> </a:t>
+            </a:r>
+            <a:r>
+              <a:rPr lang="en-US" sz="2000" dirty="0" smtClean="0">
+                <a:cs typeface="Courier New" panose="02070309020205020404" pitchFamily="49" charset="0"/>
+              </a:rPr>
+              <a:t>memory format</a:t>
+            </a:r>
+          </a:p>
+          <a:p>
+            <a:pPr marL="457200" lvl="1" indent="0">
+              <a:buNone/>
+            </a:pPr>
+            <a:r>
+              <a:rPr lang="en-US" sz="2000" b="1" dirty="0" smtClean="0">
+                <a:latin typeface="Courier New" panose="02070309020205020404" pitchFamily="49" charset="0"/>
+                <a:cs typeface="Courier New" panose="02070309020205020404" pitchFamily="49" charset="0"/>
+              </a:rPr>
+              <a:t>     0000 sS</a:t>
+            </a:r>
+            <a:r>
+              <a:rPr lang="en-US" sz="2000" b="1" dirty="0" smtClean="0">
+                <a:solidFill>
+                  <a:schemeClr val="bg1">
+                    <a:lumMod val="50000"/>
+                  </a:schemeClr>
+                </a:solidFill>
+                <a:latin typeface="Courier New" panose="02070309020205020404" pitchFamily="49" charset="0"/>
+                <a:cs typeface="Courier New" panose="02070309020205020404" pitchFamily="49" charset="0"/>
+              </a:rPr>
+              <a:t>1.</a:t>
+            </a:r>
+            <a:r>
+              <a:rPr lang="en-US" sz="2000" b="1" dirty="0" smtClean="0">
+                <a:latin typeface="Courier New" panose="02070309020205020404" pitchFamily="49" charset="0"/>
+                <a:cs typeface="Courier New" panose="02070309020205020404" pitchFamily="49" charset="0"/>
+              </a:rPr>
+              <a:t>mm mm10 0000 </a:t>
+            </a:r>
+            <a:r>
+              <a:rPr lang="en-US" sz="2000" dirty="0" smtClean="0">
+                <a:cs typeface="Courier New" panose="02070309020205020404" pitchFamily="49" charset="0"/>
+              </a:rPr>
+              <a:t>underflow, uses # trailing zeros</a:t>
+            </a:r>
+            <a:endParaRPr lang="en-US" sz="2000" dirty="0">
+              <a:latin typeface="Courier New" panose="02070309020205020404" pitchFamily="49" charset="0"/>
               <a:cs typeface="Courier New" panose="02070309020205020404" pitchFamily="49" charset="0"/>
             </a:endParaRPr>
           </a:p>
           <a:p>
-            <a:pPr marL="914400" lvl="1" indent="-457200"/>
-            <a:r>
-              <a:rPr lang="en-US" sz="2600" dirty="0" smtClean="0">
+            <a:pPr marL="457200" lvl="1" indent="0">
+              <a:buNone/>
+            </a:pPr>
+            <a:r>
+              <a:rPr lang="en-US" sz="2000" b="1" dirty="0" smtClean="0">
+                <a:latin typeface="Courier New" panose="02070309020205020404" pitchFamily="49" charset="0"/>
                 <a:cs typeface="Courier New" panose="02070309020205020404" pitchFamily="49" charset="0"/>
               </a:rPr>
-              <a:t>Combinatorial divide adds ~400LUTs &amp; 30ns</a:t>
+              <a:t>     1111 sS</a:t>
+            </a:r>
+            <a:r>
+              <a:rPr lang="en-US" sz="2000" b="1" dirty="0" smtClean="0">
+                <a:solidFill>
+                  <a:schemeClr val="bg1">
+                    <a:lumMod val="50000"/>
+                  </a:schemeClr>
+                </a:solidFill>
+                <a:latin typeface="Courier New" panose="02070309020205020404" pitchFamily="49" charset="0"/>
+                <a:cs typeface="Courier New" panose="02070309020205020404" pitchFamily="49" charset="0"/>
+              </a:rPr>
+              <a:t>1.</a:t>
+            </a:r>
+            <a:r>
+              <a:rPr lang="en-US" sz="2000" b="1" dirty="0" smtClean="0">
+                <a:latin typeface="Courier New" panose="02070309020205020404" pitchFamily="49" charset="0"/>
+                <a:cs typeface="Courier New" panose="02070309020205020404" pitchFamily="49" charset="0"/>
+              </a:rPr>
+              <a:t>mm </a:t>
+            </a:r>
+            <a:r>
+              <a:rPr lang="en-US" sz="2000" b="1" dirty="0">
+                <a:latin typeface="Courier New" panose="02070309020205020404" pitchFamily="49" charset="0"/>
+                <a:cs typeface="Courier New" panose="02070309020205020404" pitchFamily="49" charset="0"/>
+              </a:rPr>
+              <a:t>mm10 0000 </a:t>
+            </a:r>
+            <a:r>
+              <a:rPr lang="en-US" sz="2000" dirty="0" smtClean="0">
+                <a:cs typeface="Courier New" panose="02070309020205020404" pitchFamily="49" charset="0"/>
+              </a:rPr>
+              <a:t>overflow</a:t>
+            </a:r>
+            <a:r>
+              <a:rPr lang="en-US" sz="2000" dirty="0">
+                <a:cs typeface="Courier New" panose="02070309020205020404" pitchFamily="49" charset="0"/>
+              </a:rPr>
+              <a:t>, uses # trailing zeros</a:t>
+            </a:r>
+            <a:endParaRPr lang="en-US" sz="2000" dirty="0">
+              <a:latin typeface="Courier New" panose="02070309020205020404" pitchFamily="49" charset="0"/>
+              <a:cs typeface="Courier New" panose="02070309020205020404" pitchFamily="49" charset="0"/>
+            </a:endParaRPr>
+          </a:p>
+          <a:p>
+            <a:pPr marL="457200" lvl="1" indent="0">
+              <a:buNone/>
+            </a:pPr>
+            <a:r>
+              <a:rPr lang="en-US" sz="2000" b="1" dirty="0" smtClean="0">
+                <a:latin typeface="Courier New" panose="02070309020205020404" pitchFamily="49" charset="0"/>
+                <a:cs typeface="Courier New" panose="02070309020205020404" pitchFamily="49" charset="0"/>
+              </a:rPr>
+              <a:t>11ee </a:t>
+            </a:r>
+            <a:r>
+              <a:rPr lang="en-US" sz="2000" b="1" dirty="0" err="1" smtClean="0">
+                <a:latin typeface="Courier New" panose="02070309020205020404" pitchFamily="49" charset="0"/>
+                <a:cs typeface="Courier New" panose="02070309020205020404" pitchFamily="49" charset="0"/>
+              </a:rPr>
+              <a:t>eeee</a:t>
+            </a:r>
+            <a:r>
+              <a:rPr lang="en-US" sz="2000" b="1" dirty="0" smtClean="0">
+                <a:latin typeface="Courier New" panose="02070309020205020404" pitchFamily="49" charset="0"/>
+                <a:cs typeface="Courier New" panose="02070309020205020404" pitchFamily="49" charset="0"/>
+              </a:rPr>
+              <a:t> sS</a:t>
+            </a:r>
+            <a:r>
+              <a:rPr lang="en-US" sz="2000" b="1" dirty="0" smtClean="0">
+                <a:solidFill>
+                  <a:schemeClr val="bg1">
+                    <a:lumMod val="50000"/>
+                  </a:schemeClr>
+                </a:solidFill>
+                <a:latin typeface="Courier New" panose="02070309020205020404" pitchFamily="49" charset="0"/>
+                <a:cs typeface="Courier New" panose="02070309020205020404" pitchFamily="49" charset="0"/>
+              </a:rPr>
+              <a:t>1.</a:t>
+            </a:r>
+            <a:r>
+              <a:rPr lang="en-US" sz="2000" b="1" dirty="0" smtClean="0">
+                <a:latin typeface="Courier New" panose="02070309020205020404" pitchFamily="49" charset="0"/>
+                <a:cs typeface="Courier New" panose="02070309020205020404" pitchFamily="49" charset="0"/>
+              </a:rPr>
+              <a:t>mm </a:t>
+            </a:r>
+            <a:r>
+              <a:rPr lang="en-US" sz="2000" b="1" dirty="0" err="1" smtClean="0">
+                <a:latin typeface="Courier New" panose="02070309020205020404" pitchFamily="49" charset="0"/>
+                <a:cs typeface="Courier New" panose="02070309020205020404" pitchFamily="49" charset="0"/>
+              </a:rPr>
+              <a:t>mmmm</a:t>
+            </a:r>
+            <a:r>
+              <a:rPr lang="en-US" sz="2000" b="1" dirty="0" smtClean="0">
+                <a:latin typeface="Courier New" panose="02070309020205020404" pitchFamily="49" charset="0"/>
+                <a:cs typeface="Courier New" panose="02070309020205020404" pitchFamily="49" charset="0"/>
+              </a:rPr>
+              <a:t> </a:t>
+            </a:r>
+            <a:r>
+              <a:rPr lang="en-US" sz="2000" b="1" dirty="0" err="1" smtClean="0">
+                <a:latin typeface="Courier New" panose="02070309020205020404" pitchFamily="49" charset="0"/>
+                <a:cs typeface="Courier New" panose="02070309020205020404" pitchFamily="49" charset="0"/>
+              </a:rPr>
+              <a:t>mmmm</a:t>
+            </a:r>
+            <a:r>
+              <a:rPr lang="en-US" sz="2200" dirty="0" smtClean="0"/>
+              <a:t>  </a:t>
+            </a:r>
+            <a:r>
+              <a:rPr lang="en-US" sz="2000" dirty="0" smtClean="0"/>
+              <a:t>register format, E adjusted</a:t>
             </a:r>
           </a:p>
         </p:txBody>
@@ -11574,7 +11735,7 @@
     </p:spTree>
     <p:extLst>
       <p:ext uri="{BB962C8B-B14F-4D97-AF65-F5344CB8AC3E}">
-        <p14:creationId xmlns:p14="http://schemas.microsoft.com/office/powerpoint/2010/main" val="1698005348"/>
+        <p14:creationId xmlns:p14="http://schemas.microsoft.com/office/powerpoint/2010/main" val="2694861103"/>
       </p:ext>
     </p:extLst>
   </p:cSld>
@@ -11632,14 +11793,14 @@
           <a:p>
             <a:r>
               <a:rPr lang="en-US" sz="4000" dirty="0" smtClean="0"/>
-              <a:t>A better implementation</a:t>
+              <a:t>The initial implementation</a:t>
             </a:r>
             <a:br>
               <a:rPr lang="en-US" sz="4000" dirty="0" smtClean="0"/>
             </a:br>
             <a:r>
               <a:rPr lang="en-US" sz="4000" dirty="0" smtClean="0"/>
-              <a:t>Troc16_16hwa</a:t>
+              <a:t>Troc16_16min</a:t>
             </a:r>
             <a:endParaRPr lang="en-US" sz="4000" dirty="0"/>
           </a:p>
@@ -11663,33 +11824,39 @@
         </p:spPr>
         <p:txBody>
           <a:bodyPr>
-            <a:normAutofit fontScale="92500" lnSpcReduction="10000"/>
+            <a:normAutofit fontScale="92500" lnSpcReduction="20000"/>
           </a:bodyPr>
           <a:lstStyle/>
           <a:p>
             <a:r>
               <a:rPr lang="en-US" dirty="0" smtClean="0"/>
-              <a:t>Half Word Aligned, 2</a:t>
-            </a:r>
-            <a:r>
-              <a:rPr lang="en-US" baseline="30000" dirty="0" smtClean="0"/>
-              <a:t>nd</a:t>
-            </a:r>
-            <a:r>
-              <a:rPr lang="en-US" dirty="0" smtClean="0"/>
-              <a:t> half word only if needed</a:t>
-            </a:r>
-          </a:p>
-          <a:p>
-            <a:r>
-              <a:rPr lang="en-US" dirty="0" smtClean="0"/>
-              <a:t>16-bit two port memory: addressed location and next location</a:t>
-            </a:r>
-          </a:p>
-          <a:p>
-            <a:r>
-              <a:rPr lang="en-US" dirty="0" smtClean="0"/>
-              <a:t>Still good LUT count</a:t>
+              <a:t>Tagged, Register Oriented Computer, 16+ bit instructions, 16-bit data</a:t>
+            </a:r>
+            <a:r>
+              <a:rPr lang="en-US" sz="3000" dirty="0" smtClean="0"/>
+              <a:t> </a:t>
+            </a:r>
+            <a:r>
+              <a:rPr lang="en-US" sz="2600" dirty="0" smtClean="0"/>
+              <a:t>(no tags on min variant)</a:t>
+            </a:r>
+          </a:p>
+          <a:p>
+            <a:r>
+              <a:rPr lang="en-US" dirty="0" smtClean="0"/>
+              <a:t>32-bit memory: both an instruction and the 16-bit immediate, even if not needed</a:t>
+            </a:r>
+          </a:p>
+          <a:p>
+            <a:r>
+              <a:rPr lang="en-US" dirty="0" smtClean="0"/>
+              <a:t>Two port register file</a:t>
+            </a:r>
+          </a:p>
+          <a:p>
+            <a:r>
+              <a:rPr lang="en-US" dirty="0" smtClean="0"/>
+              <a:t>Great LUT counts! multiply instruction included</a:t>
             </a:r>
           </a:p>
           <a:p>
@@ -11729,7 +11896,14 @@
                 <a:latin typeface="Courier New" panose="02070309020205020404" pitchFamily="49" charset="0"/>
                 <a:cs typeface="Courier New" panose="02070309020205020404" pitchFamily="49" charset="0"/>
               </a:rPr>
-              <a:t>BRAM DSP  </a:t>
+              <a:t>BRAM  </a:t>
+            </a:r>
+            <a:r>
+              <a:rPr lang="en-US" sz="2400" b="1" dirty="0">
+                <a:latin typeface="Courier New" panose="02070309020205020404" pitchFamily="49" charset="0"/>
+                <a:cs typeface="Courier New" panose="02070309020205020404" pitchFamily="49" charset="0"/>
+              </a:rPr>
+              <a:t>DSP </a:t>
             </a:r>
             <a:r>
               <a:rPr lang="en-US" sz="2400" b="1" dirty="0" smtClean="0">
@@ -11741,14 +11915,20 @@
           </a:p>
           <a:p>
             <a:pPr marL="914400" lvl="1" indent="-457200">
-              <a:buAutoNum type="arabicPlain" startAt="318"/>
+              <a:buAutoNum type="arabicPlain" startAt="232"/>
             </a:pPr>
             <a:r>
               <a:rPr lang="en-US" sz="2400" b="1" dirty="0" smtClean="0">
                 <a:latin typeface="Courier New" panose="02070309020205020404" pitchFamily="49" charset="0"/>
                 <a:cs typeface="Courier New" panose="02070309020205020404" pitchFamily="49" charset="0"/>
               </a:rPr>
-              <a:t>    16    50 </a:t>
+              <a:t>    16    50  0.5   1   13.6ns </a:t>
+            </a:r>
+            <a:r>
+              <a:rPr lang="en-US" sz="2400" dirty="0" err="1" smtClean="0">
+                <a:cs typeface="Courier New" panose="02070309020205020404" pitchFamily="49" charset="0"/>
+              </a:rPr>
+              <a:t>Vivado</a:t>
             </a:r>
             <a:r>
               <a:rPr lang="en-US" sz="2400" b="1" dirty="0" smtClean="0">
@@ -11758,11 +11938,29 @@
               <a:t> </a:t>
             </a:r>
             <a:r>
+              <a:rPr lang="en-US" sz="2400" dirty="0" smtClean="0">
+                <a:cs typeface="Courier New" panose="02070309020205020404" pitchFamily="49" charset="0"/>
+              </a:rPr>
+              <a:t>default</a:t>
+            </a:r>
+          </a:p>
+          <a:p>
+            <a:pPr marL="914400" lvl="1" indent="-457200">
+              <a:buAutoNum type="arabicPlain" startAt="208"/>
+            </a:pPr>
+            <a:r>
               <a:rPr lang="en-US" sz="2400" b="1" dirty="0" smtClean="0">
                 <a:latin typeface="Courier New" panose="02070309020205020404" pitchFamily="49" charset="0"/>
                 <a:cs typeface="Courier New" panose="02070309020205020404" pitchFamily="49" charset="0"/>
               </a:rPr>
-              <a:t>0.5 </a:t>
+              <a:t>    16    </a:t>
+            </a:r>
+            <a:r>
+              <a:rPr lang="en-US" sz="2400" b="1" dirty="0">
+                <a:latin typeface="Courier New" panose="02070309020205020404" pitchFamily="49" charset="0"/>
+                <a:cs typeface="Courier New" panose="02070309020205020404" pitchFamily="49" charset="0"/>
+              </a:rPr>
+              <a:t>50 </a:t>
             </a:r>
             <a:r>
               <a:rPr lang="en-US" sz="2400" b="1" dirty="0" smtClean="0">
@@ -11772,64 +11970,82 @@
               <a:t> </a:t>
             </a:r>
             <a:r>
+              <a:rPr lang="en-US" sz="2400" b="1" dirty="0">
+                <a:latin typeface="Courier New" panose="02070309020205020404" pitchFamily="49" charset="0"/>
+                <a:cs typeface="Courier New" panose="02070309020205020404" pitchFamily="49" charset="0"/>
+              </a:rPr>
+              <a:t>0.5   1  </a:t>
+            </a:r>
+            <a:r>
               <a:rPr lang="en-US" sz="2400" b="1" dirty="0" smtClean="0">
                 <a:latin typeface="Courier New" panose="02070309020205020404" pitchFamily="49" charset="0"/>
                 <a:cs typeface="Courier New" panose="02070309020205020404" pitchFamily="49" charset="0"/>
               </a:rPr>
-              <a:t>1 </a:t>
-            </a:r>
+              <a:t> 13.3ns </a:t>
+            </a:r>
+            <a:r>
+              <a:rPr lang="en-US" sz="2600" dirty="0" smtClean="0">
+                <a:cs typeface="Courier New" panose="02070309020205020404" pitchFamily="49" charset="0"/>
+              </a:rPr>
+              <a:t>area optimize</a:t>
+            </a:r>
+          </a:p>
+          <a:p>
+            <a:pPr marL="457200" lvl="1" indent="0">
+              <a:buNone/>
+            </a:pPr>
             <a:r>
               <a:rPr lang="en-US" sz="2400" b="1" dirty="0" smtClean="0">
                 <a:latin typeface="Courier New" panose="02070309020205020404" pitchFamily="49" charset="0"/>
                 <a:cs typeface="Courier New" panose="02070309020205020404" pitchFamily="49" charset="0"/>
               </a:rPr>
-              <a:t>  14.9ns </a:t>
-            </a:r>
-            <a:r>
-              <a:rPr lang="en-US" sz="2200" b="1" dirty="0" smtClean="0">
+              <a:t>355   144    66  </a:t>
+            </a:r>
+            <a:r>
+              <a:rPr lang="en-US" sz="2400" b="1" dirty="0">
                 <a:latin typeface="Courier New" panose="02070309020205020404" pitchFamily="49" charset="0"/>
                 <a:cs typeface="Courier New" panose="02070309020205020404" pitchFamily="49" charset="0"/>
               </a:rPr>
-              <a:t>no area opt</a:t>
-            </a:r>
-            <a:endParaRPr lang="en-US" sz="2200" b="1" dirty="0" smtClean="0">
-              <a:latin typeface="Courier New" panose="02070309020205020404" pitchFamily="49" charset="0"/>
+              <a:t>0.5   1    </a:t>
+            </a:r>
+            <a:r>
+              <a:rPr lang="en-US" sz="2400" b="1" dirty="0" smtClean="0">
+                <a:latin typeface="Courier New" panose="02070309020205020404" pitchFamily="49" charset="0"/>
+                <a:cs typeface="Courier New" panose="02070309020205020404" pitchFamily="49" charset="0"/>
+              </a:rPr>
+              <a:t>9.7ns </a:t>
+            </a:r>
+            <a:r>
+              <a:rPr lang="en-US" sz="2600" dirty="0" err="1" smtClean="0">
+                <a:cs typeface="Courier New" panose="02070309020205020404" pitchFamily="49" charset="0"/>
+              </a:rPr>
+              <a:t>Fmax</a:t>
+            </a:r>
+            <a:r>
+              <a:rPr lang="en-US" sz="2600" dirty="0" smtClean="0">
+                <a:cs typeface="Courier New" panose="02070309020205020404" pitchFamily="49" charset="0"/>
+              </a:rPr>
+              <a:t> optimize</a:t>
+            </a:r>
+            <a:endParaRPr lang="en-US" sz="2600" dirty="0">
               <a:cs typeface="Courier New" panose="02070309020205020404" pitchFamily="49" charset="0"/>
             </a:endParaRPr>
           </a:p>
           <a:p>
-            <a:r>
-              <a:rPr lang="en-US" dirty="0" smtClean="0"/>
-              <a:t>Can continue with this design, adding data types and living with two port register file</a:t>
-            </a:r>
-          </a:p>
-          <a:p>
-            <a:pPr lvl="1"/>
-            <a:r>
-              <a:rPr lang="en-US" dirty="0" smtClean="0"/>
-              <a:t>24-bit load/store instructions possible by limiting base register to Residue or </a:t>
-            </a:r>
-            <a:r>
-              <a:rPr lang="en-US" dirty="0" smtClean="0"/>
-              <a:t>PC (due to 2-port register file)</a:t>
-            </a:r>
-            <a:endParaRPr lang="en-US" dirty="0"/>
-          </a:p>
-          <a:p>
-            <a:pPr marL="457200" lvl="1" indent="0">
-              <a:buNone/>
-            </a:pPr>
-            <a:endParaRPr lang="en-US" sz="2400" b="1" dirty="0">
-              <a:latin typeface="Courier New" panose="02070309020205020404" pitchFamily="49" charset="0"/>
-              <a:cs typeface="Courier New" panose="02070309020205020404" pitchFamily="49" charset="0"/>
-            </a:endParaRPr>
+            <a:pPr marL="914400" lvl="1" indent="-457200"/>
+            <a:r>
+              <a:rPr lang="en-US" sz="2600" dirty="0" smtClean="0">
+                <a:cs typeface="Courier New" panose="02070309020205020404" pitchFamily="49" charset="0"/>
+              </a:rPr>
+              <a:t>Combinatorial divide adds ~400LUTs &amp; 30ns</a:t>
+            </a:r>
           </a:p>
         </p:txBody>
       </p:sp>
     </p:spTree>
     <p:extLst>
       <p:ext uri="{BB962C8B-B14F-4D97-AF65-F5344CB8AC3E}">
-        <p14:creationId xmlns:p14="http://schemas.microsoft.com/office/powerpoint/2010/main" val="948480117"/>
+        <p14:creationId xmlns:p14="http://schemas.microsoft.com/office/powerpoint/2010/main" val="1698005348"/>
       </p:ext>
     </p:extLst>
   </p:cSld>
@@ -11887,14 +12103,14 @@
           <a:p>
             <a:r>
               <a:rPr lang="en-US" sz="4000" dirty="0" smtClean="0"/>
-              <a:t>Full 16-bit implementation</a:t>
+              <a:t>A better implementation</a:t>
             </a:r>
             <a:br>
               <a:rPr lang="en-US" sz="4000" dirty="0" smtClean="0"/>
             </a:br>
             <a:r>
               <a:rPr lang="en-US" sz="4000" dirty="0" smtClean="0"/>
-              <a:t>Troc16_16hwatag</a:t>
+              <a:t>Troc16_16hwa</a:t>
             </a:r>
             <a:endParaRPr lang="en-US" sz="4000" dirty="0"/>
           </a:p>
@@ -11918,48 +12134,37 @@
         </p:spPr>
         <p:txBody>
           <a:bodyPr>
-            <a:normAutofit/>
+            <a:normAutofit fontScale="92500" lnSpcReduction="10000"/>
           </a:bodyPr>
           <a:lstStyle/>
           <a:p>
             <a:r>
+              <a:rPr lang="en-US" dirty="0" smtClean="0"/>
+              <a:t>Half Word Aligned, 2</a:t>
+            </a:r>
+            <a:r>
+              <a:rPr lang="en-US" baseline="30000" dirty="0" smtClean="0"/>
+              <a:t>nd</a:t>
+            </a:r>
+            <a:r>
+              <a:rPr lang="en-US" dirty="0" smtClean="0"/>
+              <a:t> half word only if needed</a:t>
+            </a:r>
+          </a:p>
+          <a:p>
+            <a:r>
+              <a:rPr lang="en-US" dirty="0" smtClean="0"/>
+              <a:t>16-bit two port memory: addressed location and next location</a:t>
+            </a:r>
+          </a:p>
+          <a:p>
+            <a:r>
+              <a:rPr lang="en-US" dirty="0" smtClean="0"/>
+              <a:t>Still good LUT count </a:t>
+            </a:r>
+            <a:r>
               <a:rPr lang="en-US" sz="2800" dirty="0" smtClean="0"/>
-              <a:t>Four tag bits added to each register</a:t>
-            </a:r>
-          </a:p>
-          <a:p>
-            <a:r>
-              <a:rPr lang="en-US" sz="2800" dirty="0" smtClean="0"/>
-              <a:t>Half Word Aligned, 2</a:t>
-            </a:r>
-            <a:r>
-              <a:rPr lang="en-US" sz="2800" baseline="30000" dirty="0" smtClean="0"/>
-              <a:t>nd</a:t>
-            </a:r>
-            <a:r>
-              <a:rPr lang="en-US" sz="2800" dirty="0" smtClean="0"/>
-              <a:t> half word only if needed</a:t>
-            </a:r>
-          </a:p>
-          <a:p>
-            <a:r>
-              <a:rPr lang="en-US" sz="2800" dirty="0" smtClean="0"/>
-              <a:t>16-bit two port memory: addressed location and next location</a:t>
-            </a:r>
-          </a:p>
-          <a:p>
-            <a:r>
-              <a:rPr lang="en-US" sz="2800" dirty="0" smtClean="0"/>
-              <a:t>LUT count rising, includes signed &amp; unsigned MUL</a:t>
-            </a:r>
-          </a:p>
-          <a:p>
-            <a:pPr marL="457200" lvl="1" indent="0">
-              <a:buNone/>
-            </a:pPr>
-            <a:r>
-              <a:rPr lang="en-US" sz="2400" dirty="0" smtClean="0"/>
-              <a:t>Tried area optimization, dramatic improvement in LUT count</a:t>
+              <a:t>(see next slide)</a:t>
             </a:r>
           </a:p>
           <a:p>
@@ -11985,107 +12190,56 @@
                 <a:latin typeface="Courier New" panose="02070309020205020404" pitchFamily="49" charset="0"/>
                 <a:cs typeface="Courier New" panose="02070309020205020404" pitchFamily="49" charset="0"/>
               </a:rPr>
-              <a:t> </a:t>
-            </a:r>
-            <a:r>
-              <a:rPr lang="en-US" sz="2400" b="1" dirty="0">
-                <a:latin typeface="Courier New" panose="02070309020205020404" pitchFamily="49" charset="0"/>
-                <a:cs typeface="Courier New" panose="02070309020205020404" pitchFamily="49" charset="0"/>
-              </a:rPr>
-              <a:t>DFF </a:t>
-            </a:r>
+              <a:t> DFF BRAM DSP clock</a:t>
+            </a:r>
+          </a:p>
+          <a:p>
+            <a:pPr marL="914400" lvl="1" indent="-457200">
+              <a:buAutoNum type="arabicPlain" startAt="318"/>
+            </a:pPr>
             <a:r>
               <a:rPr lang="en-US" sz="2400" b="1" dirty="0" smtClean="0">
                 <a:latin typeface="Courier New" panose="02070309020205020404" pitchFamily="49" charset="0"/>
                 <a:cs typeface="Courier New" panose="02070309020205020404" pitchFamily="49" charset="0"/>
               </a:rPr>
-              <a:t>BRAM DSP clock</a:t>
-            </a:r>
-          </a:p>
-          <a:p>
-            <a:pPr marL="914400" lvl="1" indent="-457200">
-              <a:buAutoNum type="arabicPlain" startAt="441"/>
-            </a:pPr>
-            <a:r>
-              <a:rPr lang="en-US" sz="2000" b="1" dirty="0" smtClean="0">
-                <a:latin typeface="Courier New" panose="02070309020205020404" pitchFamily="49" charset="0"/>
+              <a:t>    16    50  0.5  1  14.9ns </a:t>
+            </a:r>
+            <a:r>
+              <a:rPr lang="en-US" sz="2600" dirty="0" smtClean="0">
                 <a:cs typeface="Courier New" panose="02070309020205020404" pitchFamily="49" charset="0"/>
               </a:rPr>
-              <a:t>    17    50  0.5  1  14.5ns </a:t>
-            </a:r>
-            <a:r>
-              <a:rPr lang="en-US" sz="2000" b="1" dirty="0" err="1" smtClean="0">
-                <a:latin typeface="Courier New" panose="02070309020205020404" pitchFamily="49" charset="0"/>
-                <a:cs typeface="Courier New" panose="02070309020205020404" pitchFamily="49" charset="0"/>
-              </a:rPr>
-              <a:t>std</a:t>
-            </a:r>
-            <a:r>
-              <a:rPr lang="en-US" sz="2000" b="1" dirty="0" smtClean="0">
-                <a:latin typeface="Courier New" panose="02070309020205020404" pitchFamily="49" charset="0"/>
-                <a:cs typeface="Courier New" panose="02070309020205020404" pitchFamily="49" charset="0"/>
-              </a:rPr>
-              <a:t> flow</a:t>
-            </a:r>
-          </a:p>
-          <a:p>
-            <a:pPr marL="914400" lvl="1" indent="-457200">
-              <a:buAutoNum type="arabicPlain" startAt="279"/>
-            </a:pPr>
-            <a:r>
-              <a:rPr lang="en-US" sz="2000" b="1" dirty="0" smtClean="0">
-                <a:latin typeface="Courier New" panose="02070309020205020404" pitchFamily="49" charset="0"/>
-                <a:cs typeface="Courier New" panose="02070309020205020404" pitchFamily="49" charset="0"/>
-              </a:rPr>
-              <a:t>    17    50  0.5  1  14.0ns area opt unsigned</a:t>
-            </a:r>
+              <a:t>no area opt</a:t>
+            </a:r>
+          </a:p>
+          <a:p>
+            <a:r>
+              <a:rPr lang="en-US" dirty="0" smtClean="0"/>
+              <a:t>Can continue with this design, adding data types and living with two port register file</a:t>
+            </a:r>
+          </a:p>
+          <a:p>
+            <a:pPr lvl="1"/>
+            <a:r>
+              <a:rPr lang="en-US" dirty="0" smtClean="0"/>
+              <a:t>24-bit load/store instructions possible by limiting base register to Residue or PC (due to 2-port register file)</a:t>
+            </a:r>
+            <a:endParaRPr lang="en-US" dirty="0"/>
           </a:p>
           <a:p>
             <a:pPr marL="457200" lvl="1" indent="0">
               <a:buNone/>
             </a:pPr>
-            <a:r>
-              <a:rPr lang="en-US" sz="2000" b="1" dirty="0" smtClean="0">
-                <a:latin typeface="Courier New" panose="02070309020205020404" pitchFamily="49" charset="0"/>
-                <a:cs typeface="Courier New" panose="02070309020205020404" pitchFamily="49" charset="0"/>
-              </a:rPr>
-              <a:t>264</a:t>
-            </a:r>
-            <a:r>
-              <a:rPr lang="en-US" sz="2000" b="1" dirty="0">
-                <a:latin typeface="Courier New" panose="02070309020205020404" pitchFamily="49" charset="0"/>
-                <a:cs typeface="Courier New" panose="02070309020205020404" pitchFamily="49" charset="0"/>
-              </a:rPr>
-              <a:t> </a:t>
-            </a:r>
-            <a:r>
-              <a:rPr lang="en-US" sz="2000" b="1" dirty="0" smtClean="0">
-                <a:latin typeface="Courier New" panose="02070309020205020404" pitchFamily="49" charset="0"/>
-                <a:cs typeface="Courier New" panose="02070309020205020404" pitchFamily="49" charset="0"/>
-              </a:rPr>
-              <a:t>   17</a:t>
-            </a:r>
-            <a:r>
-              <a:rPr lang="en-US" sz="2000" b="1" dirty="0">
-                <a:latin typeface="Courier New" panose="02070309020205020404" pitchFamily="49" charset="0"/>
-                <a:cs typeface="Courier New" panose="02070309020205020404" pitchFamily="49" charset="0"/>
-              </a:rPr>
-              <a:t> </a:t>
-            </a:r>
-            <a:r>
-              <a:rPr lang="en-US" sz="2000" b="1" dirty="0" smtClean="0">
-                <a:latin typeface="Courier New" panose="02070309020205020404" pitchFamily="49" charset="0"/>
-                <a:cs typeface="Courier New" panose="02070309020205020404" pitchFamily="49" charset="0"/>
-              </a:rPr>
-              <a:t>   50  0.5  1  14.1ns 2’s comp +-*?</a:t>
-            </a:r>
+            <a:endParaRPr lang="en-US" sz="2400" b="1" dirty="0">
+              <a:latin typeface="Courier New" panose="02070309020205020404" pitchFamily="49" charset="0"/>
+              <a:cs typeface="Courier New" panose="02070309020205020404" pitchFamily="49" charset="0"/>
+            </a:endParaRPr>
           </a:p>
         </p:txBody>
       </p:sp>
     </p:spTree>
     <p:extLst>
       <p:ext uri="{BB962C8B-B14F-4D97-AF65-F5344CB8AC3E}">
-        <p14:creationId xmlns:p14="http://schemas.microsoft.com/office/powerpoint/2010/main" val="3176699064"/>
+        <p14:creationId xmlns:p14="http://schemas.microsoft.com/office/powerpoint/2010/main" val="948480117"/>
       </p:ext>
     </p:extLst>
   </p:cSld>
@@ -12132,6 +12286,269 @@
         <p:spPr>
           <a:xfrm>
             <a:off x="457200" y="274638"/>
+            <a:ext cx="8229600" cy="1096962"/>
+          </a:xfrm>
+        </p:spPr>
+        <p:txBody>
+          <a:bodyPr>
+            <a:normAutofit fontScale="90000"/>
+          </a:bodyPr>
+          <a:lstStyle/>
+          <a:p>
+            <a:r>
+              <a:rPr lang="en-US" sz="4000" dirty="0" smtClean="0"/>
+              <a:t>Full 16-bit implementation</a:t>
+            </a:r>
+            <a:br>
+              <a:rPr lang="en-US" sz="4000" dirty="0" smtClean="0"/>
+            </a:br>
+            <a:r>
+              <a:rPr lang="en-US" sz="4000" dirty="0" smtClean="0"/>
+              <a:t>Troc16_16hwatag</a:t>
+            </a:r>
+            <a:endParaRPr lang="en-US" sz="4000" dirty="0"/>
+          </a:p>
+        </p:txBody>
+      </p:sp>
+      <p:sp>
+        <p:nvSpPr>
+          <p:cNvPr id="3" name="Content Placeholder 2"/>
+          <p:cNvSpPr>
+            <a:spLocks noGrp="1"/>
+          </p:cNvSpPr>
+          <p:nvPr>
+            <p:ph idx="1"/>
+          </p:nvPr>
+        </p:nvSpPr>
+        <p:spPr>
+          <a:xfrm>
+            <a:off x="533400" y="1676400"/>
+            <a:ext cx="8229600" cy="4648200"/>
+          </a:xfrm>
+        </p:spPr>
+        <p:txBody>
+          <a:bodyPr>
+            <a:normAutofit lnSpcReduction="10000"/>
+          </a:bodyPr>
+          <a:lstStyle/>
+          <a:p>
+            <a:r>
+              <a:rPr lang="en-US" sz="2800" dirty="0" smtClean="0"/>
+              <a:t>Four tag bits added to each register</a:t>
+            </a:r>
+          </a:p>
+          <a:p>
+            <a:r>
+              <a:rPr lang="en-US" sz="2800" dirty="0" smtClean="0"/>
+              <a:t>Half Word Aligned, 2</a:t>
+            </a:r>
+            <a:r>
+              <a:rPr lang="en-US" sz="2800" baseline="30000" dirty="0" smtClean="0"/>
+              <a:t>nd</a:t>
+            </a:r>
+            <a:r>
+              <a:rPr lang="en-US" sz="2800" dirty="0" smtClean="0"/>
+              <a:t> half word only if needed</a:t>
+            </a:r>
+          </a:p>
+          <a:p>
+            <a:r>
+              <a:rPr lang="en-US" sz="2800" dirty="0" smtClean="0"/>
+              <a:t>16-bit two port memory: addressed location and next location</a:t>
+            </a:r>
+          </a:p>
+          <a:p>
+            <a:r>
+              <a:rPr lang="en-US" sz="2800" dirty="0" smtClean="0"/>
+              <a:t>LUT count rising, includes signed &amp; unsigned MUL</a:t>
+            </a:r>
+          </a:p>
+          <a:p>
+            <a:pPr marL="457200" lvl="1" indent="0">
+              <a:buNone/>
+            </a:pPr>
+            <a:r>
+              <a:rPr lang="en-US" sz="2400" dirty="0" smtClean="0"/>
+              <a:t>Tried area optimization, dramatic improvement in LUT count</a:t>
+            </a:r>
+          </a:p>
+          <a:p>
+            <a:pPr marL="457200" lvl="1" indent="0">
+              <a:buNone/>
+            </a:pPr>
+            <a:r>
+              <a:rPr lang="en-US" sz="2400" b="1" dirty="0" smtClean="0">
+                <a:latin typeface="Courier New" panose="02070309020205020404" pitchFamily="49" charset="0"/>
+                <a:cs typeface="Courier New" panose="02070309020205020404" pitchFamily="49" charset="0"/>
+              </a:rPr>
+              <a:t>LUTs </a:t>
+            </a:r>
+            <a:r>
+              <a:rPr lang="en-US" sz="2400" b="1" dirty="0" err="1" smtClean="0">
+                <a:latin typeface="Courier New" panose="02070309020205020404" pitchFamily="49" charset="0"/>
+                <a:cs typeface="Courier New" panose="02070309020205020404" pitchFamily="49" charset="0"/>
+              </a:rPr>
+              <a:t>LUTram</a:t>
+            </a:r>
+            <a:r>
+              <a:rPr lang="en-US" sz="2400" b="1" dirty="0" smtClean="0">
+                <a:latin typeface="Courier New" panose="02070309020205020404" pitchFamily="49" charset="0"/>
+                <a:cs typeface="Courier New" panose="02070309020205020404" pitchFamily="49" charset="0"/>
+              </a:rPr>
+              <a:t> </a:t>
+            </a:r>
+            <a:r>
+              <a:rPr lang="en-US" sz="2400" b="1" dirty="0">
+                <a:latin typeface="Courier New" panose="02070309020205020404" pitchFamily="49" charset="0"/>
+                <a:cs typeface="Courier New" panose="02070309020205020404" pitchFamily="49" charset="0"/>
+              </a:rPr>
+              <a:t>DFF </a:t>
+            </a:r>
+            <a:r>
+              <a:rPr lang="en-US" sz="2400" b="1" dirty="0" smtClean="0">
+                <a:latin typeface="Courier New" panose="02070309020205020404" pitchFamily="49" charset="0"/>
+                <a:cs typeface="Courier New" panose="02070309020205020404" pitchFamily="49" charset="0"/>
+              </a:rPr>
+              <a:t>BRAM DSP clock</a:t>
+            </a:r>
+          </a:p>
+          <a:p>
+            <a:pPr marL="914400" lvl="1" indent="-457200">
+              <a:buAutoNum type="arabicPlain" startAt="441"/>
+            </a:pPr>
+            <a:r>
+              <a:rPr lang="en-US" sz="2000" b="1" dirty="0" smtClean="0">
+                <a:latin typeface="Courier New" panose="02070309020205020404" pitchFamily="49" charset="0"/>
+                <a:cs typeface="Courier New" panose="02070309020205020404" pitchFamily="49" charset="0"/>
+              </a:rPr>
+              <a:t>    17    50  0.5  1  14.5ns </a:t>
+            </a:r>
+            <a:r>
+              <a:rPr lang="en-US" sz="2400" dirty="0" smtClean="0">
+                <a:cs typeface="Courier New" panose="02070309020205020404" pitchFamily="49" charset="0"/>
+              </a:rPr>
+              <a:t>standard flow</a:t>
+            </a:r>
+          </a:p>
+          <a:p>
+            <a:pPr marL="914400" lvl="1" indent="-457200">
+              <a:buAutoNum type="arabicPlain" startAt="279"/>
+            </a:pPr>
+            <a:r>
+              <a:rPr lang="en-US" sz="2000" b="1" dirty="0" smtClean="0">
+                <a:latin typeface="Courier New" panose="02070309020205020404" pitchFamily="49" charset="0"/>
+                <a:cs typeface="Courier New" panose="02070309020205020404" pitchFamily="49" charset="0"/>
+              </a:rPr>
+              <a:t>    17    50  0.5  1  14.0ns </a:t>
+            </a:r>
+            <a:r>
+              <a:rPr lang="en-US" sz="2400" dirty="0" smtClean="0">
+                <a:cs typeface="Courier New" panose="02070309020205020404" pitchFamily="49" charset="0"/>
+              </a:rPr>
+              <a:t>area opt unsigned</a:t>
+            </a:r>
+            <a:endParaRPr lang="en-US" sz="2000" dirty="0" smtClean="0">
+              <a:cs typeface="Courier New" panose="02070309020205020404" pitchFamily="49" charset="0"/>
+            </a:endParaRPr>
+          </a:p>
+          <a:p>
+            <a:pPr marL="457200" lvl="1" indent="0">
+              <a:buNone/>
+            </a:pPr>
+            <a:r>
+              <a:rPr lang="en-US" sz="2000" b="1" dirty="0" smtClean="0">
+                <a:latin typeface="Courier New" panose="02070309020205020404" pitchFamily="49" charset="0"/>
+                <a:cs typeface="Courier New" panose="02070309020205020404" pitchFamily="49" charset="0"/>
+              </a:rPr>
+              <a:t>264</a:t>
+            </a:r>
+            <a:r>
+              <a:rPr lang="en-US" sz="2000" b="1" dirty="0">
+                <a:latin typeface="Courier New" panose="02070309020205020404" pitchFamily="49" charset="0"/>
+                <a:cs typeface="Courier New" panose="02070309020205020404" pitchFamily="49" charset="0"/>
+              </a:rPr>
+              <a:t> </a:t>
+            </a:r>
+            <a:r>
+              <a:rPr lang="en-US" sz="2000" b="1" dirty="0" smtClean="0">
+                <a:latin typeface="Courier New" panose="02070309020205020404" pitchFamily="49" charset="0"/>
+                <a:cs typeface="Courier New" panose="02070309020205020404" pitchFamily="49" charset="0"/>
+              </a:rPr>
+              <a:t>   17</a:t>
+            </a:r>
+            <a:r>
+              <a:rPr lang="en-US" sz="2000" b="1" dirty="0">
+                <a:latin typeface="Courier New" panose="02070309020205020404" pitchFamily="49" charset="0"/>
+                <a:cs typeface="Courier New" panose="02070309020205020404" pitchFamily="49" charset="0"/>
+              </a:rPr>
+              <a:t> </a:t>
+            </a:r>
+            <a:r>
+              <a:rPr lang="en-US" sz="2000" b="1" dirty="0" smtClean="0">
+                <a:latin typeface="Courier New" panose="02070309020205020404" pitchFamily="49" charset="0"/>
+                <a:cs typeface="Courier New" panose="02070309020205020404" pitchFamily="49" charset="0"/>
+              </a:rPr>
+              <a:t>   50  0.5  1  14.1ns </a:t>
+            </a:r>
+            <a:r>
+              <a:rPr lang="en-US" sz="2400" dirty="0" smtClean="0">
+                <a:cs typeface="Courier New" panose="02070309020205020404" pitchFamily="49" charset="0"/>
+              </a:rPr>
+              <a:t>2’s comp +-*?</a:t>
+            </a:r>
+          </a:p>
+        </p:txBody>
+      </p:sp>
+    </p:spTree>
+    <p:extLst>
+      <p:ext uri="{BB962C8B-B14F-4D97-AF65-F5344CB8AC3E}">
+        <p14:creationId xmlns:p14="http://schemas.microsoft.com/office/powerpoint/2010/main" val="3176699064"/>
+      </p:ext>
+    </p:extLst>
+  </p:cSld>
+  <p:clrMapOvr>
+    <a:masterClrMapping/>
+  </p:clrMapOvr>
+  <p:timing>
+    <p:tnLst>
+      <p:par>
+        <p:cTn id="1" dur="indefinite" restart="never" nodeType="tmRoot"/>
+      </p:par>
+    </p:tnLst>
+  </p:timing>
+</p:sld>
+</file>
+
+<file path=ppt/slides/slide17.xml><?xml version="1.0" encoding="utf-8"?>
+<p:sld xmlns:a="http://schemas.openxmlformats.org/drawingml/2006/main" xmlns:r="http://schemas.openxmlformats.org/officeDocument/2006/relationships" xmlns:p="http://schemas.openxmlformats.org/presentationml/2006/main">
+  <p:cSld>
+    <p:spTree>
+      <p:nvGrpSpPr>
+        <p:cNvPr id="1" name=""/>
+        <p:cNvGrpSpPr/>
+        <p:nvPr/>
+      </p:nvGrpSpPr>
+      <p:grpSpPr>
+        <a:xfrm>
+          <a:off x="0" y="0"/>
+          <a:ext cx="0" cy="0"/>
+          <a:chOff x="0" y="0"/>
+          <a:chExt cx="0" cy="0"/>
+        </a:xfrm>
+      </p:grpSpPr>
+      <p:sp>
+        <p:nvSpPr>
+          <p:cNvPr id="2" name="Title 1"/>
+          <p:cNvSpPr>
+            <a:spLocks noGrp="1"/>
+          </p:cNvSpPr>
+          <p:nvPr>
+            <p:ph type="title"/>
+          </p:nvPr>
+        </p:nvSpPr>
+        <p:spPr>
+          <a:xfrm>
+            <a:off x="457200" y="274638"/>
             <a:ext cx="8229600" cy="792162"/>
           </a:xfrm>
         </p:spPr>
@@ -12143,7 +12560,7 @@
           <a:p>
             <a:r>
               <a:rPr lang="en-US" sz="4000" dirty="0" smtClean="0"/>
-              <a:t>Implementation flow</a:t>
+              <a:t>FPGA Implementation</a:t>
             </a:r>
             <a:endParaRPr lang="en-US" sz="4000" dirty="0"/>
           </a:p>
@@ -12167,19 +12584,24 @@
         </p:spPr>
         <p:txBody>
           <a:bodyPr>
-            <a:normAutofit fontScale="85000" lnSpcReduction="10000"/>
+            <a:normAutofit fontScale="92500" lnSpcReduction="20000"/>
           </a:bodyPr>
           <a:lstStyle/>
           <a:p>
             <a:r>
               <a:rPr lang="en-US" dirty="0" smtClean="0"/>
-              <a:t>List of instructions and their formats (spreadsheet)</a:t>
-            </a:r>
-          </a:p>
-          <a:p>
-            <a:r>
-              <a:rPr lang="en-US" dirty="0" smtClean="0"/>
-              <a:t>Op-code allocation (VHDL constants)</a:t>
+              <a:t>Need list of instructions and their formats </a:t>
+            </a:r>
+            <a:r>
+              <a:rPr lang="en-US" sz="2800" dirty="0" smtClean="0"/>
+              <a:t>(spreadsheet)</a:t>
+            </a:r>
+            <a:endParaRPr lang="en-US" dirty="0" smtClean="0"/>
+          </a:p>
+          <a:p>
+            <a:r>
+              <a:rPr lang="en-US" dirty="0" smtClean="0"/>
+              <a:t>Do op-code allocation (VHDL constants)</a:t>
             </a:r>
           </a:p>
           <a:p>
@@ -12198,12 +12620,28 @@
               <a:buNone/>
             </a:pPr>
             <a:r>
+              <a:rPr lang="en-US" sz="2400" dirty="0" smtClean="0">
+                <a:solidFill>
+                  <a:srgbClr val="00B0F0"/>
+                </a:solidFill>
+              </a:rPr>
+              <a:t>constant</a:t>
+            </a:r>
+            <a:r>
               <a:rPr lang="en-US" sz="2400" dirty="0" smtClean="0"/>
-              <a:t>constant op16_ADD: </a:t>
-            </a:r>
-            <a:r>
-              <a:rPr lang="en-US" sz="2400" dirty="0"/>
-              <a:t>unsigned(5 </a:t>
+              <a:t> op16_ADD:</a:t>
+            </a:r>
+            <a:r>
+              <a:rPr lang="en-US" sz="2400" dirty="0" smtClean="0">
+                <a:solidFill>
+                  <a:srgbClr val="00B0F0"/>
+                </a:solidFill>
+              </a:rPr>
+              <a:t>unsigned</a:t>
+            </a:r>
+            <a:r>
+              <a:rPr lang="en-US" sz="2400" dirty="0" smtClean="0"/>
+              <a:t>(5 </a:t>
             </a:r>
             <a:r>
               <a:rPr lang="en-US" sz="2400" dirty="0" err="1"/>
@@ -12211,61 +12649,77 @@
             </a:r>
             <a:r>
               <a:rPr lang="en-US" sz="2400" dirty="0"/>
-              <a:t> 0) := "000101</a:t>
+              <a:t> 0</a:t>
             </a:r>
             <a:r>
               <a:rPr lang="en-US" sz="2400" dirty="0" smtClean="0"/>
-              <a:t>"; -- </a:t>
+              <a:t>):="</a:t>
             </a:r>
             <a:r>
               <a:rPr lang="en-US" sz="2400" dirty="0"/>
+              <a:t>000101</a:t>
+            </a:r>
+            <a:r>
+              <a:rPr lang="en-US" sz="2400" dirty="0" smtClean="0"/>
+              <a:t>";--</a:t>
+            </a:r>
+            <a:r>
+              <a:rPr lang="en-US" sz="2400" dirty="0" smtClean="0">
+                <a:solidFill>
+                  <a:schemeClr val="accent3"/>
+                </a:solidFill>
+              </a:rPr>
+              <a:t> </a:t>
+            </a:r>
+            <a:r>
+              <a:rPr lang="en-US" sz="2400" dirty="0">
+                <a:solidFill>
+                  <a:srgbClr val="00B050"/>
+                </a:solidFill>
+              </a:rPr>
               <a:t>S + D =&gt; D</a:t>
             </a:r>
-            <a:endParaRPr lang="en-US" sz="3300" dirty="0" smtClean="0"/>
-          </a:p>
-          <a:p>
-            <a:r>
-              <a:rPr lang="en-US" dirty="0" smtClean="0"/>
-              <a:t>Register file VHDL</a:t>
-            </a:r>
-          </a:p>
-          <a:p>
-            <a:r>
-              <a:rPr lang="en-US" dirty="0" smtClean="0"/>
-              <a:t>Memory block RAM VHDL</a:t>
-            </a:r>
-          </a:p>
-          <a:p>
-            <a:r>
-              <a:rPr lang="en-US" dirty="0" smtClean="0"/>
-              <a:t>Top file	</a:t>
-            </a:r>
-            <a:endParaRPr lang="en-US" dirty="0" smtClean="0">
+            <a:endParaRPr lang="en-US" sz="2400" dirty="0" smtClean="0">
               <a:solidFill>
-                <a:schemeClr val="bg1">
-                  <a:lumMod val="65000"/>
-                </a:schemeClr>
+                <a:srgbClr val="00B050"/>
               </a:solidFill>
             </a:endParaRPr>
           </a:p>
           <a:p>
-            <a:pPr marL="457200" lvl="1" indent="0">
-              <a:buNone/>
-            </a:pPr>
-            <a:r>
-              <a:rPr lang="en-US" dirty="0" smtClean="0"/>
-              <a:t>     currently troc16_16hwatag.vhd </a:t>
+            <a:r>
+              <a:rPr lang="en-US" dirty="0" smtClean="0"/>
+              <a:t>Write register file VHDL</a:t>
+            </a:r>
+          </a:p>
+          <a:p>
+            <a:r>
+              <a:rPr lang="en-US" dirty="0" smtClean="0"/>
+              <a:t>Write memory block RAM VHDL</a:t>
+            </a:r>
+          </a:p>
+          <a:p>
+            <a:r>
+              <a:rPr lang="en-US" dirty="0" smtClean="0"/>
+              <a:t>Write top file: </a:t>
+            </a:r>
+            <a:r>
+              <a:rPr lang="en-US" sz="2600" dirty="0" smtClean="0"/>
+              <a:t>currently </a:t>
+            </a:r>
+            <a:r>
+              <a:rPr lang="en-US" sz="2600" i="1" dirty="0" smtClean="0"/>
+              <a:t>troc16_16hwatag.vhd</a:t>
+            </a:r>
+            <a:r>
+              <a:rPr lang="en-US" sz="2600" dirty="0" smtClean="0"/>
+              <a:t> </a:t>
             </a:r>
           </a:p>
           <a:p>
             <a:pPr lvl="1"/>
             <a:r>
               <a:rPr lang="en-US" dirty="0" smtClean="0"/>
-              <a:t>Include </a:t>
-            </a:r>
-            <a:r>
-              <a:rPr lang="en-US" dirty="0" smtClean="0"/>
-              <a:t>constant &amp; op-code files</a:t>
+              <a:t>Include constant &amp; op-code files</a:t>
             </a:r>
           </a:p>
           <a:p>
@@ -12312,7 +12766,7 @@
 </p:sld>
 </file>
 
-<file path=ppt/slides/slide17.xml><?xml version="1.0" encoding="utf-8"?>
+<file path=ppt/slides/slide18.xml><?xml version="1.0" encoding="utf-8"?>
 <p:sld xmlns:a="http://schemas.openxmlformats.org/drawingml/2006/main" xmlns:r="http://schemas.openxmlformats.org/officeDocument/2006/relationships" xmlns:p="http://schemas.openxmlformats.org/presentationml/2006/main">
   <p:cSld>
     <p:spTree>
@@ -14505,117 +14959,6 @@
 </p:sld>
 </file>
 
-<file path=ppt/slides/slide18.xml><?xml version="1.0" encoding="utf-8"?>
-<p:sld xmlns:a="http://schemas.openxmlformats.org/drawingml/2006/main" xmlns:r="http://schemas.openxmlformats.org/officeDocument/2006/relationships" xmlns:p="http://schemas.openxmlformats.org/presentationml/2006/main">
-  <p:cSld>
-    <p:spTree>
-      <p:nvGrpSpPr>
-        <p:cNvPr id="1" name=""/>
-        <p:cNvGrpSpPr/>
-        <p:nvPr/>
-      </p:nvGrpSpPr>
-      <p:grpSpPr>
-        <a:xfrm>
-          <a:off x="0" y="0"/>
-          <a:ext cx="0" cy="0"/>
-          <a:chOff x="0" y="0"/>
-          <a:chExt cx="0" cy="0"/>
-        </a:xfrm>
-      </p:grpSpPr>
-      <p:sp>
-        <p:nvSpPr>
-          <p:cNvPr id="2" name="Title 1"/>
-          <p:cNvSpPr>
-            <a:spLocks noGrp="1"/>
-          </p:cNvSpPr>
-          <p:nvPr>
-            <p:ph type="title"/>
-          </p:nvPr>
-        </p:nvSpPr>
-        <p:spPr/>
-        <p:txBody>
-          <a:bodyPr>
-            <a:normAutofit/>
-          </a:bodyPr>
-          <a:lstStyle/>
-          <a:p>
-            <a:r>
-              <a:rPr lang="en-US" sz="4000" dirty="0" smtClean="0"/>
-              <a:t>Single clock cycle events</a:t>
-            </a:r>
-            <a:endParaRPr lang="en-US" sz="4000" dirty="0"/>
-          </a:p>
-        </p:txBody>
-      </p:sp>
-      <p:sp>
-        <p:nvSpPr>
-          <p:cNvPr id="3" name="Content Placeholder 2"/>
-          <p:cNvSpPr>
-            <a:spLocks noGrp="1"/>
-          </p:cNvSpPr>
-          <p:nvPr>
-            <p:ph idx="1"/>
-          </p:nvPr>
-        </p:nvSpPr>
-        <p:spPr/>
-        <p:txBody>
-          <a:bodyPr>
-            <a:normAutofit lnSpcReduction="10000"/>
-          </a:bodyPr>
-          <a:lstStyle/>
-          <a:p>
-            <a:r>
-              <a:rPr lang="en-US" dirty="0" smtClean="0"/>
-              <a:t>Read instruction out of block RAM</a:t>
-            </a:r>
-          </a:p>
-          <a:p>
-            <a:r>
-              <a:rPr lang="en-US" dirty="0" smtClean="0"/>
-              <a:t>Use R &amp; S fields to read operands from LUT RAM</a:t>
-            </a:r>
-          </a:p>
-          <a:p>
-            <a:r>
-              <a:rPr lang="en-US" dirty="0" smtClean="0"/>
-              <a:t>Instruction process uses nested case statements, generates register &amp; memory updates</a:t>
-            </a:r>
-          </a:p>
-          <a:p>
-            <a:r>
-              <a:rPr lang="en-US" dirty="0" smtClean="0"/>
-              <a:t>Set update enables</a:t>
-            </a:r>
-          </a:p>
-          <a:p>
-            <a:r>
-              <a:rPr lang="en-US" dirty="0" smtClean="0"/>
-              <a:t>Update PC, LUT RAM, post address (new PC) to block RAM</a:t>
-            </a:r>
-            <a:endParaRPr lang="en-US" dirty="0"/>
-          </a:p>
-        </p:txBody>
-      </p:sp>
-    </p:spTree>
-    <p:extLst>
-      <p:ext uri="{BB962C8B-B14F-4D97-AF65-F5344CB8AC3E}">
-        <p14:creationId xmlns:p14="http://schemas.microsoft.com/office/powerpoint/2010/main" val="2589192569"/>
-      </p:ext>
-    </p:extLst>
-  </p:cSld>
-  <p:clrMapOvr>
-    <a:masterClrMapping/>
-  </p:clrMapOvr>
-  <p:timing>
-    <p:tnLst>
-      <p:par>
-        <p:cTn id="1" dur="indefinite" restart="never" nodeType="tmRoot"/>
-      </p:par>
-    </p:tnLst>
-  </p:timing>
-</p:sld>
-</file>
-
 <file path=ppt/slides/slide19.xml><?xml version="1.0" encoding="utf-8"?>
 <p:sld xmlns:a="http://schemas.openxmlformats.org/drawingml/2006/main" xmlns:r="http://schemas.openxmlformats.org/officeDocument/2006/relationships" xmlns:p="http://schemas.openxmlformats.org/presentationml/2006/main">
   <p:cSld>
@@ -14652,15 +14995,7 @@
           <a:p>
             <a:r>
               <a:rPr lang="en-US" sz="4000" dirty="0" smtClean="0"/>
-              <a:t>Main file (rtoc16_16… .</a:t>
-            </a:r>
-            <a:r>
-              <a:rPr lang="en-US" sz="4000" dirty="0" err="1" smtClean="0"/>
-              <a:t>vhd</a:t>
-            </a:r>
-            <a:r>
-              <a:rPr lang="en-US" sz="4000" dirty="0" smtClean="0"/>
-              <a:t>)</a:t>
+              <a:t>Single clock cycle events</a:t>
             </a:r>
             <a:endParaRPr lang="en-US" sz="4000" dirty="0"/>
           </a:p>
@@ -14676,133 +15011,49 @@
             <p:ph idx="1"/>
           </p:nvPr>
         </p:nvSpPr>
-        <p:spPr>
-          <a:xfrm>
-            <a:off x="457200" y="1371600"/>
-            <a:ext cx="8229600" cy="4800600"/>
-          </a:xfrm>
-        </p:spPr>
+        <p:spPr/>
         <p:txBody>
           <a:bodyPr>
-            <a:normAutofit fontScale="92500" lnSpcReduction="20000"/>
+            <a:normAutofit lnSpcReduction="10000"/>
           </a:bodyPr>
           <a:lstStyle/>
           <a:p>
             <a:r>
-              <a:rPr lang="en-US" dirty="0"/>
-              <a:t>use </a:t>
-            </a:r>
-            <a:r>
-              <a:rPr lang="en-US" dirty="0" err="1"/>
-              <a:t>ieee.numeric_std.all</a:t>
-            </a:r>
-            <a:r>
-              <a:rPr lang="en-US" dirty="0"/>
-              <a:t>;</a:t>
-            </a:r>
-            <a:endParaRPr lang="en-US" dirty="0" smtClean="0"/>
-          </a:p>
-          <a:p>
-            <a:r>
-              <a:rPr lang="en-US" dirty="0" smtClean="0"/>
-              <a:t>Component declarations</a:t>
-            </a:r>
-          </a:p>
-          <a:p>
-            <a:r>
-              <a:rPr lang="en-US" dirty="0" smtClean="0"/>
-              <a:t>Variable declarations</a:t>
-            </a:r>
-          </a:p>
-          <a:p>
-            <a:r>
-              <a:rPr lang="en-US" dirty="0" smtClean="0"/>
-              <a:t>Port maps</a:t>
-            </a:r>
-          </a:p>
-          <a:p>
-            <a:r>
-              <a:rPr lang="en-US" dirty="0" smtClean="0"/>
-              <a:t>Mux PC and Residue onto register-file outputs</a:t>
-            </a:r>
-          </a:p>
-          <a:p>
-            <a:r>
-              <a:rPr lang="en-US" dirty="0" smtClean="0"/>
-              <a:t>Main process</a:t>
-            </a:r>
-          </a:p>
-          <a:p>
-            <a:r>
-              <a:rPr lang="en-US" dirty="0" smtClean="0"/>
-              <a:t>Register updates</a:t>
-            </a:r>
-          </a:p>
-          <a:p>
-            <a:pPr lvl="1"/>
-            <a:r>
-              <a:rPr lang="en-US" dirty="0" smtClean="0"/>
-              <a:t>Typically three names used:</a:t>
-            </a:r>
-          </a:p>
-          <a:p>
-            <a:pPr marL="457200" lvl="1" indent="0">
-              <a:buNone/>
-            </a:pPr>
-            <a:r>
-              <a:rPr lang="en-US" i="1" dirty="0" smtClean="0"/>
-              <a:t>name</a:t>
-            </a:r>
-            <a:r>
-              <a:rPr lang="en-US" dirty="0" smtClean="0"/>
-              <a:t>,  </a:t>
-            </a:r>
-            <a:r>
-              <a:rPr lang="en-US" dirty="0" smtClean="0"/>
-              <a:t>   </a:t>
-            </a:r>
-          </a:p>
-          <a:p>
-            <a:pPr marL="457200" lvl="1" indent="0">
-              <a:buNone/>
-            </a:pPr>
-            <a:r>
-              <a:rPr lang="en-US" i="1" dirty="0" err="1" smtClean="0"/>
-              <a:t>nameN</a:t>
-            </a:r>
-            <a:r>
-              <a:rPr lang="en-US" dirty="0" smtClean="0"/>
-              <a:t> </a:t>
-            </a:r>
-            <a:r>
-              <a:rPr lang="en-US" dirty="0" smtClean="0"/>
-              <a:t>for next value, </a:t>
-            </a:r>
-            <a:endParaRPr lang="en-US" dirty="0" smtClean="0"/>
-          </a:p>
-          <a:p>
-            <a:pPr marL="457200" lvl="1" indent="0">
-              <a:buNone/>
-            </a:pPr>
-            <a:r>
-              <a:rPr lang="en-US" i="1" dirty="0" err="1" smtClean="0"/>
-              <a:t>nameWE</a:t>
-            </a:r>
-            <a:r>
-              <a:rPr lang="en-US" dirty="0" smtClean="0"/>
-              <a:t> </a:t>
-            </a:r>
-            <a:r>
-              <a:rPr lang="en-US" dirty="0" smtClean="0"/>
-              <a:t>for update enable</a:t>
-            </a:r>
+              <a:rPr lang="en-US" dirty="0" smtClean="0"/>
+              <a:t>Read instruction out of block RAM</a:t>
+            </a:r>
+          </a:p>
+          <a:p>
+            <a:r>
+              <a:rPr lang="en-US" dirty="0" smtClean="0"/>
+              <a:t>Use R &amp; S fields to read operands from LUT RAM</a:t>
+            </a:r>
+          </a:p>
+          <a:p>
+            <a:r>
+              <a:rPr lang="en-US" dirty="0" smtClean="0"/>
+              <a:t>Instruction process uses nested case statements, generates register &amp; memory updates</a:t>
+            </a:r>
+          </a:p>
+          <a:p>
+            <a:r>
+              <a:rPr lang="en-US" dirty="0" smtClean="0"/>
+              <a:t>Set update enables</a:t>
+            </a:r>
+          </a:p>
+          <a:p>
+            <a:r>
+              <a:rPr lang="en-US" dirty="0" smtClean="0"/>
+              <a:t>Update PC, LUT RAM, post address (new PC) to block RAM</a:t>
+            </a:r>
+            <a:endParaRPr lang="en-US" dirty="0"/>
           </a:p>
         </p:txBody>
       </p:sp>
     </p:spTree>
     <p:extLst>
       <p:ext uri="{BB962C8B-B14F-4D97-AF65-F5344CB8AC3E}">
-        <p14:creationId xmlns:p14="http://schemas.microsoft.com/office/powerpoint/2010/main" val="1943783507"/>
+        <p14:creationId xmlns:p14="http://schemas.microsoft.com/office/powerpoint/2010/main" val="2589192569"/>
       </p:ext>
     </p:extLst>
   </p:cSld>
@@ -14854,7 +15105,7 @@
         </p:spPr>
         <p:txBody>
           <a:bodyPr>
-            <a:normAutofit/>
+            <a:normAutofit fontScale="90000"/>
           </a:bodyPr>
           <a:lstStyle/>
           <a:p>
@@ -14862,7 +15113,14 @@
               <a:rPr lang="en-US" sz="4000" dirty="0" smtClean="0"/>
               <a:t>Introduction</a:t>
             </a:r>
-            <a:endParaRPr lang="en-US" sz="4000" dirty="0"/>
+            <a:br>
+              <a:rPr lang="en-US" sz="4000" dirty="0" smtClean="0"/>
+            </a:br>
+            <a:r>
+              <a:rPr lang="en-US" sz="3100" dirty="0" smtClean="0"/>
+              <a:t>and overview</a:t>
+            </a:r>
+            <a:endParaRPr lang="en-US" sz="3600" dirty="0"/>
           </a:p>
         </p:txBody>
       </p:sp>
@@ -14940,42 +15198,35 @@
           <a:p>
             <a:r>
               <a:rPr lang="en-US" dirty="0" smtClean="0"/>
-              <a:t>Design </a:t>
-            </a:r>
-            <a:r>
-              <a:rPr lang="en-US" dirty="0" smtClean="0"/>
-              <a:t>process: conjuring up a satisfactory architecture</a:t>
+              <a:t>Design process: conjuring up a satisfactory architecture</a:t>
+            </a:r>
+          </a:p>
+          <a:p>
+            <a:r>
+              <a:rPr lang="en-US" dirty="0" smtClean="0"/>
+              <a:t>Progress on subset of the full ISA: </a:t>
+            </a:r>
+            <a:r>
+              <a:rPr lang="en-US" sz="3100" dirty="0" smtClean="0"/>
+              <a:t>runs, not fully tested</a:t>
+            </a:r>
+          </a:p>
+          <a:p>
+            <a:r>
+              <a:rPr lang="en-US" dirty="0" smtClean="0"/>
+              <a:t>What lies ahead: </a:t>
+            </a:r>
+            <a:r>
+              <a:rPr lang="en-US" sz="3100" dirty="0" smtClean="0"/>
+              <a:t>Ugh, lots of work remains, many choices</a:t>
             </a:r>
             <a:endParaRPr lang="en-US" dirty="0" smtClean="0"/>
           </a:p>
           <a:p>
             <a:r>
               <a:rPr lang="en-US" dirty="0" smtClean="0"/>
-              <a:t>Progress on subset of the full ISA</a:t>
-            </a:r>
-            <a:endParaRPr lang="en-US" dirty="0" smtClean="0"/>
-          </a:p>
-          <a:p>
-            <a:r>
-              <a:rPr lang="en-US" dirty="0" smtClean="0"/>
-              <a:t>What lies a</a:t>
-            </a:r>
-            <a:r>
-              <a:rPr lang="en-US" dirty="0" smtClean="0"/>
-              <a:t>head</a:t>
-            </a:r>
-            <a:endParaRPr lang="en-US" dirty="0" smtClean="0"/>
-          </a:p>
-          <a:p>
-            <a:r>
-              <a:rPr lang="en-US" dirty="0" smtClean="0"/>
-              <a:t>FPGA slides from </a:t>
-            </a:r>
-            <a:r>
-              <a:rPr lang="en-US" dirty="0" smtClean="0"/>
-              <a:t>the previous presentation attached</a:t>
-            </a:r>
-            <a:endParaRPr lang="en-US" dirty="0" smtClean="0"/>
+              <a:t>FPGA slides from the previous presentation attached</a:t>
+            </a:r>
           </a:p>
           <a:p>
             <a:pPr lvl="1"/>
@@ -15043,7 +15294,15 @@
           <a:p>
             <a:r>
               <a:rPr lang="en-US" sz="4000" dirty="0" smtClean="0"/>
-              <a:t>Instruction Processing process</a:t>
+              <a:t>Main file (rtoc16_16… .</a:t>
+            </a:r>
+            <a:r>
+              <a:rPr lang="en-US" sz="4000" dirty="0" err="1" smtClean="0"/>
+              <a:t>vhd</a:t>
+            </a:r>
+            <a:r>
+              <a:rPr lang="en-US" sz="4000" dirty="0" smtClean="0"/>
+              <a:t>)</a:t>
             </a:r>
             <a:endParaRPr lang="en-US" sz="4000" dirty="0"/>
           </a:p>
@@ -15072,44 +15331,60 @@
           <a:lstStyle/>
           <a:p>
             <a:r>
-              <a:rPr lang="en-US" dirty="0" smtClean="0"/>
-              <a:t>Use nest of CASE statements</a:t>
-            </a:r>
-          </a:p>
-          <a:p>
-            <a:r>
-              <a:rPr lang="en-US" dirty="0" smtClean="0"/>
-              <a:t>First set default values for variables</a:t>
-            </a:r>
-          </a:p>
-          <a:p>
-            <a:r>
-              <a:rPr lang="en-US" dirty="0" smtClean="0"/>
-              <a:t>State variable Case </a:t>
-            </a:r>
-            <a:r>
-              <a:rPr lang="en-US" sz="3000" dirty="0" smtClean="0"/>
-              <a:t>(memory load/store, normal)</a:t>
-            </a:r>
-          </a:p>
-          <a:p>
-            <a:r>
-              <a:rPr lang="en-US" dirty="0" smtClean="0"/>
-              <a:t>  Op-code size Case </a:t>
-            </a:r>
-            <a:r>
-              <a:rPr lang="en-US" sz="3000" dirty="0" smtClean="0"/>
-              <a:t>(16, 24 &amp; 32-bit instructions)</a:t>
-            </a:r>
-          </a:p>
-          <a:p>
-            <a:r>
-              <a:rPr lang="en-US" dirty="0" smtClean="0"/>
-              <a:t>    Op-code Case </a:t>
-            </a:r>
-            <a:r>
-              <a:rPr lang="en-US" sz="2600" dirty="0" smtClean="0"/>
-              <a:t>(32 entries, unsupported instructions commented out)</a:t>
+              <a:rPr lang="en-US" dirty="0"/>
+              <a:t>use </a:t>
+            </a:r>
+            <a:r>
+              <a:rPr lang="en-US" dirty="0" err="1"/>
+              <a:t>ieee.numeric_std.all</a:t>
+            </a:r>
+            <a:r>
+              <a:rPr lang="en-US" dirty="0"/>
+              <a:t>;</a:t>
+            </a:r>
+            <a:endParaRPr lang="en-US" dirty="0" smtClean="0"/>
+          </a:p>
+          <a:p>
+            <a:r>
+              <a:rPr lang="en-US" dirty="0" smtClean="0"/>
+              <a:t>Component declarations</a:t>
+            </a:r>
+          </a:p>
+          <a:p>
+            <a:r>
+              <a:rPr lang="en-US" dirty="0" smtClean="0"/>
+              <a:t>Variable declarations</a:t>
+            </a:r>
+          </a:p>
+          <a:p>
+            <a:r>
+              <a:rPr lang="en-US" dirty="0" smtClean="0"/>
+              <a:t>Port maps</a:t>
+            </a:r>
+          </a:p>
+          <a:p>
+            <a:r>
+              <a:rPr lang="en-US" dirty="0" smtClean="0"/>
+              <a:t>Mux PC and Residue onto register-file outputs</a:t>
+            </a:r>
+          </a:p>
+          <a:p>
+            <a:r>
+              <a:rPr lang="en-US" dirty="0" smtClean="0"/>
+              <a:t>Main process</a:t>
+            </a:r>
+          </a:p>
+          <a:p>
+            <a:r>
+              <a:rPr lang="en-US" dirty="0" smtClean="0"/>
+              <a:t>Register updates</a:t>
+            </a:r>
+          </a:p>
+          <a:p>
+            <a:pPr lvl="1"/>
+            <a:r>
+              <a:rPr lang="en-US" dirty="0" smtClean="0"/>
+              <a:t>Typically three names used:</a:t>
             </a:r>
           </a:p>
           <a:p>
@@ -15117,134 +15392,46 @@
               <a:buNone/>
             </a:pPr>
             <a:r>
-              <a:rPr lang="en-US" dirty="0"/>
-              <a:t>Example: </a:t>
-            </a:r>
-            <a:r>
-              <a:rPr lang="en-US" dirty="0" smtClean="0"/>
-              <a:t>  </a:t>
-            </a:r>
-            <a:r>
-              <a:rPr lang="en-US" i="1" dirty="0" smtClean="0">
-                <a:solidFill>
-                  <a:schemeClr val="accent1">
-                    <a:lumMod val="75000"/>
-                  </a:schemeClr>
-                </a:solidFill>
-              </a:rPr>
-              <a:t>when</a:t>
-            </a:r>
-            <a:r>
               <a:rPr lang="en-US" i="1" dirty="0" smtClean="0"/>
-              <a:t> </a:t>
-            </a:r>
-            <a:r>
-              <a:rPr lang="en-US" i="1" dirty="0"/>
-              <a:t>op16_ADD </a:t>
-            </a:r>
-            <a:r>
-              <a:rPr lang="en-US" i="1" dirty="0" smtClean="0"/>
-              <a:t> </a:t>
-            </a:r>
-            <a:r>
-              <a:rPr lang="en-US" i="1" dirty="0" smtClean="0">
-                <a:solidFill>
-                  <a:schemeClr val="accent1">
-                    <a:lumMod val="75000"/>
-                  </a:schemeClr>
-                </a:solidFill>
-              </a:rPr>
-              <a:t>|</a:t>
-            </a:r>
-            <a:r>
-              <a:rPr lang="en-US" i="1" dirty="0" smtClean="0"/>
-              <a:t> </a:t>
-            </a:r>
-            <a:r>
-              <a:rPr lang="en-US" i="1" dirty="0"/>
-              <a:t>op16_ADDI	</a:t>
-            </a:r>
-            <a:r>
-              <a:rPr lang="en-US" i="1" dirty="0">
-                <a:solidFill>
-                  <a:schemeClr val="accent1">
-                    <a:lumMod val="75000"/>
-                  </a:schemeClr>
-                </a:solidFill>
-              </a:rPr>
-              <a:t>=&gt;</a:t>
-            </a:r>
-            <a:r>
-              <a:rPr lang="en-US" i="1" dirty="0"/>
-              <a:t> </a:t>
-            </a:r>
-            <a:r>
-              <a:rPr lang="en-US" i="1" dirty="0" err="1"/>
-              <a:t>ALUout</a:t>
-            </a:r>
-            <a:r>
-              <a:rPr lang="en-US" i="1" dirty="0"/>
-              <a:t>&lt;=RR + SS;		</a:t>
-            </a:r>
-            <a:r>
-              <a:rPr lang="en-US" i="1" dirty="0" err="1"/>
-              <a:t>LUTwe</a:t>
-            </a:r>
-            <a:r>
-              <a:rPr lang="en-US" i="1" dirty="0"/>
-              <a:t>&lt;='1'; </a:t>
-            </a:r>
-            <a:r>
-              <a:rPr lang="en-US" i="1" dirty="0" err="1"/>
-              <a:t>residueN</a:t>
-            </a:r>
-            <a:r>
-              <a:rPr lang="en-US" i="1" dirty="0"/>
-              <a:t>(0</a:t>
-            </a:r>
-            <a:r>
-              <a:rPr lang="en-US" i="1" dirty="0" smtClean="0"/>
-              <a:t>)&lt;= </a:t>
-            </a:r>
+              <a:t>name</a:t>
+            </a:r>
+            <a:r>
+              <a:rPr lang="en-US" dirty="0" smtClean="0"/>
+              <a:t>,     </a:t>
+            </a:r>
+          </a:p>
+          <a:p>
+            <a:pPr marL="457200" lvl="1" indent="0">
+              <a:buNone/>
+            </a:pPr>
             <a:r>
               <a:rPr lang="en-US" i="1" dirty="0" err="1" smtClean="0"/>
-              <a:t>ALUout</a:t>
-            </a:r>
-            <a:r>
-              <a:rPr lang="en-US" i="1" dirty="0" smtClean="0"/>
-              <a:t>(16</a:t>
-            </a:r>
-            <a:r>
-              <a:rPr lang="en-US" i="1" dirty="0"/>
-              <a:t>); </a:t>
-            </a:r>
-            <a:r>
-              <a:rPr lang="en-US" i="1" dirty="0" err="1"/>
-              <a:t>residuewe</a:t>
-            </a:r>
-            <a:r>
-              <a:rPr lang="en-US" i="1" dirty="0"/>
-              <a:t>&lt;='1';</a:t>
-            </a:r>
-            <a:endParaRPr lang="en-US" i="1" dirty="0" smtClean="0"/>
-          </a:p>
-          <a:p>
-            <a:r>
-              <a:rPr lang="en-US" dirty="0" smtClean="0"/>
-              <a:t>      Data type Case </a:t>
-            </a:r>
-            <a:r>
-              <a:rPr lang="en-US" sz="2600" dirty="0" smtClean="0"/>
-              <a:t>(as necessary, for instance AND, OR &amp; XOR are data type invariant)</a:t>
-            </a:r>
-            <a:endParaRPr lang="en-US" sz="2600" dirty="0"/>
+              <a:t>nameN</a:t>
+            </a:r>
+            <a:r>
+              <a:rPr lang="en-US" dirty="0" smtClean="0"/>
+              <a:t> for next value, </a:t>
+            </a:r>
+          </a:p>
+          <a:p>
+            <a:pPr marL="457200" lvl="1" indent="0">
+              <a:buNone/>
+            </a:pPr>
+            <a:r>
+              <a:rPr lang="en-US" i="1" dirty="0" err="1" smtClean="0"/>
+              <a:t>nameWE</a:t>
+            </a:r>
+            <a:r>
+              <a:rPr lang="en-US" dirty="0" smtClean="0"/>
+              <a:t> for update enable</a:t>
+            </a:r>
           </a:p>
         </p:txBody>
       </p:sp>
     </p:spTree>
     <p:extLst>
       <p:ext uri="{BB962C8B-B14F-4D97-AF65-F5344CB8AC3E}">
-        <p14:creationId xmlns:p14="http://schemas.microsoft.com/office/powerpoint/2010/main" val="4065029527"/>
+        <p14:creationId xmlns:p14="http://schemas.microsoft.com/office/powerpoint/2010/main" val="1943783507"/>
       </p:ext>
     </p:extLst>
   </p:cSld>
@@ -15288,12 +15475,7 @@
             <p:ph type="title"/>
           </p:nvPr>
         </p:nvSpPr>
-        <p:spPr>
-          <a:xfrm>
-            <a:off x="457200" y="274638"/>
-            <a:ext cx="8229600" cy="792162"/>
-          </a:xfrm>
-        </p:spPr>
+        <p:spPr/>
         <p:txBody>
           <a:bodyPr>
             <a:normAutofit/>
@@ -15302,7 +15484,7 @@
           <a:p>
             <a:r>
               <a:rPr lang="en-US" sz="4000" dirty="0" smtClean="0"/>
-              <a:t>Register update RTL</a:t>
+              <a:t>Instruction Processing</a:t>
             </a:r>
             <a:endParaRPr lang="en-US" sz="4000" dirty="0"/>
           </a:p>
@@ -15320,8 +15502,8 @@
         </p:nvSpPr>
         <p:spPr>
           <a:xfrm>
-            <a:off x="457200" y="1143000"/>
-            <a:ext cx="8229600" cy="5029200"/>
+            <a:off x="457200" y="1371600"/>
+            <a:ext cx="8229600" cy="4800600"/>
           </a:xfrm>
         </p:spPr>
         <p:txBody>
@@ -15330,240 +15512,172 @@
           </a:bodyPr>
           <a:lstStyle/>
           <a:p>
-            <a:pPr marL="0" indent="0">
+            <a:r>
+              <a:rPr lang="en-US" dirty="0" smtClean="0"/>
+              <a:t>Use nest of CASE statements</a:t>
+            </a:r>
+          </a:p>
+          <a:p>
+            <a:r>
+              <a:rPr lang="en-US" dirty="0" smtClean="0"/>
+              <a:t>First set default values for variables</a:t>
+            </a:r>
+          </a:p>
+          <a:p>
+            <a:r>
+              <a:rPr lang="en-US" dirty="0" smtClean="0"/>
+              <a:t>State variable Case </a:t>
+            </a:r>
+            <a:r>
+              <a:rPr lang="en-US" sz="3000" dirty="0" smtClean="0"/>
+              <a:t>(memory load/store, normal)</a:t>
+            </a:r>
+          </a:p>
+          <a:p>
+            <a:r>
+              <a:rPr lang="en-US" dirty="0" smtClean="0"/>
+              <a:t>  Op-code size Case </a:t>
+            </a:r>
+            <a:r>
+              <a:rPr lang="en-US" sz="3000" dirty="0" smtClean="0"/>
+              <a:t>(16, 24 &amp; 32-bit instructions)</a:t>
+            </a:r>
+          </a:p>
+          <a:p>
+            <a:r>
+              <a:rPr lang="en-US" dirty="0" smtClean="0"/>
+              <a:t>    Op-code Case </a:t>
+            </a:r>
+            <a:r>
+              <a:rPr lang="en-US" sz="2600" dirty="0" smtClean="0"/>
+              <a:t>(32 entries, unsupported instructions commented out)</a:t>
+            </a:r>
+          </a:p>
+          <a:p>
+            <a:pPr marL="457200" lvl="1" indent="0">
               <a:buNone/>
             </a:pPr>
             <a:r>
-              <a:rPr lang="en-US" sz="2800" dirty="0"/>
-              <a:t>update: process(</a:t>
-            </a:r>
-            <a:r>
-              <a:rPr lang="en-US" sz="2800" dirty="0" err="1"/>
-              <a:t>clk</a:t>
-            </a:r>
-            <a:r>
-              <a:rPr lang="en-US" sz="2800" dirty="0"/>
-              <a:t>)</a:t>
-            </a:r>
-            <a:endParaRPr lang="en-US" sz="2800" b="1" dirty="0"/>
-          </a:p>
-          <a:p>
-            <a:pPr marL="0" indent="0">
-              <a:buNone/>
-            </a:pPr>
-            <a:r>
-              <a:rPr lang="en-US" sz="2800" dirty="0"/>
-              <a:t>begin</a:t>
-            </a:r>
-          </a:p>
-          <a:p>
-            <a:pPr marL="0" indent="0">
-              <a:buNone/>
-            </a:pPr>
-            <a:r>
-              <a:rPr lang="en-US" sz="2800" dirty="0"/>
-              <a:t>if (</a:t>
-            </a:r>
-            <a:r>
-              <a:rPr lang="en-US" sz="2800" dirty="0" err="1"/>
-              <a:t>rising_edge</a:t>
-            </a:r>
-            <a:r>
-              <a:rPr lang="en-US" sz="2800" dirty="0"/>
-              <a:t>(</a:t>
-            </a:r>
-            <a:r>
-              <a:rPr lang="en-US" sz="2800" dirty="0" err="1"/>
-              <a:t>clk</a:t>
-            </a:r>
-            <a:r>
-              <a:rPr lang="en-US" sz="2800" dirty="0"/>
-              <a:t>)) then</a:t>
-            </a:r>
-          </a:p>
-          <a:p>
-            <a:pPr marL="0" indent="0">
-              <a:buNone/>
-            </a:pPr>
-            <a:r>
-              <a:rPr lang="en-US" sz="2800" dirty="0"/>
-              <a:t>    state&lt;=</a:t>
-            </a:r>
-            <a:r>
-              <a:rPr lang="en-US" sz="2800" dirty="0" err="1"/>
-              <a:t>stateN</a:t>
-            </a:r>
-            <a:r>
-              <a:rPr lang="en-US" sz="2800" dirty="0"/>
-              <a:t>;</a:t>
-            </a:r>
-          </a:p>
-          <a:p>
-            <a:pPr marL="0" indent="0">
-              <a:buNone/>
-            </a:pPr>
-            <a:r>
-              <a:rPr lang="en-US" sz="2800" dirty="0"/>
-              <a:t>    if </a:t>
-            </a:r>
-            <a:r>
-              <a:rPr lang="en-US" sz="2800" dirty="0" err="1"/>
-              <a:t>pcwe</a:t>
-            </a:r>
-            <a:r>
-              <a:rPr lang="en-US" sz="2800" dirty="0"/>
-              <a:t> = '1'      </a:t>
-            </a:r>
-            <a:r>
-              <a:rPr lang="en-US" sz="2800" dirty="0" smtClean="0"/>
-              <a:t>      then </a:t>
-            </a:r>
-            <a:r>
-              <a:rPr lang="en-US" sz="2800" dirty="0"/>
-              <a:t>pc &lt;= </a:t>
-            </a:r>
-            <a:r>
-              <a:rPr lang="en-US" sz="2800" dirty="0" err="1"/>
-              <a:t>pcN</a:t>
-            </a:r>
-            <a:r>
-              <a:rPr lang="en-US" sz="2800" dirty="0"/>
-              <a:t>;                 </a:t>
-            </a:r>
-            <a:r>
-              <a:rPr lang="en-US" sz="2800" dirty="0" smtClean="0"/>
-              <a:t> end </a:t>
-            </a:r>
-            <a:r>
-              <a:rPr lang="en-US" sz="2800" dirty="0"/>
-              <a:t>if; </a:t>
-            </a:r>
-          </a:p>
-          <a:p>
-            <a:pPr marL="0" indent="0">
-              <a:buNone/>
-            </a:pPr>
-            <a:r>
-              <a:rPr lang="en-US" sz="2800" dirty="0" smtClean="0"/>
-              <a:t>    if </a:t>
-            </a:r>
-            <a:r>
-              <a:rPr lang="en-US" sz="2800" dirty="0" err="1"/>
+              <a:rPr lang="en-US" dirty="0"/>
+              <a:t>Example: </a:t>
+            </a:r>
+            <a:r>
+              <a:rPr lang="en-US" dirty="0" smtClean="0"/>
+              <a:t>  </a:t>
+            </a:r>
+            <a:r>
+              <a:rPr lang="en-US" i="1" dirty="0" smtClean="0">
+                <a:solidFill>
+                  <a:srgbClr val="00B0F0"/>
+                </a:solidFill>
+              </a:rPr>
+              <a:t>when</a:t>
+            </a:r>
+            <a:r>
+              <a:rPr lang="en-US" i="1" dirty="0" smtClean="0"/>
+              <a:t> </a:t>
+            </a:r>
+            <a:r>
+              <a:rPr lang="en-US" i="1" dirty="0"/>
+              <a:t>op16_ADD </a:t>
+            </a:r>
+            <a:r>
+              <a:rPr lang="en-US" i="1" dirty="0" smtClean="0"/>
+              <a:t> </a:t>
+            </a:r>
+            <a:r>
+              <a:rPr lang="en-US" i="1" dirty="0" smtClean="0">
+                <a:solidFill>
+                  <a:schemeClr val="accent1">
+                    <a:lumMod val="75000"/>
+                  </a:schemeClr>
+                </a:solidFill>
+              </a:rPr>
+              <a:t>|</a:t>
+            </a:r>
+            <a:r>
+              <a:rPr lang="en-US" i="1" dirty="0" smtClean="0"/>
+              <a:t> </a:t>
+            </a:r>
+            <a:r>
+              <a:rPr lang="en-US" i="1" dirty="0"/>
+              <a:t>op16_ADDI	</a:t>
+            </a:r>
+            <a:r>
+              <a:rPr lang="en-US" i="1" dirty="0">
+                <a:solidFill>
+                  <a:srgbClr val="00B0F0"/>
+                </a:solidFill>
+              </a:rPr>
+              <a:t>=&gt; </a:t>
+            </a:r>
+            <a:r>
+              <a:rPr lang="en-US" i="1" dirty="0" err="1"/>
+              <a:t>ALUout</a:t>
+            </a:r>
+            <a:r>
+              <a:rPr lang="en-US" i="1" dirty="0"/>
+              <a:t>&lt;=RR + SS;		</a:t>
+            </a:r>
+            <a:r>
+              <a:rPr lang="en-US" i="1" dirty="0" err="1"/>
+              <a:t>LUTwe</a:t>
+            </a:r>
+            <a:r>
+              <a:rPr lang="en-US" i="1" dirty="0"/>
+              <a:t>&lt;='1'; </a:t>
+            </a:r>
+            <a:r>
+              <a:rPr lang="en-US" i="1" dirty="0" err="1"/>
+              <a:t>residueN</a:t>
+            </a:r>
+            <a:r>
+              <a:rPr lang="en-US" i="1" dirty="0"/>
+              <a:t>(0</a:t>
+            </a:r>
+            <a:r>
+              <a:rPr lang="en-US" i="1" dirty="0" smtClean="0"/>
+              <a:t>)&lt;= </a:t>
+            </a:r>
+            <a:r>
+              <a:rPr lang="en-US" i="1" dirty="0" err="1" smtClean="0"/>
+              <a:t>ALUout</a:t>
+            </a:r>
+            <a:r>
+              <a:rPr lang="en-US" i="1" dirty="0" smtClean="0"/>
+              <a:t>(16</a:t>
+            </a:r>
+            <a:r>
+              <a:rPr lang="en-US" i="1" dirty="0"/>
+              <a:t>); </a:t>
+            </a:r>
+            <a:r>
+              <a:rPr lang="en-US" i="1" dirty="0" err="1"/>
               <a:t>residuewe</a:t>
             </a:r>
             <a:r>
-              <a:rPr lang="en-US" sz="2800" dirty="0"/>
-              <a:t> = '1'	then residue &lt;= </a:t>
-            </a:r>
-            <a:r>
-              <a:rPr lang="en-US" sz="2800" dirty="0" err="1"/>
-              <a:t>residueN</a:t>
-            </a:r>
-            <a:r>
-              <a:rPr lang="en-US" sz="2800" dirty="0" smtClean="0"/>
-              <a:t>; </a:t>
-            </a:r>
-            <a:r>
-              <a:rPr lang="en-US" sz="2800" dirty="0"/>
-              <a:t>end if;</a:t>
-            </a:r>
-          </a:p>
-          <a:p>
-            <a:pPr marL="0" indent="0">
-              <a:buNone/>
-            </a:pPr>
-            <a:r>
-              <a:rPr lang="en-US" sz="2800" dirty="0"/>
-              <a:t>    if </a:t>
-            </a:r>
-            <a:r>
-              <a:rPr lang="en-US" sz="2800" dirty="0" err="1"/>
-              <a:t>outwe</a:t>
-            </a:r>
-            <a:r>
-              <a:rPr lang="en-US" sz="2800" dirty="0"/>
-              <a:t> = '1'     </a:t>
-            </a:r>
-            <a:r>
-              <a:rPr lang="en-US" sz="2800" dirty="0" smtClean="0"/>
-              <a:t>     </a:t>
-            </a:r>
-            <a:r>
-              <a:rPr lang="en-US" sz="2800" dirty="0"/>
-              <a:t>then out0 &lt;= S;                 </a:t>
-            </a:r>
-            <a:r>
-              <a:rPr lang="en-US" sz="2800" dirty="0" smtClean="0"/>
-              <a:t>  end </a:t>
-            </a:r>
-            <a:r>
-              <a:rPr lang="en-US" sz="2800" dirty="0"/>
-              <a:t>if</a:t>
-            </a:r>
-            <a:r>
-              <a:rPr lang="en-US" sz="2800" dirty="0" smtClean="0"/>
-              <a:t>;</a:t>
-            </a:r>
-          </a:p>
-          <a:p>
-            <a:pPr marL="0" indent="0">
-              <a:buNone/>
-            </a:pPr>
-            <a:r>
-              <a:rPr lang="en-US" sz="2800" dirty="0"/>
-              <a:t>	-- for now only one output port</a:t>
-            </a:r>
-          </a:p>
-          <a:p>
-            <a:pPr marL="0" indent="0">
-              <a:buNone/>
-            </a:pPr>
-            <a:r>
-              <a:rPr lang="en-US" sz="2800" dirty="0"/>
-              <a:t>end if;</a:t>
-            </a:r>
-          </a:p>
-          <a:p>
-            <a:pPr marL="0" indent="0">
-              <a:buNone/>
-            </a:pPr>
-            <a:r>
-              <a:rPr lang="en-US" sz="2800" dirty="0"/>
-              <a:t>end process;	-- </a:t>
-            </a:r>
-            <a:r>
-              <a:rPr lang="en-US" sz="2800" dirty="0" smtClean="0"/>
-              <a:t>register &amp; </a:t>
-            </a:r>
-            <a:r>
-              <a:rPr lang="en-US" sz="2800" dirty="0"/>
-              <a:t>state </a:t>
-            </a:r>
-            <a:r>
-              <a:rPr lang="en-US" sz="2800" dirty="0" smtClean="0"/>
-              <a:t>updates</a:t>
-            </a:r>
-          </a:p>
-          <a:p>
-            <a:pPr>
-              <a:spcBef>
-                <a:spcPts val="1200"/>
-              </a:spcBef>
-            </a:pPr>
-            <a:r>
-              <a:rPr lang="en-US" sz="2600" dirty="0"/>
-              <a:t>Register file and memory also have updates using signals from the main process</a:t>
-            </a:r>
-          </a:p>
-          <a:p>
-            <a:endParaRPr lang="en-US" sz="2800" dirty="0"/>
+              <a:rPr lang="en-US" i="1" dirty="0"/>
+              <a:t>&lt;='1';</a:t>
+            </a:r>
+            <a:endParaRPr lang="en-US" i="1" dirty="0" smtClean="0"/>
+          </a:p>
+          <a:p>
+            <a:r>
+              <a:rPr lang="en-US" dirty="0" smtClean="0"/>
+              <a:t>      Data type Case </a:t>
+            </a:r>
+            <a:r>
+              <a:rPr lang="en-US" sz="2600" dirty="0" smtClean="0"/>
+              <a:t>(as necessary, for instance AND, OR &amp; XOR are data type invariant)</a:t>
+            </a:r>
+            <a:endParaRPr lang="en-US" sz="2600" dirty="0"/>
           </a:p>
         </p:txBody>
       </p:sp>
     </p:spTree>
     <p:extLst>
       <p:ext uri="{BB962C8B-B14F-4D97-AF65-F5344CB8AC3E}">
-        <p14:creationId xmlns:p14="http://schemas.microsoft.com/office/powerpoint/2010/main" val="1191766968"/>
+        <p14:creationId xmlns:p14="http://schemas.microsoft.com/office/powerpoint/2010/main" val="4065029527"/>
       </p:ext>
     </p:extLst>
   </p:cSld>
@@ -15610,7 +15724,7 @@
         <p:spPr>
           <a:xfrm>
             <a:off x="457200" y="274638"/>
-            <a:ext cx="8229600" cy="944562"/>
+            <a:ext cx="8229600" cy="792162"/>
           </a:xfrm>
         </p:spPr>
         <p:txBody>
@@ -15621,7 +15735,7 @@
           <a:p>
             <a:r>
               <a:rPr lang="en-US" sz="4000" dirty="0" smtClean="0"/>
-              <a:t>Next steps</a:t>
+              <a:t>Register update RTL</a:t>
             </a:r>
             <a:endParaRPr lang="en-US" sz="4000" dirty="0"/>
           </a:p>
@@ -15639,8 +15753,8 @@
         </p:nvSpPr>
         <p:spPr>
           <a:xfrm>
-            <a:off x="457200" y="1219200"/>
-            <a:ext cx="8229600" cy="5257800"/>
+            <a:off x="457200" y="1143000"/>
+            <a:ext cx="8229600" cy="5029200"/>
           </a:xfrm>
         </p:spPr>
         <p:txBody>
@@ -15649,106 +15763,436 @@
           </a:bodyPr>
           <a:lstStyle/>
           <a:p>
-            <a:r>
-              <a:rPr lang="en-US" dirty="0" smtClean="0"/>
-              <a:t>Formal ISA </a:t>
-            </a:r>
-            <a:r>
-              <a:rPr lang="en-US" dirty="0" smtClean="0"/>
-              <a:t>specification?  </a:t>
-            </a:r>
-            <a:r>
-              <a:rPr lang="en-US" dirty="0" smtClean="0"/>
-              <a:t>Precise spec is a must!</a:t>
-            </a:r>
-          </a:p>
-          <a:p>
-            <a:r>
-              <a:rPr lang="en-US" dirty="0" smtClean="0"/>
-              <a:t>Add test bench!  </a:t>
-            </a:r>
-            <a:r>
-              <a:rPr lang="en-US" sz="3000" dirty="0" smtClean="0"/>
-              <a:t>Will be a self checking program</a:t>
-            </a:r>
-            <a:endParaRPr lang="en-US" dirty="0" smtClean="0"/>
-          </a:p>
-          <a:p>
-            <a:r>
-              <a:rPr lang="en-US" dirty="0" smtClean="0"/>
-              <a:t>Add tag bits to register file:  </a:t>
-            </a:r>
-            <a:r>
-              <a:rPr lang="en-US" i="1" dirty="0" smtClean="0"/>
-              <a:t>done</a:t>
-            </a:r>
-          </a:p>
-          <a:p>
-            <a:r>
-              <a:rPr lang="en-US" dirty="0" smtClean="0"/>
-              <a:t>Load-immediate for additional data types:  </a:t>
-            </a:r>
-            <a:r>
-              <a:rPr lang="en-US" i="1" dirty="0" smtClean="0"/>
-              <a:t>done</a:t>
-            </a:r>
-            <a:endParaRPr lang="en-US" i="1" strike="sngStrike" dirty="0" smtClean="0"/>
-          </a:p>
-          <a:p>
-            <a:r>
-              <a:rPr lang="en-US" dirty="0" smtClean="0"/>
-              <a:t>New data type operators, 2’s complement:  </a:t>
-            </a:r>
-            <a:r>
-              <a:rPr lang="en-US" i="1" dirty="0" smtClean="0"/>
-              <a:t>done</a:t>
-            </a:r>
-          </a:p>
-          <a:p>
-            <a:r>
-              <a:rPr lang="en-US" dirty="0" smtClean="0"/>
-              <a:t>Limited set of 24-bit instructions</a:t>
-            </a:r>
-          </a:p>
-          <a:p>
-            <a:pPr lvl="1"/>
-            <a:r>
-              <a:rPr lang="en-US" dirty="0" smtClean="0"/>
-              <a:t>Constrained by two port register file</a:t>
-            </a:r>
-          </a:p>
-          <a:p>
-            <a:r>
-              <a:rPr lang="en-US" dirty="0" smtClean="0"/>
-              <a:t>Add additional ports to register file</a:t>
-            </a:r>
-          </a:p>
-          <a:p>
-            <a:r>
-              <a:rPr lang="en-US" dirty="0" smtClean="0"/>
-              <a:t>Add byte write enables to memory</a:t>
-            </a:r>
-          </a:p>
-          <a:p>
-            <a:r>
-              <a:rPr lang="en-US" dirty="0" smtClean="0"/>
-              <a:t>24-bit registers and 32-bit memory</a:t>
-            </a:r>
-          </a:p>
-          <a:p>
-            <a:pPr lvl="1"/>
-            <a:r>
-              <a:rPr lang="en-US" dirty="0" smtClean="0"/>
-              <a:t>Need assembler to generate memory initialization</a:t>
-            </a:r>
-            <a:endParaRPr lang="en-US" dirty="0"/>
+            <a:pPr marL="0" indent="0">
+              <a:buNone/>
+            </a:pPr>
+            <a:r>
+              <a:rPr lang="en-US" sz="2800" dirty="0"/>
+              <a:t>update: </a:t>
+            </a:r>
+            <a:r>
+              <a:rPr lang="en-US" sz="2800" dirty="0">
+                <a:solidFill>
+                  <a:srgbClr val="00B0F0"/>
+                </a:solidFill>
+              </a:rPr>
+              <a:t>process</a:t>
+            </a:r>
+            <a:r>
+              <a:rPr lang="en-US" sz="2800" dirty="0"/>
+              <a:t>(</a:t>
+            </a:r>
+            <a:r>
+              <a:rPr lang="en-US" sz="2800" dirty="0" err="1"/>
+              <a:t>clk</a:t>
+            </a:r>
+            <a:r>
+              <a:rPr lang="en-US" sz="2800" dirty="0"/>
+              <a:t>)</a:t>
+            </a:r>
+            <a:endParaRPr lang="en-US" sz="2800" b="1" dirty="0"/>
+          </a:p>
+          <a:p>
+            <a:pPr marL="0" indent="0">
+              <a:buNone/>
+            </a:pPr>
+            <a:r>
+              <a:rPr lang="en-US" sz="2800" dirty="0">
+                <a:solidFill>
+                  <a:srgbClr val="00B0F0"/>
+                </a:solidFill>
+              </a:rPr>
+              <a:t>begin</a:t>
+            </a:r>
+          </a:p>
+          <a:p>
+            <a:pPr marL="0" indent="0">
+              <a:buNone/>
+            </a:pPr>
+            <a:r>
+              <a:rPr lang="en-US" sz="2800" dirty="0">
+                <a:solidFill>
+                  <a:srgbClr val="00B0F0"/>
+                </a:solidFill>
+              </a:rPr>
+              <a:t>if</a:t>
+            </a:r>
+            <a:r>
+              <a:rPr lang="en-US" sz="2800" dirty="0"/>
+              <a:t> (</a:t>
+            </a:r>
+            <a:r>
+              <a:rPr lang="en-US" sz="2800" dirty="0" err="1"/>
+              <a:t>rising_edge</a:t>
+            </a:r>
+            <a:r>
+              <a:rPr lang="en-US" sz="2800" dirty="0"/>
+              <a:t>(</a:t>
+            </a:r>
+            <a:r>
+              <a:rPr lang="en-US" sz="2800" dirty="0" err="1"/>
+              <a:t>clk</a:t>
+            </a:r>
+            <a:r>
+              <a:rPr lang="en-US" sz="2800" dirty="0"/>
+              <a:t>)) </a:t>
+            </a:r>
+            <a:r>
+              <a:rPr lang="en-US" sz="2800" dirty="0">
+                <a:solidFill>
+                  <a:srgbClr val="00B0F0"/>
+                </a:solidFill>
+              </a:rPr>
+              <a:t>then</a:t>
+            </a:r>
+          </a:p>
+          <a:p>
+            <a:pPr marL="0" indent="0">
+              <a:buNone/>
+            </a:pPr>
+            <a:r>
+              <a:rPr lang="en-US" sz="2800" dirty="0"/>
+              <a:t>    state&lt;=</a:t>
+            </a:r>
+            <a:r>
+              <a:rPr lang="en-US" sz="2800" dirty="0" err="1"/>
+              <a:t>stateN</a:t>
+            </a:r>
+            <a:r>
+              <a:rPr lang="en-US" sz="2800" dirty="0"/>
+              <a:t>;</a:t>
+            </a:r>
+          </a:p>
+          <a:p>
+            <a:pPr marL="0" indent="0">
+              <a:buNone/>
+            </a:pPr>
+            <a:r>
+              <a:rPr lang="en-US" sz="2800" dirty="0"/>
+              <a:t>    </a:t>
+            </a:r>
+            <a:r>
+              <a:rPr lang="en-US" sz="2800" dirty="0">
+                <a:solidFill>
+                  <a:srgbClr val="00B0F0"/>
+                </a:solidFill>
+              </a:rPr>
+              <a:t>if</a:t>
+            </a:r>
+            <a:r>
+              <a:rPr lang="en-US" sz="2800" dirty="0"/>
+              <a:t> </a:t>
+            </a:r>
+            <a:r>
+              <a:rPr lang="en-US" sz="2800" dirty="0" err="1"/>
+              <a:t>pcwe</a:t>
+            </a:r>
+            <a:r>
+              <a:rPr lang="en-US" sz="2800" dirty="0"/>
+              <a:t> = '1'      </a:t>
+            </a:r>
+            <a:r>
+              <a:rPr lang="en-US" sz="2800" dirty="0" smtClean="0"/>
+              <a:t>      </a:t>
+            </a:r>
+            <a:r>
+              <a:rPr lang="en-US" sz="2800" dirty="0" smtClean="0">
+                <a:solidFill>
+                  <a:srgbClr val="00B0F0"/>
+                </a:solidFill>
+              </a:rPr>
+              <a:t>then</a:t>
+            </a:r>
+            <a:r>
+              <a:rPr lang="en-US" sz="2800" dirty="0" smtClean="0"/>
+              <a:t> </a:t>
+            </a:r>
+            <a:r>
+              <a:rPr lang="en-US" sz="2800" dirty="0"/>
+              <a:t>pc &lt;= </a:t>
+            </a:r>
+            <a:r>
+              <a:rPr lang="en-US" sz="2800" dirty="0" err="1"/>
+              <a:t>pcN</a:t>
+            </a:r>
+            <a:r>
+              <a:rPr lang="en-US" sz="2800" dirty="0"/>
+              <a:t>;                 </a:t>
+            </a:r>
+            <a:r>
+              <a:rPr lang="en-US" sz="2800" dirty="0" smtClean="0"/>
+              <a:t> </a:t>
+            </a:r>
+            <a:r>
+              <a:rPr lang="en-US" sz="2800" dirty="0" smtClean="0">
+                <a:solidFill>
+                  <a:srgbClr val="00B0F0"/>
+                </a:solidFill>
+              </a:rPr>
+              <a:t>end </a:t>
+            </a:r>
+            <a:r>
+              <a:rPr lang="en-US" sz="2800" dirty="0">
+                <a:solidFill>
+                  <a:srgbClr val="00B0F0"/>
+                </a:solidFill>
+              </a:rPr>
+              <a:t>if</a:t>
+            </a:r>
+            <a:r>
+              <a:rPr lang="en-US" sz="2800" dirty="0"/>
+              <a:t>; </a:t>
+            </a:r>
+          </a:p>
+          <a:p>
+            <a:pPr marL="0" indent="0">
+              <a:buNone/>
+            </a:pPr>
+            <a:r>
+              <a:rPr lang="en-US" sz="2800" dirty="0" smtClean="0"/>
+              <a:t>    </a:t>
+            </a:r>
+            <a:r>
+              <a:rPr lang="en-US" sz="2800" dirty="0" smtClean="0">
+                <a:solidFill>
+                  <a:srgbClr val="00B0F0"/>
+                </a:solidFill>
+              </a:rPr>
+              <a:t>if</a:t>
+            </a:r>
+            <a:r>
+              <a:rPr lang="en-US" sz="2800" dirty="0" smtClean="0"/>
+              <a:t> </a:t>
+            </a:r>
+            <a:r>
+              <a:rPr lang="en-US" sz="2800" dirty="0" err="1"/>
+              <a:t>residuewe</a:t>
+            </a:r>
+            <a:r>
+              <a:rPr lang="en-US" sz="2800" dirty="0"/>
+              <a:t> = '1'	</a:t>
+            </a:r>
+            <a:r>
+              <a:rPr lang="en-US" sz="2800" dirty="0">
+                <a:solidFill>
+                  <a:srgbClr val="00B0F0"/>
+                </a:solidFill>
+              </a:rPr>
+              <a:t>then</a:t>
+            </a:r>
+            <a:r>
+              <a:rPr lang="en-US" sz="2800" dirty="0"/>
+              <a:t> residue &lt;= </a:t>
+            </a:r>
+            <a:r>
+              <a:rPr lang="en-US" sz="2800" dirty="0" err="1"/>
+              <a:t>residueN</a:t>
+            </a:r>
+            <a:r>
+              <a:rPr lang="en-US" sz="2800" dirty="0" smtClean="0"/>
+              <a:t>; </a:t>
+            </a:r>
+            <a:r>
+              <a:rPr lang="en-US" sz="2800" dirty="0">
+                <a:solidFill>
+                  <a:srgbClr val="00B0F0"/>
+                </a:solidFill>
+              </a:rPr>
+              <a:t>end if</a:t>
+            </a:r>
+            <a:r>
+              <a:rPr lang="en-US" sz="2800" dirty="0"/>
+              <a:t>;</a:t>
+            </a:r>
+          </a:p>
+          <a:p>
+            <a:pPr marL="0" indent="0">
+              <a:buNone/>
+            </a:pPr>
+            <a:r>
+              <a:rPr lang="en-US" sz="2800" dirty="0"/>
+              <a:t>    </a:t>
+            </a:r>
+            <a:r>
+              <a:rPr lang="en-US" sz="2800" dirty="0">
+                <a:solidFill>
+                  <a:srgbClr val="00B0F0"/>
+                </a:solidFill>
+              </a:rPr>
+              <a:t>if</a:t>
+            </a:r>
+            <a:r>
+              <a:rPr lang="en-US" sz="2800" dirty="0"/>
+              <a:t> </a:t>
+            </a:r>
+            <a:r>
+              <a:rPr lang="en-US" sz="2800" dirty="0" err="1"/>
+              <a:t>outwe</a:t>
+            </a:r>
+            <a:r>
+              <a:rPr lang="en-US" sz="2800" dirty="0"/>
+              <a:t> = '1'     </a:t>
+            </a:r>
+            <a:r>
+              <a:rPr lang="en-US" sz="2800" dirty="0" smtClean="0"/>
+              <a:t>     </a:t>
+            </a:r>
+            <a:r>
+              <a:rPr lang="en-US" sz="2800" dirty="0">
+                <a:solidFill>
+                  <a:srgbClr val="00B0F0"/>
+                </a:solidFill>
+              </a:rPr>
+              <a:t>then</a:t>
+            </a:r>
+            <a:r>
+              <a:rPr lang="en-US" sz="2800" dirty="0"/>
+              <a:t> out0 &lt;= S;                 </a:t>
+            </a:r>
+            <a:r>
+              <a:rPr lang="en-US" sz="2800" dirty="0" smtClean="0"/>
+              <a:t>  </a:t>
+            </a:r>
+            <a:r>
+              <a:rPr lang="en-US" sz="2800" dirty="0" smtClean="0">
+                <a:solidFill>
+                  <a:srgbClr val="00B0F0"/>
+                </a:solidFill>
+              </a:rPr>
+              <a:t>end </a:t>
+            </a:r>
+            <a:r>
+              <a:rPr lang="en-US" sz="2800" dirty="0">
+                <a:solidFill>
+                  <a:srgbClr val="00B0F0"/>
+                </a:solidFill>
+              </a:rPr>
+              <a:t>if</a:t>
+            </a:r>
+            <a:r>
+              <a:rPr lang="en-US" sz="2800" dirty="0" smtClean="0"/>
+              <a:t>;</a:t>
+            </a:r>
+          </a:p>
+          <a:p>
+            <a:pPr marL="0" indent="0">
+              <a:buNone/>
+            </a:pPr>
+            <a:r>
+              <a:rPr lang="en-US" sz="2800" dirty="0"/>
+              <a:t>	</a:t>
+            </a:r>
+            <a:r>
+              <a:rPr lang="en-US" sz="2800" dirty="0">
+                <a:solidFill>
+                  <a:srgbClr val="00B050"/>
+                </a:solidFill>
+              </a:rPr>
+              <a:t>--</a:t>
+            </a:r>
+            <a:r>
+              <a:rPr lang="en-US" sz="2800" dirty="0"/>
+              <a:t> </a:t>
+            </a:r>
+            <a:r>
+              <a:rPr lang="en-US" sz="2800" dirty="0">
+                <a:solidFill>
+                  <a:srgbClr val="00B050"/>
+                </a:solidFill>
+              </a:rPr>
+              <a:t>for now only one output port</a:t>
+            </a:r>
+          </a:p>
+          <a:p>
+            <a:pPr marL="0" indent="0">
+              <a:buNone/>
+            </a:pPr>
+            <a:r>
+              <a:rPr lang="en-US" sz="2800" dirty="0">
+                <a:solidFill>
+                  <a:srgbClr val="00B0F0"/>
+                </a:solidFill>
+              </a:rPr>
+              <a:t>end if</a:t>
+            </a:r>
+            <a:r>
+              <a:rPr lang="en-US" sz="2800" dirty="0"/>
+              <a:t>;</a:t>
+            </a:r>
+          </a:p>
+          <a:p>
+            <a:pPr marL="0" indent="0">
+              <a:buNone/>
+            </a:pPr>
+            <a:r>
+              <a:rPr lang="en-US" sz="2800" dirty="0">
+                <a:solidFill>
+                  <a:srgbClr val="00B0F0"/>
+                </a:solidFill>
+              </a:rPr>
+              <a:t>end process</a:t>
+            </a:r>
+            <a:r>
+              <a:rPr lang="en-US" sz="2800" dirty="0"/>
+              <a:t>;	</a:t>
+            </a:r>
+            <a:r>
+              <a:rPr lang="en-US" sz="2800" dirty="0">
+                <a:solidFill>
+                  <a:srgbClr val="00B050"/>
+                </a:solidFill>
+              </a:rPr>
+              <a:t>--</a:t>
+            </a:r>
+            <a:r>
+              <a:rPr lang="en-US" sz="2800" dirty="0"/>
+              <a:t> </a:t>
+            </a:r>
+            <a:r>
+              <a:rPr lang="en-US" sz="2800" dirty="0" smtClean="0">
+                <a:solidFill>
+                  <a:srgbClr val="00B050"/>
+                </a:solidFill>
+              </a:rPr>
+              <a:t>register &amp; </a:t>
+            </a:r>
+            <a:r>
+              <a:rPr lang="en-US" sz="2800" dirty="0">
+                <a:solidFill>
+                  <a:srgbClr val="00B050"/>
+                </a:solidFill>
+              </a:rPr>
+              <a:t>state </a:t>
+            </a:r>
+            <a:r>
+              <a:rPr lang="en-US" sz="2800" dirty="0" smtClean="0">
+                <a:solidFill>
+                  <a:srgbClr val="00B050"/>
+                </a:solidFill>
+              </a:rPr>
+              <a:t>updates</a:t>
+            </a:r>
+          </a:p>
+          <a:p>
+            <a:pPr>
+              <a:spcBef>
+                <a:spcPts val="1200"/>
+              </a:spcBef>
+            </a:pPr>
+            <a:r>
+              <a:rPr lang="en-US" sz="2600" dirty="0"/>
+              <a:t>Register file and memory also have updates using signals from the main process</a:t>
+            </a:r>
+          </a:p>
+          <a:p>
+            <a:endParaRPr lang="en-US" sz="2800" dirty="0"/>
           </a:p>
         </p:txBody>
       </p:sp>
     </p:spTree>
     <p:extLst>
       <p:ext uri="{BB962C8B-B14F-4D97-AF65-F5344CB8AC3E}">
-        <p14:creationId xmlns:p14="http://schemas.microsoft.com/office/powerpoint/2010/main" val="2354654061"/>
+        <p14:creationId xmlns:p14="http://schemas.microsoft.com/office/powerpoint/2010/main" val="1191766968"/>
       </p:ext>
     </p:extLst>
   </p:cSld>
@@ -15795,7 +16239,7 @@
         <p:spPr>
           <a:xfrm>
             <a:off x="457200" y="274638"/>
-            <a:ext cx="8229600" cy="1020762"/>
+            <a:ext cx="8229600" cy="944562"/>
           </a:xfrm>
         </p:spPr>
         <p:txBody>
@@ -15806,7 +16250,7 @@
           <a:p>
             <a:r>
               <a:rPr lang="en-US" sz="4000" dirty="0" smtClean="0"/>
-              <a:t>Some day</a:t>
+              <a:t>Next steps</a:t>
             </a:r>
             <a:endParaRPr lang="en-US" sz="4000" dirty="0"/>
           </a:p>
@@ -15824,138 +16268,108 @@
         </p:nvSpPr>
         <p:spPr>
           <a:xfrm>
-            <a:off x="457200" y="1371600"/>
-            <a:ext cx="8229600" cy="4800600"/>
+            <a:off x="457200" y="1219200"/>
+            <a:ext cx="8229600" cy="5257800"/>
           </a:xfrm>
         </p:spPr>
         <p:txBody>
           <a:bodyPr>
-            <a:normAutofit fontScale="92500" lnSpcReduction="10000"/>
+            <a:normAutofit fontScale="92500" lnSpcReduction="20000"/>
           </a:bodyPr>
           <a:lstStyle/>
           <a:p>
             <a:r>
               <a:rPr lang="en-US" dirty="0" smtClean="0"/>
-              <a:t>Implement assembler (not hard)</a:t>
+              <a:t>Formal ISA specification?  Precise spec is a must!</a:t>
+            </a:r>
+          </a:p>
+          <a:p>
+            <a:r>
+              <a:rPr lang="en-US" dirty="0" smtClean="0"/>
+              <a:t>Add test bench!  </a:t>
+            </a:r>
+            <a:r>
+              <a:rPr lang="en-US" sz="3000" dirty="0" smtClean="0"/>
+              <a:t>Will be a self checking program</a:t>
+            </a:r>
+            <a:endParaRPr lang="en-US" dirty="0" smtClean="0"/>
+          </a:p>
+          <a:p>
+            <a:r>
+              <a:rPr lang="en-US" dirty="0" smtClean="0"/>
+              <a:t>Add tag bits to register file:  </a:t>
+            </a:r>
+            <a:r>
+              <a:rPr lang="en-US" i="1" dirty="0" smtClean="0"/>
+              <a:t>done</a:t>
+            </a:r>
+          </a:p>
+          <a:p>
+            <a:r>
+              <a:rPr lang="en-US" dirty="0" smtClean="0"/>
+              <a:t>Load-immediate for additional data types:  </a:t>
+            </a:r>
+            <a:r>
+              <a:rPr lang="en-US" i="1" dirty="0" smtClean="0"/>
+              <a:t>done</a:t>
+            </a:r>
+            <a:endParaRPr lang="en-US" i="1" strike="sngStrike" dirty="0" smtClean="0"/>
+          </a:p>
+          <a:p>
+            <a:r>
+              <a:rPr lang="en-US" dirty="0" smtClean="0"/>
+              <a:t>New data type operators, 2’s complement:  </a:t>
+            </a:r>
+            <a:r>
+              <a:rPr lang="en-US" i="1" dirty="0" smtClean="0"/>
+              <a:t>done</a:t>
+            </a:r>
+          </a:p>
+          <a:p>
+            <a:r>
+              <a:rPr lang="en-US" dirty="0" smtClean="0"/>
+              <a:t>Limited set of 24-bit instructions</a:t>
             </a:r>
           </a:p>
           <a:p>
             <a:pPr lvl="1"/>
             <a:r>
               <a:rPr lang="en-US" dirty="0" smtClean="0"/>
-              <a:t>Needed to generate memory initialization files</a:t>
-            </a:r>
-          </a:p>
-          <a:p>
-            <a:r>
-              <a:rPr lang="en-US" dirty="0" smtClean="0"/>
-              <a:t>Implement compiler; an example:</a:t>
-            </a:r>
-          </a:p>
-          <a:p>
-            <a:pPr marL="457200" lvl="1" indent="0">
-              <a:buNone/>
-            </a:pPr>
-            <a:r>
-              <a:rPr lang="en-US" sz="2400" dirty="0">
-                <a:hlinkClick r:id="rId3"/>
-              </a:rPr>
-              <a:t>https://www.cs.hiroshima-u.ac.jp/~</a:t>
-            </a:r>
-            <a:r>
-              <a:rPr lang="en-US" sz="2400" dirty="0" smtClean="0">
-                <a:hlinkClick r:id="rId3"/>
-              </a:rPr>
-              <a:t>nakano/wiki/wiki.cgi</a:t>
-            </a:r>
-            <a:r>
-              <a:rPr lang="en-US" sz="2400" dirty="0" smtClean="0"/>
-              <a:t>  *</a:t>
-            </a:r>
-          </a:p>
-          <a:p>
-            <a:r>
-              <a:rPr lang="en-US" dirty="0"/>
-              <a:t>Run </a:t>
-            </a:r>
-            <a:r>
-              <a:rPr lang="en-US" dirty="0" smtClean="0"/>
-              <a:t>benchmarks </a:t>
-            </a:r>
-            <a:r>
-              <a:rPr lang="en-US" sz="2600" dirty="0" smtClean="0"/>
-              <a:t>(there are many, these are shock wave)</a:t>
-            </a:r>
-          </a:p>
-          <a:p>
-            <a:pPr marL="457200" lvl="1" indent="0">
-              <a:buNone/>
-            </a:pPr>
-            <a:r>
-              <a:rPr lang="en-US" sz="2000" dirty="0">
-                <a:hlinkClick r:id="rId4"/>
-              </a:rPr>
-              <a:t>https://</a:t>
-            </a:r>
-            <a:r>
-              <a:rPr lang="en-US" sz="2000" dirty="0" smtClean="0">
-                <a:hlinkClick r:id="rId4"/>
-              </a:rPr>
-              <a:t>www.researchgate.net/publication/323467921</a:t>
-            </a:r>
-            <a:r>
-              <a:rPr lang="en-US" sz="2000" dirty="0" smtClean="0"/>
-              <a:t> **</a:t>
-            </a:r>
-          </a:p>
-          <a:p>
-            <a:pPr marL="457200" lvl="1" indent="0">
-              <a:buNone/>
-            </a:pPr>
-            <a:r>
-              <a:rPr lang="en-US" sz="2000" dirty="0">
-                <a:hlinkClick r:id="rId5"/>
-              </a:rPr>
-              <a:t>https://</a:t>
-            </a:r>
-            <a:r>
-              <a:rPr lang="en-US" sz="2000" dirty="0" smtClean="0">
-                <a:hlinkClick r:id="rId5"/>
-              </a:rPr>
-              <a:t>helper.ipam.ucla.edu/publications/bdcws2/bdcws2_15049.pdf</a:t>
-            </a:r>
-            <a:r>
-              <a:rPr lang="en-US" sz="2000" dirty="0" smtClean="0"/>
-              <a:t> </a:t>
-            </a:r>
-            <a:endParaRPr lang="en-US" sz="2000" dirty="0"/>
-          </a:p>
-          <a:p>
-            <a:r>
-              <a:rPr lang="en-US" dirty="0" smtClean="0"/>
-              <a:t>Other floats, 16-bit fixed point logarithms</a:t>
-            </a:r>
-          </a:p>
-          <a:p>
-            <a:r>
-              <a:rPr lang="en-US" dirty="0" smtClean="0"/>
-              <a:t>Other word &amp; byte sizes</a:t>
+              <a:t>Constrained by two port register file</a:t>
+            </a:r>
+          </a:p>
+          <a:p>
+            <a:r>
+              <a:rPr lang="en-US" dirty="0" smtClean="0"/>
+              <a:t>Add additional ports to register file</a:t>
+            </a:r>
+          </a:p>
+          <a:p>
+            <a:r>
+              <a:rPr lang="en-US" dirty="0" smtClean="0"/>
+              <a:t>Add byte write enables to memory</a:t>
+            </a:r>
+          </a:p>
+          <a:p>
+            <a:r>
+              <a:rPr lang="en-US" dirty="0" smtClean="0"/>
+              <a:t>24-bit registers and 32-bit memory</a:t>
             </a:r>
           </a:p>
           <a:p>
             <a:pPr lvl="1"/>
             <a:r>
-              <a:rPr lang="en-US" sz="2600" dirty="0" smtClean="0"/>
-              <a:t>There is a way to use ordinary DRAM with 36, 42 &amp; 48-bit word sizes***</a:t>
-            </a:r>
-            <a:endParaRPr lang="en-US" sz="2600" dirty="0"/>
+              <a:rPr lang="en-US" dirty="0" smtClean="0"/>
+              <a:t>Need assembler to generate memory initialization</a:t>
+            </a:r>
+            <a:endParaRPr lang="en-US" dirty="0"/>
           </a:p>
         </p:txBody>
       </p:sp>
     </p:spTree>
     <p:extLst>
       <p:ext uri="{BB962C8B-B14F-4D97-AF65-F5344CB8AC3E}">
-        <p14:creationId xmlns:p14="http://schemas.microsoft.com/office/powerpoint/2010/main" val="2365757158"/>
+        <p14:creationId xmlns:p14="http://schemas.microsoft.com/office/powerpoint/2010/main" val="2354654061"/>
       </p:ext>
     </p:extLst>
   </p:cSld>
@@ -16001,8 +16415,8 @@
         </p:nvSpPr>
         <p:spPr>
           <a:xfrm>
-            <a:off x="457200" y="304800"/>
-            <a:ext cx="8229600" cy="792162"/>
+            <a:off x="457200" y="274638"/>
+            <a:ext cx="8229600" cy="1020762"/>
           </a:xfrm>
         </p:spPr>
         <p:txBody>
@@ -16013,7 +16427,7 @@
           <a:p>
             <a:r>
               <a:rPr lang="en-US" sz="4000" dirty="0" smtClean="0"/>
-              <a:t>Retrospective</a:t>
+              <a:t>Some day</a:t>
             </a:r>
             <a:endParaRPr lang="en-US" sz="4000" dirty="0"/>
           </a:p>
@@ -16031,176 +16445,138 @@
         </p:nvSpPr>
         <p:spPr>
           <a:xfrm>
-            <a:off x="457200" y="1219200"/>
-            <a:ext cx="8229600" cy="5257800"/>
+            <a:off x="457200" y="1371600"/>
+            <a:ext cx="8229600" cy="4800600"/>
           </a:xfrm>
         </p:spPr>
         <p:txBody>
           <a:bodyPr>
-            <a:normAutofit fontScale="77500" lnSpcReduction="20000"/>
+            <a:normAutofit fontScale="92500" lnSpcReduction="10000"/>
           </a:bodyPr>
           <a:lstStyle/>
           <a:p>
             <a:r>
               <a:rPr lang="en-US" dirty="0" smtClean="0"/>
-              <a:t>Was dragging my feet until considered the subset 16-bit ISA</a:t>
+              <a:t>Implement assembler (not hard)</a:t>
             </a:r>
           </a:p>
           <a:p>
             <a:pPr lvl="1"/>
             <a:r>
-              <a:rPr lang="en-US" dirty="0"/>
-              <a:t>W</a:t>
-            </a:r>
-            <a:r>
-              <a:rPr lang="en-US" dirty="0" smtClean="0"/>
-              <a:t>here to start? Minimal implementation, Gratification</a:t>
-            </a:r>
-          </a:p>
-          <a:p>
-            <a:r>
-              <a:rPr lang="en-US" dirty="0" smtClean="0"/>
-              <a:t>AMD/Xilinx </a:t>
-            </a:r>
-            <a:r>
-              <a:rPr lang="en-US" dirty="0" err="1" smtClean="0"/>
-              <a:t>Vivado</a:t>
-            </a:r>
-            <a:r>
-              <a:rPr lang="en-US" dirty="0" smtClean="0"/>
-              <a:t> gives advice and better error locations than previously.  Linter sometimes helpful.</a:t>
-            </a:r>
-          </a:p>
-          <a:p>
-            <a:pPr lvl="1"/>
-            <a:r>
-              <a:rPr lang="en-US" sz="3100" dirty="0"/>
-              <a:t>Significant LUT count elasticity between area and </a:t>
-            </a:r>
-            <a:r>
-              <a:rPr lang="en-US" sz="3100" dirty="0" smtClean="0"/>
-              <a:t>speed!</a:t>
-            </a:r>
-            <a:endParaRPr lang="en-US" sz="3100" dirty="0"/>
-          </a:p>
-          <a:p>
-            <a:r>
-              <a:rPr lang="en-US" dirty="0" smtClean="0"/>
-              <a:t>Used </a:t>
-            </a:r>
-            <a:r>
-              <a:rPr lang="en-US" dirty="0" smtClean="0"/>
-              <a:t>~same implementation process as in 2016</a:t>
-            </a:r>
-          </a:p>
-          <a:p>
-            <a:pPr lvl="1"/>
-            <a:r>
-              <a:rPr lang="en-US" dirty="0" smtClean="0"/>
-              <a:t>Not as concerned with creating temporaries to save LUTs: E.g. </a:t>
-            </a:r>
-            <a:r>
-              <a:rPr lang="en-US" dirty="0" err="1" smtClean="0"/>
-              <a:t>Vivado</a:t>
-            </a:r>
-            <a:r>
-              <a:rPr lang="en-US" dirty="0" smtClean="0"/>
-              <a:t> seems to optimize very well</a:t>
-            </a:r>
-          </a:p>
-          <a:p>
-            <a:r>
-              <a:rPr lang="en-US" dirty="0" smtClean="0"/>
-              <a:t>Majority of the time goes into planning / evaluation</a:t>
-            </a:r>
-          </a:p>
-          <a:p>
-            <a:r>
-              <a:rPr lang="en-US" dirty="0" smtClean="0"/>
-              <a:t>An alternative to RISC-V?  Requires </a:t>
-            </a:r>
-            <a:r>
-              <a:rPr lang="en-US" dirty="0"/>
-              <a:t>frozen minimum ISA </a:t>
-            </a:r>
-            <a:r>
-              <a:rPr lang="en-US" dirty="0" smtClean="0"/>
-              <a:t>for </a:t>
-            </a:r>
-            <a:r>
-              <a:rPr lang="en-US" dirty="0"/>
-              <a:t>tool chain </a:t>
-            </a:r>
-            <a:r>
-              <a:rPr lang="en-US" dirty="0" smtClean="0"/>
-              <a:t>&amp; Linux </a:t>
-            </a:r>
-            <a:r>
-              <a:rPr lang="en-US" dirty="0"/>
-              <a:t>(</a:t>
-            </a:r>
-            <a:r>
-              <a:rPr lang="en-US" dirty="0" smtClean="0"/>
-              <a:t>no divide, no floats, interrupt support)</a:t>
-            </a:r>
-          </a:p>
-          <a:p>
-            <a:r>
-              <a:rPr lang="en-US" dirty="0"/>
-              <a:t>Troc16_16 seems to have a life of it’s own</a:t>
-            </a:r>
-            <a:r>
-              <a:rPr lang="en-US" dirty="0" smtClean="0"/>
-              <a:t>?</a:t>
-            </a:r>
-            <a:endParaRPr lang="en-US" dirty="0" smtClean="0"/>
-          </a:p>
-          <a:p>
-            <a:r>
-              <a:rPr lang="en-US" sz="3100" dirty="0"/>
-              <a:t>Lots of soft-core </a:t>
-            </a:r>
-            <a:r>
-              <a:rPr lang="en-US" sz="3100" dirty="0" err="1"/>
-              <a:t>uPs</a:t>
-            </a:r>
-            <a:r>
-              <a:rPr lang="en-US" sz="3100" dirty="0"/>
-              <a:t> at </a:t>
-            </a:r>
-            <a:r>
-              <a:rPr lang="en-US" sz="3100" dirty="0">
+              <a:rPr lang="en-US" dirty="0" smtClean="0"/>
+              <a:t>Needed to generate memory initialization files</a:t>
+            </a:r>
+          </a:p>
+          <a:p>
+            <a:r>
+              <a:rPr lang="en-US" dirty="0" smtClean="0"/>
+              <a:t>Implement compiler; an example:</a:t>
+            </a:r>
+          </a:p>
+          <a:p>
+            <a:pPr marL="457200" lvl="1" indent="0">
+              <a:buNone/>
+            </a:pPr>
+            <a:r>
+              <a:rPr lang="en-US" sz="2400" dirty="0">
                 <a:hlinkClick r:id="rId3"/>
               </a:rPr>
-              <a:t>www.opencores.org</a:t>
-            </a:r>
-            <a:r>
-              <a:rPr lang="en-US" sz="3100" dirty="0"/>
-              <a:t> </a:t>
-            </a:r>
-          </a:p>
-          <a:p>
-            <a:r>
-              <a:rPr lang="en-US" sz="3100" dirty="0"/>
-              <a:t>Or </a:t>
-            </a:r>
-            <a:r>
-              <a:rPr lang="en-US" sz="3100" dirty="0">
+              <a:t>https://www.cs.hiroshima-u.ac.jp/~</a:t>
+            </a:r>
+            <a:r>
+              <a:rPr lang="en-US" sz="2400" dirty="0" smtClean="0">
+                <a:hlinkClick r:id="rId3"/>
+              </a:rPr>
+              <a:t>nakano/wiki/wiki.cgi</a:t>
+            </a:r>
+            <a:r>
+              <a:rPr lang="en-US" sz="2400" dirty="0" smtClean="0"/>
+              <a:t>  *</a:t>
+            </a:r>
+          </a:p>
+          <a:p>
+            <a:r>
+              <a:rPr lang="en-US" dirty="0"/>
+              <a:t>Run </a:t>
+            </a:r>
+            <a:r>
+              <a:rPr lang="en-US" dirty="0" smtClean="0"/>
+              <a:t>benchmarks </a:t>
+            </a:r>
+            <a:r>
+              <a:rPr lang="en-US" sz="2600" dirty="0" smtClean="0"/>
+              <a:t>(there are many, these are shock wave)</a:t>
+            </a:r>
+          </a:p>
+          <a:p>
+            <a:pPr marL="457200" lvl="1" indent="0">
+              <a:buNone/>
+            </a:pPr>
+            <a:r>
+              <a:rPr lang="en-US" sz="2000" dirty="0">
                 <a:hlinkClick r:id="rId4"/>
               </a:rPr>
-              <a:t>https://github.com/jimbrake/cpu_soft_cores</a:t>
-            </a:r>
-            <a:r>
-              <a:rPr lang="en-US" sz="3100" dirty="0"/>
+              <a:t>https://</a:t>
+            </a:r>
+            <a:r>
+              <a:rPr lang="en-US" sz="2000" dirty="0" smtClean="0">
+                <a:hlinkClick r:id="rId4"/>
+              </a:rPr>
+              <a:t>www.researchgate.net/publication/323467921</a:t>
+            </a:r>
+            <a:r>
+              <a:rPr lang="en-US" sz="2000" dirty="0" smtClean="0"/>
+              <a:t> **</a:t>
+            </a:r>
+          </a:p>
+          <a:p>
+            <a:pPr marL="457200" lvl="1" indent="0">
+              <a:buNone/>
+            </a:pPr>
+            <a:r>
+              <a:rPr lang="en-US" sz="2000" dirty="0">
+                <a:hlinkClick r:id="rId5"/>
+              </a:rPr>
+              <a:t>https://</a:t>
+            </a:r>
+            <a:r>
+              <a:rPr lang="en-US" sz="2000" dirty="0" smtClean="0">
+                <a:hlinkClick r:id="rId5"/>
+              </a:rPr>
+              <a:t>helper.ipam.ucla.edu/publications/bdcws2/bdcws2_15049.pdf</a:t>
+            </a:r>
+            <a:r>
+              <a:rPr lang="en-US" sz="2000" dirty="0" smtClean="0"/>
               <a:t> </a:t>
             </a:r>
+            <a:endParaRPr lang="en-US" sz="2000" dirty="0"/>
+          </a:p>
+          <a:p>
+            <a:r>
+              <a:rPr lang="en-US" dirty="0" smtClean="0"/>
+              <a:t>Other floats, 16-bit fixed point logarithms</a:t>
+            </a:r>
+          </a:p>
+          <a:p>
+            <a:r>
+              <a:rPr lang="en-US" dirty="0" smtClean="0"/>
+              <a:t>Other word &amp; byte sizes</a:t>
+            </a:r>
+          </a:p>
+          <a:p>
+            <a:pPr lvl="1"/>
+            <a:r>
+              <a:rPr lang="en-US" sz="2600" dirty="0" smtClean="0"/>
+              <a:t>There is a way to use ordinary DRAM with 36, 42 &amp; 48-bit word sizes***</a:t>
+            </a:r>
+            <a:endParaRPr lang="en-US" sz="2600" dirty="0"/>
           </a:p>
         </p:txBody>
       </p:sp>
     </p:spTree>
     <p:extLst>
       <p:ext uri="{BB962C8B-B14F-4D97-AF65-F5344CB8AC3E}">
-        <p14:creationId xmlns:p14="http://schemas.microsoft.com/office/powerpoint/2010/main" val="986448587"/>
+        <p14:creationId xmlns:p14="http://schemas.microsoft.com/office/powerpoint/2010/main" val="2365757158"/>
       </p:ext>
     </p:extLst>
   </p:cSld>
@@ -16258,7 +16634,7 @@
           <a:p>
             <a:r>
               <a:rPr lang="en-US" sz="4000" dirty="0" smtClean="0"/>
-              <a:t>The Residue register</a:t>
+              <a:t>Retrospective</a:t>
             </a:r>
             <a:endParaRPr lang="en-US" sz="4000" dirty="0"/>
           </a:p>
@@ -16276,52 +16652,140 @@
         </p:nvSpPr>
         <p:spPr>
           <a:xfrm>
-            <a:off x="457200" y="1219200"/>
-            <a:ext cx="8229600" cy="4800600"/>
+            <a:off x="381000" y="1219200"/>
+            <a:ext cx="8229600" cy="4724400"/>
           </a:xfrm>
         </p:spPr>
         <p:txBody>
           <a:bodyPr>
-            <a:normAutofit fontScale="92500" lnSpcReduction="20000"/>
+            <a:normAutofit fontScale="77500" lnSpcReduction="20000"/>
           </a:bodyPr>
           <a:lstStyle/>
           <a:p>
             <a:r>
               <a:rPr lang="en-US" dirty="0" smtClean="0"/>
-              <a:t>Considered poor design to use status register for zero/carry/overflow signals</a:t>
-            </a:r>
-          </a:p>
-          <a:p>
-            <a:r>
-              <a:rPr lang="en-US" dirty="0" smtClean="0"/>
-              <a:t>Moving these signals to a register file register opens a more general approach</a:t>
-            </a:r>
-          </a:p>
-          <a:p>
-            <a:r>
-              <a:rPr lang="en-US" dirty="0" smtClean="0"/>
-              <a:t>Capturing the upper half multiply and divide remainder solves several problems</a:t>
-            </a:r>
-          </a:p>
-          <a:p>
-            <a:r>
-              <a:rPr lang="en-US" dirty="0" smtClean="0"/>
-              <a:t>Provides a general and efficient approach for multi-word arithmetic</a:t>
-            </a:r>
-          </a:p>
-          <a:p>
-            <a:r>
-              <a:rPr lang="en-US" dirty="0" smtClean="0"/>
-              <a:t>For troc16_16 can provide an implied base or index register for memory load/store without adding a register file port</a:t>
-            </a:r>
-            <a:endParaRPr lang="en-US" dirty="0"/>
+              <a:t>Was dragging my feet until considered the subset 16-bit ISA</a:t>
+            </a:r>
+          </a:p>
+          <a:p>
+            <a:pPr lvl="1"/>
+            <a:r>
+              <a:rPr lang="en-US" dirty="0"/>
+              <a:t>W</a:t>
+            </a:r>
+            <a:r>
+              <a:rPr lang="en-US" dirty="0" smtClean="0"/>
+              <a:t>here to start? Minimal implementation, Gratification</a:t>
+            </a:r>
+          </a:p>
+          <a:p>
+            <a:r>
+              <a:rPr lang="en-US" dirty="0" smtClean="0"/>
+              <a:t>AMD/Xilinx </a:t>
+            </a:r>
+            <a:r>
+              <a:rPr lang="en-US" dirty="0" err="1" smtClean="0"/>
+              <a:t>Vivado</a:t>
+            </a:r>
+            <a:r>
+              <a:rPr lang="en-US" dirty="0" smtClean="0"/>
+              <a:t> gives advice and better error locations than previously.  Linter sometimes helpful.</a:t>
+            </a:r>
+          </a:p>
+          <a:p>
+            <a:r>
+              <a:rPr lang="en-US" sz="3400" dirty="0"/>
+              <a:t>Significant LUT count elasticity between area and </a:t>
+            </a:r>
+            <a:r>
+              <a:rPr lang="en-US" sz="3400" dirty="0" smtClean="0"/>
+              <a:t>speed!</a:t>
+            </a:r>
+            <a:endParaRPr lang="en-US" sz="3400" dirty="0"/>
+          </a:p>
+          <a:p>
+            <a:r>
+              <a:rPr lang="en-US" dirty="0" smtClean="0"/>
+              <a:t>Used ~same implementation process as in 2016</a:t>
+            </a:r>
+          </a:p>
+          <a:p>
+            <a:pPr lvl="1"/>
+            <a:r>
+              <a:rPr lang="en-US" dirty="0" smtClean="0"/>
+              <a:t>Not as concerned with creating temporaries to save LUTs: E.g. </a:t>
+            </a:r>
+            <a:r>
+              <a:rPr lang="en-US" dirty="0" err="1" smtClean="0"/>
+              <a:t>Vivado</a:t>
+            </a:r>
+            <a:r>
+              <a:rPr lang="en-US" dirty="0" smtClean="0"/>
+              <a:t> seems to optimize very well</a:t>
+            </a:r>
+          </a:p>
+          <a:p>
+            <a:r>
+              <a:rPr lang="en-US" dirty="0" smtClean="0"/>
+              <a:t>Majority of the time goes into planning / evaluation</a:t>
+            </a:r>
+          </a:p>
+          <a:p>
+            <a:r>
+              <a:rPr lang="en-US" dirty="0"/>
+              <a:t>Troc16_16 seems to have a life of it’s own </a:t>
+            </a:r>
+            <a:r>
+              <a:rPr lang="en-US" sz="2800" dirty="0"/>
+              <a:t>(low LUT </a:t>
+            </a:r>
+            <a:r>
+              <a:rPr lang="en-US" sz="2800" dirty="0" smtClean="0"/>
+              <a:t>count!)</a:t>
+            </a:r>
+          </a:p>
+          <a:p>
+            <a:pPr marL="0" indent="0">
+              <a:buNone/>
+            </a:pPr>
+            <a:endParaRPr lang="en-US" dirty="0" smtClean="0"/>
+          </a:p>
+          <a:p>
+            <a:r>
+              <a:rPr lang="en-US" dirty="0" smtClean="0"/>
+              <a:t>An alternative to RISC-V?  Requires </a:t>
+            </a:r>
+            <a:r>
+              <a:rPr lang="en-US" dirty="0"/>
+              <a:t>frozen minimum ISA </a:t>
+            </a:r>
+            <a:r>
+              <a:rPr lang="en-US" dirty="0" smtClean="0"/>
+              <a:t>for </a:t>
+            </a:r>
+            <a:r>
+              <a:rPr lang="en-US" dirty="0"/>
+              <a:t>tool chain </a:t>
+            </a:r>
+            <a:r>
+              <a:rPr lang="en-US" dirty="0" smtClean="0"/>
+              <a:t>&amp; Linux </a:t>
+            </a:r>
+            <a:r>
+              <a:rPr lang="en-US" dirty="0"/>
+              <a:t>(</a:t>
+            </a:r>
+            <a:r>
+              <a:rPr lang="en-US" dirty="0" smtClean="0"/>
+              <a:t>no divide, no floats, interrupt support)</a:t>
+            </a:r>
           </a:p>
         </p:txBody>
       </p:sp>
     </p:spTree>
     <p:extLst>
       <p:ext uri="{BB962C8B-B14F-4D97-AF65-F5344CB8AC3E}">
-        <p14:creationId xmlns:p14="http://schemas.microsoft.com/office/powerpoint/2010/main" val="570852842"/>
+        <p14:creationId xmlns:p14="http://schemas.microsoft.com/office/powerpoint/2010/main" val="986448587"/>
       </p:ext>
     </p:extLst>
   </p:cSld>
@@ -16974,7 +17438,15 @@
             <a:pPr lvl="1"/>
             <a:r>
               <a:rPr lang="en-US" sz="2400" dirty="0" smtClean="0"/>
-              <a:t>Variable length immediate values: 5, 8, 16, …</a:t>
+              <a:t>Variable length immediate values: </a:t>
+            </a:r>
+            <a:r>
+              <a:rPr lang="en-US" sz="2400" dirty="0"/>
+              <a:t>5</a:t>
+            </a:r>
+            <a:r>
+              <a:rPr lang="en-US" sz="2400" dirty="0" smtClean="0"/>
+              <a:t>, 12, 16, 24, … bits</a:t>
             </a:r>
             <a:endParaRPr lang="en-US" dirty="0"/>
           </a:p>
@@ -17015,19 +17487,27 @@
           <a:p>
             <a:r>
               <a:rPr lang="en-US" sz="2800" dirty="0" smtClean="0"/>
-              <a:t>Continuation of Axiomatic </a:t>
-            </a:r>
-            <a:r>
-              <a:rPr lang="en-US" sz="2800" dirty="0" err="1"/>
+              <a:t>Continuation of </a:t>
+            </a:r>
+            <a:r>
+              <a:rPr lang="en-US" sz="2800" i="1" dirty="0" smtClean="0"/>
+              <a:t>Axiomatic </a:t>
+            </a:r>
+            <a:r>
+              <a:rPr lang="en-US" sz="2800" i="1" dirty="0" err="1"/>
               <a:t>uP</a:t>
             </a:r>
             <a:r>
-              <a:rPr lang="en-US" sz="2800" dirty="0"/>
+              <a:rPr lang="en-US" sz="2800" i="1" dirty="0"/>
               <a:t> </a:t>
             </a:r>
             <a:r>
+              <a:rPr lang="en-US" sz="2800" i="1" dirty="0" smtClean="0"/>
+              <a:t>Architecture</a:t>
+            </a:r>
+            <a:r>
               <a:rPr lang="en-US" sz="2800" dirty="0" smtClean="0"/>
-              <a:t>Architecture, 2015</a:t>
+              <a:t>, 2015</a:t>
             </a:r>
             <a:endParaRPr lang="en-US" sz="3000" dirty="0" smtClean="0"/>
           </a:p>
@@ -21157,7 +21637,7 @@
             <a:pPr lvl="1"/>
             <a:r>
               <a:rPr lang="en-US" dirty="0" smtClean="0"/>
-              <a:t>Yield's 12-bit immediate on 24-bit instructions (+ one byte)</a:t>
+              <a:t>Yields 12-bit immediate on 24-bit instructions (32-bits total)</a:t>
             </a:r>
           </a:p>
         </p:txBody>
@@ -21231,11 +21711,7 @@
             </a:r>
             <a:r>
               <a:rPr lang="en-US" sz="4000" dirty="0" smtClean="0"/>
-              <a:t> </a:t>
-            </a:r>
-            <a:r>
-              <a:rPr lang="en-US" sz="4000" dirty="0" smtClean="0"/>
-              <a:t>Architecture</a:t>
+              <a:t> Architecture</a:t>
             </a:r>
             <a:br>
               <a:rPr lang="en-US" sz="4000" dirty="0" smtClean="0"/>
@@ -21494,7 +21970,6 @@
               <a:rPr lang="en-US" sz="1800" dirty="0" smtClean="0"/>
               <a:t>.</a:t>
             </a:r>
-            <a:endParaRPr lang="en-US" sz="1800" dirty="0" smtClean="0"/>
           </a:p>
         </p:txBody>
       </p:sp>
@@ -21629,15 +22104,7 @@
             <a:pPr lvl="1"/>
             <a:r>
               <a:rPr lang="en-US" dirty="0" smtClean="0"/>
-              <a:t>24 &amp; 32-bit instructions have 25% unused op-code space, enough to hold </a:t>
-            </a:r>
-            <a:r>
-              <a:rPr lang="en-US" dirty="0" smtClean="0"/>
-              <a:t>future 40 </a:t>
-            </a:r>
-            <a:r>
-              <a:rPr lang="en-US" dirty="0" smtClean="0"/>
-              <a:t>&amp; 48-bit instructions</a:t>
+              <a:t>24 &amp; 32-bit instructions have 25% unused op-code space, enough to hold future 40 &amp; 48-bit instructions</a:t>
             </a:r>
           </a:p>
           <a:p>
@@ -21719,42 +22186,10 @@
             <p:ph type="title"/>
           </p:nvPr>
         </p:nvSpPr>
-        <p:spPr/>
-        <p:txBody>
-          <a:bodyPr>
-            <a:normAutofit fontScale="90000"/>
-          </a:bodyPr>
-          <a:lstStyle/>
-          <a:p>
-            <a:r>
-              <a:rPr lang="en-US" sz="4000" dirty="0" smtClean="0"/>
-              <a:t>TROC Instruction formats</a:t>
-            </a:r>
-            <a:br>
-              <a:rPr lang="en-US" sz="4000" dirty="0" smtClean="0"/>
-            </a:br>
-            <a:r>
-              <a:rPr lang="en-US" sz="3100" dirty="0" smtClean="0"/>
-              <a:t>Little Endian</a:t>
-            </a:r>
-            <a:endParaRPr lang="en-US" sz="3100" dirty="0"/>
-          </a:p>
-        </p:txBody>
-      </p:sp>
-      <p:sp>
-        <p:nvSpPr>
-          <p:cNvPr id="3" name="Content Placeholder 2"/>
-          <p:cNvSpPr>
-            <a:spLocks noGrp="1"/>
-          </p:cNvSpPr>
-          <p:nvPr>
-            <p:ph idx="1"/>
-          </p:nvPr>
-        </p:nvSpPr>
         <p:spPr>
           <a:xfrm>
-            <a:off x="457200" y="1447800"/>
-            <a:ext cx="8229600" cy="4525963"/>
+            <a:off x="457200" y="304800"/>
+            <a:ext cx="8229600" cy="792162"/>
           </a:xfrm>
         </p:spPr>
         <p:txBody>
@@ -21764,400 +22199,94 @@
           <a:lstStyle/>
           <a:p>
             <a:r>
-              <a:rPr lang="en-US" dirty="0" smtClean="0"/>
-              <a:t>16-bit	op-code specifies N versus R</a:t>
-            </a:r>
-          </a:p>
-          <a:p>
-            <a:pPr marL="457200" lvl="1" indent="0">
-              <a:buNone/>
-            </a:pPr>
-            <a:r>
-              <a:rPr lang="en-US" sz="2400" b="1" dirty="0" err="1">
-                <a:latin typeface="Courier New" panose="02070309020205020404" pitchFamily="49" charset="0"/>
-                <a:cs typeface="Courier New" panose="02070309020205020404" pitchFamily="49" charset="0"/>
-              </a:rPr>
-              <a:t>r</a:t>
-            </a:r>
-            <a:r>
-              <a:rPr lang="en-US" sz="2400" b="1" dirty="0" err="1" smtClean="0">
-                <a:latin typeface="Courier New" panose="02070309020205020404" pitchFamily="49" charset="0"/>
-                <a:cs typeface="Courier New" panose="02070309020205020404" pitchFamily="49" charset="0"/>
-              </a:rPr>
-              <a:t>rrrr</a:t>
-            </a:r>
-            <a:r>
-              <a:rPr lang="en-US" sz="2400" b="1" dirty="0" smtClean="0">
-                <a:latin typeface="Courier New" panose="02070309020205020404" pitchFamily="49" charset="0"/>
-                <a:cs typeface="Courier New" panose="02070309020205020404" pitchFamily="49" charset="0"/>
-              </a:rPr>
-              <a:t> </a:t>
-            </a:r>
-            <a:r>
-              <a:rPr lang="en-US" sz="2400" b="1" dirty="0" err="1" smtClean="0">
-                <a:latin typeface="Courier New" panose="02070309020205020404" pitchFamily="49" charset="0"/>
-                <a:cs typeface="Courier New" panose="02070309020205020404" pitchFamily="49" charset="0"/>
-              </a:rPr>
-              <a:t>ddddd</a:t>
-            </a:r>
-            <a:r>
-              <a:rPr lang="en-US" sz="2400" b="1" dirty="0" smtClean="0">
-                <a:latin typeface="Courier New" panose="02070309020205020404" pitchFamily="49" charset="0"/>
-                <a:cs typeface="Courier New" panose="02070309020205020404" pitchFamily="49" charset="0"/>
-              </a:rPr>
-              <a:t> xxxxx1</a:t>
-            </a:r>
-          </a:p>
-          <a:p>
-            <a:pPr marL="457200" lvl="1" indent="0">
-              <a:buNone/>
-            </a:pPr>
-            <a:r>
-              <a:rPr lang="en-US" sz="2400" b="1" dirty="0" err="1" smtClean="0">
-                <a:latin typeface="Courier New" panose="02070309020205020404" pitchFamily="49" charset="0"/>
-                <a:cs typeface="Courier New" panose="02070309020205020404" pitchFamily="49" charset="0"/>
-              </a:rPr>
-              <a:t>nnnnn</a:t>
-            </a:r>
-            <a:r>
-              <a:rPr lang="en-US" sz="2400" b="1" dirty="0" smtClean="0">
-                <a:latin typeface="Courier New" panose="02070309020205020404" pitchFamily="49" charset="0"/>
-                <a:cs typeface="Courier New" panose="02070309020205020404" pitchFamily="49" charset="0"/>
-              </a:rPr>
-              <a:t> </a:t>
-            </a:r>
-            <a:r>
-              <a:rPr lang="en-US" sz="2400" b="1" dirty="0" err="1" smtClean="0">
-                <a:latin typeface="Courier New" panose="02070309020205020404" pitchFamily="49" charset="0"/>
-                <a:cs typeface="Courier New" panose="02070309020205020404" pitchFamily="49" charset="0"/>
-              </a:rPr>
-              <a:t>ddddd</a:t>
-            </a:r>
-            <a:r>
-              <a:rPr lang="en-US" sz="2400" b="1" dirty="0" smtClean="0">
-                <a:latin typeface="Courier New" panose="02070309020205020404" pitchFamily="49" charset="0"/>
-                <a:cs typeface="Courier New" panose="02070309020205020404" pitchFamily="49" charset="0"/>
-              </a:rPr>
-              <a:t> xxxxx1</a:t>
-            </a:r>
-          </a:p>
-          <a:p>
-            <a:r>
-              <a:rPr lang="en-US" dirty="0" smtClean="0"/>
-              <a:t>24-bit	has immediate enable bit</a:t>
-            </a:r>
-          </a:p>
-          <a:p>
-            <a:pPr marL="457200" lvl="1" indent="0">
-              <a:buNone/>
-            </a:pPr>
-            <a:r>
-              <a:rPr lang="en-US" sz="2400" b="1" dirty="0" err="1">
-                <a:latin typeface="Courier New" panose="02070309020205020404" pitchFamily="49" charset="0"/>
-                <a:cs typeface="Courier New" panose="02070309020205020404" pitchFamily="49" charset="0"/>
-              </a:rPr>
-              <a:t>r</a:t>
-            </a:r>
-            <a:r>
-              <a:rPr lang="en-US" sz="2400" b="1" dirty="0" err="1" smtClean="0">
-                <a:latin typeface="Courier New" panose="02070309020205020404" pitchFamily="49" charset="0"/>
-                <a:cs typeface="Courier New" panose="02070309020205020404" pitchFamily="49" charset="0"/>
-              </a:rPr>
-              <a:t>rrrr</a:t>
-            </a:r>
-            <a:r>
-              <a:rPr lang="en-US" sz="2400" b="1" dirty="0" smtClean="0">
-                <a:latin typeface="Courier New" panose="02070309020205020404" pitchFamily="49" charset="0"/>
-                <a:cs typeface="Courier New" panose="02070309020205020404" pitchFamily="49" charset="0"/>
-              </a:rPr>
-              <a:t> 0 xx </a:t>
-            </a:r>
-            <a:r>
-              <a:rPr lang="en-US" sz="2400" b="1" dirty="0" err="1" smtClean="0">
-                <a:latin typeface="Courier New" panose="02070309020205020404" pitchFamily="49" charset="0"/>
-                <a:cs typeface="Courier New" panose="02070309020205020404" pitchFamily="49" charset="0"/>
-              </a:rPr>
-              <a:t>sssss</a:t>
-            </a:r>
-            <a:r>
-              <a:rPr lang="en-US" sz="2400" b="1" dirty="0" smtClean="0">
-                <a:latin typeface="Courier New" panose="02070309020205020404" pitchFamily="49" charset="0"/>
-                <a:cs typeface="Courier New" panose="02070309020205020404" pitchFamily="49" charset="0"/>
-              </a:rPr>
-              <a:t> </a:t>
-            </a:r>
-            <a:r>
-              <a:rPr lang="en-US" sz="2400" b="1" dirty="0" err="1" smtClean="0">
-                <a:latin typeface="Courier New" panose="02070309020205020404" pitchFamily="49" charset="0"/>
-                <a:cs typeface="Courier New" panose="02070309020205020404" pitchFamily="49" charset="0"/>
-              </a:rPr>
-              <a:t>ddddd</a:t>
-            </a:r>
-            <a:r>
-              <a:rPr lang="en-US" sz="2400" b="1" dirty="0" smtClean="0">
-                <a:latin typeface="Courier New" panose="02070309020205020404" pitchFamily="49" charset="0"/>
-                <a:cs typeface="Courier New" panose="02070309020205020404" pitchFamily="49" charset="0"/>
-              </a:rPr>
-              <a:t> xxxx10</a:t>
-            </a:r>
-          </a:p>
-          <a:p>
-            <a:pPr marL="457200" lvl="1" indent="0">
-              <a:buNone/>
-            </a:pPr>
-            <a:r>
-              <a:rPr lang="en-US" sz="2400" b="1" dirty="0" err="1">
-                <a:latin typeface="Courier New" panose="02070309020205020404" pitchFamily="49" charset="0"/>
-                <a:cs typeface="Courier New" panose="02070309020205020404" pitchFamily="49" charset="0"/>
-              </a:rPr>
-              <a:t>n</a:t>
-            </a:r>
-            <a:r>
-              <a:rPr lang="en-US" sz="2400" b="1" dirty="0" err="1" smtClean="0">
-                <a:latin typeface="Courier New" panose="02070309020205020404" pitchFamily="49" charset="0"/>
-                <a:cs typeface="Courier New" panose="02070309020205020404" pitchFamily="49" charset="0"/>
-              </a:rPr>
-              <a:t>nnnn</a:t>
-            </a:r>
-            <a:r>
-              <a:rPr lang="en-US" sz="2400" b="1" dirty="0" smtClean="0">
-                <a:latin typeface="Courier New" panose="02070309020205020404" pitchFamily="49" charset="0"/>
-                <a:cs typeface="Courier New" panose="02070309020205020404" pitchFamily="49" charset="0"/>
-              </a:rPr>
-              <a:t> 1 xx </a:t>
-            </a:r>
-            <a:r>
-              <a:rPr lang="en-US" sz="2400" b="1" dirty="0" err="1" smtClean="0">
-                <a:latin typeface="Courier New" panose="02070309020205020404" pitchFamily="49" charset="0"/>
-                <a:cs typeface="Courier New" panose="02070309020205020404" pitchFamily="49" charset="0"/>
-              </a:rPr>
-              <a:t>sssss</a:t>
-            </a:r>
-            <a:r>
-              <a:rPr lang="en-US" sz="2400" b="1" dirty="0" smtClean="0">
-                <a:latin typeface="Courier New" panose="02070309020205020404" pitchFamily="49" charset="0"/>
-                <a:cs typeface="Courier New" panose="02070309020205020404" pitchFamily="49" charset="0"/>
-              </a:rPr>
-              <a:t> </a:t>
-            </a:r>
-            <a:r>
-              <a:rPr lang="en-US" sz="2400" b="1" dirty="0" err="1" smtClean="0">
-                <a:latin typeface="Courier New" panose="02070309020205020404" pitchFamily="49" charset="0"/>
-                <a:cs typeface="Courier New" panose="02070309020205020404" pitchFamily="49" charset="0"/>
-              </a:rPr>
-              <a:t>ddddd</a:t>
-            </a:r>
-            <a:r>
-              <a:rPr lang="en-US" sz="2400" b="1" dirty="0" smtClean="0">
-                <a:latin typeface="Courier New" panose="02070309020205020404" pitchFamily="49" charset="0"/>
-                <a:cs typeface="Courier New" panose="02070309020205020404" pitchFamily="49" charset="0"/>
-              </a:rPr>
-              <a:t> xxxx10</a:t>
-            </a:r>
-            <a:endParaRPr lang="en-US" b="1" dirty="0" smtClean="0">
-              <a:latin typeface="Courier New" panose="02070309020205020404" pitchFamily="49" charset="0"/>
-              <a:cs typeface="Courier New" panose="02070309020205020404" pitchFamily="49" charset="0"/>
-            </a:endParaRPr>
-          </a:p>
-          <a:p>
-            <a:r>
-              <a:rPr lang="en-US" dirty="0"/>
-              <a:t>32-bit	</a:t>
-            </a:r>
-            <a:r>
-              <a:rPr lang="en-US" dirty="0" smtClean="0"/>
-              <a:t>has additional op-code </a:t>
-            </a:r>
-            <a:r>
-              <a:rPr lang="en-US" dirty="0" smtClean="0"/>
-              <a:t>bits</a:t>
-            </a:r>
-            <a:endParaRPr lang="en-US" dirty="0" smtClean="0"/>
-          </a:p>
-          <a:p>
-            <a:pPr marL="457200" lvl="1" indent="0">
-              <a:buNone/>
-            </a:pPr>
-            <a:r>
-              <a:rPr lang="en-US" sz="2400" b="1" dirty="0" err="1">
-                <a:latin typeface="Courier New" panose="02070309020205020404" pitchFamily="49" charset="0"/>
-                <a:cs typeface="Courier New" panose="02070309020205020404" pitchFamily="49" charset="0"/>
-              </a:rPr>
-              <a:t>t</a:t>
-            </a:r>
-            <a:r>
-              <a:rPr lang="en-US" sz="2400" b="1" dirty="0" err="1" smtClean="0">
-                <a:latin typeface="Courier New" panose="02070309020205020404" pitchFamily="49" charset="0"/>
-                <a:cs typeface="Courier New" panose="02070309020205020404" pitchFamily="49" charset="0"/>
-              </a:rPr>
-              <a:t>tttt</a:t>
-            </a:r>
-            <a:r>
-              <a:rPr lang="en-US" sz="2400" b="1" dirty="0" smtClean="0">
-                <a:latin typeface="Courier New" panose="02070309020205020404" pitchFamily="49" charset="0"/>
-                <a:cs typeface="Courier New" panose="02070309020205020404" pitchFamily="49" charset="0"/>
-              </a:rPr>
-              <a:t> xxx </a:t>
-            </a:r>
-            <a:r>
-              <a:rPr lang="en-US" sz="2400" b="1" dirty="0" err="1" smtClean="0">
-                <a:latin typeface="Courier New" panose="02070309020205020404" pitchFamily="49" charset="0"/>
-                <a:cs typeface="Courier New" panose="02070309020205020404" pitchFamily="49" charset="0"/>
-              </a:rPr>
-              <a:t>rrrrr</a:t>
-            </a:r>
-            <a:r>
-              <a:rPr lang="en-US" sz="2400" b="1" dirty="0" smtClean="0">
-                <a:latin typeface="Courier New" panose="02070309020205020404" pitchFamily="49" charset="0"/>
-                <a:cs typeface="Courier New" panose="02070309020205020404" pitchFamily="49" charset="0"/>
-              </a:rPr>
-              <a:t> </a:t>
-            </a:r>
-            <a:r>
-              <a:rPr lang="en-US" sz="2400" b="1" dirty="0">
-                <a:latin typeface="Courier New" panose="02070309020205020404" pitchFamily="49" charset="0"/>
-                <a:cs typeface="Courier New" panose="02070309020205020404" pitchFamily="49" charset="0"/>
-              </a:rPr>
-              <a:t>0 xx </a:t>
-            </a:r>
-            <a:r>
-              <a:rPr lang="en-US" sz="2400" b="1" dirty="0" err="1">
-                <a:latin typeface="Courier New" panose="02070309020205020404" pitchFamily="49" charset="0"/>
-                <a:cs typeface="Courier New" panose="02070309020205020404" pitchFamily="49" charset="0"/>
-              </a:rPr>
-              <a:t>sssss</a:t>
-            </a:r>
-            <a:r>
-              <a:rPr lang="en-US" sz="2400" b="1" dirty="0">
-                <a:latin typeface="Courier New" panose="02070309020205020404" pitchFamily="49" charset="0"/>
-                <a:cs typeface="Courier New" panose="02070309020205020404" pitchFamily="49" charset="0"/>
-              </a:rPr>
-              <a:t> </a:t>
-            </a:r>
-            <a:r>
-              <a:rPr lang="en-US" sz="2400" b="1" dirty="0" err="1">
-                <a:latin typeface="Courier New" panose="02070309020205020404" pitchFamily="49" charset="0"/>
-                <a:cs typeface="Courier New" panose="02070309020205020404" pitchFamily="49" charset="0"/>
-              </a:rPr>
-              <a:t>ddddd</a:t>
-            </a:r>
-            <a:r>
-              <a:rPr lang="en-US" sz="2400" b="1" dirty="0">
-                <a:latin typeface="Courier New" panose="02070309020205020404" pitchFamily="49" charset="0"/>
-                <a:cs typeface="Courier New" panose="02070309020205020404" pitchFamily="49" charset="0"/>
-              </a:rPr>
-              <a:t> </a:t>
-            </a:r>
-            <a:r>
-              <a:rPr lang="en-US" sz="2400" b="1" dirty="0" smtClean="0">
-                <a:latin typeface="Courier New" panose="02070309020205020404" pitchFamily="49" charset="0"/>
-                <a:cs typeface="Courier New" panose="02070309020205020404" pitchFamily="49" charset="0"/>
-              </a:rPr>
-              <a:t>xxxx00</a:t>
-            </a:r>
-            <a:endParaRPr lang="en-US" sz="2400" b="1" dirty="0">
-              <a:latin typeface="Courier New" panose="02070309020205020404" pitchFamily="49" charset="0"/>
-              <a:cs typeface="Courier New" panose="02070309020205020404" pitchFamily="49" charset="0"/>
-            </a:endParaRPr>
-          </a:p>
-          <a:p>
-            <a:pPr marL="457200" lvl="1" indent="0">
-              <a:buNone/>
-            </a:pPr>
-            <a:r>
-              <a:rPr lang="en-US" sz="2400" b="1" dirty="0" err="1">
-                <a:latin typeface="Courier New" panose="02070309020205020404" pitchFamily="49" charset="0"/>
-                <a:cs typeface="Courier New" panose="02070309020205020404" pitchFamily="49" charset="0"/>
-              </a:rPr>
-              <a:t>n</a:t>
-            </a:r>
-            <a:r>
-              <a:rPr lang="en-US" sz="2400" b="1" dirty="0" err="1" smtClean="0">
-                <a:latin typeface="Courier New" panose="02070309020205020404" pitchFamily="49" charset="0"/>
-                <a:cs typeface="Courier New" panose="02070309020205020404" pitchFamily="49" charset="0"/>
-              </a:rPr>
-              <a:t>nnnn</a:t>
-            </a:r>
-            <a:r>
-              <a:rPr lang="en-US" sz="2400" b="1" dirty="0" smtClean="0">
-                <a:latin typeface="Courier New" panose="02070309020205020404" pitchFamily="49" charset="0"/>
-                <a:cs typeface="Courier New" panose="02070309020205020404" pitchFamily="49" charset="0"/>
-              </a:rPr>
-              <a:t> xxx </a:t>
-            </a:r>
-            <a:r>
-              <a:rPr lang="en-US" sz="2400" b="1" dirty="0" err="1" smtClean="0">
-                <a:latin typeface="Courier New" panose="02070309020205020404" pitchFamily="49" charset="0"/>
-                <a:cs typeface="Courier New" panose="02070309020205020404" pitchFamily="49" charset="0"/>
-              </a:rPr>
-              <a:t>rrrrr</a:t>
-            </a:r>
-            <a:r>
-              <a:rPr lang="en-US" sz="2400" b="1" dirty="0" smtClean="0">
-                <a:latin typeface="Courier New" panose="02070309020205020404" pitchFamily="49" charset="0"/>
-                <a:cs typeface="Courier New" panose="02070309020205020404" pitchFamily="49" charset="0"/>
-              </a:rPr>
-              <a:t> </a:t>
-            </a:r>
-            <a:r>
-              <a:rPr lang="en-US" sz="2400" b="1" dirty="0">
-                <a:latin typeface="Courier New" panose="02070309020205020404" pitchFamily="49" charset="0"/>
-                <a:cs typeface="Courier New" panose="02070309020205020404" pitchFamily="49" charset="0"/>
-              </a:rPr>
-              <a:t>1 xx </a:t>
-            </a:r>
-            <a:r>
-              <a:rPr lang="en-US" sz="2400" b="1" dirty="0" err="1">
-                <a:latin typeface="Courier New" panose="02070309020205020404" pitchFamily="49" charset="0"/>
-                <a:cs typeface="Courier New" panose="02070309020205020404" pitchFamily="49" charset="0"/>
-              </a:rPr>
-              <a:t>sssss</a:t>
-            </a:r>
-            <a:r>
-              <a:rPr lang="en-US" sz="2400" b="1" dirty="0">
-                <a:latin typeface="Courier New" panose="02070309020205020404" pitchFamily="49" charset="0"/>
-                <a:cs typeface="Courier New" panose="02070309020205020404" pitchFamily="49" charset="0"/>
-              </a:rPr>
-              <a:t> </a:t>
-            </a:r>
-            <a:r>
-              <a:rPr lang="en-US" sz="2400" b="1" dirty="0" err="1">
-                <a:latin typeface="Courier New" panose="02070309020205020404" pitchFamily="49" charset="0"/>
-                <a:cs typeface="Courier New" panose="02070309020205020404" pitchFamily="49" charset="0"/>
-              </a:rPr>
-              <a:t>ddddd</a:t>
-            </a:r>
-            <a:r>
-              <a:rPr lang="en-US" sz="2400" b="1" dirty="0">
-                <a:latin typeface="Courier New" panose="02070309020205020404" pitchFamily="49" charset="0"/>
-                <a:cs typeface="Courier New" panose="02070309020205020404" pitchFamily="49" charset="0"/>
-              </a:rPr>
-              <a:t> </a:t>
-            </a:r>
-            <a:r>
-              <a:rPr lang="en-US" sz="2400" b="1" dirty="0" smtClean="0">
-                <a:latin typeface="Courier New" panose="02070309020205020404" pitchFamily="49" charset="0"/>
-                <a:cs typeface="Courier New" panose="02070309020205020404" pitchFamily="49" charset="0"/>
-              </a:rPr>
-              <a:t>xxxx00</a:t>
-            </a:r>
-            <a:endParaRPr lang="en-US" sz="2400" b="1" dirty="0">
-              <a:latin typeface="Courier New" panose="02070309020205020404" pitchFamily="49" charset="0"/>
-              <a:cs typeface="Courier New" panose="02070309020205020404" pitchFamily="49" charset="0"/>
-            </a:endParaRPr>
+              <a:rPr lang="en-US" sz="4000" dirty="0" smtClean="0"/>
+              <a:t>The Residue register</a:t>
+            </a:r>
+            <a:endParaRPr lang="en-US" sz="4000" dirty="0"/>
+          </a:p>
+        </p:txBody>
+      </p:sp>
+      <p:sp>
+        <p:nvSpPr>
+          <p:cNvPr id="3" name="Content Placeholder 2"/>
+          <p:cNvSpPr>
+            <a:spLocks noGrp="1"/>
+          </p:cNvSpPr>
+          <p:nvPr>
+            <p:ph idx="1"/>
+          </p:nvPr>
+        </p:nvSpPr>
+        <p:spPr>
+          <a:xfrm>
+            <a:off x="457200" y="1219200"/>
+            <a:ext cx="8229600" cy="5105400"/>
+          </a:xfrm>
+        </p:spPr>
+        <p:txBody>
+          <a:bodyPr>
+            <a:normAutofit fontScale="55000" lnSpcReduction="20000"/>
+          </a:bodyPr>
+          <a:lstStyle/>
+          <a:p>
+            <a:r>
+              <a:rPr lang="en-US" sz="4500" dirty="0" smtClean="0"/>
+              <a:t>Considered poor design to use status register for zero/carry/overflow signals</a:t>
+            </a:r>
+          </a:p>
+          <a:p>
+            <a:r>
+              <a:rPr lang="en-US" sz="4500" dirty="0" smtClean="0"/>
+              <a:t>Moving these signals to a register file register opens a more general and elegant approach</a:t>
+            </a:r>
+          </a:p>
+          <a:p>
+            <a:r>
+              <a:rPr lang="en-US" sz="4500" dirty="0" smtClean="0"/>
+              <a:t>Capturing the upper half multiply and divide remainder solves several problems</a:t>
+            </a:r>
+          </a:p>
+          <a:p>
+            <a:r>
+              <a:rPr lang="en-US" sz="4500" dirty="0" smtClean="0"/>
+              <a:t>Provides a general and efficient approach for multi-word arithmetic</a:t>
+            </a:r>
+          </a:p>
+          <a:p>
+            <a:r>
+              <a:rPr lang="en-US" sz="4500" dirty="0" smtClean="0"/>
+              <a:t>For troc16_16 can provide an implied base or index register for memory load/store without adding a register file port</a:t>
+            </a:r>
+          </a:p>
+          <a:p>
+            <a:r>
+              <a:rPr lang="en-US" sz="4500" dirty="0"/>
+              <a:t>IEEE-754 now supports floating-point divide remainder and the residue (round-off portion) of add/subtract/multiply</a:t>
+            </a:r>
+            <a:r>
+              <a:rPr lang="en-US" sz="4500" dirty="0" smtClean="0"/>
+              <a:t>.</a:t>
+            </a:r>
+            <a:endParaRPr lang="en-US" dirty="0"/>
           </a:p>
         </p:txBody>
       </p:sp>
     </p:spTree>
     <p:extLst>
       <p:ext uri="{BB962C8B-B14F-4D97-AF65-F5344CB8AC3E}">
-        <p14:creationId xmlns:p14="http://schemas.microsoft.com/office/powerpoint/2010/main" val="4000114335"/>
+        <p14:creationId xmlns:p14="http://schemas.microsoft.com/office/powerpoint/2010/main" val="570852842"/>
       </p:ext>
     </p:extLst>
   </p:cSld>
   <p:clrMapOvr>
     <a:masterClrMapping/>
   </p:clrMapOvr>
+  <p:timing>
+    <p:tnLst>
+      <p:par>
+        <p:cTn id="1" dur="indefinite" restart="never" nodeType="tmRoot"/>
+      </p:par>
+    </p:tnLst>
+  </p:timing>
 </p:sld>
 </file>
 
@@ -22188,10 +22317,42 @@
             <p:ph type="title"/>
           </p:nvPr>
         </p:nvSpPr>
+        <p:spPr/>
+        <p:txBody>
+          <a:bodyPr>
+            <a:normAutofit fontScale="90000"/>
+          </a:bodyPr>
+          <a:lstStyle/>
+          <a:p>
+            <a:r>
+              <a:rPr lang="en-US" sz="4000" dirty="0" smtClean="0"/>
+              <a:t>TROC Instruction formats</a:t>
+            </a:r>
+            <a:br>
+              <a:rPr lang="en-US" sz="4000" dirty="0" smtClean="0"/>
+            </a:br>
+            <a:r>
+              <a:rPr lang="en-US" sz="3100" dirty="0" smtClean="0"/>
+              <a:t>Little Endian</a:t>
+            </a:r>
+            <a:endParaRPr lang="en-US" sz="3100" dirty="0"/>
+          </a:p>
+        </p:txBody>
+      </p:sp>
+      <p:sp>
+        <p:nvSpPr>
+          <p:cNvPr id="3" name="Content Placeholder 2"/>
+          <p:cNvSpPr>
+            <a:spLocks noGrp="1"/>
+          </p:cNvSpPr>
+          <p:nvPr>
+            <p:ph idx="1"/>
+          </p:nvPr>
+        </p:nvSpPr>
         <p:spPr>
           <a:xfrm>
-            <a:off x="457200" y="274638"/>
-            <a:ext cx="8229600" cy="792162"/>
+            <a:off x="457200" y="1447800"/>
+            <a:ext cx="8229600" cy="4525963"/>
           </a:xfrm>
         </p:spPr>
         <p:txBody>
@@ -22201,86 +22362,8 @@
           <a:lstStyle/>
           <a:p>
             <a:r>
-              <a:rPr lang="en-US" sz="4000" dirty="0" smtClean="0"/>
-              <a:t>16-bit </a:t>
-            </a:r>
-            <a:r>
-              <a:rPr lang="en-US" sz="4000" dirty="0" smtClean="0"/>
-              <a:t>TROC instructions</a:t>
-            </a:r>
-            <a:endParaRPr lang="en-US" sz="4000" dirty="0"/>
-          </a:p>
-        </p:txBody>
-      </p:sp>
-      <p:sp>
-        <p:nvSpPr>
-          <p:cNvPr id="3" name="Content Placeholder 2"/>
-          <p:cNvSpPr>
-            <a:spLocks noGrp="1"/>
-          </p:cNvSpPr>
-          <p:nvPr>
-            <p:ph idx="1"/>
-          </p:nvPr>
-        </p:nvSpPr>
-        <p:spPr>
-          <a:xfrm>
-            <a:off x="457200" y="1371600"/>
-            <a:ext cx="8229600" cy="4876800"/>
-          </a:xfrm>
-        </p:spPr>
-        <p:txBody>
-          <a:bodyPr numCol="1">
-            <a:normAutofit lnSpcReduction="10000"/>
-          </a:bodyPr>
-          <a:lstStyle/>
-          <a:p>
-            <a:r>
-              <a:rPr lang="en-US" sz="2000" dirty="0" smtClean="0"/>
-              <a:t>INN, OUTN 				input/output to port N or M(N)</a:t>
-            </a:r>
-          </a:p>
-          <a:p>
-            <a:r>
-              <a:rPr lang="en-US" sz="2000" dirty="0" smtClean="0"/>
-              <a:t>JSRN, BRZN, BRNZN, BRPN, BRMN	control instructions (PC+N)</a:t>
-            </a:r>
-          </a:p>
-          <a:p>
-            <a:r>
-              <a:rPr lang="en-US" sz="2000" dirty="0" smtClean="0"/>
-              <a:t>MOV					move register: R =&gt; D</a:t>
-            </a:r>
-          </a:p>
-          <a:p>
-            <a:r>
-              <a:rPr lang="en-US" sz="2000" dirty="0" smtClean="0"/>
-              <a:t>ADD,SUB,MUL,DIV,CMP,AND,OR,XOR	basic arithmetic: R op D =&gt; D</a:t>
-            </a:r>
-          </a:p>
-          <a:p>
-            <a:r>
-              <a:rPr lang="en-US" sz="2000" dirty="0" smtClean="0"/>
-              <a:t>ADDI,SUBI,MULI,DIVI,CMPI,ANDI,ORI,XORI </a:t>
-            </a:r>
-            <a:r>
-              <a:rPr lang="en-US" sz="2000" dirty="0" smtClean="0"/>
-              <a:t>  immediate </a:t>
-            </a:r>
-            <a:r>
-              <a:rPr lang="en-US" sz="2000" dirty="0" smtClean="0"/>
-              <a:t>versions</a:t>
-            </a:r>
-          </a:p>
-          <a:p>
-            <a:r>
-              <a:rPr lang="en-US" sz="2000" dirty="0" smtClean="0"/>
-              <a:t>LDI, LDIS, LDIF, LDIF2			load typed data immediate</a:t>
-            </a:r>
-          </a:p>
-          <a:p>
-            <a:r>
-              <a:rPr lang="en-US" sz="2000" dirty="0" smtClean="0"/>
-              <a:t>LDTN, STTN				load/store typed-data to M(N)</a:t>
+              <a:rPr lang="en-US" dirty="0" smtClean="0"/>
+              <a:t>16-bit	op-code specifies N versus R</a:t>
             </a:r>
           </a:p>
           <a:p>
@@ -22288,100 +22371,386 @@
               <a:buNone/>
             </a:pPr>
             <a:r>
-              <a:rPr lang="en-US" sz="1600" dirty="0"/>
-              <a:t>	</a:t>
-            </a:r>
-            <a:r>
-              <a:rPr lang="en-US" sz="1600" dirty="0" smtClean="0"/>
-              <a:t>				</a:t>
-            </a:r>
-            <a:r>
-              <a:rPr lang="en-US" sz="1800" dirty="0" smtClean="0"/>
-              <a:t>uses two memory locations</a:t>
-            </a:r>
-          </a:p>
-          <a:p>
-            <a:r>
-              <a:rPr lang="en-US" sz="2000" dirty="0" smtClean="0">
-                <a:solidFill>
-                  <a:schemeClr val="bg1">
-                    <a:lumMod val="50000"/>
-                  </a:schemeClr>
-                </a:solidFill>
+              <a:rPr lang="en-US" sz="2400" b="1" dirty="0" err="1">
+                <a:latin typeface="Courier New" panose="02070309020205020404" pitchFamily="49" charset="0"/>
+                <a:cs typeface="Courier New" panose="02070309020205020404" pitchFamily="49" charset="0"/>
               </a:rPr>
-              <a:t>SHFTI				shift/adjust exponent</a:t>
-            </a:r>
-          </a:p>
-          <a:p>
-            <a:r>
-              <a:rPr lang="en-US" sz="2000" dirty="0" smtClean="0">
-                <a:solidFill>
-                  <a:schemeClr val="bg1">
-                    <a:lumMod val="50000"/>
-                  </a:schemeClr>
-                </a:solidFill>
+              <a:t>r</a:t>
+            </a:r>
+            <a:r>
+              <a:rPr lang="en-US" sz="2400" b="1" dirty="0" err="1" smtClean="0">
+                <a:latin typeface="Courier New" panose="02070309020205020404" pitchFamily="49" charset="0"/>
+                <a:cs typeface="Courier New" panose="02070309020205020404" pitchFamily="49" charset="0"/>
               </a:rPr>
-              <a:t>EXTCTI				extract field, type-less</a:t>
-            </a:r>
-          </a:p>
-          <a:p>
-            <a:pPr marL="342900" lvl="1" indent="-342900">
-              <a:buFont typeface="Arial" panose="020B0604020202020204" pitchFamily="34" charset="0"/>
-              <a:buChar char="•"/>
+              <a:t>rrrr</a:t>
+            </a:r>
+            <a:r>
+              <a:rPr lang="en-US" sz="2400" b="1" dirty="0" smtClean="0">
+                <a:latin typeface="Courier New" panose="02070309020205020404" pitchFamily="49" charset="0"/>
+                <a:cs typeface="Courier New" panose="02070309020205020404" pitchFamily="49" charset="0"/>
+              </a:rPr>
+              <a:t> </a:t>
+            </a:r>
+            <a:r>
+              <a:rPr lang="en-US" sz="2400" b="1" dirty="0" err="1" smtClean="0">
+                <a:latin typeface="Courier New" panose="02070309020205020404" pitchFamily="49" charset="0"/>
+                <a:cs typeface="Courier New" panose="02070309020205020404" pitchFamily="49" charset="0"/>
+              </a:rPr>
+              <a:t>ddddd</a:t>
+            </a:r>
+            <a:r>
+              <a:rPr lang="en-US" sz="2400" b="1" dirty="0" smtClean="0">
+                <a:latin typeface="Courier New" panose="02070309020205020404" pitchFamily="49" charset="0"/>
+                <a:cs typeface="Courier New" panose="02070309020205020404" pitchFamily="49" charset="0"/>
+              </a:rPr>
+              <a:t> xxxxx1</a:t>
+            </a:r>
+          </a:p>
+          <a:p>
+            <a:pPr marL="457200" lvl="1" indent="0">
+              <a:buNone/>
             </a:pPr>
             <a:r>
-              <a:rPr lang="en-US" sz="2000" dirty="0" smtClean="0"/>
-              <a:t>Currently only supports unsigned &amp; signed 16-bit data types</a:t>
-            </a:r>
-          </a:p>
-          <a:p>
-            <a:pPr marL="742950" lvl="2" indent="-342900"/>
-            <a:r>
-              <a:rPr lang="en-US" sz="1600" dirty="0" smtClean="0"/>
-              <a:t>Sign &amp; magnitude versus 2’s complement under evaluation</a:t>
-            </a:r>
-          </a:p>
-          <a:p>
-            <a:pPr marL="742950" lvl="2" indent="-342900"/>
-            <a:r>
-              <a:rPr lang="en-US" sz="1600" dirty="0" smtClean="0"/>
-              <a:t>For multiply very little difference in timing or LUT count</a:t>
-            </a:r>
-          </a:p>
-          <a:p>
-            <a:pPr marL="742950" lvl="2" indent="-342900"/>
-            <a:r>
-              <a:rPr lang="en-US" sz="1600" dirty="0" smtClean="0"/>
-              <a:t>Add, subtract and compare simpler for 2’s complement (no 2</a:t>
-            </a:r>
-            <a:r>
-              <a:rPr lang="en-US" sz="1600" baseline="30000" dirty="0" smtClean="0"/>
-              <a:t>nd</a:t>
-            </a:r>
-            <a:r>
-              <a:rPr lang="en-US" sz="1600" dirty="0" smtClean="0"/>
-              <a:t> adder &amp; result mux)</a:t>
-            </a:r>
+              <a:rPr lang="en-US" sz="2400" b="1" dirty="0" err="1" smtClean="0">
+                <a:latin typeface="Courier New" panose="02070309020205020404" pitchFamily="49" charset="0"/>
+                <a:cs typeface="Courier New" panose="02070309020205020404" pitchFamily="49" charset="0"/>
+              </a:rPr>
+              <a:t>nnnnn</a:t>
+            </a:r>
+            <a:r>
+              <a:rPr lang="en-US" sz="2400" b="1" dirty="0" smtClean="0">
+                <a:latin typeface="Courier New" panose="02070309020205020404" pitchFamily="49" charset="0"/>
+                <a:cs typeface="Courier New" panose="02070309020205020404" pitchFamily="49" charset="0"/>
+              </a:rPr>
+              <a:t> </a:t>
+            </a:r>
+            <a:r>
+              <a:rPr lang="en-US" sz="2400" b="1" dirty="0" err="1" smtClean="0">
+                <a:latin typeface="Courier New" panose="02070309020205020404" pitchFamily="49" charset="0"/>
+                <a:cs typeface="Courier New" panose="02070309020205020404" pitchFamily="49" charset="0"/>
+              </a:rPr>
+              <a:t>ddddd</a:t>
+            </a:r>
+            <a:r>
+              <a:rPr lang="en-US" sz="2400" b="1" dirty="0" smtClean="0">
+                <a:latin typeface="Courier New" panose="02070309020205020404" pitchFamily="49" charset="0"/>
+                <a:cs typeface="Courier New" panose="02070309020205020404" pitchFamily="49" charset="0"/>
+              </a:rPr>
+              <a:t> xxxxx1</a:t>
+            </a:r>
+          </a:p>
+          <a:p>
+            <a:r>
+              <a:rPr lang="en-US" dirty="0" smtClean="0"/>
+              <a:t>24-bit	has immediate enable bit</a:t>
+            </a:r>
+          </a:p>
+          <a:p>
+            <a:pPr marL="457200" lvl="1" indent="0">
+              <a:buNone/>
+            </a:pPr>
+            <a:r>
+              <a:rPr lang="en-US" sz="2400" b="1" dirty="0" err="1">
+                <a:latin typeface="Courier New" panose="02070309020205020404" pitchFamily="49" charset="0"/>
+                <a:cs typeface="Courier New" panose="02070309020205020404" pitchFamily="49" charset="0"/>
+              </a:rPr>
+              <a:t>r</a:t>
+            </a:r>
+            <a:r>
+              <a:rPr lang="en-US" sz="2400" b="1" dirty="0" err="1" smtClean="0">
+                <a:latin typeface="Courier New" panose="02070309020205020404" pitchFamily="49" charset="0"/>
+                <a:cs typeface="Courier New" panose="02070309020205020404" pitchFamily="49" charset="0"/>
+              </a:rPr>
+              <a:t>rrrr</a:t>
+            </a:r>
+            <a:r>
+              <a:rPr lang="en-US" sz="2400" b="1" dirty="0" smtClean="0">
+                <a:latin typeface="Courier New" panose="02070309020205020404" pitchFamily="49" charset="0"/>
+                <a:cs typeface="Courier New" panose="02070309020205020404" pitchFamily="49" charset="0"/>
+              </a:rPr>
+              <a:t> 0 xx </a:t>
+            </a:r>
+            <a:r>
+              <a:rPr lang="en-US" sz="2400" b="1" dirty="0" err="1" smtClean="0">
+                <a:latin typeface="Courier New" panose="02070309020205020404" pitchFamily="49" charset="0"/>
+                <a:cs typeface="Courier New" panose="02070309020205020404" pitchFamily="49" charset="0"/>
+              </a:rPr>
+              <a:t>sssss</a:t>
+            </a:r>
+            <a:r>
+              <a:rPr lang="en-US" sz="2400" b="1" dirty="0" smtClean="0">
+                <a:latin typeface="Courier New" panose="02070309020205020404" pitchFamily="49" charset="0"/>
+                <a:cs typeface="Courier New" panose="02070309020205020404" pitchFamily="49" charset="0"/>
+              </a:rPr>
+              <a:t> </a:t>
+            </a:r>
+            <a:r>
+              <a:rPr lang="en-US" sz="2400" b="1" dirty="0" err="1" smtClean="0">
+                <a:latin typeface="Courier New" panose="02070309020205020404" pitchFamily="49" charset="0"/>
+                <a:cs typeface="Courier New" panose="02070309020205020404" pitchFamily="49" charset="0"/>
+              </a:rPr>
+              <a:t>ddddd</a:t>
+            </a:r>
+            <a:r>
+              <a:rPr lang="en-US" sz="2400" b="1" dirty="0" smtClean="0">
+                <a:latin typeface="Courier New" panose="02070309020205020404" pitchFamily="49" charset="0"/>
+                <a:cs typeface="Courier New" panose="02070309020205020404" pitchFamily="49" charset="0"/>
+              </a:rPr>
+              <a:t> xxxx10</a:t>
+            </a:r>
+          </a:p>
+          <a:p>
+            <a:pPr marL="457200" lvl="1" indent="0">
+              <a:buNone/>
+            </a:pPr>
+            <a:r>
+              <a:rPr lang="en-US" sz="2400" b="1" dirty="0" err="1">
+                <a:latin typeface="Courier New" panose="02070309020205020404" pitchFamily="49" charset="0"/>
+                <a:cs typeface="Courier New" panose="02070309020205020404" pitchFamily="49" charset="0"/>
+              </a:rPr>
+              <a:t>n</a:t>
+            </a:r>
+            <a:r>
+              <a:rPr lang="en-US" sz="2400" b="1" dirty="0" err="1" smtClean="0">
+                <a:latin typeface="Courier New" panose="02070309020205020404" pitchFamily="49" charset="0"/>
+                <a:cs typeface="Courier New" panose="02070309020205020404" pitchFamily="49" charset="0"/>
+              </a:rPr>
+              <a:t>nnnn</a:t>
+            </a:r>
+            <a:r>
+              <a:rPr lang="en-US" sz="2400" b="1" dirty="0" smtClean="0">
+                <a:latin typeface="Courier New" panose="02070309020205020404" pitchFamily="49" charset="0"/>
+                <a:cs typeface="Courier New" panose="02070309020205020404" pitchFamily="49" charset="0"/>
+              </a:rPr>
+              <a:t> 1 xx </a:t>
+            </a:r>
+            <a:r>
+              <a:rPr lang="en-US" sz="2400" b="1" dirty="0" err="1" smtClean="0">
+                <a:latin typeface="Courier New" panose="02070309020205020404" pitchFamily="49" charset="0"/>
+                <a:cs typeface="Courier New" panose="02070309020205020404" pitchFamily="49" charset="0"/>
+              </a:rPr>
+              <a:t>sssss</a:t>
+            </a:r>
+            <a:r>
+              <a:rPr lang="en-US" sz="2400" b="1" dirty="0" smtClean="0">
+                <a:latin typeface="Courier New" panose="02070309020205020404" pitchFamily="49" charset="0"/>
+                <a:cs typeface="Courier New" panose="02070309020205020404" pitchFamily="49" charset="0"/>
+              </a:rPr>
+              <a:t> </a:t>
+            </a:r>
+            <a:r>
+              <a:rPr lang="en-US" sz="2400" b="1" dirty="0" err="1" smtClean="0">
+                <a:latin typeface="Courier New" panose="02070309020205020404" pitchFamily="49" charset="0"/>
+                <a:cs typeface="Courier New" panose="02070309020205020404" pitchFamily="49" charset="0"/>
+              </a:rPr>
+              <a:t>ddddd</a:t>
+            </a:r>
+            <a:r>
+              <a:rPr lang="en-US" sz="2400" b="1" dirty="0" smtClean="0">
+                <a:latin typeface="Courier New" panose="02070309020205020404" pitchFamily="49" charset="0"/>
+                <a:cs typeface="Courier New" panose="02070309020205020404" pitchFamily="49" charset="0"/>
+              </a:rPr>
+              <a:t> xxxx10</a:t>
+            </a:r>
+            <a:endParaRPr lang="en-US" b="1" dirty="0" smtClean="0">
+              <a:latin typeface="Courier New" panose="02070309020205020404" pitchFamily="49" charset="0"/>
+              <a:cs typeface="Courier New" panose="02070309020205020404" pitchFamily="49" charset="0"/>
+            </a:endParaRPr>
+          </a:p>
+          <a:p>
+            <a:r>
+              <a:rPr lang="en-US" dirty="0"/>
+              <a:t>32-bit	</a:t>
+            </a:r>
+            <a:r>
+              <a:rPr lang="en-US" dirty="0" smtClean="0"/>
+              <a:t>has three additional op-code bits</a:t>
+            </a:r>
+          </a:p>
+          <a:p>
+            <a:pPr marL="457200" lvl="1" indent="0">
+              <a:buNone/>
+            </a:pPr>
+            <a:r>
+              <a:rPr lang="en-US" sz="2400" b="1" dirty="0" err="1">
+                <a:latin typeface="Courier New" panose="02070309020205020404" pitchFamily="49" charset="0"/>
+                <a:cs typeface="Courier New" panose="02070309020205020404" pitchFamily="49" charset="0"/>
+              </a:rPr>
+              <a:t>t</a:t>
+            </a:r>
+            <a:r>
+              <a:rPr lang="en-US" sz="2400" b="1" dirty="0" err="1" smtClean="0">
+                <a:latin typeface="Courier New" panose="02070309020205020404" pitchFamily="49" charset="0"/>
+                <a:cs typeface="Courier New" panose="02070309020205020404" pitchFamily="49" charset="0"/>
+              </a:rPr>
+              <a:t>tttt</a:t>
+            </a:r>
+            <a:r>
+              <a:rPr lang="en-US" sz="2400" b="1" dirty="0" smtClean="0">
+                <a:latin typeface="Courier New" panose="02070309020205020404" pitchFamily="49" charset="0"/>
+                <a:cs typeface="Courier New" panose="02070309020205020404" pitchFamily="49" charset="0"/>
+              </a:rPr>
+              <a:t> xxx </a:t>
+            </a:r>
+            <a:r>
+              <a:rPr lang="en-US" sz="2400" b="1" dirty="0" err="1" smtClean="0">
+                <a:latin typeface="Courier New" panose="02070309020205020404" pitchFamily="49" charset="0"/>
+                <a:cs typeface="Courier New" panose="02070309020205020404" pitchFamily="49" charset="0"/>
+              </a:rPr>
+              <a:t>rrrrr</a:t>
+            </a:r>
+            <a:r>
+              <a:rPr lang="en-US" sz="2400" b="1" dirty="0" smtClean="0">
+                <a:latin typeface="Courier New" panose="02070309020205020404" pitchFamily="49" charset="0"/>
+                <a:cs typeface="Courier New" panose="02070309020205020404" pitchFamily="49" charset="0"/>
+              </a:rPr>
+              <a:t> </a:t>
+            </a:r>
+            <a:r>
+              <a:rPr lang="en-US" sz="2400" b="1" dirty="0">
+                <a:latin typeface="Courier New" panose="02070309020205020404" pitchFamily="49" charset="0"/>
+                <a:cs typeface="Courier New" panose="02070309020205020404" pitchFamily="49" charset="0"/>
+              </a:rPr>
+              <a:t>0 xx </a:t>
+            </a:r>
+            <a:r>
+              <a:rPr lang="en-US" sz="2400" b="1" dirty="0" err="1">
+                <a:latin typeface="Courier New" panose="02070309020205020404" pitchFamily="49" charset="0"/>
+                <a:cs typeface="Courier New" panose="02070309020205020404" pitchFamily="49" charset="0"/>
+              </a:rPr>
+              <a:t>sssss</a:t>
+            </a:r>
+            <a:r>
+              <a:rPr lang="en-US" sz="2400" b="1" dirty="0">
+                <a:latin typeface="Courier New" panose="02070309020205020404" pitchFamily="49" charset="0"/>
+                <a:cs typeface="Courier New" panose="02070309020205020404" pitchFamily="49" charset="0"/>
+              </a:rPr>
+              <a:t> </a:t>
+            </a:r>
+            <a:r>
+              <a:rPr lang="en-US" sz="2400" b="1" dirty="0" err="1">
+                <a:latin typeface="Courier New" panose="02070309020205020404" pitchFamily="49" charset="0"/>
+                <a:cs typeface="Courier New" panose="02070309020205020404" pitchFamily="49" charset="0"/>
+              </a:rPr>
+              <a:t>ddddd</a:t>
+            </a:r>
+            <a:r>
+              <a:rPr lang="en-US" sz="2400" b="1" dirty="0">
+                <a:latin typeface="Courier New" panose="02070309020205020404" pitchFamily="49" charset="0"/>
+                <a:cs typeface="Courier New" panose="02070309020205020404" pitchFamily="49" charset="0"/>
+              </a:rPr>
+              <a:t> </a:t>
+            </a:r>
+            <a:r>
+              <a:rPr lang="en-US" sz="2400" b="1" dirty="0" smtClean="0">
+                <a:latin typeface="Courier New" panose="02070309020205020404" pitchFamily="49" charset="0"/>
+                <a:cs typeface="Courier New" panose="02070309020205020404" pitchFamily="49" charset="0"/>
+              </a:rPr>
+              <a:t>xxxx00</a:t>
+            </a:r>
+            <a:endParaRPr lang="en-US" sz="2400" b="1" dirty="0">
+              <a:latin typeface="Courier New" panose="02070309020205020404" pitchFamily="49" charset="0"/>
+              <a:cs typeface="Courier New" panose="02070309020205020404" pitchFamily="49" charset="0"/>
+            </a:endParaRPr>
+          </a:p>
+          <a:p>
+            <a:pPr marL="457200" lvl="1" indent="0">
+              <a:buNone/>
+            </a:pPr>
+            <a:r>
+              <a:rPr lang="en-US" sz="2400" b="1" dirty="0" err="1">
+                <a:latin typeface="Courier New" panose="02070309020205020404" pitchFamily="49" charset="0"/>
+                <a:cs typeface="Courier New" panose="02070309020205020404" pitchFamily="49" charset="0"/>
+              </a:rPr>
+              <a:t>n</a:t>
+            </a:r>
+            <a:r>
+              <a:rPr lang="en-US" sz="2400" b="1" dirty="0" err="1" smtClean="0">
+                <a:latin typeface="Courier New" panose="02070309020205020404" pitchFamily="49" charset="0"/>
+                <a:cs typeface="Courier New" panose="02070309020205020404" pitchFamily="49" charset="0"/>
+              </a:rPr>
+              <a:t>nnnn</a:t>
+            </a:r>
+            <a:r>
+              <a:rPr lang="en-US" sz="2400" b="1" dirty="0" smtClean="0">
+                <a:latin typeface="Courier New" panose="02070309020205020404" pitchFamily="49" charset="0"/>
+                <a:cs typeface="Courier New" panose="02070309020205020404" pitchFamily="49" charset="0"/>
+              </a:rPr>
+              <a:t> xxx </a:t>
+            </a:r>
+            <a:r>
+              <a:rPr lang="en-US" sz="2400" b="1" dirty="0" err="1" smtClean="0">
+                <a:latin typeface="Courier New" panose="02070309020205020404" pitchFamily="49" charset="0"/>
+                <a:cs typeface="Courier New" panose="02070309020205020404" pitchFamily="49" charset="0"/>
+              </a:rPr>
+              <a:t>rrrrr</a:t>
+            </a:r>
+            <a:r>
+              <a:rPr lang="en-US" sz="2400" b="1" dirty="0" smtClean="0">
+                <a:latin typeface="Courier New" panose="02070309020205020404" pitchFamily="49" charset="0"/>
+                <a:cs typeface="Courier New" panose="02070309020205020404" pitchFamily="49" charset="0"/>
+              </a:rPr>
+              <a:t> </a:t>
+            </a:r>
+            <a:r>
+              <a:rPr lang="en-US" sz="2400" b="1" dirty="0">
+                <a:latin typeface="Courier New" panose="02070309020205020404" pitchFamily="49" charset="0"/>
+                <a:cs typeface="Courier New" panose="02070309020205020404" pitchFamily="49" charset="0"/>
+              </a:rPr>
+              <a:t>1 xx </a:t>
+            </a:r>
+            <a:r>
+              <a:rPr lang="en-US" sz="2400" b="1" dirty="0" err="1">
+                <a:latin typeface="Courier New" panose="02070309020205020404" pitchFamily="49" charset="0"/>
+                <a:cs typeface="Courier New" panose="02070309020205020404" pitchFamily="49" charset="0"/>
+              </a:rPr>
+              <a:t>sssss</a:t>
+            </a:r>
+            <a:r>
+              <a:rPr lang="en-US" sz="2400" b="1" dirty="0">
+                <a:latin typeface="Courier New" panose="02070309020205020404" pitchFamily="49" charset="0"/>
+                <a:cs typeface="Courier New" panose="02070309020205020404" pitchFamily="49" charset="0"/>
+              </a:rPr>
+              <a:t> </a:t>
+            </a:r>
+            <a:r>
+              <a:rPr lang="en-US" sz="2400" b="1" dirty="0" err="1">
+                <a:latin typeface="Courier New" panose="02070309020205020404" pitchFamily="49" charset="0"/>
+                <a:cs typeface="Courier New" panose="02070309020205020404" pitchFamily="49" charset="0"/>
+              </a:rPr>
+              <a:t>ddddd</a:t>
+            </a:r>
+            <a:r>
+              <a:rPr lang="en-US" sz="2400" b="1" dirty="0">
+                <a:latin typeface="Courier New" panose="02070309020205020404" pitchFamily="49" charset="0"/>
+                <a:cs typeface="Courier New" panose="02070309020205020404" pitchFamily="49" charset="0"/>
+              </a:rPr>
+              <a:t> </a:t>
+            </a:r>
+            <a:r>
+              <a:rPr lang="en-US" sz="2400" b="1" dirty="0" smtClean="0">
+                <a:latin typeface="Courier New" panose="02070309020205020404" pitchFamily="49" charset="0"/>
+                <a:cs typeface="Courier New" panose="02070309020205020404" pitchFamily="49" charset="0"/>
+              </a:rPr>
+              <a:t>xxxx00</a:t>
+            </a:r>
+            <a:endParaRPr lang="en-US" sz="2400" b="1" dirty="0">
+              <a:latin typeface="Courier New" panose="02070309020205020404" pitchFamily="49" charset="0"/>
+              <a:cs typeface="Courier New" panose="02070309020205020404" pitchFamily="49" charset="0"/>
+            </a:endParaRPr>
           </a:p>
         </p:txBody>
       </p:sp>
     </p:spTree>
     <p:extLst>
       <p:ext uri="{BB962C8B-B14F-4D97-AF65-F5344CB8AC3E}">
-        <p14:creationId xmlns:p14="http://schemas.microsoft.com/office/powerpoint/2010/main" val="886273397"/>
+        <p14:creationId xmlns:p14="http://schemas.microsoft.com/office/powerpoint/2010/main" val="4000114335"/>
       </p:ext>
     </p:extLst>
   </p:cSld>
   <p:clrMapOvr>
     <a:masterClrMapping/>
   </p:clrMapOvr>
-  <p:timing>
-    <p:tnLst>
-      <p:par>
-        <p:cTn id="1" dur="indefinite" restart="never" nodeType="tmRoot"/>
-      </p:par>
-    </p:tnLst>
-  </p:timing>
 </p:sld>
 </file>
 
@@ -22415,18 +22784,18 @@
         <p:spPr>
           <a:xfrm>
             <a:off x="457200" y="274638"/>
-            <a:ext cx="8229600" cy="639762"/>
+            <a:ext cx="8229600" cy="792162"/>
           </a:xfrm>
         </p:spPr>
         <p:txBody>
           <a:bodyPr>
-            <a:noAutofit/>
+            <a:normAutofit/>
           </a:bodyPr>
           <a:lstStyle/>
           <a:p>
             <a:r>
               <a:rPr lang="en-US" sz="4000" dirty="0" smtClean="0"/>
-              <a:t>TROC 24 &amp; 32-bit Op-code list</a:t>
+              <a:t>16-bit TROC instructions</a:t>
             </a:r>
             <a:endParaRPr lang="en-US" sz="4000" dirty="0"/>
           </a:p>
@@ -22444,463 +22813,135 @@
         </p:nvSpPr>
         <p:spPr>
           <a:xfrm>
-            <a:off x="533400" y="1066800"/>
-            <a:ext cx="8229600" cy="5257800"/>
+            <a:off x="457200" y="1371600"/>
+            <a:ext cx="8229600" cy="4876800"/>
           </a:xfrm>
         </p:spPr>
         <p:txBody>
-          <a:bodyPr numCol="2" spcCol="274320">
-            <a:noAutofit/>
+          <a:bodyPr numCol="1">
+            <a:normAutofit lnSpcReduction="10000"/>
           </a:bodyPr>
           <a:lstStyle/>
           <a:p>
-            <a:pPr marL="0" indent="0">
+            <a:r>
+              <a:rPr lang="en-US" sz="2000" dirty="0" smtClean="0"/>
+              <a:t>INN, OUTN 				input/output to port N or M(N)</a:t>
+            </a:r>
+          </a:p>
+          <a:p>
+            <a:r>
+              <a:rPr lang="en-US" sz="2000" dirty="0" smtClean="0"/>
+              <a:t>JSRN, BRZN, BRNZN, BRPN, BRMN	control instructions (PC+N)</a:t>
+            </a:r>
+          </a:p>
+          <a:p>
+            <a:r>
+              <a:rPr lang="en-US" sz="2000" dirty="0" smtClean="0"/>
+              <a:t>MOV					move register: R =&gt; D</a:t>
+            </a:r>
+          </a:p>
+          <a:p>
+            <a:r>
+              <a:rPr lang="en-US" sz="2000" dirty="0" smtClean="0"/>
+              <a:t>ADD,SUB,MUL,DIV,CMP,AND,OR,XOR	basic arithmetic: R op D =&gt; D</a:t>
+            </a:r>
+          </a:p>
+          <a:p>
+            <a:r>
+              <a:rPr lang="en-US" sz="2000" dirty="0" smtClean="0"/>
+              <a:t>ADDI,SUBI,MULI,DIVI,CMPI,ANDI,ORI,XORI   immediate versions</a:t>
+            </a:r>
+          </a:p>
+          <a:p>
+            <a:r>
+              <a:rPr lang="en-US" sz="2000" dirty="0" smtClean="0"/>
+              <a:t>LDI, LDIS, LDIF, LDIF2			load typed data immediate</a:t>
+            </a:r>
+          </a:p>
+          <a:p>
+            <a:r>
+              <a:rPr lang="en-US" sz="2000" dirty="0" smtClean="0"/>
+              <a:t>LDTN, STTN				load/store typed-data to M(N)</a:t>
+            </a:r>
+          </a:p>
+          <a:p>
+            <a:pPr marL="457200" lvl="1" indent="0">
               <a:buNone/>
             </a:pPr>
             <a:r>
+              <a:rPr lang="en-US" sz="1600" dirty="0"/>
+              <a:t>	</a:t>
+            </a:r>
+            <a:r>
+              <a:rPr lang="en-US" sz="1600" dirty="0" smtClean="0"/>
+              <a:t>				</a:t>
+            </a:r>
+            <a:r>
               <a:rPr lang="en-US" sz="1800" dirty="0" smtClean="0"/>
-              <a:t>LDU8</a:t>
-            </a:r>
-            <a:r>
-              <a:rPr lang="en-US" sz="1800" dirty="0"/>
-              <a:t>, LDU16, LDU24, </a:t>
-            </a:r>
-            <a:r>
-              <a:rPr lang="en-US" sz="1800" dirty="0" smtClean="0"/>
-              <a:t>LDU32,</a:t>
-            </a:r>
-          </a:p>
-          <a:p>
-            <a:pPr marL="0" indent="0">
-              <a:buNone/>
+              <a:t>uses two memory locations</a:t>
+            </a:r>
+          </a:p>
+          <a:p>
+            <a:r>
+              <a:rPr lang="en-US" sz="2000" dirty="0" smtClean="0">
+                <a:solidFill>
+                  <a:schemeClr val="bg1">
+                    <a:lumMod val="50000"/>
+                  </a:schemeClr>
+                </a:solidFill>
+              </a:rPr>
+              <a:t>SHFTI				shift/adjust exponent</a:t>
+            </a:r>
+          </a:p>
+          <a:p>
+            <a:r>
+              <a:rPr lang="en-US" sz="2000" dirty="0" smtClean="0">
+                <a:solidFill>
+                  <a:schemeClr val="bg1">
+                    <a:lumMod val="50000"/>
+                  </a:schemeClr>
+                </a:solidFill>
+              </a:rPr>
+              <a:t>EXTCTI				extract field, type-less</a:t>
+            </a:r>
+          </a:p>
+          <a:p>
+            <a:pPr marL="342900" lvl="1" indent="-342900">
+              <a:buFont typeface="Arial" panose="020B0604020202020204" pitchFamily="34" charset="0"/>
+              <a:buChar char="•"/>
             </a:pPr>
             <a:r>
-              <a:rPr lang="en-US" sz="1800" dirty="0" smtClean="0"/>
-              <a:t>LD8</a:t>
-            </a:r>
-            <a:r>
-              <a:rPr lang="en-US" sz="1800" dirty="0"/>
-              <a:t>, LD16, LD24, </a:t>
-            </a:r>
-            <a:r>
-              <a:rPr lang="en-US" sz="1800" dirty="0" smtClean="0"/>
-              <a:t>LD32, </a:t>
-            </a:r>
-          </a:p>
-          <a:p>
-            <a:pPr marL="0" indent="0">
-              <a:buNone/>
-            </a:pPr>
-            <a:r>
-              <a:rPr lang="en-US" sz="1800" dirty="0" smtClean="0"/>
-              <a:t>FLD8</a:t>
-            </a:r>
-            <a:r>
-              <a:rPr lang="en-US" sz="1800" dirty="0"/>
-              <a:t>, </a:t>
-            </a:r>
-            <a:r>
-              <a:rPr lang="en-US" sz="1800" dirty="0" smtClean="0"/>
-              <a:t>FLD16</a:t>
-            </a:r>
-            <a:r>
-              <a:rPr lang="en-US" sz="1800" dirty="0"/>
-              <a:t>, FLD24, </a:t>
-            </a:r>
-            <a:r>
-              <a:rPr lang="en-US" sz="1800" dirty="0" smtClean="0"/>
-              <a:t>FLD32, </a:t>
-            </a:r>
-          </a:p>
-          <a:p>
-            <a:pPr marL="0" indent="0">
-              <a:buNone/>
-            </a:pPr>
-            <a:r>
-              <a:rPr lang="en-US" sz="1800" dirty="0" smtClean="0"/>
-              <a:t>PLD8</a:t>
-            </a:r>
-            <a:r>
-              <a:rPr lang="en-US" sz="1800" dirty="0"/>
-              <a:t>, PLD16, PLD24, PLD32, </a:t>
-            </a:r>
-            <a:endParaRPr lang="en-US" sz="1800" dirty="0" smtClean="0"/>
-          </a:p>
-          <a:p>
-            <a:pPr marL="0" indent="0">
-              <a:buNone/>
-            </a:pPr>
-            <a:r>
-              <a:rPr lang="en-US" sz="1800" dirty="0" smtClean="0"/>
-              <a:t>LEA8</a:t>
-            </a:r>
-            <a:r>
-              <a:rPr lang="en-US" sz="1800" dirty="0"/>
-              <a:t>, LEA16, LEA24, LEA32, </a:t>
-            </a:r>
-            <a:endParaRPr lang="en-US" sz="1800" dirty="0" smtClean="0"/>
-          </a:p>
-          <a:p>
-            <a:pPr marL="0" indent="0">
-              <a:buNone/>
-            </a:pPr>
-            <a:r>
-              <a:rPr lang="en-US" sz="1800" dirty="0" smtClean="0"/>
-              <a:t>ST8</a:t>
-            </a:r>
-            <a:r>
-              <a:rPr lang="en-US" sz="1800" dirty="0"/>
-              <a:t>, ST16, ST24, ST32, </a:t>
-            </a:r>
-            <a:endParaRPr lang="en-US" sz="1800" dirty="0" smtClean="0"/>
-          </a:p>
-          <a:p>
-            <a:pPr marL="0" indent="0">
-              <a:buNone/>
-            </a:pPr>
-            <a:r>
-              <a:rPr lang="en-US" sz="1800" dirty="0" smtClean="0"/>
-              <a:t>ADD</a:t>
-            </a:r>
-            <a:r>
-              <a:rPr lang="en-US" sz="1800" dirty="0"/>
-              <a:t>, ADDI, SUB, SUBI, </a:t>
-            </a:r>
-            <a:endParaRPr lang="en-US" sz="1800" dirty="0" smtClean="0"/>
-          </a:p>
-          <a:p>
-            <a:pPr marL="0" indent="0">
-              <a:buNone/>
-            </a:pPr>
-            <a:r>
-              <a:rPr lang="en-US" sz="1800" dirty="0" smtClean="0"/>
-              <a:t>MUL</a:t>
-            </a:r>
-            <a:r>
-              <a:rPr lang="en-US" sz="1800" dirty="0"/>
-              <a:t>, MULI, MAC, DIV, DIVI, </a:t>
-            </a:r>
-            <a:endParaRPr lang="en-US" sz="1800" dirty="0" smtClean="0"/>
-          </a:p>
-          <a:p>
-            <a:pPr marL="0" indent="0">
-              <a:buNone/>
-            </a:pPr>
-            <a:r>
-              <a:rPr lang="en-US" sz="1800" dirty="0" smtClean="0"/>
-              <a:t>AND</a:t>
-            </a:r>
-            <a:r>
-              <a:rPr lang="en-US" sz="1800" dirty="0"/>
-              <a:t>, ANDI, OR, ORI, </a:t>
-            </a:r>
-            <a:endParaRPr lang="en-US" sz="1800" dirty="0" smtClean="0"/>
-          </a:p>
-          <a:p>
-            <a:pPr marL="0" indent="0">
-              <a:buNone/>
-            </a:pPr>
-            <a:r>
-              <a:rPr lang="en-US" sz="1800" dirty="0" smtClean="0"/>
-              <a:t>XOR</a:t>
-            </a:r>
-            <a:r>
-              <a:rPr lang="en-US" sz="1800" dirty="0"/>
-              <a:t>, XORI, CMP, CMPI, </a:t>
-            </a:r>
-            <a:endParaRPr lang="en-US" sz="1800" dirty="0" smtClean="0"/>
-          </a:p>
-          <a:p>
-            <a:pPr marL="0" indent="0">
-              <a:buNone/>
-            </a:pPr>
-            <a:r>
-              <a:rPr lang="en-US" sz="1800" dirty="0" smtClean="0"/>
-              <a:t>FATAN2PI</a:t>
-            </a:r>
-            <a:r>
-              <a:rPr lang="en-US" sz="1800" dirty="0"/>
-              <a:t>, FPOW, FPOWI, </a:t>
-            </a:r>
-            <a:endParaRPr lang="en-US" sz="1800" dirty="0" smtClean="0"/>
-          </a:p>
-          <a:p>
-            <a:pPr marL="0" indent="0">
-              <a:buNone/>
-            </a:pPr>
-            <a:r>
-              <a:rPr lang="en-US" sz="1800" dirty="0" smtClean="0"/>
-              <a:t>INSRT</a:t>
-            </a:r>
-            <a:r>
-              <a:rPr lang="en-US" sz="1800" dirty="0"/>
-              <a:t>, INSRTI, EXTRCT, EXTRCTI, </a:t>
-            </a:r>
-            <a:endParaRPr lang="en-US" sz="1800" dirty="0" smtClean="0"/>
-          </a:p>
-          <a:p>
-            <a:pPr marL="0" indent="0">
-              <a:buNone/>
-            </a:pPr>
-            <a:r>
-              <a:rPr lang="en-US" sz="1800" dirty="0" smtClean="0"/>
-              <a:t>ROL</a:t>
-            </a:r>
-            <a:r>
-              <a:rPr lang="en-US" sz="1800" dirty="0"/>
-              <a:t>, ROLI, SHR, SHRI, </a:t>
-            </a:r>
-            <a:endParaRPr lang="en-US" sz="1800" dirty="0" smtClean="0"/>
-          </a:p>
-          <a:p>
-            <a:pPr marL="0" indent="0">
-              <a:buNone/>
-            </a:pPr>
-            <a:r>
-              <a:rPr lang="en-US" sz="1800" dirty="0" smtClean="0"/>
-              <a:t>ASR</a:t>
-            </a:r>
-            <a:r>
-              <a:rPr lang="en-US" sz="1800" dirty="0"/>
-              <a:t>, ASRI, SHL, SHLI, </a:t>
-            </a:r>
-            <a:endParaRPr lang="en-US" sz="1800" dirty="0" smtClean="0"/>
-          </a:p>
-          <a:p>
-            <a:pPr marL="0" indent="0">
-              <a:buNone/>
-            </a:pPr>
-            <a:r>
-              <a:rPr lang="en-US" sz="1800" dirty="0" err="1" smtClean="0"/>
-              <a:t>JMPcc</a:t>
-            </a:r>
-            <a:r>
-              <a:rPr lang="en-US" sz="1800" dirty="0"/>
-              <a:t>, </a:t>
-            </a:r>
-            <a:r>
-              <a:rPr lang="en-US" sz="1800" dirty="0" err="1"/>
-              <a:t>CALLcc</a:t>
-            </a:r>
-            <a:r>
-              <a:rPr lang="en-US" sz="1800" dirty="0"/>
-              <a:t>, </a:t>
-            </a:r>
-            <a:r>
-              <a:rPr lang="en-US" sz="1800" dirty="0" err="1"/>
-              <a:t>BRcc</a:t>
-            </a:r>
-            <a:r>
-              <a:rPr lang="en-US" sz="1800" dirty="0"/>
-              <a:t>, </a:t>
-            </a:r>
-            <a:r>
-              <a:rPr lang="en-US" sz="1800" dirty="0" err="1"/>
-              <a:t>BSRcc</a:t>
-            </a:r>
-            <a:r>
-              <a:rPr lang="en-US" sz="1800" dirty="0"/>
-              <a:t>, </a:t>
-            </a:r>
-            <a:endParaRPr lang="en-US" sz="1800" dirty="0" smtClean="0"/>
-          </a:p>
-          <a:p>
-            <a:pPr marL="0" indent="0">
-              <a:buNone/>
-            </a:pPr>
-            <a:r>
-              <a:rPr lang="en-US" sz="1800" dirty="0" smtClean="0"/>
-              <a:t>BBS</a:t>
-            </a:r>
-            <a:r>
-              <a:rPr lang="en-US" sz="1800" dirty="0"/>
-              <a:t>, BBC, </a:t>
-            </a:r>
-            <a:r>
-              <a:rPr lang="en-US" sz="1800" dirty="0" err="1"/>
-              <a:t>BRccRC</a:t>
-            </a:r>
-            <a:r>
-              <a:rPr lang="en-US" sz="1800" dirty="0"/>
-              <a:t>, </a:t>
-            </a:r>
-            <a:r>
-              <a:rPr lang="en-US" sz="1800" dirty="0" err="1"/>
-              <a:t>JMPccRC</a:t>
-            </a:r>
-            <a:r>
-              <a:rPr lang="en-US" sz="1800" dirty="0"/>
-              <a:t>, </a:t>
-            </a:r>
-            <a:endParaRPr lang="en-US" sz="1800" dirty="0" smtClean="0"/>
-          </a:p>
-          <a:p>
-            <a:pPr marL="0" indent="0">
-              <a:buNone/>
-            </a:pPr>
-            <a:r>
-              <a:rPr lang="en-US" sz="1800" dirty="0" smtClean="0"/>
-              <a:t>MAX</a:t>
-            </a:r>
-            <a:r>
-              <a:rPr lang="en-US" sz="1800" dirty="0"/>
-              <a:t>, MAXI, MIN, MINI</a:t>
-            </a:r>
-            <a:r>
-              <a:rPr lang="en-US" sz="1800" dirty="0" smtClean="0"/>
-              <a:t>, </a:t>
-            </a:r>
-          </a:p>
-          <a:p>
-            <a:pPr marL="0" indent="0">
-              <a:buNone/>
-            </a:pPr>
-            <a:r>
-              <a:rPr lang="en-US" sz="1800" dirty="0" smtClean="0"/>
-              <a:t>MEDIAN</a:t>
-            </a:r>
-            <a:r>
-              <a:rPr lang="en-US" sz="1800" dirty="0"/>
-              <a:t>, EADD, EADDI, </a:t>
-            </a:r>
-            <a:endParaRPr lang="en-US" sz="1800" dirty="0" smtClean="0"/>
-          </a:p>
-          <a:p>
-            <a:pPr marL="0" indent="0">
-              <a:buNone/>
-            </a:pPr>
-            <a:r>
-              <a:rPr lang="en-US" sz="1800" dirty="0" smtClean="0"/>
-              <a:t>VECT</a:t>
-            </a:r>
-            <a:r>
-              <a:rPr lang="en-US" sz="1800" dirty="0"/>
-              <a:t>, </a:t>
-            </a:r>
-            <a:r>
-              <a:rPr lang="en-US" sz="1800" dirty="0" smtClean="0"/>
-              <a:t>LOOP</a:t>
-            </a:r>
-            <a:r>
-              <a:rPr lang="en-US" sz="1800" dirty="0"/>
-              <a:t>, </a:t>
-            </a:r>
-            <a:r>
-              <a:rPr lang="en-US" sz="1800" dirty="0" smtClean="0"/>
-              <a:t>LOOPI</a:t>
-            </a:r>
-          </a:p>
-          <a:p>
-            <a:pPr marL="0" indent="0">
-              <a:buNone/>
-            </a:pPr>
-            <a:r>
-              <a:rPr lang="en-US" sz="1800" dirty="0" smtClean="0"/>
-              <a:t>TRAP</a:t>
-            </a:r>
-            <a:r>
-              <a:rPr lang="en-US" sz="1800" dirty="0"/>
-              <a:t>, BKPT, </a:t>
-            </a:r>
-            <a:r>
-              <a:rPr lang="en-US" sz="1800" dirty="0" smtClean="0"/>
-              <a:t>ALIGNW</a:t>
-            </a:r>
-            <a:r>
-              <a:rPr lang="en-US" sz="1800" dirty="0"/>
-              <a:t>, </a:t>
-            </a:r>
-            <a:r>
-              <a:rPr lang="en-US" sz="1800" dirty="0" smtClean="0"/>
-              <a:t>ALIGNC  </a:t>
-            </a:r>
-          </a:p>
-          <a:p>
-            <a:pPr marL="0" indent="0">
-              <a:buNone/>
-            </a:pPr>
-            <a:endParaRPr lang="en-US" sz="1800" dirty="0" smtClean="0"/>
-          </a:p>
-          <a:p>
-            <a:pPr marL="0" indent="0">
-              <a:buNone/>
-            </a:pPr>
-            <a:r>
-              <a:rPr lang="en-US" sz="1800" dirty="0" smtClean="0"/>
-              <a:t>32-bit three operand only</a:t>
-            </a:r>
-          </a:p>
-          <a:p>
-            <a:pPr marL="0" indent="0">
-              <a:buNone/>
-            </a:pPr>
-            <a:r>
-              <a:rPr lang="en-US" sz="1800" dirty="0" smtClean="0"/>
-              <a:t>MMOV, PCND, PCB1, STM, </a:t>
-            </a:r>
-          </a:p>
-          <a:p>
-            <a:pPr marL="0" indent="0">
-              <a:buNone/>
-            </a:pPr>
-            <a:r>
-              <a:rPr lang="en-US" sz="1800" dirty="0" smtClean="0"/>
-              <a:t>LDM, CASE, MUX, MERGE</a:t>
-            </a:r>
-          </a:p>
-          <a:p>
-            <a:pPr marL="0" indent="0">
-              <a:buNone/>
-            </a:pPr>
-            <a:endParaRPr lang="en-US" sz="1800" dirty="0" smtClean="0"/>
-          </a:p>
-          <a:p>
-            <a:pPr marL="0" indent="0">
-              <a:buNone/>
-            </a:pPr>
-            <a:r>
-              <a:rPr lang="en-US" sz="1800" dirty="0" smtClean="0"/>
-              <a:t>~32 single operand (24-bit)</a:t>
-            </a:r>
-          </a:p>
-          <a:p>
-            <a:pPr marL="0" indent="0">
-              <a:buNone/>
-            </a:pPr>
-            <a:r>
-              <a:rPr lang="en-US" sz="1800" dirty="0"/>
-              <a:t>LDZCNT, LD1CNT, TRZCNT, TR1CNT</a:t>
-            </a:r>
-          </a:p>
-          <a:p>
-            <a:pPr marL="0" indent="0">
-              <a:buNone/>
-            </a:pPr>
-            <a:r>
-              <a:rPr lang="en-US" sz="1800" dirty="0" smtClean="0"/>
-              <a:t>POPCNT, SINPI</a:t>
-            </a:r>
-            <a:r>
-              <a:rPr lang="en-US" sz="1800" dirty="0"/>
-              <a:t>, COSPI, </a:t>
-            </a:r>
-            <a:r>
-              <a:rPr lang="en-US" sz="1800" dirty="0" smtClean="0"/>
-              <a:t>TANPI, </a:t>
-            </a:r>
-            <a:endParaRPr lang="en-US" sz="1800" dirty="0"/>
-          </a:p>
-          <a:p>
-            <a:pPr marL="0" indent="0">
-              <a:buNone/>
-            </a:pPr>
-            <a:r>
-              <a:rPr lang="en-US" sz="1800" dirty="0"/>
-              <a:t>ASINPI, ACOSPI, </a:t>
-            </a:r>
-            <a:r>
-              <a:rPr lang="en-US" sz="1800" dirty="0" smtClean="0"/>
-              <a:t>ATANPI, …</a:t>
+              <a:rPr lang="en-US" sz="2000" dirty="0" smtClean="0"/>
+              <a:t>Currently only supports unsigned &amp; signed 16-bit data types</a:t>
+            </a:r>
+          </a:p>
+          <a:p>
+            <a:pPr marL="742950" lvl="2" indent="-342900"/>
+            <a:r>
+              <a:rPr lang="en-US" sz="1600" dirty="0" smtClean="0"/>
+              <a:t>Sign &amp; magnitude versus 2’s complement under evaluation</a:t>
+            </a:r>
+          </a:p>
+          <a:p>
+            <a:pPr marL="742950" lvl="2" indent="-342900"/>
+            <a:r>
+              <a:rPr lang="en-US" sz="1600" dirty="0" smtClean="0"/>
+              <a:t>For multiply very little difference in timing or LUT count</a:t>
+            </a:r>
+          </a:p>
+          <a:p>
+            <a:pPr marL="742950" lvl="2" indent="-342900"/>
+            <a:r>
+              <a:rPr lang="en-US" sz="1600" dirty="0" smtClean="0"/>
+              <a:t>Add, subtract and compare simpler for 2’s complement (no 2</a:t>
+            </a:r>
+            <a:r>
+              <a:rPr lang="en-US" sz="1600" baseline="30000" dirty="0" smtClean="0"/>
+              <a:t>nd</a:t>
+            </a:r>
+            <a:r>
+              <a:rPr lang="en-US" sz="1600" dirty="0" smtClean="0"/>
+              <a:t> adder &amp; result mux)</a:t>
             </a:r>
           </a:p>
         </p:txBody>
@@ -22908,7 +22949,7 @@
     </p:spTree>
     <p:extLst>
       <p:ext uri="{BB962C8B-B14F-4D97-AF65-F5344CB8AC3E}">
-        <p14:creationId xmlns:p14="http://schemas.microsoft.com/office/powerpoint/2010/main" val="3925111156"/>
+        <p14:creationId xmlns:p14="http://schemas.microsoft.com/office/powerpoint/2010/main" val="886273397"/>
       </p:ext>
     </p:extLst>
   </p:cSld>

--- a/DIY_soft-core_uP.pptx
+++ b/DIY_soft-core_uP.pptx
@@ -5,10 +5,10 @@
     <p:sldMasterId id="2147483648" r:id="rId1"/>
   </p:sldMasterIdLst>
   <p:notesMasterIdLst>
-    <p:notesMasterId r:id="rId40"/>
+    <p:notesMasterId r:id="rId42"/>
   </p:notesMasterIdLst>
   <p:handoutMasterIdLst>
-    <p:handoutMasterId r:id="rId41"/>
+    <p:handoutMasterId r:id="rId43"/>
   </p:handoutMasterIdLst>
   <p:sldIdLst>
     <p:sldId id="256" r:id="rId2"/>
@@ -36,19 +36,21 @@
     <p:sldId id="332" r:id="rId24"/>
     <p:sldId id="333" r:id="rId25"/>
     <p:sldId id="334" r:id="rId26"/>
-    <p:sldId id="259" r:id="rId27"/>
-    <p:sldId id="260" r:id="rId28"/>
-    <p:sldId id="261" r:id="rId29"/>
-    <p:sldId id="262" r:id="rId30"/>
-    <p:sldId id="283" r:id="rId31"/>
-    <p:sldId id="263" r:id="rId32"/>
-    <p:sldId id="303" r:id="rId33"/>
-    <p:sldId id="304" r:id="rId34"/>
-    <p:sldId id="305" r:id="rId35"/>
-    <p:sldId id="306" r:id="rId36"/>
-    <p:sldId id="312" r:id="rId37"/>
-    <p:sldId id="309" r:id="rId38"/>
-    <p:sldId id="289" r:id="rId39"/>
+    <p:sldId id="343" r:id="rId27"/>
+    <p:sldId id="344" r:id="rId28"/>
+    <p:sldId id="259" r:id="rId29"/>
+    <p:sldId id="260" r:id="rId30"/>
+    <p:sldId id="261" r:id="rId31"/>
+    <p:sldId id="262" r:id="rId32"/>
+    <p:sldId id="283" r:id="rId33"/>
+    <p:sldId id="263" r:id="rId34"/>
+    <p:sldId id="303" r:id="rId35"/>
+    <p:sldId id="304" r:id="rId36"/>
+    <p:sldId id="305" r:id="rId37"/>
+    <p:sldId id="306" r:id="rId38"/>
+    <p:sldId id="312" r:id="rId39"/>
+    <p:sldId id="309" r:id="rId40"/>
+    <p:sldId id="289" r:id="rId41"/>
   </p:sldIdLst>
   <p:sldSz cx="9144000" cy="6858000" type="screen4x3"/>
   <p:notesSz cx="9388475" cy="7102475"/>
@@ -1067,11 +1069,27 @@
           <a:p>
             <a:r>
               <a:rPr lang="en-US" dirty="0" smtClean="0"/>
-              <a:t>The</a:t>
+              <a:t>For</a:t>
             </a:r>
             <a:r>
               <a:rPr lang="en-US" baseline="0" dirty="0" smtClean="0"/>
-              <a:t> type code of the D register implies the type of the ALU immediate?</a:t>
+              <a:t> TROC16_16 t</a:t>
+            </a:r>
+            <a:r>
+              <a:rPr lang="en-US" dirty="0" smtClean="0"/>
+              <a:t>he</a:t>
+            </a:r>
+            <a:r>
+              <a:rPr lang="en-US" baseline="0" dirty="0" smtClean="0"/>
+              <a:t> </a:t>
+            </a:r>
+            <a:r>
+              <a:rPr lang="en-US" baseline="0" dirty="0" smtClean="0"/>
+              <a:t>type code of the D register implies the type of the ALU </a:t>
+            </a:r>
+            <a:r>
+              <a:rPr lang="en-US" baseline="0" dirty="0" smtClean="0"/>
+              <a:t>immediate.  Mixed data type operations may or may not be supported.</a:t>
             </a:r>
             <a:endParaRPr lang="en-US" dirty="0"/>
           </a:p>
@@ -1413,7 +1431,15 @@
             </a:r>
             <a:r>
               <a:rPr lang="en-US" dirty="0" smtClean="0"/>
-              <a:t> tag bit for Euclidian</a:t>
+              <a:t> </a:t>
+            </a:r>
+            <a:r>
+              <a:rPr lang="en-US" dirty="0" smtClean="0"/>
+              <a:t>exponent tag </a:t>
+            </a:r>
+            <a:r>
+              <a:rPr lang="en-US" dirty="0" smtClean="0"/>
+              <a:t>bit for Euclidian</a:t>
             </a:r>
             <a:r>
               <a:rPr lang="en-US" baseline="0" dirty="0" smtClean="0"/>
@@ -2113,11 +2139,7 @@
             </a:r>
             <a:r>
               <a:rPr lang="en-US" baseline="0" dirty="0" smtClean="0"/>
-              <a:t> refining or reconsidering the instructions and their formats.  Necessary instructions, useful </a:t>
-            </a:r>
-            <a:r>
-              <a:rPr lang="en-US" baseline="0" dirty="0" smtClean="0"/>
-              <a:t>instructions.  A corporate design process uses benchmarks and simulator to determine utility of each instruction.</a:t>
+              <a:t> refining or reconsidering the instructions and their formats.  Necessary instructions, useful instructions.  A corporate design process uses benchmarks and simulator to determine utility of each instruction.</a:t>
             </a:r>
             <a:endParaRPr lang="en-US" dirty="0"/>
           </a:p>
@@ -2962,7 +2984,15 @@
           <a:p>
             <a:r>
               <a:rPr lang="en-US" dirty="0" smtClean="0"/>
-              <a:t>Each instruction updates default values as needed.  Loads and store take two clock cycles</a:t>
+              <a:t>Each </a:t>
+            </a:r>
+            <a:r>
+              <a:rPr lang="en-US" dirty="0" smtClean="0"/>
+              <a:t>op-code updates default </a:t>
+            </a:r>
+            <a:r>
+              <a:rPr lang="en-US" dirty="0" smtClean="0"/>
+              <a:t>values as needed.  Loads and store take two clock cycles</a:t>
             </a:r>
             <a:r>
               <a:rPr lang="en-US" baseline="0" dirty="0" smtClean="0"/>
@@ -3296,23 +3326,7 @@
             </a:r>
             <a:r>
               <a:rPr lang="en-US" baseline="0" dirty="0" smtClean="0"/>
-              <a:t> additional </a:t>
-            </a:r>
-            <a:r>
-              <a:rPr lang="en-US" baseline="0" dirty="0" smtClean="0"/>
-              <a:t>instruction </a:t>
-            </a:r>
-            <a:r>
-              <a:rPr lang="en-US" baseline="0" dirty="0" smtClean="0"/>
-              <a:t>and </a:t>
-            </a:r>
-            <a:r>
-              <a:rPr lang="en-US" baseline="0" dirty="0" smtClean="0"/>
-              <a:t>optimization </a:t>
-            </a:r>
-            <a:r>
-              <a:rPr lang="en-US" baseline="0" dirty="0" smtClean="0"/>
-              <a:t>performance</a:t>
+              <a:t> additional instruction and optimization performance</a:t>
             </a:r>
             <a:endParaRPr lang="en-US" dirty="0"/>
           </a:p>
@@ -3828,11 +3842,15 @@
           <a:p>
             <a:r>
               <a:rPr lang="en-US" dirty="0" smtClean="0"/>
-              <a:t>From 2016 talk.  LUT RAMs typically can have two</a:t>
-            </a:r>
-            <a:r>
-              <a:rPr lang="en-US" baseline="0" dirty="0" smtClean="0"/>
-              <a:t> or more read ports and only one write port.</a:t>
+              <a:t>Most of these can be found on </a:t>
+            </a:r>
+            <a:r>
+              <a:rPr lang="en-US" dirty="0" err="1" smtClean="0"/>
+              <a:t>wikipedia</a:t>
+            </a:r>
+            <a:r>
+              <a:rPr lang="en-US" dirty="0" smtClean="0"/>
+              <a:t>.</a:t>
             </a:r>
             <a:endParaRPr lang="en-US" dirty="0"/>
           </a:p>
@@ -3933,7 +3951,7 @@
     </p:spTree>
     <p:extLst>
       <p:ext uri="{BB962C8B-B14F-4D97-AF65-F5344CB8AC3E}">
-        <p14:creationId xmlns:p14="http://schemas.microsoft.com/office/powerpoint/2010/main" val="3874736634"/>
+        <p14:creationId xmlns:p14="http://schemas.microsoft.com/office/powerpoint/2010/main" val="1710364663"/>
       </p:ext>
     </p:extLst>
   </p:cSld>
@@ -3987,10 +4005,6 @@
           <a:bodyPr/>
           <a:lstStyle/>
           <a:p>
-            <a:r>
-              <a:rPr lang="en-US" dirty="0" smtClean="0"/>
-              <a:t>From 2016 talk. </a:t>
-            </a:r>
             <a:endParaRPr lang="en-US" dirty="0"/>
           </a:p>
         </p:txBody>
@@ -4090,7 +4104,7 @@
     </p:spTree>
     <p:extLst>
       <p:ext uri="{BB962C8B-B14F-4D97-AF65-F5344CB8AC3E}">
-        <p14:creationId xmlns:p14="http://schemas.microsoft.com/office/powerpoint/2010/main" val="830940376"/>
+        <p14:creationId xmlns:p14="http://schemas.microsoft.com/office/powerpoint/2010/main" val="1710364663"/>
       </p:ext>
     </p:extLst>
   </p:cSld>
@@ -4146,7 +4160,11 @@
           <a:p>
             <a:r>
               <a:rPr lang="en-US" dirty="0" smtClean="0"/>
-              <a:t>From 2016 talk. </a:t>
+              <a:t>From 2016 talk.  LUT RAMs typically can have two</a:t>
+            </a:r>
+            <a:r>
+              <a:rPr lang="en-US" baseline="0" dirty="0" smtClean="0"/>
+              <a:t> or more read ports and only one write port.</a:t>
             </a:r>
             <a:endParaRPr lang="en-US" dirty="0"/>
           </a:p>
@@ -4154,12 +4172,81 @@
       </p:sp>
       <p:sp>
         <p:nvSpPr>
-          <p:cNvPr id="4" name="Slide Number Placeholder 3"/>
-          <p:cNvSpPr>
-            <a:spLocks noGrp="1"/>
-          </p:cNvSpPr>
-          <p:nvPr>
-            <p:ph type="sldNum" sz="quarter" idx="10"/>
+          <p:cNvPr id="4" name="Header Placeholder 3"/>
+          <p:cNvSpPr>
+            <a:spLocks noGrp="1"/>
+          </p:cNvSpPr>
+          <p:nvPr>
+            <p:ph type="hdr" sz="quarter" idx="10"/>
+          </p:nvPr>
+        </p:nvSpPr>
+        <p:spPr/>
+        <p:txBody>
+          <a:bodyPr/>
+          <a:lstStyle/>
+          <a:p>
+            <a:r>
+              <a:rPr lang="en-US" smtClean="0"/>
+              <a:t>DIY uP</a:t>
+            </a:r>
+            <a:endParaRPr lang="en-US"/>
+          </a:p>
+        </p:txBody>
+      </p:sp>
+      <p:sp>
+        <p:nvSpPr>
+          <p:cNvPr id="5" name="Date Placeholder 4"/>
+          <p:cNvSpPr>
+            <a:spLocks noGrp="1"/>
+          </p:cNvSpPr>
+          <p:nvPr>
+            <p:ph type="dt" idx="11"/>
+          </p:nvPr>
+        </p:nvSpPr>
+        <p:spPr/>
+        <p:txBody>
+          <a:bodyPr/>
+          <a:lstStyle/>
+          <a:p>
+            <a:r>
+              <a:rPr lang="en-US" smtClean="0"/>
+              <a:t>2/16/2016</a:t>
+            </a:r>
+            <a:endParaRPr lang="en-US"/>
+          </a:p>
+        </p:txBody>
+      </p:sp>
+      <p:sp>
+        <p:nvSpPr>
+          <p:cNvPr id="6" name="Footer Placeholder 5"/>
+          <p:cNvSpPr>
+            <a:spLocks noGrp="1"/>
+          </p:cNvSpPr>
+          <p:nvPr>
+            <p:ph type="ftr" sz="quarter" idx="12"/>
+          </p:nvPr>
+        </p:nvSpPr>
+        <p:spPr/>
+        <p:txBody>
+          <a:bodyPr/>
+          <a:lstStyle/>
+          <a:p>
+            <a:r>
+              <a:rPr lang="en-US" smtClean="0"/>
+              <a:t>Jim Brakefield 2016</a:t>
+            </a:r>
+            <a:endParaRPr lang="en-US"/>
+          </a:p>
+        </p:txBody>
+      </p:sp>
+      <p:sp>
+        <p:nvSpPr>
+          <p:cNvPr id="7" name="Slide Number Placeholder 6"/>
+          <p:cNvSpPr>
+            <a:spLocks noGrp="1"/>
+          </p:cNvSpPr>
+          <p:nvPr>
+            <p:ph type="sldNum" sz="quarter" idx="13"/>
           </p:nvPr>
         </p:nvSpPr>
         <p:spPr/>
@@ -4175,79 +4262,10 @@
           </a:p>
         </p:txBody>
       </p:sp>
-      <p:sp>
-        <p:nvSpPr>
-          <p:cNvPr id="5" name="Date Placeholder 4"/>
-          <p:cNvSpPr>
-            <a:spLocks noGrp="1"/>
-          </p:cNvSpPr>
-          <p:nvPr>
-            <p:ph type="dt" idx="11"/>
-          </p:nvPr>
-        </p:nvSpPr>
-        <p:spPr/>
-        <p:txBody>
-          <a:bodyPr/>
-          <a:lstStyle/>
-          <a:p>
-            <a:r>
-              <a:rPr lang="en-US" smtClean="0"/>
-              <a:t>2/16/2016</a:t>
-            </a:r>
-            <a:endParaRPr lang="en-US"/>
-          </a:p>
-        </p:txBody>
-      </p:sp>
-      <p:sp>
-        <p:nvSpPr>
-          <p:cNvPr id="6" name="Footer Placeholder 5"/>
-          <p:cNvSpPr>
-            <a:spLocks noGrp="1"/>
-          </p:cNvSpPr>
-          <p:nvPr>
-            <p:ph type="ftr" sz="quarter" idx="12"/>
-          </p:nvPr>
-        </p:nvSpPr>
-        <p:spPr/>
-        <p:txBody>
-          <a:bodyPr/>
-          <a:lstStyle/>
-          <a:p>
-            <a:r>
-              <a:rPr lang="en-US" smtClean="0"/>
-              <a:t>Jim Brakefield 2016</a:t>
-            </a:r>
-            <a:endParaRPr lang="en-US"/>
-          </a:p>
-        </p:txBody>
-      </p:sp>
-      <p:sp>
-        <p:nvSpPr>
-          <p:cNvPr id="7" name="Header Placeholder 6"/>
-          <p:cNvSpPr>
-            <a:spLocks noGrp="1"/>
-          </p:cNvSpPr>
-          <p:nvPr>
-            <p:ph type="hdr" sz="quarter" idx="13"/>
-          </p:nvPr>
-        </p:nvSpPr>
-        <p:spPr/>
-        <p:txBody>
-          <a:bodyPr/>
-          <a:lstStyle/>
-          <a:p>
-            <a:r>
-              <a:rPr lang="en-US" smtClean="0"/>
-              <a:t>DIY uP</a:t>
-            </a:r>
-            <a:endParaRPr lang="en-US"/>
-          </a:p>
-        </p:txBody>
-      </p:sp>
     </p:spTree>
     <p:extLst>
       <p:ext uri="{BB962C8B-B14F-4D97-AF65-F5344CB8AC3E}">
-        <p14:creationId xmlns:p14="http://schemas.microsoft.com/office/powerpoint/2010/main" val="1605933986"/>
+        <p14:creationId xmlns:p14="http://schemas.microsoft.com/office/powerpoint/2010/main" val="3874736634"/>
       </p:ext>
     </p:extLst>
   </p:cSld>
@@ -4404,7 +4422,7 @@
     </p:spTree>
     <p:extLst>
       <p:ext uri="{BB962C8B-B14F-4D97-AF65-F5344CB8AC3E}">
-        <p14:creationId xmlns:p14="http://schemas.microsoft.com/office/powerpoint/2010/main" val="1992180344"/>
+        <p14:creationId xmlns:p14="http://schemas.microsoft.com/office/powerpoint/2010/main" val="830940376"/>
       </p:ext>
     </p:extLst>
   </p:cSld>
@@ -4460,11 +4478,27 @@
           <a:p>
             <a:r>
               <a:rPr lang="en-US" dirty="0" smtClean="0"/>
-              <a:t>*Main restriction is to force 16 or 32 bit instruction alignment by using</a:t>
+              <a:t>Instruction and</a:t>
             </a:r>
             <a:r>
               <a:rPr lang="en-US" baseline="0" dirty="0" smtClean="0"/>
-              <a:t> longer than necessary immediate values or inserting align op-code</a:t>
+              <a:t> immediate variable sizing does have a cost in complexity and timing that conflicts with efficiency.  </a:t>
+            </a:r>
+            <a:r>
+              <a:rPr lang="en-US" dirty="0" smtClean="0"/>
+              <a:t>*Main </a:t>
+            </a:r>
+            <a:r>
+              <a:rPr lang="en-US" dirty="0" smtClean="0"/>
+              <a:t>restriction is to force 16 or 32 bit instruction alignment by using</a:t>
+            </a:r>
+            <a:r>
+              <a:rPr lang="en-US" baseline="0" dirty="0" smtClean="0"/>
+              <a:t> longer than necessary immediate values or inserting align </a:t>
+            </a:r>
+            <a:r>
+              <a:rPr lang="en-US" baseline="0" dirty="0" smtClean="0"/>
+              <a:t>op-codes.</a:t>
             </a:r>
             <a:endParaRPr lang="en-US" dirty="0"/>
           </a:p>
@@ -4629,81 +4663,12 @@
       </p:sp>
       <p:sp>
         <p:nvSpPr>
-          <p:cNvPr id="4" name="Header Placeholder 3"/>
-          <p:cNvSpPr>
-            <a:spLocks noGrp="1"/>
-          </p:cNvSpPr>
-          <p:nvPr>
-            <p:ph type="hdr" sz="quarter" idx="10"/>
-          </p:nvPr>
-        </p:nvSpPr>
-        <p:spPr/>
-        <p:txBody>
-          <a:bodyPr/>
-          <a:lstStyle/>
-          <a:p>
-            <a:r>
-              <a:rPr lang="en-US" smtClean="0"/>
-              <a:t>DIY uP</a:t>
-            </a:r>
-            <a:endParaRPr lang="en-US"/>
-          </a:p>
-        </p:txBody>
-      </p:sp>
-      <p:sp>
-        <p:nvSpPr>
-          <p:cNvPr id="5" name="Date Placeholder 4"/>
-          <p:cNvSpPr>
-            <a:spLocks noGrp="1"/>
-          </p:cNvSpPr>
-          <p:nvPr>
-            <p:ph type="dt" idx="11"/>
-          </p:nvPr>
-        </p:nvSpPr>
-        <p:spPr/>
-        <p:txBody>
-          <a:bodyPr/>
-          <a:lstStyle/>
-          <a:p>
-            <a:r>
-              <a:rPr lang="en-US" smtClean="0"/>
-              <a:t>2/16/2016</a:t>
-            </a:r>
-            <a:endParaRPr lang="en-US"/>
-          </a:p>
-        </p:txBody>
-      </p:sp>
-      <p:sp>
-        <p:nvSpPr>
-          <p:cNvPr id="6" name="Footer Placeholder 5"/>
-          <p:cNvSpPr>
-            <a:spLocks noGrp="1"/>
-          </p:cNvSpPr>
-          <p:nvPr>
-            <p:ph type="ftr" sz="quarter" idx="12"/>
-          </p:nvPr>
-        </p:nvSpPr>
-        <p:spPr/>
-        <p:txBody>
-          <a:bodyPr/>
-          <a:lstStyle/>
-          <a:p>
-            <a:r>
-              <a:rPr lang="en-US" smtClean="0"/>
-              <a:t>Jim Brakefield 2016</a:t>
-            </a:r>
-            <a:endParaRPr lang="en-US"/>
-          </a:p>
-        </p:txBody>
-      </p:sp>
-      <p:sp>
-        <p:nvSpPr>
-          <p:cNvPr id="7" name="Slide Number Placeholder 6"/>
-          <p:cNvSpPr>
-            <a:spLocks noGrp="1"/>
-          </p:cNvSpPr>
-          <p:nvPr>
-            <p:ph type="sldNum" sz="quarter" idx="13"/>
+          <p:cNvPr id="4" name="Slide Number Placeholder 3"/>
+          <p:cNvSpPr>
+            <a:spLocks noGrp="1"/>
+          </p:cNvSpPr>
+          <p:nvPr>
+            <p:ph type="sldNum" sz="quarter" idx="10"/>
           </p:nvPr>
         </p:nvSpPr>
         <p:spPr/>
@@ -4719,10 +4684,79 @@
           </a:p>
         </p:txBody>
       </p:sp>
+      <p:sp>
+        <p:nvSpPr>
+          <p:cNvPr id="5" name="Date Placeholder 4"/>
+          <p:cNvSpPr>
+            <a:spLocks noGrp="1"/>
+          </p:cNvSpPr>
+          <p:nvPr>
+            <p:ph type="dt" idx="11"/>
+          </p:nvPr>
+        </p:nvSpPr>
+        <p:spPr/>
+        <p:txBody>
+          <a:bodyPr/>
+          <a:lstStyle/>
+          <a:p>
+            <a:r>
+              <a:rPr lang="en-US" smtClean="0"/>
+              <a:t>2/16/2016</a:t>
+            </a:r>
+            <a:endParaRPr lang="en-US"/>
+          </a:p>
+        </p:txBody>
+      </p:sp>
+      <p:sp>
+        <p:nvSpPr>
+          <p:cNvPr id="6" name="Footer Placeholder 5"/>
+          <p:cNvSpPr>
+            <a:spLocks noGrp="1"/>
+          </p:cNvSpPr>
+          <p:nvPr>
+            <p:ph type="ftr" sz="quarter" idx="12"/>
+          </p:nvPr>
+        </p:nvSpPr>
+        <p:spPr/>
+        <p:txBody>
+          <a:bodyPr/>
+          <a:lstStyle/>
+          <a:p>
+            <a:r>
+              <a:rPr lang="en-US" smtClean="0"/>
+              <a:t>Jim Brakefield 2016</a:t>
+            </a:r>
+            <a:endParaRPr lang="en-US"/>
+          </a:p>
+        </p:txBody>
+      </p:sp>
+      <p:sp>
+        <p:nvSpPr>
+          <p:cNvPr id="7" name="Header Placeholder 6"/>
+          <p:cNvSpPr>
+            <a:spLocks noGrp="1"/>
+          </p:cNvSpPr>
+          <p:nvPr>
+            <p:ph type="hdr" sz="quarter" idx="13"/>
+          </p:nvPr>
+        </p:nvSpPr>
+        <p:spPr/>
+        <p:txBody>
+          <a:bodyPr/>
+          <a:lstStyle/>
+          <a:p>
+            <a:r>
+              <a:rPr lang="en-US" smtClean="0"/>
+              <a:t>DIY uP</a:t>
+            </a:r>
+            <a:endParaRPr lang="en-US"/>
+          </a:p>
+        </p:txBody>
+      </p:sp>
     </p:spTree>
     <p:extLst>
       <p:ext uri="{BB962C8B-B14F-4D97-AF65-F5344CB8AC3E}">
-        <p14:creationId xmlns:p14="http://schemas.microsoft.com/office/powerpoint/2010/main" val="547456059"/>
+        <p14:creationId xmlns:p14="http://schemas.microsoft.com/office/powerpoint/2010/main" val="1605933986"/>
       </p:ext>
     </p:extLst>
   </p:cSld>
@@ -4879,7 +4913,7 @@
     </p:spTree>
     <p:extLst>
       <p:ext uri="{BB962C8B-B14F-4D97-AF65-F5344CB8AC3E}">
-        <p14:creationId xmlns:p14="http://schemas.microsoft.com/office/powerpoint/2010/main" val="2003220924"/>
+        <p14:creationId xmlns:p14="http://schemas.microsoft.com/office/powerpoint/2010/main" val="1992180344"/>
       </p:ext>
     </p:extLst>
   </p:cSld>
@@ -4935,11 +4969,15 @@
           <a:p>
             <a:r>
               <a:rPr lang="en-US" dirty="0" smtClean="0"/>
-              <a:t>From 2016 talk.  A three data-size,</a:t>
+              <a:t>From 2016 talk. </a:t>
+            </a:r>
+            <a:r>
+              <a:rPr lang="en-US" dirty="0" smtClean="0"/>
+              <a:t> Multiply is anywhere from</a:t>
             </a:r>
             <a:r>
               <a:rPr lang="en-US" baseline="0" dirty="0" smtClean="0"/>
-              <a:t> two data-type ISA was defined and never completed.</a:t>
+              <a:t> 16 by 16 to 18 by 25 bit inputs.  Final adder is at least as wide as the product (say, 32 to 56-bits).</a:t>
             </a:r>
             <a:endParaRPr lang="en-US" dirty="0"/>
           </a:p>
@@ -5040,7 +5078,7 @@
     </p:spTree>
     <p:extLst>
       <p:ext uri="{BB962C8B-B14F-4D97-AF65-F5344CB8AC3E}">
-        <p14:creationId xmlns:p14="http://schemas.microsoft.com/office/powerpoint/2010/main" val="2961577694"/>
+        <p14:creationId xmlns:p14="http://schemas.microsoft.com/office/powerpoint/2010/main" val="547456059"/>
       </p:ext>
     </p:extLst>
   </p:cSld>
@@ -5094,42 +5132,18 @@
           <a:bodyPr/>
           <a:lstStyle/>
           <a:p>
-            <a:pPr marL="0" marR="0" indent="0" algn="l" defTabSz="914400" rtl="0" eaLnBrk="1" fontAlgn="auto" latinLnBrk="0" hangingPunct="1">
-              <a:lnSpc>
-                <a:spcPct val="100000"/>
-              </a:lnSpc>
-              <a:spcBef>
-                <a:spcPts val="0"/>
-              </a:spcBef>
-              <a:spcAft>
-                <a:spcPts val="0"/>
-              </a:spcAft>
-              <a:buClrTx/>
-              <a:buSzTx/>
-              <a:buFontTx/>
-              <a:buNone/>
-              <a:tabLst/>
-              <a:defRPr/>
-            </a:pPr>
-            <a:r>
-              <a:rPr lang="en-US" dirty="0" smtClean="0"/>
-              <a:t>From 2016 talk.  For TROC16_16hwa CCR is Residue register</a:t>
+            <a:r>
+              <a:rPr lang="en-US" dirty="0" smtClean="0"/>
+              <a:t>From 2016 talk. </a:t>
+            </a:r>
+            <a:r>
+              <a:rPr lang="en-US" dirty="0" smtClean="0"/>
+              <a:t>ALM is roughly</a:t>
             </a:r>
             <a:r>
               <a:rPr lang="en-US" baseline="0" dirty="0" smtClean="0"/>
-              <a:t>,</a:t>
-            </a:r>
-            <a:r>
-              <a:rPr lang="en-US" dirty="0" smtClean="0"/>
-              <a:t> LUTRAM is 32x16</a:t>
-            </a:r>
-            <a:r>
-              <a:rPr lang="en-US" baseline="0" dirty="0" smtClean="0"/>
-              <a:t> and Block RAM is 1024x16.</a:t>
-            </a:r>
-            <a:endParaRPr lang="en-US" dirty="0" smtClean="0"/>
-          </a:p>
-          <a:p>
+              <a:t> equivalent to Xilinx 6LUT.</a:t>
+            </a:r>
             <a:endParaRPr lang="en-US" dirty="0"/>
           </a:p>
         </p:txBody>
@@ -5229,7 +5243,7 @@
     </p:spTree>
     <p:extLst>
       <p:ext uri="{BB962C8B-B14F-4D97-AF65-F5344CB8AC3E}">
-        <p14:creationId xmlns:p14="http://schemas.microsoft.com/office/powerpoint/2010/main" val="72987854"/>
+        <p14:creationId xmlns:p14="http://schemas.microsoft.com/office/powerpoint/2010/main" val="2003220924"/>
       </p:ext>
     </p:extLst>
   </p:cSld>
@@ -5283,32 +5297,15 @@
           <a:bodyPr/>
           <a:lstStyle/>
           <a:p>
-            <a:pPr marL="0" marR="0" indent="0" algn="l" defTabSz="914400" rtl="0" eaLnBrk="1" fontAlgn="auto" latinLnBrk="0" hangingPunct="1">
-              <a:lnSpc>
-                <a:spcPct val="100000"/>
-              </a:lnSpc>
-              <a:spcBef>
-                <a:spcPts val="0"/>
-              </a:spcBef>
-              <a:spcAft>
-                <a:spcPts val="0"/>
-              </a:spcAft>
-              <a:buClrTx/>
-              <a:buSzTx/>
-              <a:buFontTx/>
-              <a:buNone/>
-              <a:tabLst/>
-              <a:defRPr/>
-            </a:pPr>
-            <a:r>
-              <a:rPr lang="en-US" dirty="0" smtClean="0"/>
-              <a:t>From 2016 talk.</a:t>
+            <a:r>
+              <a:rPr lang="en-US" dirty="0" smtClean="0"/>
+              <a:t>From 2016 talk.  A three data-size,</a:t>
             </a:r>
             <a:r>
               <a:rPr lang="en-US" baseline="0" dirty="0" smtClean="0"/>
-              <a:t>  Big Endian.</a:t>
-            </a:r>
-            <a:endParaRPr lang="en-US" dirty="0" smtClean="0"/>
+              <a:t> two data-type ISA was defined and never completed.</a:t>
+            </a:r>
+            <a:endParaRPr lang="en-US" dirty="0"/>
           </a:p>
         </p:txBody>
       </p:sp>
@@ -5407,7 +5404,7 @@
     </p:spTree>
     <p:extLst>
       <p:ext uri="{BB962C8B-B14F-4D97-AF65-F5344CB8AC3E}">
-        <p14:creationId xmlns:p14="http://schemas.microsoft.com/office/powerpoint/2010/main" val="4219396737"/>
+        <p14:creationId xmlns:p14="http://schemas.microsoft.com/office/powerpoint/2010/main" val="2961577694"/>
       </p:ext>
     </p:extLst>
   </p:cSld>
@@ -5480,8 +5477,21 @@
             </a:pPr>
             <a:r>
               <a:rPr lang="en-US" dirty="0" smtClean="0"/>
-              <a:t>From 2016 talk</a:t>
-            </a:r>
+              <a:t>From 2016 talk.  For TROC16_16hwa CCR is Residue register</a:t>
+            </a:r>
+            <a:r>
+              <a:rPr lang="en-US" baseline="0" dirty="0" smtClean="0"/>
+              <a:t>,</a:t>
+            </a:r>
+            <a:r>
+              <a:rPr lang="en-US" dirty="0" smtClean="0"/>
+              <a:t> LUTRAM is 32x16</a:t>
+            </a:r>
+            <a:r>
+              <a:rPr lang="en-US" baseline="0" dirty="0" smtClean="0"/>
+              <a:t> and Block RAM is 1024x16.</a:t>
+            </a:r>
+            <a:endParaRPr lang="en-US" dirty="0" smtClean="0"/>
           </a:p>
           <a:p>
             <a:endParaRPr lang="en-US" dirty="0"/>
@@ -5583,7 +5593,7 @@
     </p:spTree>
     <p:extLst>
       <p:ext uri="{BB962C8B-B14F-4D97-AF65-F5344CB8AC3E}">
-        <p14:creationId xmlns:p14="http://schemas.microsoft.com/office/powerpoint/2010/main" val="325195384"/>
+        <p14:creationId xmlns:p14="http://schemas.microsoft.com/office/powerpoint/2010/main" val="72987854"/>
       </p:ext>
     </p:extLst>
   </p:cSld>
@@ -5656,11 +5666,13 @@
             </a:pPr>
             <a:r>
               <a:rPr lang="en-US" dirty="0" smtClean="0"/>
-              <a:t>From 2016 talk</a:t>
-            </a:r>
-          </a:p>
-          <a:p>
-            <a:endParaRPr lang="en-US" dirty="0"/>
+              <a:t>From 2016 talk.</a:t>
+            </a:r>
+            <a:r>
+              <a:rPr lang="en-US" baseline="0" dirty="0" smtClean="0"/>
+              <a:t>  Big Endian.</a:t>
+            </a:r>
+            <a:endParaRPr lang="en-US" dirty="0" smtClean="0"/>
           </a:p>
         </p:txBody>
       </p:sp>
@@ -5759,7 +5771,7 @@
     </p:spTree>
     <p:extLst>
       <p:ext uri="{BB962C8B-B14F-4D97-AF65-F5344CB8AC3E}">
-        <p14:creationId xmlns:p14="http://schemas.microsoft.com/office/powerpoint/2010/main" val="3840277992"/>
+        <p14:creationId xmlns:p14="http://schemas.microsoft.com/office/powerpoint/2010/main" val="4219396737"/>
       </p:ext>
     </p:extLst>
   </p:cSld>
@@ -5813,10 +5825,29 @@
           <a:bodyPr/>
           <a:lstStyle/>
           <a:p>
+            <a:pPr marL="0" marR="0" indent="0" algn="l" defTabSz="914400" rtl="0" eaLnBrk="1" fontAlgn="auto" latinLnBrk="0" hangingPunct="1">
+              <a:lnSpc>
+                <a:spcPct val="100000"/>
+              </a:lnSpc>
+              <a:spcBef>
+                <a:spcPts val="0"/>
+              </a:spcBef>
+              <a:spcAft>
+                <a:spcPts val="0"/>
+              </a:spcAft>
+              <a:buClrTx/>
+              <a:buSzTx/>
+              <a:buFontTx/>
+              <a:buNone/>
+              <a:tabLst/>
+              <a:defRPr/>
+            </a:pPr>
             <a:r>
               <a:rPr lang="en-US" dirty="0" smtClean="0"/>
               <a:t>From 2016 talk</a:t>
             </a:r>
+          </a:p>
+          <a:p>
             <a:endParaRPr lang="en-US" dirty="0"/>
           </a:p>
         </p:txBody>
@@ -5916,7 +5947,7 @@
     </p:spTree>
     <p:extLst>
       <p:ext uri="{BB962C8B-B14F-4D97-AF65-F5344CB8AC3E}">
-        <p14:creationId xmlns:p14="http://schemas.microsoft.com/office/powerpoint/2010/main" val="3023420429"/>
+        <p14:creationId xmlns:p14="http://schemas.microsoft.com/office/powerpoint/2010/main" val="325195384"/>
       </p:ext>
     </p:extLst>
   </p:cSld>
@@ -5970,22 +6001,29 @@
           <a:bodyPr/>
           <a:lstStyle/>
           <a:p>
-            <a:r>
-              <a:rPr lang="en-US" dirty="0" smtClean="0"/>
-              <a:t>From 2016 talk. *I no longer do data path planning, the tools know best where to place the </a:t>
-            </a:r>
-            <a:r>
-              <a:rPr lang="en-US" dirty="0" err="1" smtClean="0"/>
-              <a:t>MUXes</a:t>
-            </a:r>
-            <a:r>
-              <a:rPr lang="en-US" dirty="0" smtClean="0"/>
-              <a:t> and will generate</a:t>
-            </a:r>
-            <a:r>
-              <a:rPr lang="en-US" baseline="0" dirty="0" smtClean="0"/>
-              <a:t> the control signals for you.</a:t>
-            </a:r>
+            <a:pPr marL="0" marR="0" indent="0" algn="l" defTabSz="914400" rtl="0" eaLnBrk="1" fontAlgn="auto" latinLnBrk="0" hangingPunct="1">
+              <a:lnSpc>
+                <a:spcPct val="100000"/>
+              </a:lnSpc>
+              <a:spcBef>
+                <a:spcPts val="0"/>
+              </a:spcBef>
+              <a:spcAft>
+                <a:spcPts val="0"/>
+              </a:spcAft>
+              <a:buClrTx/>
+              <a:buSzTx/>
+              <a:buFontTx/>
+              <a:buNone/>
+              <a:tabLst/>
+              <a:defRPr/>
+            </a:pPr>
+            <a:r>
+              <a:rPr lang="en-US" dirty="0" smtClean="0"/>
+              <a:t>From 2016 talk</a:t>
+            </a:r>
+          </a:p>
+          <a:p>
             <a:endParaRPr lang="en-US" dirty="0"/>
           </a:p>
         </p:txBody>
@@ -6085,7 +6123,164 @@
     </p:spTree>
     <p:extLst>
       <p:ext uri="{BB962C8B-B14F-4D97-AF65-F5344CB8AC3E}">
-        <p14:creationId xmlns:p14="http://schemas.microsoft.com/office/powerpoint/2010/main" val="3685873069"/>
+        <p14:creationId xmlns:p14="http://schemas.microsoft.com/office/powerpoint/2010/main" val="3840277992"/>
+      </p:ext>
+    </p:extLst>
+  </p:cSld>
+  <p:clrMapOvr>
+    <a:masterClrMapping/>
+  </p:clrMapOvr>
+</p:notes>
+</file>
+
+<file path=ppt/notesSlides/notesSlide39.xml><?xml version="1.0" encoding="utf-8"?>
+<p:notes xmlns:a="http://schemas.openxmlformats.org/drawingml/2006/main" xmlns:r="http://schemas.openxmlformats.org/officeDocument/2006/relationships" xmlns:p="http://schemas.openxmlformats.org/presentationml/2006/main">
+  <p:cSld>
+    <p:spTree>
+      <p:nvGrpSpPr>
+        <p:cNvPr id="1" name=""/>
+        <p:cNvGrpSpPr/>
+        <p:nvPr/>
+      </p:nvGrpSpPr>
+      <p:grpSpPr>
+        <a:xfrm>
+          <a:off x="0" y="0"/>
+          <a:ext cx="0" cy="0"/>
+          <a:chOff x="0" y="0"/>
+          <a:chExt cx="0" cy="0"/>
+        </a:xfrm>
+      </p:grpSpPr>
+      <p:sp>
+        <p:nvSpPr>
+          <p:cNvPr id="2" name="Slide Image Placeholder 1"/>
+          <p:cNvSpPr>
+            <a:spLocks noGrp="1" noRot="1" noChangeAspect="1"/>
+          </p:cNvSpPr>
+          <p:nvPr>
+            <p:ph type="sldImg"/>
+          </p:nvPr>
+        </p:nvSpPr>
+        <p:spPr/>
+      </p:sp>
+      <p:sp>
+        <p:nvSpPr>
+          <p:cNvPr id="3" name="Notes Placeholder 2"/>
+          <p:cNvSpPr>
+            <a:spLocks noGrp="1"/>
+          </p:cNvSpPr>
+          <p:nvPr>
+            <p:ph type="body" idx="1"/>
+          </p:nvPr>
+        </p:nvSpPr>
+        <p:spPr/>
+        <p:txBody>
+          <a:bodyPr/>
+          <a:lstStyle/>
+          <a:p>
+            <a:r>
+              <a:rPr lang="en-US" dirty="0" smtClean="0"/>
+              <a:t>From 2016 talk</a:t>
+            </a:r>
+            <a:endParaRPr lang="en-US" dirty="0"/>
+          </a:p>
+        </p:txBody>
+      </p:sp>
+      <p:sp>
+        <p:nvSpPr>
+          <p:cNvPr id="4" name="Header Placeholder 3"/>
+          <p:cNvSpPr>
+            <a:spLocks noGrp="1"/>
+          </p:cNvSpPr>
+          <p:nvPr>
+            <p:ph type="hdr" sz="quarter" idx="10"/>
+          </p:nvPr>
+        </p:nvSpPr>
+        <p:spPr/>
+        <p:txBody>
+          <a:bodyPr/>
+          <a:lstStyle/>
+          <a:p>
+            <a:r>
+              <a:rPr lang="en-US" smtClean="0"/>
+              <a:t>DIY uP</a:t>
+            </a:r>
+            <a:endParaRPr lang="en-US"/>
+          </a:p>
+        </p:txBody>
+      </p:sp>
+      <p:sp>
+        <p:nvSpPr>
+          <p:cNvPr id="5" name="Date Placeholder 4"/>
+          <p:cNvSpPr>
+            <a:spLocks noGrp="1"/>
+          </p:cNvSpPr>
+          <p:nvPr>
+            <p:ph type="dt" idx="11"/>
+          </p:nvPr>
+        </p:nvSpPr>
+        <p:spPr/>
+        <p:txBody>
+          <a:bodyPr/>
+          <a:lstStyle/>
+          <a:p>
+            <a:r>
+              <a:rPr lang="en-US" smtClean="0"/>
+              <a:t>2/16/2016</a:t>
+            </a:r>
+            <a:endParaRPr lang="en-US"/>
+          </a:p>
+        </p:txBody>
+      </p:sp>
+      <p:sp>
+        <p:nvSpPr>
+          <p:cNvPr id="6" name="Footer Placeholder 5"/>
+          <p:cNvSpPr>
+            <a:spLocks noGrp="1"/>
+          </p:cNvSpPr>
+          <p:nvPr>
+            <p:ph type="ftr" sz="quarter" idx="12"/>
+          </p:nvPr>
+        </p:nvSpPr>
+        <p:spPr/>
+        <p:txBody>
+          <a:bodyPr/>
+          <a:lstStyle/>
+          <a:p>
+            <a:r>
+              <a:rPr lang="en-US" smtClean="0"/>
+              <a:t>Jim Brakefield 2016</a:t>
+            </a:r>
+            <a:endParaRPr lang="en-US"/>
+          </a:p>
+        </p:txBody>
+      </p:sp>
+      <p:sp>
+        <p:nvSpPr>
+          <p:cNvPr id="7" name="Slide Number Placeholder 6"/>
+          <p:cNvSpPr>
+            <a:spLocks noGrp="1"/>
+          </p:cNvSpPr>
+          <p:nvPr>
+            <p:ph type="sldNum" sz="quarter" idx="13"/>
+          </p:nvPr>
+        </p:nvSpPr>
+        <p:spPr/>
+        <p:txBody>
+          <a:bodyPr/>
+          <a:lstStyle/>
+          <a:p>
+            <a:fld id="{0E080357-2401-457E-B2E8-CE0541A88319}" type="slidenum">
+              <a:rPr lang="en-US" smtClean="0"/>
+              <a:t>39</a:t>
+            </a:fld>
+            <a:endParaRPr lang="en-US"/>
+          </a:p>
+        </p:txBody>
+      </p:sp>
+    </p:spTree>
+    <p:extLst>
+      <p:ext uri="{BB962C8B-B14F-4D97-AF65-F5344CB8AC3E}">
+        <p14:creationId xmlns:p14="http://schemas.microsoft.com/office/powerpoint/2010/main" val="3023420429"/>
       </p:ext>
     </p:extLst>
   </p:cSld>
@@ -6153,7 +6348,15 @@
             </a:r>
             <a:r>
               <a:rPr lang="en-US" baseline="0" dirty="0" smtClean="0"/>
-              <a:t>-v with no compromise on # of 24-bit op-codes</a:t>
+              <a:t>-v with no compromise on </a:t>
+            </a:r>
+            <a:r>
+              <a:rPr lang="en-US" baseline="0" dirty="0" smtClean="0"/>
+              <a:t>number </a:t>
+            </a:r>
+            <a:r>
+              <a:rPr lang="en-US" baseline="0" dirty="0" smtClean="0"/>
+              <a:t>of 24-bit op-codes</a:t>
             </a:r>
             <a:endParaRPr lang="en-US" dirty="0"/>
           </a:p>
@@ -6255,6 +6458,179 @@
     <p:extLst>
       <p:ext uri="{BB962C8B-B14F-4D97-AF65-F5344CB8AC3E}">
         <p14:creationId xmlns:p14="http://schemas.microsoft.com/office/powerpoint/2010/main" val="3695887483"/>
+      </p:ext>
+    </p:extLst>
+  </p:cSld>
+  <p:clrMapOvr>
+    <a:masterClrMapping/>
+  </p:clrMapOvr>
+</p:notes>
+</file>
+
+<file path=ppt/notesSlides/notesSlide40.xml><?xml version="1.0" encoding="utf-8"?>
+<p:notes xmlns:a="http://schemas.openxmlformats.org/drawingml/2006/main" xmlns:r="http://schemas.openxmlformats.org/officeDocument/2006/relationships" xmlns:p="http://schemas.openxmlformats.org/presentationml/2006/main">
+  <p:cSld>
+    <p:spTree>
+      <p:nvGrpSpPr>
+        <p:cNvPr id="1" name=""/>
+        <p:cNvGrpSpPr/>
+        <p:nvPr/>
+      </p:nvGrpSpPr>
+      <p:grpSpPr>
+        <a:xfrm>
+          <a:off x="0" y="0"/>
+          <a:ext cx="0" cy="0"/>
+          <a:chOff x="0" y="0"/>
+          <a:chExt cx="0" cy="0"/>
+        </a:xfrm>
+      </p:grpSpPr>
+      <p:sp>
+        <p:nvSpPr>
+          <p:cNvPr id="2" name="Slide Image Placeholder 1"/>
+          <p:cNvSpPr>
+            <a:spLocks noGrp="1" noRot="1" noChangeAspect="1"/>
+          </p:cNvSpPr>
+          <p:nvPr>
+            <p:ph type="sldImg"/>
+          </p:nvPr>
+        </p:nvSpPr>
+        <p:spPr/>
+      </p:sp>
+      <p:sp>
+        <p:nvSpPr>
+          <p:cNvPr id="3" name="Notes Placeholder 2"/>
+          <p:cNvSpPr>
+            <a:spLocks noGrp="1"/>
+          </p:cNvSpPr>
+          <p:nvPr>
+            <p:ph type="body" idx="1"/>
+          </p:nvPr>
+        </p:nvSpPr>
+        <p:spPr/>
+        <p:txBody>
+          <a:bodyPr/>
+          <a:lstStyle/>
+          <a:p>
+            <a:r>
+              <a:rPr lang="en-US" dirty="0" smtClean="0"/>
+              <a:t>From 2016 talk. *I no longer do data path planning, the tools know best where to place the </a:t>
+            </a:r>
+            <a:r>
+              <a:rPr lang="en-US" dirty="0" err="1" smtClean="0"/>
+              <a:t>MUXes</a:t>
+            </a:r>
+            <a:r>
+              <a:rPr lang="en-US" dirty="0" smtClean="0"/>
+              <a:t> and will generate</a:t>
+            </a:r>
+            <a:r>
+              <a:rPr lang="en-US" baseline="0" dirty="0" smtClean="0"/>
+              <a:t> the control signals for you</a:t>
+            </a:r>
+            <a:r>
+              <a:rPr lang="en-US" baseline="0" dirty="0" smtClean="0"/>
+              <a:t>.  Ted Fried has excellent examples of micro-coded designs: https://github.com/MicroCoreLabs/Projects/tree/master mcl65, mcl51 &amp; mcl86 are open source 6502, 8051 &amp; 8086</a:t>
+            </a:r>
+            <a:endParaRPr lang="en-US" dirty="0"/>
+          </a:p>
+        </p:txBody>
+      </p:sp>
+      <p:sp>
+        <p:nvSpPr>
+          <p:cNvPr id="4" name="Header Placeholder 3"/>
+          <p:cNvSpPr>
+            <a:spLocks noGrp="1"/>
+          </p:cNvSpPr>
+          <p:nvPr>
+            <p:ph type="hdr" sz="quarter" idx="10"/>
+          </p:nvPr>
+        </p:nvSpPr>
+        <p:spPr/>
+        <p:txBody>
+          <a:bodyPr/>
+          <a:lstStyle/>
+          <a:p>
+            <a:r>
+              <a:rPr lang="en-US" smtClean="0"/>
+              <a:t>DIY uP</a:t>
+            </a:r>
+            <a:endParaRPr lang="en-US"/>
+          </a:p>
+        </p:txBody>
+      </p:sp>
+      <p:sp>
+        <p:nvSpPr>
+          <p:cNvPr id="5" name="Date Placeholder 4"/>
+          <p:cNvSpPr>
+            <a:spLocks noGrp="1"/>
+          </p:cNvSpPr>
+          <p:nvPr>
+            <p:ph type="dt" idx="11"/>
+          </p:nvPr>
+        </p:nvSpPr>
+        <p:spPr/>
+        <p:txBody>
+          <a:bodyPr/>
+          <a:lstStyle/>
+          <a:p>
+            <a:r>
+              <a:rPr lang="en-US" smtClean="0"/>
+              <a:t>2/16/2016</a:t>
+            </a:r>
+            <a:endParaRPr lang="en-US"/>
+          </a:p>
+        </p:txBody>
+      </p:sp>
+      <p:sp>
+        <p:nvSpPr>
+          <p:cNvPr id="6" name="Footer Placeholder 5"/>
+          <p:cNvSpPr>
+            <a:spLocks noGrp="1"/>
+          </p:cNvSpPr>
+          <p:nvPr>
+            <p:ph type="ftr" sz="quarter" idx="12"/>
+          </p:nvPr>
+        </p:nvSpPr>
+        <p:spPr/>
+        <p:txBody>
+          <a:bodyPr/>
+          <a:lstStyle/>
+          <a:p>
+            <a:r>
+              <a:rPr lang="en-US" smtClean="0"/>
+              <a:t>Jim Brakefield 2016</a:t>
+            </a:r>
+            <a:endParaRPr lang="en-US"/>
+          </a:p>
+        </p:txBody>
+      </p:sp>
+      <p:sp>
+        <p:nvSpPr>
+          <p:cNvPr id="7" name="Slide Number Placeholder 6"/>
+          <p:cNvSpPr>
+            <a:spLocks noGrp="1"/>
+          </p:cNvSpPr>
+          <p:nvPr>
+            <p:ph type="sldNum" sz="quarter" idx="13"/>
+          </p:nvPr>
+        </p:nvSpPr>
+        <p:spPr/>
+        <p:txBody>
+          <a:bodyPr/>
+          <a:lstStyle/>
+          <a:p>
+            <a:fld id="{0E080357-2401-457E-B2E8-CE0541A88319}" type="slidenum">
+              <a:rPr lang="en-US" smtClean="0"/>
+              <a:t>40</a:t>
+            </a:fld>
+            <a:endParaRPr lang="en-US"/>
+          </a:p>
+        </p:txBody>
+      </p:sp>
+    </p:spTree>
+    <p:extLst>
+      <p:ext uri="{BB962C8B-B14F-4D97-AF65-F5344CB8AC3E}">
+        <p14:creationId xmlns:p14="http://schemas.microsoft.com/office/powerpoint/2010/main" val="3685873069"/>
       </p:ext>
     </p:extLst>
   </p:cSld>
@@ -6699,6 +7075,22 @@
           <a:bodyPr/>
           <a:lstStyle/>
           <a:p>
+            <a:r>
+              <a:rPr lang="en-US" dirty="0" smtClean="0"/>
+              <a:t>Have implemented</a:t>
+            </a:r>
+            <a:r>
+              <a:rPr lang="en-US" baseline="0" dirty="0" smtClean="0"/>
+              <a:t> the residue register as a distinct register that is </a:t>
+            </a:r>
+            <a:r>
+              <a:rPr lang="en-US" baseline="0" dirty="0" err="1" smtClean="0"/>
+              <a:t>MUX’d</a:t>
+            </a:r>
+            <a:r>
+              <a:rPr lang="en-US" baseline="0" dirty="0" smtClean="0"/>
+              <a:t> into register file outputs due to single write port register file limitation.</a:t>
+            </a:r>
             <a:endParaRPr lang="en-US" dirty="0"/>
           </a:p>
         </p:txBody>
@@ -7311,7 +7703,7 @@
           <a:p>
             <a:fld id="{597B3554-E48D-4042-8BC8-156CF19819B1}" type="datetime1">
               <a:rPr lang="en-US" smtClean="0"/>
-              <a:t>2/23/2025</a:t>
+              <a:t>2/28/2025</a:t>
             </a:fld>
             <a:endParaRPr lang="en-US"/>
           </a:p>
@@ -7481,7 +7873,7 @@
           <a:p>
             <a:fld id="{08748482-27D4-4490-93F1-FC478CD1D69D}" type="datetime1">
               <a:rPr lang="en-US" smtClean="0"/>
-              <a:t>2/23/2025</a:t>
+              <a:t>2/28/2025</a:t>
             </a:fld>
             <a:endParaRPr lang="en-US"/>
           </a:p>
@@ -7661,7 +8053,7 @@
           <a:p>
             <a:fld id="{5803C183-9D35-4B57-BCA0-E77552C5783A}" type="datetime1">
               <a:rPr lang="en-US" smtClean="0"/>
-              <a:t>2/23/2025</a:t>
+              <a:t>2/28/2025</a:t>
             </a:fld>
             <a:endParaRPr lang="en-US"/>
           </a:p>
@@ -7831,7 +8223,7 @@
           <a:p>
             <a:fld id="{D106FFBC-5CCE-47DA-92C8-69397CF800F5}" type="datetime1">
               <a:rPr lang="en-US" smtClean="0"/>
-              <a:t>2/23/2025</a:t>
+              <a:t>2/28/2025</a:t>
             </a:fld>
             <a:endParaRPr lang="en-US"/>
           </a:p>
@@ -8077,7 +8469,7 @@
           <a:p>
             <a:fld id="{7A851FC4-1B5A-4A7C-AA95-15844BE05AA9}" type="datetime1">
               <a:rPr lang="en-US" smtClean="0"/>
-              <a:t>2/23/2025</a:t>
+              <a:t>2/28/2025</a:t>
             </a:fld>
             <a:endParaRPr lang="en-US"/>
           </a:p>
@@ -8365,7 +8757,7 @@
           <a:p>
             <a:fld id="{C01B0DD6-CB45-457F-A1DA-9E3A0E3683D6}" type="datetime1">
               <a:rPr lang="en-US" smtClean="0"/>
-              <a:t>2/23/2025</a:t>
+              <a:t>2/28/2025</a:t>
             </a:fld>
             <a:endParaRPr lang="en-US"/>
           </a:p>
@@ -8787,7 +9179,7 @@
           <a:p>
             <a:fld id="{CA458FD7-BAE3-4CDD-8C19-AD20F5972751}" type="datetime1">
               <a:rPr lang="en-US" smtClean="0"/>
-              <a:t>2/23/2025</a:t>
+              <a:t>2/28/2025</a:t>
             </a:fld>
             <a:endParaRPr lang="en-US"/>
           </a:p>
@@ -8905,7 +9297,7 @@
           <a:p>
             <a:fld id="{AC9E4D94-E4FF-4667-9276-D4665BFC9DCB}" type="datetime1">
               <a:rPr lang="en-US" smtClean="0"/>
-              <a:t>2/23/2025</a:t>
+              <a:t>2/28/2025</a:t>
             </a:fld>
             <a:endParaRPr lang="en-US"/>
           </a:p>
@@ -9000,7 +9392,7 @@
           <a:p>
             <a:fld id="{5D8DFC15-7203-4972-853B-6FEACD84F7DF}" type="datetime1">
               <a:rPr lang="en-US" smtClean="0"/>
-              <a:t>2/23/2025</a:t>
+              <a:t>2/28/2025</a:t>
             </a:fld>
             <a:endParaRPr lang="en-US"/>
           </a:p>
@@ -9277,7 +9669,7 @@
           <a:p>
             <a:fld id="{3551DEEB-6358-41BB-B985-D3DD34568FA1}" type="datetime1">
               <a:rPr lang="en-US" smtClean="0"/>
-              <a:t>2/23/2025</a:t>
+              <a:t>2/28/2025</a:t>
             </a:fld>
             <a:endParaRPr lang="en-US"/>
           </a:p>
@@ -9530,7 +9922,7 @@
           <a:p>
             <a:fld id="{E4ACCB68-27F7-431D-B234-05878582807D}" type="datetime1">
               <a:rPr lang="en-US" smtClean="0"/>
-              <a:t>2/23/2025</a:t>
+              <a:t>2/28/2025</a:t>
             </a:fld>
             <a:endParaRPr lang="en-US"/>
           </a:p>
@@ -9743,7 +10135,7 @@
           <a:p>
             <a:fld id="{FC27569B-FE9D-4E13-9399-A8B5AD924944}" type="datetime1">
               <a:rPr lang="en-US" smtClean="0"/>
-              <a:t>2/23/2025</a:t>
+              <a:t>2/28/2025</a:t>
             </a:fld>
             <a:endParaRPr lang="en-US"/>
           </a:p>
@@ -12677,7 +13069,23 @@
                   <a:srgbClr val="00B050"/>
                 </a:solidFill>
               </a:rPr>
-              <a:t>S + D =&gt; D</a:t>
+              <a:t>R</a:t>
+            </a:r>
+            <a:r>
+              <a:rPr lang="en-US" sz="2400" dirty="0" smtClean="0">
+                <a:solidFill>
+                  <a:srgbClr val="00B050"/>
+                </a:solidFill>
+              </a:rPr>
+              <a:t> </a:t>
+            </a:r>
+            <a:r>
+              <a:rPr lang="en-US" sz="2400" dirty="0">
+                <a:solidFill>
+                  <a:srgbClr val="00B050"/>
+                </a:solidFill>
+              </a:rPr>
+              <a:t>+ D =&gt; D</a:t>
             </a:r>
             <a:endParaRPr lang="en-US" sz="2400" dirty="0" smtClean="0">
               <a:solidFill>
@@ -15232,7 +15640,17 @@
             <a:pPr lvl="1"/>
             <a:r>
               <a:rPr lang="en-US" dirty="0" smtClean="0"/>
-              <a:t>Which included a 24-bit RISC ISA implementation</a:t>
+              <a:t>Which included a 24-bit RISC ISA </a:t>
+            </a:r>
+            <a:r>
+              <a:rPr lang="en-US" dirty="0" smtClean="0"/>
+              <a:t>implementation</a:t>
+            </a:r>
+          </a:p>
+          <a:p>
+            <a:r>
+              <a:rPr lang="en-US" dirty="0" smtClean="0"/>
+              <a:t>Glossary and references</a:t>
             </a:r>
             <a:endParaRPr lang="en-US" dirty="0"/>
           </a:p>
@@ -16239,7 +16657,7 @@
         <p:spPr>
           <a:xfrm>
             <a:off x="457200" y="274638"/>
-            <a:ext cx="8229600" cy="944562"/>
+            <a:ext cx="8229600" cy="792162"/>
           </a:xfrm>
         </p:spPr>
         <p:txBody>
@@ -16328,39 +16746,73 @@
           <a:p>
             <a:r>
               <a:rPr lang="en-US" dirty="0" smtClean="0"/>
-              <a:t>Limited set of 24-bit instructions</a:t>
+              <a:t>Add </a:t>
+            </a:r>
+            <a:r>
+              <a:rPr lang="en-US" dirty="0" smtClean="0"/>
+              <a:t>additional ports to register file</a:t>
+            </a:r>
+          </a:p>
+          <a:p>
+            <a:r>
+              <a:rPr lang="en-US" dirty="0"/>
+              <a:t>Limited set of 24-bit </a:t>
+            </a:r>
+            <a:r>
+              <a:rPr lang="en-US" dirty="0" smtClean="0"/>
+              <a:t>instructions </a:t>
+            </a:r>
+            <a:r>
+              <a:rPr lang="en-US" sz="2600" i="1" dirty="0" smtClean="0"/>
+              <a:t>(16-bit data)</a:t>
+            </a:r>
+            <a:endParaRPr lang="en-US" sz="2600" i="1" dirty="0"/>
+          </a:p>
+          <a:p>
+            <a:r>
+              <a:rPr lang="en-US" dirty="0" smtClean="0"/>
+              <a:t>Add </a:t>
+            </a:r>
+            <a:r>
+              <a:rPr lang="en-US" dirty="0" smtClean="0"/>
+              <a:t>byte write enables to </a:t>
+            </a:r>
+            <a:r>
+              <a:rPr lang="en-US" dirty="0" smtClean="0"/>
+              <a:t>memory </a:t>
+            </a:r>
+            <a:r>
+              <a:rPr lang="en-US" sz="2600" i="1" dirty="0" smtClean="0"/>
+              <a:t>(8 &amp; 16-bit data)</a:t>
+            </a:r>
+            <a:endParaRPr lang="en-US" i="1" dirty="0" smtClean="0"/>
+          </a:p>
+          <a:p>
+            <a:r>
+              <a:rPr lang="en-US" dirty="0" smtClean="0"/>
+              <a:t>24-bit registers and 32-bit memory</a:t>
             </a:r>
           </a:p>
           <a:p>
             <a:pPr lvl="1"/>
             <a:r>
               <a:rPr lang="en-US" dirty="0" smtClean="0"/>
-              <a:t>Constrained by two port register file</a:t>
-            </a:r>
-          </a:p>
-          <a:p>
-            <a:r>
-              <a:rPr lang="en-US" dirty="0" smtClean="0"/>
-              <a:t>Add additional ports to register file</a:t>
-            </a:r>
-          </a:p>
-          <a:p>
-            <a:r>
-              <a:rPr lang="en-US" dirty="0" smtClean="0"/>
-              <a:t>Add byte write enables to memory</a:t>
-            </a:r>
-          </a:p>
-          <a:p>
-            <a:r>
-              <a:rPr lang="en-US" dirty="0" smtClean="0"/>
-              <a:t>24-bit registers and 32-bit memory</a:t>
+              <a:t>Need assembler to generate memory </a:t>
+            </a:r>
+            <a:r>
+              <a:rPr lang="en-US" dirty="0" smtClean="0"/>
+              <a:t>initialization</a:t>
             </a:r>
           </a:p>
           <a:p>
             <a:pPr lvl="1"/>
             <a:r>
               <a:rPr lang="en-US" dirty="0" smtClean="0"/>
-              <a:t>Need assembler to generate memory initialization</a:t>
+              <a:t>Unless</a:t>
+            </a:r>
+            <a:r>
+              <a:rPr lang="en-US" dirty="0" smtClean="0"/>
+              <a:t> using word aligned instructions</a:t>
             </a:r>
             <a:endParaRPr lang="en-US" dirty="0"/>
           </a:p>
@@ -16416,7 +16868,7 @@
         <p:spPr>
           <a:xfrm>
             <a:off x="457200" y="274638"/>
-            <a:ext cx="8229600" cy="1020762"/>
+            <a:ext cx="8229600" cy="868362"/>
           </a:xfrm>
         </p:spPr>
         <p:txBody>
@@ -16445,13 +16897,13 @@
         </p:nvSpPr>
         <p:spPr>
           <a:xfrm>
-            <a:off x="457200" y="1371600"/>
+            <a:off x="457200" y="1219200"/>
             <a:ext cx="8229600" cy="4800600"/>
           </a:xfrm>
         </p:spPr>
         <p:txBody>
           <a:bodyPr>
-            <a:normAutofit fontScale="92500" lnSpcReduction="10000"/>
+            <a:normAutofit fontScale="85000" lnSpcReduction="20000"/>
           </a:bodyPr>
           <a:lstStyle/>
           <a:p>
@@ -16464,8 +16916,20 @@
             <a:pPr lvl="1"/>
             <a:r>
               <a:rPr lang="en-US" dirty="0" smtClean="0"/>
-              <a:t>Needed to generate memory initialization files</a:t>
-            </a:r>
+              <a:t>Needed to generate memory initialization </a:t>
+            </a:r>
+            <a:r>
+              <a:rPr lang="en-US" dirty="0" smtClean="0"/>
+              <a:t>files</a:t>
+            </a:r>
+          </a:p>
+          <a:p>
+            <a:pPr lvl="1"/>
+            <a:r>
+              <a:rPr lang="en-US" dirty="0" smtClean="0"/>
+              <a:t>Previously wrote a subroutine for each type of instruction, program was a long set of subroutine calls</a:t>
+            </a:r>
+            <a:endParaRPr lang="en-US" dirty="0" smtClean="0"/>
           </a:p>
           <a:p>
             <a:r>
@@ -16829,7 +17293,12 @@
             <p:ph type="title"/>
           </p:nvPr>
         </p:nvSpPr>
-        <p:spPr/>
+        <p:spPr>
+          <a:xfrm>
+            <a:off x="457200" y="228600"/>
+            <a:ext cx="8229600" cy="685800"/>
+          </a:xfrm>
+        </p:spPr>
         <p:txBody>
           <a:bodyPr>
             <a:normAutofit/>
@@ -16837,6 +17306,653 @@
           <a:lstStyle/>
           <a:p>
             <a:r>
+              <a:rPr lang="en-US" sz="3600" dirty="0" smtClean="0"/>
+              <a:t>Glossary</a:t>
+            </a:r>
+            <a:endParaRPr lang="en-US" sz="3600" dirty="0"/>
+          </a:p>
+        </p:txBody>
+      </p:sp>
+      <p:sp>
+        <p:nvSpPr>
+          <p:cNvPr id="3" name="Content Placeholder 2"/>
+          <p:cNvSpPr>
+            <a:spLocks noGrp="1"/>
+          </p:cNvSpPr>
+          <p:nvPr>
+            <p:ph idx="1"/>
+          </p:nvPr>
+        </p:nvSpPr>
+        <p:spPr>
+          <a:xfrm>
+            <a:off x="457200" y="990600"/>
+            <a:ext cx="8229600" cy="5029200"/>
+          </a:xfrm>
+        </p:spPr>
+        <p:txBody>
+          <a:bodyPr numCol="1">
+            <a:normAutofit lnSpcReduction="10000"/>
+          </a:bodyPr>
+          <a:lstStyle/>
+          <a:p>
+            <a:pPr marL="0" indent="0">
+              <a:buNone/>
+            </a:pPr>
+            <a:r>
+              <a:rPr lang="en-US" sz="1800" b="1" dirty="0" smtClean="0"/>
+              <a:t>ALU</a:t>
+            </a:r>
+            <a:r>
+              <a:rPr lang="en-US" sz="1800" dirty="0" smtClean="0"/>
+              <a:t>: (Arithmetic </a:t>
+            </a:r>
+            <a:r>
+              <a:rPr lang="en-US" sz="1800" dirty="0"/>
+              <a:t>L</a:t>
+            </a:r>
+            <a:r>
+              <a:rPr lang="en-US" sz="1800" dirty="0" smtClean="0"/>
+              <a:t>ogic Unit) device that performs arithmetic or logic on its </a:t>
+            </a:r>
+            <a:r>
+              <a:rPr lang="en-US" sz="1800" i="1" dirty="0" smtClean="0"/>
+              <a:t>data</a:t>
+            </a:r>
+            <a:r>
+              <a:rPr lang="en-US" sz="1800" dirty="0" smtClean="0"/>
+              <a:t> inputs</a:t>
+            </a:r>
+          </a:p>
+          <a:p>
+            <a:pPr marL="0" indent="0">
+              <a:buNone/>
+            </a:pPr>
+            <a:r>
+              <a:rPr lang="en-US" sz="1800" b="1" dirty="0"/>
+              <a:t>Code </a:t>
+            </a:r>
+            <a:r>
+              <a:rPr lang="en-US" sz="1800" b="1" dirty="0" smtClean="0"/>
+              <a:t>density</a:t>
+            </a:r>
+            <a:r>
+              <a:rPr lang="en-US" sz="1800" dirty="0" smtClean="0"/>
+              <a:t>: number derived from comparing the relative binary sizes of a program on different computers or different programming languages</a:t>
+            </a:r>
+            <a:endParaRPr lang="en-US" sz="1800" dirty="0"/>
+          </a:p>
+          <a:p>
+            <a:pPr marL="0" indent="0">
+              <a:buNone/>
+            </a:pPr>
+            <a:r>
+              <a:rPr lang="en-US" sz="1800" b="1" dirty="0" smtClean="0"/>
+              <a:t>Data</a:t>
+            </a:r>
+            <a:r>
+              <a:rPr lang="en-US" sz="1800" dirty="0" smtClean="0"/>
+              <a:t>: a collection of bits, often called a word or byte, as the object of a program</a:t>
+            </a:r>
+          </a:p>
+          <a:p>
+            <a:pPr marL="0" indent="0">
+              <a:buNone/>
+            </a:pPr>
+            <a:r>
+              <a:rPr lang="en-US" sz="1800" b="1" dirty="0" smtClean="0"/>
+              <a:t>Instruction</a:t>
+            </a:r>
+            <a:r>
+              <a:rPr lang="en-US" sz="1800" dirty="0" smtClean="0"/>
+              <a:t>: a collection of bits used to specify processing of data</a:t>
+            </a:r>
+          </a:p>
+          <a:p>
+            <a:pPr marL="0" indent="0">
+              <a:buNone/>
+            </a:pPr>
+            <a:r>
+              <a:rPr lang="en-US" sz="1800" b="1" dirty="0" smtClean="0"/>
+              <a:t>IP:</a:t>
+            </a:r>
+            <a:r>
+              <a:rPr lang="en-US" sz="1800" dirty="0" smtClean="0"/>
+              <a:t> (Intellectual Property) well documented and tested soft core designs</a:t>
+            </a:r>
+            <a:endParaRPr lang="en-US" sz="1800" b="1" dirty="0" smtClean="0"/>
+          </a:p>
+          <a:p>
+            <a:pPr marL="0" indent="0">
+              <a:buNone/>
+            </a:pPr>
+            <a:r>
+              <a:rPr lang="en-US" sz="1800" b="1" dirty="0" smtClean="0"/>
+              <a:t>ISA</a:t>
+            </a:r>
+            <a:r>
+              <a:rPr lang="en-US" sz="1800" dirty="0" smtClean="0"/>
+              <a:t>: (Instruction Set Architecture) description of a digital computer from the programmer’s point of view.  </a:t>
+            </a:r>
+            <a:r>
+              <a:rPr lang="en-US" sz="1800" dirty="0"/>
+              <a:t>P</a:t>
+            </a:r>
+            <a:r>
+              <a:rPr lang="en-US" sz="1800" dirty="0" smtClean="0"/>
+              <a:t>recisely describes the operation of each instruction</a:t>
+            </a:r>
+            <a:endParaRPr lang="en-US" sz="1800" dirty="0"/>
+          </a:p>
+          <a:p>
+            <a:pPr marL="0" indent="0">
+              <a:buNone/>
+            </a:pPr>
+            <a:r>
+              <a:rPr lang="en-US" sz="1800" b="1" dirty="0"/>
+              <a:t>MUX</a:t>
+            </a:r>
+            <a:r>
+              <a:rPr lang="en-US" sz="1800" dirty="0"/>
+              <a:t>: </a:t>
+            </a:r>
+            <a:r>
+              <a:rPr lang="en-US" sz="1800" i="1" dirty="0"/>
+              <a:t>multiplexor</a:t>
+            </a:r>
+            <a:r>
+              <a:rPr lang="en-US" sz="1800" dirty="0"/>
+              <a:t> a device with control input that selects one of its other </a:t>
+            </a:r>
+            <a:r>
+              <a:rPr lang="en-US" sz="1800" i="1" dirty="0" smtClean="0"/>
+              <a:t>data </a:t>
+            </a:r>
+            <a:r>
+              <a:rPr lang="en-US" sz="1800" dirty="0"/>
+              <a:t>inputs as its output</a:t>
+            </a:r>
+          </a:p>
+          <a:p>
+            <a:pPr marL="0" indent="0">
+              <a:buNone/>
+            </a:pPr>
+            <a:r>
+              <a:rPr lang="en-US" sz="1800" b="1" dirty="0" smtClean="0"/>
+              <a:t>Op-code</a:t>
+            </a:r>
+            <a:r>
+              <a:rPr lang="en-US" sz="1800" dirty="0"/>
+              <a:t>: binary code or its alphanumeric equivalent of a specific instruction, e.g. “ADD” specifies the add instruction</a:t>
+            </a:r>
+          </a:p>
+          <a:p>
+            <a:pPr marL="0" indent="0">
+              <a:buNone/>
+            </a:pPr>
+            <a:r>
+              <a:rPr lang="en-US" sz="1800" b="1" dirty="0" smtClean="0"/>
+              <a:t>Register</a:t>
+            </a:r>
+            <a:r>
+              <a:rPr lang="en-US" sz="1800" dirty="0" smtClean="0"/>
+              <a:t>: circuit that will hold a binary vector indefinitely until changed</a:t>
+            </a:r>
+          </a:p>
+          <a:p>
+            <a:pPr marL="0" indent="0">
+              <a:buNone/>
+            </a:pPr>
+            <a:r>
+              <a:rPr lang="en-US" sz="1800" b="1" dirty="0" smtClean="0"/>
+              <a:t>RISC</a:t>
+            </a:r>
+            <a:r>
+              <a:rPr lang="en-US" sz="1800" dirty="0" smtClean="0"/>
+              <a:t>: (</a:t>
+            </a:r>
+            <a:r>
+              <a:rPr lang="en-US" sz="1800" dirty="0"/>
+              <a:t>R</a:t>
+            </a:r>
+            <a:r>
+              <a:rPr lang="en-US" sz="1800" dirty="0" smtClean="0"/>
+              <a:t>educed </a:t>
+            </a:r>
+            <a:r>
+              <a:rPr lang="en-US" sz="1800" dirty="0"/>
+              <a:t>I</a:t>
+            </a:r>
+            <a:r>
+              <a:rPr lang="en-US" sz="1800" dirty="0" smtClean="0"/>
+              <a:t>nstruction </a:t>
+            </a:r>
+            <a:r>
+              <a:rPr lang="en-US" sz="1800" dirty="0"/>
+              <a:t>S</a:t>
+            </a:r>
+            <a:r>
+              <a:rPr lang="en-US" sz="1800" dirty="0" smtClean="0"/>
+              <a:t>et Computer) better characterized as containing a uniform register file with separation of memory load &amp; store from register processing</a:t>
+            </a:r>
+          </a:p>
+          <a:p>
+            <a:pPr marL="0" indent="0">
+              <a:buNone/>
+            </a:pPr>
+            <a:r>
+              <a:rPr lang="en-US" sz="1800" b="1" dirty="0" smtClean="0"/>
+              <a:t>RTL</a:t>
+            </a:r>
+            <a:r>
+              <a:rPr lang="en-US" sz="1800" dirty="0" smtClean="0"/>
+              <a:t>: (Register Transfer Language) specifies in detail the operation of a digital circuit in terms of logic and registers.  Examples are VHDL and System Verilog.</a:t>
+            </a:r>
+          </a:p>
+          <a:p>
+            <a:pPr marL="0" indent="0">
+              <a:buNone/>
+            </a:pPr>
+            <a:endParaRPr lang="en-US" sz="1800" dirty="0" smtClean="0"/>
+          </a:p>
+        </p:txBody>
+      </p:sp>
+    </p:spTree>
+    <p:extLst>
+      <p:ext uri="{BB962C8B-B14F-4D97-AF65-F5344CB8AC3E}">
+        <p14:creationId xmlns:p14="http://schemas.microsoft.com/office/powerpoint/2010/main" val="2002479985"/>
+      </p:ext>
+    </p:extLst>
+  </p:cSld>
+  <p:clrMapOvr>
+    <a:masterClrMapping/>
+  </p:clrMapOvr>
+  <p:timing>
+    <p:tnLst>
+      <p:par>
+        <p:cTn id="1" dur="indefinite" restart="never" nodeType="tmRoot"/>
+      </p:par>
+    </p:tnLst>
+  </p:timing>
+</p:sld>
+</file>
+
+<file path=ppt/slides/slide27.xml><?xml version="1.0" encoding="utf-8"?>
+<p:sld xmlns:a="http://schemas.openxmlformats.org/drawingml/2006/main" xmlns:r="http://schemas.openxmlformats.org/officeDocument/2006/relationships" xmlns:p="http://schemas.openxmlformats.org/presentationml/2006/main">
+  <p:cSld>
+    <p:spTree>
+      <p:nvGrpSpPr>
+        <p:cNvPr id="1" name=""/>
+        <p:cNvGrpSpPr/>
+        <p:nvPr/>
+      </p:nvGrpSpPr>
+      <p:grpSpPr>
+        <a:xfrm>
+          <a:off x="0" y="0"/>
+          <a:ext cx="0" cy="0"/>
+          <a:chOff x="0" y="0"/>
+          <a:chExt cx="0" cy="0"/>
+        </a:xfrm>
+      </p:grpSpPr>
+      <p:sp>
+        <p:nvSpPr>
+          <p:cNvPr id="2" name="Title 1"/>
+          <p:cNvSpPr>
+            <a:spLocks noGrp="1"/>
+          </p:cNvSpPr>
+          <p:nvPr>
+            <p:ph type="title"/>
+          </p:nvPr>
+        </p:nvSpPr>
+        <p:spPr>
+          <a:xfrm>
+            <a:off x="457200" y="228600"/>
+            <a:ext cx="8229600" cy="685800"/>
+          </a:xfrm>
+        </p:spPr>
+        <p:txBody>
+          <a:bodyPr>
+            <a:normAutofit/>
+          </a:bodyPr>
+          <a:lstStyle/>
+          <a:p>
+            <a:r>
+              <a:rPr lang="en-US" sz="3600" dirty="0" smtClean="0"/>
+              <a:t>References</a:t>
+            </a:r>
+            <a:endParaRPr lang="en-US" sz="3600" dirty="0"/>
+          </a:p>
+        </p:txBody>
+      </p:sp>
+      <p:sp>
+        <p:nvSpPr>
+          <p:cNvPr id="3" name="Content Placeholder 2"/>
+          <p:cNvSpPr>
+            <a:spLocks noGrp="1"/>
+          </p:cNvSpPr>
+          <p:nvPr>
+            <p:ph idx="1"/>
+          </p:nvPr>
+        </p:nvSpPr>
+        <p:spPr>
+          <a:xfrm>
+            <a:off x="457200" y="990600"/>
+            <a:ext cx="8229600" cy="5029200"/>
+          </a:xfrm>
+        </p:spPr>
+        <p:txBody>
+          <a:bodyPr numCol="1">
+            <a:normAutofit/>
+          </a:bodyPr>
+          <a:lstStyle/>
+          <a:p>
+            <a:pPr marL="0" indent="0">
+              <a:buNone/>
+            </a:pPr>
+            <a:r>
+              <a:rPr lang="en-US" sz="1800" dirty="0" smtClean="0"/>
+              <a:t>Harris &amp; Harris: Digital Design and Computer Architecture: </a:t>
+            </a:r>
+            <a:r>
+              <a:rPr lang="en-US" sz="1800" i="1" dirty="0" smtClean="0"/>
+              <a:t>highly recommended book</a:t>
+            </a:r>
+          </a:p>
+          <a:p>
+            <a:pPr marL="0" indent="0">
+              <a:buNone/>
+            </a:pPr>
+            <a:r>
+              <a:rPr lang="en-US" sz="1800" dirty="0" smtClean="0"/>
+              <a:t>IEEE-754: Floating-point arithmetic standard</a:t>
+            </a:r>
+          </a:p>
+          <a:p>
+            <a:pPr marL="0" indent="0">
+              <a:buNone/>
+            </a:pPr>
+            <a:r>
+              <a:rPr lang="en-US" sz="1800" dirty="0" smtClean="0"/>
+              <a:t>RISC-V: A specific RISC computer ISA widely used in courses at universities</a:t>
+            </a:r>
+          </a:p>
+          <a:p>
+            <a:pPr marL="0" indent="0">
+              <a:buNone/>
+            </a:pPr>
+            <a:r>
+              <a:rPr lang="en-US" sz="1800" dirty="0" smtClean="0"/>
+              <a:t>Open source CPUs: </a:t>
+            </a:r>
+            <a:r>
+              <a:rPr lang="en-US" sz="1800" dirty="0" smtClean="0">
+                <a:hlinkClick r:id="rId3"/>
+              </a:rPr>
+              <a:t>github.com/</a:t>
+            </a:r>
+            <a:r>
+              <a:rPr lang="en-US" sz="1800" dirty="0" err="1" smtClean="0">
+                <a:hlinkClick r:id="rId3"/>
+              </a:rPr>
+              <a:t>jimbrake</a:t>
+            </a:r>
+            <a:r>
+              <a:rPr lang="en-US" sz="1800" dirty="0" smtClean="0">
+                <a:hlinkClick r:id="rId3"/>
+              </a:rPr>
+              <a:t>/</a:t>
+            </a:r>
+            <a:r>
+              <a:rPr lang="en-US" sz="1800" dirty="0" err="1" smtClean="0">
+                <a:hlinkClick r:id="rId3"/>
+              </a:rPr>
+              <a:t>cpu_soft_cores</a:t>
+            </a:r>
+            <a:r>
+              <a:rPr lang="en-US" sz="1800" dirty="0" smtClean="0"/>
+              <a:t> Incomplete list of ~600 CPUs along with web-page, author and various details.  Hobby, educational &amp; IP</a:t>
+            </a:r>
+          </a:p>
+          <a:p>
+            <a:pPr marL="0" indent="0">
+              <a:buNone/>
+            </a:pPr>
+            <a:r>
+              <a:rPr lang="en-US" sz="1800" dirty="0"/>
+              <a:t>POSIT: </a:t>
+            </a:r>
+            <a:r>
+              <a:rPr lang="en-US" sz="1800" dirty="0" smtClean="0">
+                <a:hlinkClick r:id="rId4"/>
+              </a:rPr>
+              <a:t>posithub.org/docs/posit_standard-2.pdf</a:t>
+            </a:r>
+            <a:r>
+              <a:rPr lang="en-US" sz="1800" dirty="0" smtClean="0"/>
+              <a:t> </a:t>
+            </a:r>
+          </a:p>
+          <a:p>
+            <a:pPr marL="0" indent="0">
+              <a:buNone/>
+            </a:pPr>
+            <a:r>
+              <a:rPr lang="en-US" sz="1800" dirty="0" smtClean="0"/>
+              <a:t>PT-float: </a:t>
+            </a:r>
+            <a:r>
+              <a:rPr lang="en-US" sz="1800" u="sng" dirty="0" smtClean="0">
+                <a:hlinkClick r:id="rId5"/>
+              </a:rPr>
+              <a:t>www.ac.uma.es/arith2024/program.html</a:t>
+            </a:r>
+            <a:r>
+              <a:rPr lang="en-US" sz="1800" dirty="0" smtClean="0"/>
+              <a:t> </a:t>
+            </a:r>
+            <a:r>
+              <a:rPr lang="en-US" sz="1800" dirty="0"/>
+              <a:t>See Session 7 for paper and </a:t>
+            </a:r>
+            <a:r>
+              <a:rPr lang="en-US" sz="1800" dirty="0" smtClean="0"/>
+              <a:t>slides</a:t>
+            </a:r>
+          </a:p>
+          <a:p>
+            <a:pPr marL="0" indent="0">
+              <a:spcBef>
+                <a:spcPts val="600"/>
+              </a:spcBef>
+              <a:buNone/>
+            </a:pPr>
+            <a:r>
+              <a:rPr lang="en-US" sz="1800" dirty="0"/>
+              <a:t>FPGA tool chains: Intel/Altera, </a:t>
+            </a:r>
+            <a:r>
+              <a:rPr lang="en-US" sz="1800" dirty="0" err="1"/>
+              <a:t>Gowin</a:t>
+            </a:r>
+            <a:r>
+              <a:rPr lang="en-US" sz="1800" dirty="0"/>
+              <a:t>, </a:t>
+            </a:r>
+            <a:r>
+              <a:rPr lang="en-US" sz="1800" dirty="0" err="1" smtClean="0"/>
+              <a:t>Latticesemi</a:t>
+            </a:r>
+            <a:r>
+              <a:rPr lang="en-US" sz="1800" dirty="0"/>
+              <a:t>, </a:t>
+            </a:r>
+            <a:r>
+              <a:rPr lang="en-US" sz="1800" dirty="0" smtClean="0"/>
+              <a:t>Microchip/</a:t>
+            </a:r>
+            <a:r>
+              <a:rPr lang="en-US" sz="1800" dirty="0" err="1" smtClean="0"/>
+              <a:t>Actel</a:t>
+            </a:r>
+            <a:r>
+              <a:rPr lang="en-US" sz="1800" dirty="0" smtClean="0"/>
+              <a:t> &amp; AMD/Xilinx  each of these companies manufacture FPGA chips and provide “free” software tools to configure their chips via RTL (VHDL or </a:t>
+            </a:r>
+            <a:r>
+              <a:rPr lang="en-US" sz="1800" dirty="0" err="1" smtClean="0"/>
+              <a:t>verilog</a:t>
+            </a:r>
+            <a:r>
+              <a:rPr lang="en-US" sz="1800" dirty="0" smtClean="0"/>
+              <a:t>)</a:t>
+            </a:r>
+          </a:p>
+          <a:p>
+            <a:pPr marL="0" indent="0">
+              <a:spcBef>
+                <a:spcPts val="600"/>
+              </a:spcBef>
+              <a:buNone/>
+            </a:pPr>
+            <a:r>
+              <a:rPr lang="en-US" sz="1800" dirty="0" smtClean="0">
+                <a:hlinkClick r:id="rId6"/>
+              </a:rPr>
+              <a:t>www.intel.com/content/www/us/en/products/details/fpga/development-tools.html</a:t>
+            </a:r>
+            <a:r>
+              <a:rPr lang="en-US" sz="1800" dirty="0" smtClean="0"/>
+              <a:t> </a:t>
+            </a:r>
+          </a:p>
+          <a:p>
+            <a:pPr marL="0" indent="0">
+              <a:spcBef>
+                <a:spcPts val="600"/>
+              </a:spcBef>
+              <a:buNone/>
+            </a:pPr>
+            <a:r>
+              <a:rPr lang="en-US" sz="1800" dirty="0">
+                <a:hlinkClick r:id="rId7"/>
+              </a:rPr>
+              <a:t>www.gowinsemi.com/en/support/home/</a:t>
+            </a:r>
+            <a:r>
+              <a:rPr lang="en-US" sz="1800" dirty="0"/>
+              <a:t> </a:t>
+            </a:r>
+          </a:p>
+          <a:p>
+            <a:pPr marL="0" indent="0">
+              <a:spcBef>
+                <a:spcPts val="600"/>
+              </a:spcBef>
+              <a:buNone/>
+            </a:pPr>
+            <a:r>
+              <a:rPr lang="en-US" sz="1800" dirty="0" smtClean="0">
+                <a:hlinkClick r:id="rId8"/>
+              </a:rPr>
+              <a:t>www.latticesemi.com/software</a:t>
+            </a:r>
+            <a:r>
+              <a:rPr lang="en-US" sz="1800" dirty="0" smtClean="0"/>
+              <a:t> </a:t>
+            </a:r>
+          </a:p>
+          <a:p>
+            <a:pPr marL="0" indent="0">
+              <a:spcBef>
+                <a:spcPts val="600"/>
+              </a:spcBef>
+              <a:buNone/>
+            </a:pPr>
+            <a:r>
+              <a:rPr lang="en-US" sz="1800" dirty="0" smtClean="0">
+                <a:hlinkClick r:id="rId9"/>
+              </a:rPr>
+              <a:t>www.microchip.com/en-us/products/fpgas-and-plds/fpga-and-soc-design-tools</a:t>
+            </a:r>
+            <a:r>
+              <a:rPr lang="en-US" sz="1800" dirty="0" smtClean="0"/>
+              <a:t> </a:t>
+            </a:r>
+          </a:p>
+          <a:p>
+            <a:pPr marL="0" indent="0">
+              <a:spcBef>
+                <a:spcPts val="600"/>
+              </a:spcBef>
+              <a:buNone/>
+            </a:pPr>
+            <a:r>
+              <a:rPr lang="en-US" sz="1800" dirty="0" smtClean="0">
+                <a:hlinkClick r:id="rId10"/>
+              </a:rPr>
+              <a:t>www.xilinx.com/support/download.html</a:t>
+            </a:r>
+            <a:r>
+              <a:rPr lang="en-US" sz="1800" dirty="0" smtClean="0"/>
+              <a:t> </a:t>
+            </a:r>
+          </a:p>
+        </p:txBody>
+      </p:sp>
+    </p:spTree>
+    <p:extLst>
+      <p:ext uri="{BB962C8B-B14F-4D97-AF65-F5344CB8AC3E}">
+        <p14:creationId xmlns:p14="http://schemas.microsoft.com/office/powerpoint/2010/main" val="1581455694"/>
+      </p:ext>
+    </p:extLst>
+  </p:cSld>
+  <p:clrMapOvr>
+    <a:masterClrMapping/>
+  </p:clrMapOvr>
+  <p:timing>
+    <p:tnLst>
+      <p:par>
+        <p:cTn id="1" dur="indefinite" restart="never" nodeType="tmRoot"/>
+      </p:par>
+    </p:tnLst>
+  </p:timing>
+</p:sld>
+</file>
+
+<file path=ppt/slides/slide28.xml><?xml version="1.0" encoding="utf-8"?>
+<p:sld xmlns:a="http://schemas.openxmlformats.org/drawingml/2006/main" xmlns:r="http://schemas.openxmlformats.org/officeDocument/2006/relationships" xmlns:p="http://schemas.openxmlformats.org/presentationml/2006/main">
+  <p:cSld>
+    <p:spTree>
+      <p:nvGrpSpPr>
+        <p:cNvPr id="1" name=""/>
+        <p:cNvGrpSpPr/>
+        <p:nvPr/>
+      </p:nvGrpSpPr>
+      <p:grpSpPr>
+        <a:xfrm>
+          <a:off x="0" y="0"/>
+          <a:ext cx="0" cy="0"/>
+          <a:chOff x="0" y="0"/>
+          <a:chExt cx="0" cy="0"/>
+        </a:xfrm>
+      </p:grpSpPr>
+      <p:sp>
+        <p:nvSpPr>
+          <p:cNvPr id="2" name="Title 1"/>
+          <p:cNvSpPr>
+            <a:spLocks noGrp="1"/>
+          </p:cNvSpPr>
+          <p:nvPr>
+            <p:ph type="title"/>
+          </p:nvPr>
+        </p:nvSpPr>
+        <p:spPr/>
+        <p:txBody>
+          <a:bodyPr>
+            <a:normAutofit/>
+          </a:bodyPr>
+          <a:lstStyle/>
+          <a:p>
+            <a:r>
               <a:rPr lang="en-US" sz="4000" dirty="0" smtClean="0"/>
               <a:t>FPGA resources</a:t>
             </a:r>
@@ -16870,13 +17986,33 @@
             <a:pPr lvl="1"/>
             <a:r>
               <a:rPr lang="en-US" dirty="0" smtClean="0"/>
-              <a:t>Include carry chain for building adders</a:t>
-            </a:r>
-          </a:p>
-          <a:p>
-            <a:r>
-              <a:rPr lang="en-US" dirty="0" smtClean="0"/>
-              <a:t>DFF	D flip-flop		1 to 2 per LUT</a:t>
+              <a:t>Includes </a:t>
+            </a:r>
+            <a:r>
+              <a:rPr lang="en-US" dirty="0" smtClean="0"/>
+              <a:t>carry chain for building adders</a:t>
+            </a:r>
+          </a:p>
+          <a:p>
+            <a:r>
+              <a:rPr lang="en-US" dirty="0" smtClean="0"/>
+              <a:t>DFF	</a:t>
+            </a:r>
+            <a:r>
+              <a:rPr lang="en-US" dirty="0" smtClean="0"/>
+              <a:t>	D </a:t>
+            </a:r>
+            <a:r>
+              <a:rPr lang="en-US" dirty="0" smtClean="0"/>
+              <a:t>flip-flop	</a:t>
+            </a:r>
+            <a:r>
+              <a:rPr lang="en-US" dirty="0" smtClean="0"/>
+              <a:t>1 </a:t>
+            </a:r>
+            <a:r>
+              <a:rPr lang="en-US" dirty="0" smtClean="0"/>
+              <a:t>to 2 per LUT</a:t>
             </a:r>
           </a:p>
           <a:p>
@@ -16962,7 +18098,7 @@
 </p:sld>
 </file>
 
-<file path=ppt/slides/slide27.xml><?xml version="1.0" encoding="utf-8"?>
+<file path=ppt/slides/slide29.xml><?xml version="1.0" encoding="utf-8"?>
 <p:sld xmlns:a="http://schemas.openxmlformats.org/drawingml/2006/main" xmlns:r="http://schemas.openxmlformats.org/officeDocument/2006/relationships" xmlns:p="http://schemas.openxmlformats.org/presentationml/2006/main">
   <p:cSld>
     <p:spTree>
@@ -17087,7 +18223,199 @@
 </p:sld>
 </file>
 
-<file path=ppt/slides/slide28.xml><?xml version="1.0" encoding="utf-8"?>
+<file path=ppt/slides/slide3.xml><?xml version="1.0" encoding="utf-8"?>
+<p:sld xmlns:a="http://schemas.openxmlformats.org/drawingml/2006/main" xmlns:r="http://schemas.openxmlformats.org/officeDocument/2006/relationships" xmlns:p="http://schemas.openxmlformats.org/presentationml/2006/main">
+  <p:cSld>
+    <p:spTree>
+      <p:nvGrpSpPr>
+        <p:cNvPr id="1" name=""/>
+        <p:cNvGrpSpPr/>
+        <p:nvPr/>
+      </p:nvGrpSpPr>
+      <p:grpSpPr>
+        <a:xfrm>
+          <a:off x="0" y="0"/>
+          <a:ext cx="0" cy="0"/>
+          <a:chOff x="0" y="0"/>
+          <a:chExt cx="0" cy="0"/>
+        </a:xfrm>
+      </p:grpSpPr>
+      <p:sp>
+        <p:nvSpPr>
+          <p:cNvPr id="2" name="Title 1"/>
+          <p:cNvSpPr>
+            <a:spLocks noGrp="1"/>
+          </p:cNvSpPr>
+          <p:nvPr>
+            <p:ph type="title"/>
+          </p:nvPr>
+        </p:nvSpPr>
+        <p:spPr>
+          <a:xfrm>
+            <a:off x="457200" y="274638"/>
+            <a:ext cx="8229600" cy="792162"/>
+          </a:xfrm>
+        </p:spPr>
+        <p:txBody>
+          <a:bodyPr>
+            <a:normAutofit/>
+          </a:bodyPr>
+          <a:lstStyle/>
+          <a:p>
+            <a:r>
+              <a:rPr lang="en-US" sz="4000" dirty="0" smtClean="0"/>
+              <a:t>Goals</a:t>
+            </a:r>
+            <a:endParaRPr lang="en-US" sz="4000" dirty="0"/>
+          </a:p>
+        </p:txBody>
+      </p:sp>
+      <p:sp>
+        <p:nvSpPr>
+          <p:cNvPr id="3" name="Content Placeholder 2"/>
+          <p:cNvSpPr>
+            <a:spLocks noGrp="1"/>
+          </p:cNvSpPr>
+          <p:nvPr>
+            <p:ph idx="1"/>
+          </p:nvPr>
+        </p:nvSpPr>
+        <p:spPr>
+          <a:xfrm>
+            <a:off x="457200" y="1295400"/>
+            <a:ext cx="8229600" cy="5181600"/>
+          </a:xfrm>
+        </p:spPr>
+        <p:txBody>
+          <a:bodyPr numCol="1">
+            <a:normAutofit lnSpcReduction="10000"/>
+          </a:bodyPr>
+          <a:lstStyle/>
+          <a:p>
+            <a:r>
+              <a:rPr lang="en-US" sz="2800" dirty="0" smtClean="0"/>
+              <a:t>Generality: create an RTL (VHDL) template</a:t>
+            </a:r>
+          </a:p>
+          <a:p>
+            <a:r>
+              <a:rPr lang="en-US" sz="2800" dirty="0" smtClean="0"/>
+              <a:t>Efficiency: Register file with single cycle execution</a:t>
+            </a:r>
+          </a:p>
+          <a:p>
+            <a:r>
+              <a:rPr lang="en-US" sz="2800" dirty="0" smtClean="0"/>
+              <a:t>Code density</a:t>
+            </a:r>
+          </a:p>
+          <a:p>
+            <a:pPr lvl="1"/>
+            <a:r>
+              <a:rPr lang="en-US" sz="2400" dirty="0" smtClean="0"/>
+              <a:t>Variable length instructions: 16, 24 &amp; 32-bits</a:t>
+            </a:r>
+          </a:p>
+          <a:p>
+            <a:pPr lvl="1"/>
+            <a:r>
+              <a:rPr lang="en-US" sz="2400" dirty="0" smtClean="0"/>
+              <a:t>Variable length immediate values: </a:t>
+            </a:r>
+            <a:r>
+              <a:rPr lang="en-US" sz="2400" dirty="0"/>
+              <a:t>5</a:t>
+            </a:r>
+            <a:r>
+              <a:rPr lang="en-US" sz="2400" dirty="0" smtClean="0"/>
+              <a:t>, 12, 16, 24, … bits</a:t>
+            </a:r>
+            <a:endParaRPr lang="en-US" dirty="0"/>
+          </a:p>
+          <a:p>
+            <a:r>
+              <a:rPr lang="en-US" sz="2800" dirty="0" smtClean="0"/>
+              <a:t>Generality again:</a:t>
+            </a:r>
+          </a:p>
+          <a:p>
+            <a:pPr lvl="1"/>
+            <a:r>
+              <a:rPr lang="en-US" sz="2400" dirty="0" smtClean="0"/>
+              <a:t>Four data sizes: 8, 16, 24 &amp; 32-bits for example</a:t>
+            </a:r>
+          </a:p>
+          <a:p>
+            <a:pPr lvl="1"/>
+            <a:r>
+              <a:rPr lang="en-US" sz="2400" dirty="0" smtClean="0"/>
+              <a:t>Four data types: unsigned, signed, float, experimental</a:t>
+            </a:r>
+          </a:p>
+          <a:p>
+            <a:pPr lvl="1"/>
+            <a:r>
+              <a:rPr lang="en-US" sz="2400" dirty="0" smtClean="0"/>
+              <a:t>Adaptable to non-power of two word sizes</a:t>
+            </a:r>
+          </a:p>
+          <a:p>
+            <a:pPr lvl="1"/>
+            <a:r>
+              <a:rPr lang="en-US" sz="2400" dirty="0" smtClean="0"/>
+              <a:t>With restrictions*, capable of high performance </a:t>
+            </a:r>
+          </a:p>
+          <a:p>
+            <a:r>
+              <a:rPr lang="en-US" sz="2800" dirty="0" smtClean="0"/>
+              <a:t>Continuation of </a:t>
+            </a:r>
+            <a:r>
+              <a:rPr lang="en-US" sz="2800" i="1" dirty="0" smtClean="0"/>
+              <a:t>Axiomatic </a:t>
+            </a:r>
+            <a:r>
+              <a:rPr lang="en-US" sz="2800" i="1" dirty="0" err="1"/>
+              <a:t>uP</a:t>
+            </a:r>
+            <a:r>
+              <a:rPr lang="en-US" sz="2800" i="1" dirty="0"/>
+              <a:t> </a:t>
+            </a:r>
+            <a:r>
+              <a:rPr lang="en-US" sz="2800" i="1" dirty="0" smtClean="0"/>
+              <a:t>Architecture</a:t>
+            </a:r>
+            <a:r>
+              <a:rPr lang="en-US" sz="2800" dirty="0" smtClean="0"/>
+              <a:t>, 2015</a:t>
+            </a:r>
+            <a:endParaRPr lang="en-US" sz="3000" dirty="0" smtClean="0"/>
+          </a:p>
+        </p:txBody>
+      </p:sp>
+    </p:spTree>
+    <p:extLst>
+      <p:ext uri="{BB962C8B-B14F-4D97-AF65-F5344CB8AC3E}">
+        <p14:creationId xmlns:p14="http://schemas.microsoft.com/office/powerpoint/2010/main" val="1195601661"/>
+      </p:ext>
+    </p:extLst>
+  </p:cSld>
+  <p:clrMapOvr>
+    <a:masterClrMapping/>
+  </p:clrMapOvr>
+  <p:timing>
+    <p:tnLst>
+      <p:par>
+        <p:cTn id="1" dur="indefinite" restart="never" nodeType="tmRoot"/>
+      </p:par>
+    </p:tnLst>
+  </p:timing>
+</p:sld>
+</file>
+
+<file path=ppt/slides/slide30.xml><?xml version="1.0" encoding="utf-8"?>
 <p:sld xmlns:a="http://schemas.openxmlformats.org/drawingml/2006/main" xmlns:r="http://schemas.openxmlformats.org/officeDocument/2006/relationships" xmlns:p="http://schemas.openxmlformats.org/presentationml/2006/main">
   <p:cSld>
     <p:spTree>
@@ -17212,7 +18540,7 @@
 </p:sld>
 </file>
 
-<file path=ppt/slides/slide29.xml><?xml version="1.0" encoding="utf-8"?>
+<file path=ppt/slides/slide31.xml><?xml version="1.0" encoding="utf-8"?>
 <p:sld xmlns:a="http://schemas.openxmlformats.org/drawingml/2006/main" xmlns:r="http://schemas.openxmlformats.org/officeDocument/2006/relationships" xmlns:p="http://schemas.openxmlformats.org/presentationml/2006/main">
   <p:cSld>
     <p:spTree>
@@ -17341,199 +18669,7 @@
 </p:sld>
 </file>
 
-<file path=ppt/slides/slide3.xml><?xml version="1.0" encoding="utf-8"?>
-<p:sld xmlns:a="http://schemas.openxmlformats.org/drawingml/2006/main" xmlns:r="http://schemas.openxmlformats.org/officeDocument/2006/relationships" xmlns:p="http://schemas.openxmlformats.org/presentationml/2006/main">
-  <p:cSld>
-    <p:spTree>
-      <p:nvGrpSpPr>
-        <p:cNvPr id="1" name=""/>
-        <p:cNvGrpSpPr/>
-        <p:nvPr/>
-      </p:nvGrpSpPr>
-      <p:grpSpPr>
-        <a:xfrm>
-          <a:off x="0" y="0"/>
-          <a:ext cx="0" cy="0"/>
-          <a:chOff x="0" y="0"/>
-          <a:chExt cx="0" cy="0"/>
-        </a:xfrm>
-      </p:grpSpPr>
-      <p:sp>
-        <p:nvSpPr>
-          <p:cNvPr id="2" name="Title 1"/>
-          <p:cNvSpPr>
-            <a:spLocks noGrp="1"/>
-          </p:cNvSpPr>
-          <p:nvPr>
-            <p:ph type="title"/>
-          </p:nvPr>
-        </p:nvSpPr>
-        <p:spPr>
-          <a:xfrm>
-            <a:off x="457200" y="274638"/>
-            <a:ext cx="8229600" cy="792162"/>
-          </a:xfrm>
-        </p:spPr>
-        <p:txBody>
-          <a:bodyPr>
-            <a:normAutofit/>
-          </a:bodyPr>
-          <a:lstStyle/>
-          <a:p>
-            <a:r>
-              <a:rPr lang="en-US" sz="4000" dirty="0" smtClean="0"/>
-              <a:t>Goals</a:t>
-            </a:r>
-            <a:endParaRPr lang="en-US" sz="4000" dirty="0"/>
-          </a:p>
-        </p:txBody>
-      </p:sp>
-      <p:sp>
-        <p:nvSpPr>
-          <p:cNvPr id="3" name="Content Placeholder 2"/>
-          <p:cNvSpPr>
-            <a:spLocks noGrp="1"/>
-          </p:cNvSpPr>
-          <p:nvPr>
-            <p:ph idx="1"/>
-          </p:nvPr>
-        </p:nvSpPr>
-        <p:spPr>
-          <a:xfrm>
-            <a:off x="457200" y="1295400"/>
-            <a:ext cx="8229600" cy="5181600"/>
-          </a:xfrm>
-        </p:spPr>
-        <p:txBody>
-          <a:bodyPr numCol="1">
-            <a:normAutofit lnSpcReduction="10000"/>
-          </a:bodyPr>
-          <a:lstStyle/>
-          <a:p>
-            <a:r>
-              <a:rPr lang="en-US" sz="2800" dirty="0" smtClean="0"/>
-              <a:t>Generality: create an RTL (VHDL) template</a:t>
-            </a:r>
-          </a:p>
-          <a:p>
-            <a:r>
-              <a:rPr lang="en-US" sz="2800" dirty="0" smtClean="0"/>
-              <a:t>Efficiency: Register file with single cycle execution</a:t>
-            </a:r>
-          </a:p>
-          <a:p>
-            <a:r>
-              <a:rPr lang="en-US" sz="2800" dirty="0" smtClean="0"/>
-              <a:t>Code density</a:t>
-            </a:r>
-          </a:p>
-          <a:p>
-            <a:pPr lvl="1"/>
-            <a:r>
-              <a:rPr lang="en-US" sz="2400" dirty="0" smtClean="0"/>
-              <a:t>Variable length instructions: 16, 24 &amp; 32-bits</a:t>
-            </a:r>
-          </a:p>
-          <a:p>
-            <a:pPr lvl="1"/>
-            <a:r>
-              <a:rPr lang="en-US" sz="2400" dirty="0" smtClean="0"/>
-              <a:t>Variable length immediate values: </a:t>
-            </a:r>
-            <a:r>
-              <a:rPr lang="en-US" sz="2400" dirty="0"/>
-              <a:t>5</a:t>
-            </a:r>
-            <a:r>
-              <a:rPr lang="en-US" sz="2400" dirty="0" smtClean="0"/>
-              <a:t>, 12, 16, 24, … bits</a:t>
-            </a:r>
-            <a:endParaRPr lang="en-US" dirty="0"/>
-          </a:p>
-          <a:p>
-            <a:r>
-              <a:rPr lang="en-US" sz="2800" dirty="0" smtClean="0"/>
-              <a:t>Generality again:</a:t>
-            </a:r>
-          </a:p>
-          <a:p>
-            <a:pPr lvl="1"/>
-            <a:r>
-              <a:rPr lang="en-US" sz="2400" dirty="0" smtClean="0"/>
-              <a:t>Four data sizes: 8, 16, 24 &amp; 32-bits for example</a:t>
-            </a:r>
-          </a:p>
-          <a:p>
-            <a:pPr lvl="1"/>
-            <a:r>
-              <a:rPr lang="en-US" sz="2400" dirty="0" smtClean="0"/>
-              <a:t>Four data types: unsigned, signed, float, experimental</a:t>
-            </a:r>
-          </a:p>
-          <a:p>
-            <a:pPr lvl="1"/>
-            <a:r>
-              <a:rPr lang="en-US" sz="2400" dirty="0" smtClean="0"/>
-              <a:t>Adaptable to non-power of two word sizes</a:t>
-            </a:r>
-          </a:p>
-          <a:p>
-            <a:pPr lvl="1"/>
-            <a:r>
-              <a:rPr lang="en-US" sz="2400" dirty="0" smtClean="0"/>
-              <a:t>With restrictions*, capable of high performance </a:t>
-            </a:r>
-          </a:p>
-          <a:p>
-            <a:r>
-              <a:rPr lang="en-US" sz="2800" dirty="0" smtClean="0"/>
-              <a:t>Continuation of </a:t>
-            </a:r>
-            <a:r>
-              <a:rPr lang="en-US" sz="2800" i="1" dirty="0" smtClean="0"/>
-              <a:t>Axiomatic </a:t>
-            </a:r>
-            <a:r>
-              <a:rPr lang="en-US" sz="2800" i="1" dirty="0" err="1"/>
-              <a:t>uP</a:t>
-            </a:r>
-            <a:r>
-              <a:rPr lang="en-US" sz="2800" i="1" dirty="0"/>
-              <a:t> </a:t>
-            </a:r>
-            <a:r>
-              <a:rPr lang="en-US" sz="2800" i="1" dirty="0" smtClean="0"/>
-              <a:t>Architecture</a:t>
-            </a:r>
-            <a:r>
-              <a:rPr lang="en-US" sz="2800" dirty="0" smtClean="0"/>
-              <a:t>, 2015</a:t>
-            </a:r>
-            <a:endParaRPr lang="en-US" sz="3000" dirty="0" smtClean="0"/>
-          </a:p>
-        </p:txBody>
-      </p:sp>
-    </p:spTree>
-    <p:extLst>
-      <p:ext uri="{BB962C8B-B14F-4D97-AF65-F5344CB8AC3E}">
-        <p14:creationId xmlns:p14="http://schemas.microsoft.com/office/powerpoint/2010/main" val="1195601661"/>
-      </p:ext>
-    </p:extLst>
-  </p:cSld>
-  <p:clrMapOvr>
-    <a:masterClrMapping/>
-  </p:clrMapOvr>
-  <p:timing>
-    <p:tnLst>
-      <p:par>
-        <p:cTn id="1" dur="indefinite" restart="never" nodeType="tmRoot"/>
-      </p:par>
-    </p:tnLst>
-  </p:timing>
-</p:sld>
-</file>
-
-<file path=ppt/slides/slide30.xml><?xml version="1.0" encoding="utf-8"?>
+<file path=ppt/slides/slide32.xml><?xml version="1.0" encoding="utf-8"?>
 <p:sld xmlns:a="http://schemas.openxmlformats.org/drawingml/2006/main" xmlns:r="http://schemas.openxmlformats.org/officeDocument/2006/relationships" xmlns:p="http://schemas.openxmlformats.org/presentationml/2006/main">
   <p:cSld>
     <p:spTree>
@@ -17670,7 +18806,7 @@
 </p:sld>
 </file>
 
-<file path=ppt/slides/slide31.xml><?xml version="1.0" encoding="utf-8"?>
+<file path=ppt/slides/slide33.xml><?xml version="1.0" encoding="utf-8"?>
 <p:sld xmlns:a="http://schemas.openxmlformats.org/drawingml/2006/main" xmlns:r="http://schemas.openxmlformats.org/officeDocument/2006/relationships" xmlns:p="http://schemas.openxmlformats.org/presentationml/2006/main">
   <p:cSld>
     <p:spTree>
@@ -17807,2667 +18943,6 @@
 </p:sld>
 </file>
 
-<file path=ppt/slides/slide32.xml><?xml version="1.0" encoding="utf-8"?>
-<p:sld xmlns:a="http://schemas.openxmlformats.org/drawingml/2006/main" xmlns:r="http://schemas.openxmlformats.org/officeDocument/2006/relationships" xmlns:p="http://schemas.openxmlformats.org/presentationml/2006/main">
-  <p:cSld>
-    <p:spTree>
-      <p:nvGrpSpPr>
-        <p:cNvPr id="1" name=""/>
-        <p:cNvGrpSpPr/>
-        <p:nvPr/>
-      </p:nvGrpSpPr>
-      <p:grpSpPr>
-        <a:xfrm>
-          <a:off x="0" y="0"/>
-          <a:ext cx="0" cy="0"/>
-          <a:chOff x="0" y="0"/>
-          <a:chExt cx="0" cy="0"/>
-        </a:xfrm>
-      </p:grpSpPr>
-      <p:sp>
-        <p:nvSpPr>
-          <p:cNvPr id="2" name="Title 1"/>
-          <p:cNvSpPr>
-            <a:spLocks noGrp="1"/>
-          </p:cNvSpPr>
-          <p:nvPr>
-            <p:ph type="title"/>
-          </p:nvPr>
-        </p:nvSpPr>
-        <p:spPr/>
-        <p:txBody>
-          <a:bodyPr>
-            <a:normAutofit/>
-          </a:bodyPr>
-          <a:lstStyle/>
-          <a:p>
-            <a:r>
-              <a:rPr lang="en-US" sz="4000" dirty="0" smtClean="0"/>
-              <a:t>ROIS24_24uP</a:t>
-            </a:r>
-            <a:endParaRPr lang="en-US" sz="4000" dirty="0"/>
-          </a:p>
-        </p:txBody>
-      </p:sp>
-      <p:sp>
-        <p:nvSpPr>
-          <p:cNvPr id="3" name="Content Placeholder 2"/>
-          <p:cNvSpPr>
-            <a:spLocks noGrp="1"/>
-          </p:cNvSpPr>
-          <p:nvPr>
-            <p:ph idx="1"/>
-          </p:nvPr>
-        </p:nvSpPr>
-        <p:spPr/>
-        <p:txBody>
-          <a:bodyPr>
-            <a:normAutofit fontScale="92500" lnSpcReduction="10000"/>
-          </a:bodyPr>
-          <a:lstStyle/>
-          <a:p>
-            <a:pPr marL="342900" lvl="2" indent="-342900"/>
-            <a:r>
-              <a:rPr lang="en-US" sz="3200" dirty="0"/>
-              <a:t>64 24-bit </a:t>
-            </a:r>
-            <a:r>
-              <a:rPr lang="en-US" sz="3200" dirty="0" smtClean="0"/>
-              <a:t>registers: uses 96 LUTs, quad ported</a:t>
-            </a:r>
-            <a:endParaRPr lang="en-US" sz="3200" dirty="0"/>
-          </a:p>
-          <a:p>
-            <a:pPr marL="342900" lvl="2" indent="-342900"/>
-            <a:r>
-              <a:rPr lang="en-US" sz="3200" dirty="0"/>
-              <a:t>24 bit instruction with 6-bit op-code and three 6-bit register </a:t>
-            </a:r>
-            <a:r>
-              <a:rPr lang="en-US" sz="3200" dirty="0" smtClean="0"/>
-              <a:t>designators</a:t>
-            </a:r>
-          </a:p>
-          <a:p>
-            <a:pPr marL="800100" lvl="3" indent="-342900"/>
-            <a:r>
-              <a:rPr lang="en-US" sz="2200" dirty="0" smtClean="0">
-                <a:latin typeface="Arial" panose="020B0604020202020204" pitchFamily="34" charset="0"/>
-                <a:cs typeface="Arial" panose="020B0604020202020204" pitchFamily="34" charset="0"/>
-              </a:rPr>
-              <a:t>XXXXXX DDDDDD RRRRRR SSSSSS		(DRS)</a:t>
-            </a:r>
-          </a:p>
-          <a:p>
-            <a:pPr marL="800100" lvl="3" indent="-342900"/>
-            <a:r>
-              <a:rPr lang="en-US" sz="2200" dirty="0">
-                <a:latin typeface="Arial" panose="020B0604020202020204" pitchFamily="34" charset="0"/>
-                <a:cs typeface="Arial" panose="020B0604020202020204" pitchFamily="34" charset="0"/>
-              </a:rPr>
-              <a:t>XXXXXX DDDDDD </a:t>
-            </a:r>
-            <a:r>
-              <a:rPr lang="en-US" sz="2200" dirty="0" smtClean="0">
-                <a:latin typeface="Arial" panose="020B0604020202020204" pitchFamily="34" charset="0"/>
-                <a:cs typeface="Arial" panose="020B0604020202020204" pitchFamily="34" charset="0"/>
-              </a:rPr>
-              <a:t>RRRRRR </a:t>
-            </a:r>
-            <a:r>
-              <a:rPr lang="en-US" sz="2200" dirty="0" err="1" smtClean="0">
-                <a:latin typeface="Arial" panose="020B0604020202020204" pitchFamily="34" charset="0"/>
-                <a:cs typeface="Arial" panose="020B0604020202020204" pitchFamily="34" charset="0"/>
-              </a:rPr>
-              <a:t>sNNNNN</a:t>
-            </a:r>
-            <a:r>
-              <a:rPr lang="en-US" sz="2200" dirty="0" smtClean="0">
-                <a:latin typeface="Arial" panose="020B0604020202020204" pitchFamily="34" charset="0"/>
-                <a:cs typeface="Arial" panose="020B0604020202020204" pitchFamily="34" charset="0"/>
-              </a:rPr>
-              <a:t>		(</a:t>
-            </a:r>
-            <a:r>
-              <a:rPr lang="en-US" sz="2200" dirty="0" err="1" smtClean="0">
-                <a:latin typeface="Arial" panose="020B0604020202020204" pitchFamily="34" charset="0"/>
-                <a:cs typeface="Arial" panose="020B0604020202020204" pitchFamily="34" charset="0"/>
-              </a:rPr>
-              <a:t>DRsN</a:t>
-            </a:r>
-            <a:r>
-              <a:rPr lang="en-US" sz="2200" dirty="0" smtClean="0">
-                <a:latin typeface="Arial" panose="020B0604020202020204" pitchFamily="34" charset="0"/>
-                <a:cs typeface="Arial" panose="020B0604020202020204" pitchFamily="34" charset="0"/>
-              </a:rPr>
-              <a:t>)</a:t>
-            </a:r>
-          </a:p>
-          <a:p>
-            <a:pPr marL="800100" lvl="3" indent="-342900"/>
-            <a:r>
-              <a:rPr lang="en-US" sz="2200" dirty="0">
-                <a:latin typeface="Arial" panose="020B0604020202020204" pitchFamily="34" charset="0"/>
-                <a:cs typeface="Arial" panose="020B0604020202020204" pitchFamily="34" charset="0"/>
-              </a:rPr>
-              <a:t>XXXXXX DDDDDD </a:t>
-            </a:r>
-            <a:r>
-              <a:rPr lang="en-US" sz="2200" dirty="0" err="1" smtClean="0">
-                <a:latin typeface="Arial" panose="020B0604020202020204" pitchFamily="34" charset="0"/>
-                <a:cs typeface="Arial" panose="020B0604020202020204" pitchFamily="34" charset="0"/>
-              </a:rPr>
-              <a:t>sNNNNN</a:t>
-            </a:r>
-            <a:r>
-              <a:rPr lang="en-US" sz="2200" dirty="0" smtClean="0">
-                <a:latin typeface="Arial" panose="020B0604020202020204" pitchFamily="34" charset="0"/>
-                <a:cs typeface="Arial" panose="020B0604020202020204" pitchFamily="34" charset="0"/>
-              </a:rPr>
-              <a:t> NNNNNN		(</a:t>
-            </a:r>
-            <a:r>
-              <a:rPr lang="en-US" sz="2200" dirty="0" err="1" smtClean="0">
-                <a:latin typeface="Arial" panose="020B0604020202020204" pitchFamily="34" charset="0"/>
-                <a:cs typeface="Arial" panose="020B0604020202020204" pitchFamily="34" charset="0"/>
-              </a:rPr>
-              <a:t>DsNN</a:t>
-            </a:r>
-            <a:r>
-              <a:rPr lang="en-US" sz="2200" dirty="0" smtClean="0">
-                <a:latin typeface="Arial" panose="020B0604020202020204" pitchFamily="34" charset="0"/>
-                <a:cs typeface="Arial" panose="020B0604020202020204" pitchFamily="34" charset="0"/>
-              </a:rPr>
-              <a:t>)</a:t>
-            </a:r>
-            <a:endParaRPr lang="en-US" sz="2200" dirty="0">
-              <a:latin typeface="Arial" panose="020B0604020202020204" pitchFamily="34" charset="0"/>
-              <a:cs typeface="Arial" panose="020B0604020202020204" pitchFamily="34" charset="0"/>
-            </a:endParaRPr>
-          </a:p>
-          <a:p>
-            <a:pPr marL="800100" lvl="3" indent="-342900"/>
-            <a:r>
-              <a:rPr lang="en-US" sz="2200" dirty="0" smtClean="0">
-                <a:latin typeface="Arial" panose="020B0604020202020204" pitchFamily="34" charset="0"/>
-                <a:cs typeface="Arial" panose="020B0604020202020204" pitchFamily="34" charset="0"/>
-              </a:rPr>
-              <a:t>XXXXXX </a:t>
-            </a:r>
-            <a:r>
-              <a:rPr lang="en-US" sz="2200" dirty="0" err="1">
-                <a:latin typeface="Arial" panose="020B0604020202020204" pitchFamily="34" charset="0"/>
-                <a:cs typeface="Arial" panose="020B0604020202020204" pitchFamily="34" charset="0"/>
-              </a:rPr>
-              <a:t>sNNNNN</a:t>
-            </a:r>
-            <a:r>
-              <a:rPr lang="en-US" sz="2200" dirty="0">
-                <a:latin typeface="Arial" panose="020B0604020202020204" pitchFamily="34" charset="0"/>
-                <a:cs typeface="Arial" panose="020B0604020202020204" pitchFamily="34" charset="0"/>
-              </a:rPr>
-              <a:t> </a:t>
-            </a:r>
-            <a:r>
-              <a:rPr lang="en-US" sz="2200" dirty="0" smtClean="0">
-                <a:latin typeface="Arial" panose="020B0604020202020204" pitchFamily="34" charset="0"/>
-                <a:cs typeface="Arial" panose="020B0604020202020204" pitchFamily="34" charset="0"/>
-              </a:rPr>
-              <a:t>NNNNNN </a:t>
-            </a:r>
-            <a:r>
-              <a:rPr lang="en-US" sz="2200" dirty="0" err="1" smtClean="0">
-                <a:latin typeface="Arial" panose="020B0604020202020204" pitchFamily="34" charset="0"/>
-                <a:cs typeface="Arial" panose="020B0604020202020204" pitchFamily="34" charset="0"/>
-              </a:rPr>
-              <a:t>NNNNNN</a:t>
-            </a:r>
-            <a:r>
-              <a:rPr lang="en-US" sz="2200" dirty="0" smtClean="0">
-                <a:latin typeface="Arial" panose="020B0604020202020204" pitchFamily="34" charset="0"/>
-                <a:cs typeface="Arial" panose="020B0604020202020204" pitchFamily="34" charset="0"/>
-              </a:rPr>
-              <a:t>		(</a:t>
-            </a:r>
-            <a:r>
-              <a:rPr lang="en-US" sz="2200" dirty="0" err="1" smtClean="0">
-                <a:latin typeface="Arial" panose="020B0604020202020204" pitchFamily="34" charset="0"/>
-                <a:cs typeface="Arial" panose="020B0604020202020204" pitchFamily="34" charset="0"/>
-              </a:rPr>
-              <a:t>sNNN</a:t>
-            </a:r>
-            <a:r>
-              <a:rPr lang="en-US" sz="2200" dirty="0" smtClean="0">
-                <a:latin typeface="Arial" panose="020B0604020202020204" pitchFamily="34" charset="0"/>
-                <a:cs typeface="Arial" panose="020B0604020202020204" pitchFamily="34" charset="0"/>
-              </a:rPr>
-              <a:t>)</a:t>
-            </a:r>
-            <a:endParaRPr lang="en-US" sz="2200" dirty="0">
-              <a:latin typeface="Arial" panose="020B0604020202020204" pitchFamily="34" charset="0"/>
-              <a:cs typeface="Arial" panose="020B0604020202020204" pitchFamily="34" charset="0"/>
-            </a:endParaRPr>
-          </a:p>
-          <a:p>
-            <a:pPr marL="342900" lvl="2" indent="-342900"/>
-            <a:r>
-              <a:rPr lang="en-US" sz="3200" dirty="0"/>
-              <a:t>24-bit by 1024 word block RAM main memory</a:t>
-            </a:r>
-          </a:p>
-          <a:p>
-            <a:r>
-              <a:rPr lang="en-US" dirty="0"/>
-              <a:t>IO ports </a:t>
-            </a:r>
-            <a:r>
-              <a:rPr lang="en-US" dirty="0" smtClean="0"/>
-              <a:t>directly connected to LEDs, Switches, Push button, 100MHz clock</a:t>
-            </a:r>
-            <a:endParaRPr lang="en-US" dirty="0"/>
-          </a:p>
-        </p:txBody>
-      </p:sp>
-    </p:spTree>
-    <p:extLst>
-      <p:ext uri="{BB962C8B-B14F-4D97-AF65-F5344CB8AC3E}">
-        <p14:creationId xmlns:p14="http://schemas.microsoft.com/office/powerpoint/2010/main" val="3013366072"/>
-      </p:ext>
-    </p:extLst>
-  </p:cSld>
-  <p:clrMapOvr>
-    <a:masterClrMapping/>
-  </p:clrMapOvr>
-  <p:timing>
-    <p:tnLst>
-      <p:par>
-        <p:cTn id="1" dur="indefinite" restart="never" nodeType="tmRoot"/>
-      </p:par>
-    </p:tnLst>
-  </p:timing>
-</p:sld>
-</file>
-
-<file path=ppt/slides/slide33.xml><?xml version="1.0" encoding="utf-8"?>
-<p:sld xmlns:a="http://schemas.openxmlformats.org/drawingml/2006/main" xmlns:r="http://schemas.openxmlformats.org/officeDocument/2006/relationships" xmlns:p="http://schemas.openxmlformats.org/presentationml/2006/main">
-  <p:cSld>
-    <p:spTree>
-      <p:nvGrpSpPr>
-        <p:cNvPr id="1" name=""/>
-        <p:cNvGrpSpPr/>
-        <p:nvPr/>
-      </p:nvGrpSpPr>
-      <p:grpSpPr>
-        <a:xfrm>
-          <a:off x="0" y="0"/>
-          <a:ext cx="0" cy="0"/>
-          <a:chOff x="0" y="0"/>
-          <a:chExt cx="0" cy="0"/>
-        </a:xfrm>
-      </p:grpSpPr>
-      <p:sp>
-        <p:nvSpPr>
-          <p:cNvPr id="2" name="Title 1"/>
-          <p:cNvSpPr>
-            <a:spLocks noGrp="1"/>
-          </p:cNvSpPr>
-          <p:nvPr>
-            <p:ph type="title"/>
-          </p:nvPr>
-        </p:nvSpPr>
-        <p:spPr>
-          <a:xfrm>
-            <a:off x="533400" y="304800"/>
-            <a:ext cx="8229600" cy="1143000"/>
-          </a:xfrm>
-        </p:spPr>
-        <p:txBody>
-          <a:bodyPr>
-            <a:normAutofit/>
-          </a:bodyPr>
-          <a:lstStyle/>
-          <a:p>
-            <a:r>
-              <a:rPr lang="en-US" sz="4000" dirty="0" smtClean="0"/>
-              <a:t>rois24_24uP block diagram</a:t>
-            </a:r>
-            <a:br>
-              <a:rPr lang="en-US" sz="4000" dirty="0" smtClean="0"/>
-            </a:br>
-            <a:r>
-              <a:rPr lang="en-US" sz="2000" dirty="0" smtClean="0"/>
-              <a:t>write enables on all registers and RAMs</a:t>
-            </a:r>
-            <a:endParaRPr lang="en-US" sz="2000" dirty="0"/>
-          </a:p>
-        </p:txBody>
-      </p:sp>
-      <p:sp>
-        <p:nvSpPr>
-          <p:cNvPr id="3" name="Content Placeholder 2"/>
-          <p:cNvSpPr>
-            <a:spLocks noGrp="1"/>
-          </p:cNvSpPr>
-          <p:nvPr>
-            <p:ph idx="1"/>
-          </p:nvPr>
-        </p:nvSpPr>
-        <p:spPr>
-          <a:xfrm>
-            <a:off x="182880" y="1175266"/>
-            <a:ext cx="2819400" cy="609600"/>
-          </a:xfrm>
-        </p:spPr>
-        <p:txBody>
-          <a:bodyPr/>
-          <a:lstStyle/>
-          <a:p>
-            <a:pPr marL="0" indent="0">
-              <a:buNone/>
-            </a:pPr>
-            <a:r>
-              <a:rPr lang="en-US" dirty="0" smtClean="0"/>
-              <a:t> </a:t>
-            </a:r>
-            <a:endParaRPr lang="en-US" dirty="0"/>
-          </a:p>
-        </p:txBody>
-      </p:sp>
-      <p:sp>
-        <p:nvSpPr>
-          <p:cNvPr id="4" name="TextBox 3"/>
-          <p:cNvSpPr txBox="1"/>
-          <p:nvPr/>
-        </p:nvSpPr>
-        <p:spPr>
-          <a:xfrm>
-            <a:off x="2438400" y="3810000"/>
-            <a:ext cx="426720" cy="369332"/>
-          </a:xfrm>
-          <a:prstGeom prst="rect">
-            <a:avLst/>
-          </a:prstGeom>
-          <a:noFill/>
-          <a:ln w="15875">
-            <a:solidFill>
-              <a:schemeClr val="tx1">
-                <a:lumMod val="95000"/>
-                <a:lumOff val="5000"/>
-              </a:schemeClr>
-            </a:solidFill>
-          </a:ln>
-        </p:spPr>
-        <p:txBody>
-          <a:bodyPr wrap="none" rtlCol="0">
-            <a:spAutoFit/>
-          </a:bodyPr>
-          <a:lstStyle/>
-          <a:p>
-            <a:r>
-              <a:rPr lang="en-US" dirty="0" smtClean="0"/>
-              <a:t>PC</a:t>
-            </a:r>
-            <a:endParaRPr lang="en-US" dirty="0"/>
-          </a:p>
-        </p:txBody>
-      </p:sp>
-      <p:sp>
-        <p:nvSpPr>
-          <p:cNvPr id="5" name="TextBox 4"/>
-          <p:cNvSpPr txBox="1"/>
-          <p:nvPr/>
-        </p:nvSpPr>
-        <p:spPr>
-          <a:xfrm>
-            <a:off x="838200" y="3800225"/>
-            <a:ext cx="685800" cy="369332"/>
-          </a:xfrm>
-          <a:prstGeom prst="rect">
-            <a:avLst/>
-          </a:prstGeom>
-          <a:noFill/>
-          <a:ln w="15875">
-            <a:solidFill>
-              <a:schemeClr val="tx1">
-                <a:lumMod val="95000"/>
-                <a:lumOff val="5000"/>
-              </a:schemeClr>
-            </a:solidFill>
-          </a:ln>
-        </p:spPr>
-        <p:txBody>
-          <a:bodyPr wrap="square" rtlCol="0">
-            <a:spAutoFit/>
-          </a:bodyPr>
-          <a:lstStyle/>
-          <a:p>
-            <a:r>
-              <a:rPr lang="en-US" dirty="0" smtClean="0"/>
-              <a:t>state</a:t>
-            </a:r>
-            <a:endParaRPr lang="en-US" dirty="0"/>
-          </a:p>
-        </p:txBody>
-      </p:sp>
-      <p:sp>
-        <p:nvSpPr>
-          <p:cNvPr id="6" name="TextBox 5"/>
-          <p:cNvSpPr txBox="1"/>
-          <p:nvPr/>
-        </p:nvSpPr>
-        <p:spPr>
-          <a:xfrm>
-            <a:off x="1676400" y="3800225"/>
-            <a:ext cx="556563" cy="369332"/>
-          </a:xfrm>
-          <a:prstGeom prst="rect">
-            <a:avLst/>
-          </a:prstGeom>
-          <a:noFill/>
-          <a:ln w="15875">
-            <a:solidFill>
-              <a:schemeClr val="tx1">
-                <a:lumMod val="95000"/>
-                <a:lumOff val="5000"/>
-              </a:schemeClr>
-            </a:solidFill>
-          </a:ln>
-        </p:spPr>
-        <p:txBody>
-          <a:bodyPr wrap="none" rtlCol="0">
-            <a:spAutoFit/>
-          </a:bodyPr>
-          <a:lstStyle/>
-          <a:p>
-            <a:r>
-              <a:rPr lang="en-US" dirty="0" smtClean="0"/>
-              <a:t>CCR</a:t>
-            </a:r>
-            <a:endParaRPr lang="en-US" dirty="0"/>
-          </a:p>
-        </p:txBody>
-      </p:sp>
-      <p:sp>
-        <p:nvSpPr>
-          <p:cNvPr id="7" name="TextBox 6"/>
-          <p:cNvSpPr txBox="1"/>
-          <p:nvPr/>
-        </p:nvSpPr>
-        <p:spPr>
-          <a:xfrm>
-            <a:off x="3352800" y="2606933"/>
-            <a:ext cx="1828800" cy="2308324"/>
-          </a:xfrm>
-          <a:prstGeom prst="rect">
-            <a:avLst/>
-          </a:prstGeom>
-          <a:noFill/>
-          <a:ln w="28575">
-            <a:solidFill>
-              <a:srgbClr val="00B050"/>
-            </a:solidFill>
-          </a:ln>
-        </p:spPr>
-        <p:txBody>
-          <a:bodyPr wrap="square" rtlCol="0">
-            <a:spAutoFit/>
-          </a:bodyPr>
-          <a:lstStyle/>
-          <a:p>
-            <a:pPr algn="ctr"/>
-            <a:r>
-              <a:rPr lang="en-US" dirty="0" smtClean="0"/>
-              <a:t>Combinatorial logic</a:t>
-            </a:r>
-          </a:p>
-          <a:p>
-            <a:pPr algn="ctr"/>
-            <a:endParaRPr lang="en-US" dirty="0" smtClean="0"/>
-          </a:p>
-          <a:p>
-            <a:pPr algn="ctr"/>
-            <a:r>
-              <a:rPr lang="en-US" dirty="0" smtClean="0"/>
-              <a:t>Adders, </a:t>
-            </a:r>
-          </a:p>
-          <a:p>
-            <a:pPr algn="ctr"/>
-            <a:r>
-              <a:rPr lang="en-US" dirty="0" err="1" smtClean="0"/>
-              <a:t>MUXes</a:t>
-            </a:r>
-            <a:r>
-              <a:rPr lang="en-US" dirty="0" smtClean="0"/>
-              <a:t>,</a:t>
-            </a:r>
-          </a:p>
-          <a:p>
-            <a:pPr algn="ctr"/>
-            <a:r>
-              <a:rPr lang="en-US" dirty="0" smtClean="0"/>
-              <a:t>Update enables,</a:t>
-            </a:r>
-          </a:p>
-          <a:p>
-            <a:pPr algn="ctr"/>
-            <a:r>
-              <a:rPr lang="en-US" dirty="0" smtClean="0"/>
-              <a:t>Etc.</a:t>
-            </a:r>
-          </a:p>
-          <a:p>
-            <a:endParaRPr lang="en-US" dirty="0"/>
-          </a:p>
-        </p:txBody>
-      </p:sp>
-      <p:sp>
-        <p:nvSpPr>
-          <p:cNvPr id="8" name="TextBox 7"/>
-          <p:cNvSpPr txBox="1"/>
-          <p:nvPr/>
-        </p:nvSpPr>
-        <p:spPr>
-          <a:xfrm>
-            <a:off x="3733800" y="5791200"/>
-            <a:ext cx="1620893" cy="369332"/>
-          </a:xfrm>
-          <a:prstGeom prst="rect">
-            <a:avLst/>
-          </a:prstGeom>
-          <a:noFill/>
-          <a:ln w="15875">
-            <a:solidFill>
-              <a:schemeClr val="tx1">
-                <a:lumMod val="95000"/>
-                <a:lumOff val="5000"/>
-              </a:schemeClr>
-            </a:solidFill>
-          </a:ln>
-        </p:spPr>
-        <p:txBody>
-          <a:bodyPr wrap="none" rtlCol="0">
-            <a:spAutoFit/>
-          </a:bodyPr>
-          <a:lstStyle/>
-          <a:p>
-            <a:r>
-              <a:rPr lang="en-US" dirty="0" smtClean="0"/>
-              <a:t>Output register</a:t>
-            </a:r>
-            <a:endParaRPr lang="en-US" dirty="0"/>
-          </a:p>
-        </p:txBody>
-      </p:sp>
-      <p:sp>
-        <p:nvSpPr>
-          <p:cNvPr id="9" name="TextBox 8"/>
-          <p:cNvSpPr txBox="1"/>
-          <p:nvPr/>
-        </p:nvSpPr>
-        <p:spPr>
-          <a:xfrm>
-            <a:off x="5897044" y="3080266"/>
-            <a:ext cx="1045351" cy="923330"/>
-          </a:xfrm>
-          <a:prstGeom prst="rect">
-            <a:avLst/>
-          </a:prstGeom>
-          <a:noFill/>
-          <a:ln w="22225">
-            <a:solidFill>
-              <a:schemeClr val="accent1">
-                <a:lumMod val="75000"/>
-              </a:schemeClr>
-            </a:solidFill>
-          </a:ln>
-        </p:spPr>
-        <p:txBody>
-          <a:bodyPr wrap="none" rtlCol="0">
-            <a:spAutoFit/>
-          </a:bodyPr>
-          <a:lstStyle/>
-          <a:p>
-            <a:pPr algn="ctr"/>
-            <a:r>
-              <a:rPr lang="en-US" dirty="0" smtClean="0"/>
-              <a:t>LUT RAM</a:t>
-            </a:r>
-          </a:p>
-          <a:p>
-            <a:pPr algn="ctr"/>
-            <a:r>
-              <a:rPr lang="en-US" dirty="0" smtClean="0"/>
-              <a:t>64x24</a:t>
-            </a:r>
-          </a:p>
-          <a:p>
-            <a:endParaRPr lang="en-US" dirty="0"/>
-          </a:p>
-        </p:txBody>
-      </p:sp>
-      <p:sp>
-        <p:nvSpPr>
-          <p:cNvPr id="10" name="TextBox 9"/>
-          <p:cNvSpPr txBox="1"/>
-          <p:nvPr/>
-        </p:nvSpPr>
-        <p:spPr>
-          <a:xfrm>
-            <a:off x="7178474" y="3884944"/>
-            <a:ext cx="1194558" cy="1200329"/>
-          </a:xfrm>
-          <a:prstGeom prst="rect">
-            <a:avLst/>
-          </a:prstGeom>
-          <a:noFill/>
-          <a:ln w="28575">
-            <a:solidFill>
-              <a:schemeClr val="accent1">
-                <a:lumMod val="75000"/>
-              </a:schemeClr>
-            </a:solidFill>
-          </a:ln>
-        </p:spPr>
-        <p:txBody>
-          <a:bodyPr wrap="none" rtlCol="0">
-            <a:spAutoFit/>
-          </a:bodyPr>
-          <a:lstStyle/>
-          <a:p>
-            <a:pPr algn="ctr"/>
-            <a:r>
-              <a:rPr lang="en-US" dirty="0" smtClean="0"/>
-              <a:t>Block RAM</a:t>
-            </a:r>
-          </a:p>
-          <a:p>
-            <a:pPr algn="ctr"/>
-            <a:r>
-              <a:rPr lang="en-US" dirty="0" smtClean="0"/>
-              <a:t>1024x24</a:t>
-            </a:r>
-          </a:p>
-          <a:p>
-            <a:endParaRPr lang="en-US" dirty="0" smtClean="0"/>
-          </a:p>
-          <a:p>
-            <a:endParaRPr lang="en-US" dirty="0"/>
-          </a:p>
-        </p:txBody>
-      </p:sp>
-      <p:sp>
-        <p:nvSpPr>
-          <p:cNvPr id="11" name="TextBox 10"/>
-          <p:cNvSpPr txBox="1"/>
-          <p:nvPr/>
-        </p:nvSpPr>
-        <p:spPr>
-          <a:xfrm>
-            <a:off x="3078480" y="1526628"/>
-            <a:ext cx="1124026" cy="369332"/>
-          </a:xfrm>
-          <a:prstGeom prst="rect">
-            <a:avLst/>
-          </a:prstGeom>
-          <a:noFill/>
-        </p:spPr>
-        <p:txBody>
-          <a:bodyPr wrap="none" rtlCol="0">
-            <a:spAutoFit/>
-          </a:bodyPr>
-          <a:lstStyle/>
-          <a:p>
-            <a:r>
-              <a:rPr lang="en-US" dirty="0" smtClean="0"/>
-              <a:t>Input pins</a:t>
-            </a:r>
-          </a:p>
-        </p:txBody>
-      </p:sp>
-      <p:cxnSp>
-        <p:nvCxnSpPr>
-          <p:cNvPr id="13" name="Straight Arrow Connector 12"/>
-          <p:cNvCxnSpPr>
-            <a:stCxn id="11" idx="2"/>
-          </p:cNvCxnSpPr>
-          <p:nvPr/>
-        </p:nvCxnSpPr>
-        <p:spPr>
-          <a:xfrm>
-            <a:off x="3640493" y="1895960"/>
-            <a:ext cx="0" cy="718173"/>
-          </a:xfrm>
-          <a:prstGeom prst="straightConnector1">
-            <a:avLst/>
-          </a:prstGeom>
-          <a:ln w="15875">
-            <a:tailEnd type="arrow"/>
-          </a:ln>
-        </p:spPr>
-        <p:style>
-          <a:lnRef idx="1">
-            <a:schemeClr val="accent1"/>
-          </a:lnRef>
-          <a:fillRef idx="0">
-            <a:schemeClr val="accent1"/>
-          </a:fillRef>
-          <a:effectRef idx="0">
-            <a:schemeClr val="accent1"/>
-          </a:effectRef>
-          <a:fontRef idx="minor">
-            <a:schemeClr val="tx1"/>
-          </a:fontRef>
-        </p:style>
-      </p:cxnSp>
-      <p:cxnSp>
-        <p:nvCxnSpPr>
-          <p:cNvPr id="16" name="Straight Arrow Connector 15"/>
-          <p:cNvCxnSpPr>
-            <a:stCxn id="7" idx="2"/>
-            <a:endCxn id="8" idx="0"/>
-          </p:cNvCxnSpPr>
-          <p:nvPr/>
-        </p:nvCxnSpPr>
-        <p:spPr>
-          <a:xfrm>
-            <a:off x="4267200" y="4915257"/>
-            <a:ext cx="277047" cy="875943"/>
-          </a:xfrm>
-          <a:prstGeom prst="straightConnector1">
-            <a:avLst/>
-          </a:prstGeom>
-          <a:ln w="15875">
-            <a:tailEnd type="arrow"/>
-          </a:ln>
-        </p:spPr>
-        <p:style>
-          <a:lnRef idx="1">
-            <a:schemeClr val="accent1"/>
-          </a:lnRef>
-          <a:fillRef idx="0">
-            <a:schemeClr val="accent1"/>
-          </a:fillRef>
-          <a:effectRef idx="0">
-            <a:schemeClr val="accent1"/>
-          </a:effectRef>
-          <a:fontRef idx="minor">
-            <a:schemeClr val="tx1"/>
-          </a:fontRef>
-        </p:style>
-      </p:cxnSp>
-      <p:cxnSp>
-        <p:nvCxnSpPr>
-          <p:cNvPr id="33" name="Straight Connector 32"/>
-          <p:cNvCxnSpPr/>
-          <p:nvPr/>
-        </p:nvCxnSpPr>
-        <p:spPr>
-          <a:xfrm>
-            <a:off x="2651760" y="5181600"/>
-            <a:ext cx="853440" cy="0"/>
-          </a:xfrm>
-          <a:prstGeom prst="line">
-            <a:avLst/>
-          </a:prstGeom>
-          <a:ln w="15875"/>
-        </p:spPr>
-        <p:style>
-          <a:lnRef idx="1">
-            <a:schemeClr val="accent1"/>
-          </a:lnRef>
-          <a:fillRef idx="0">
-            <a:schemeClr val="accent1"/>
-          </a:fillRef>
-          <a:effectRef idx="0">
-            <a:schemeClr val="accent1"/>
-          </a:effectRef>
-          <a:fontRef idx="minor">
-            <a:schemeClr val="tx1"/>
-          </a:fontRef>
-        </p:style>
-      </p:cxnSp>
-      <p:cxnSp>
-        <p:nvCxnSpPr>
-          <p:cNvPr id="37" name="Straight Connector 36"/>
-          <p:cNvCxnSpPr/>
-          <p:nvPr/>
-        </p:nvCxnSpPr>
-        <p:spPr>
-          <a:xfrm flipV="1">
-            <a:off x="3505200" y="4907280"/>
-            <a:ext cx="0" cy="274321"/>
-          </a:xfrm>
-          <a:prstGeom prst="line">
-            <a:avLst/>
-          </a:prstGeom>
-          <a:ln w="15875"/>
-        </p:spPr>
-        <p:style>
-          <a:lnRef idx="1">
-            <a:schemeClr val="accent1"/>
-          </a:lnRef>
-          <a:fillRef idx="0">
-            <a:schemeClr val="accent1"/>
-          </a:fillRef>
-          <a:effectRef idx="0">
-            <a:schemeClr val="accent1"/>
-          </a:effectRef>
-          <a:fontRef idx="minor">
-            <a:schemeClr val="tx1"/>
-          </a:fontRef>
-        </p:style>
-      </p:cxnSp>
-      <p:cxnSp>
-        <p:nvCxnSpPr>
-          <p:cNvPr id="40" name="Straight Arrow Connector 39"/>
-          <p:cNvCxnSpPr>
-            <a:endCxn id="4" idx="2"/>
-          </p:cNvCxnSpPr>
-          <p:nvPr/>
-        </p:nvCxnSpPr>
-        <p:spPr>
-          <a:xfrm flipV="1">
-            <a:off x="2651760" y="4179332"/>
-            <a:ext cx="0" cy="1002269"/>
-          </a:xfrm>
-          <a:prstGeom prst="straightConnector1">
-            <a:avLst/>
-          </a:prstGeom>
-          <a:ln w="15875">
-            <a:tailEnd type="arrow"/>
-          </a:ln>
-        </p:spPr>
-        <p:style>
-          <a:lnRef idx="1">
-            <a:schemeClr val="accent1"/>
-          </a:lnRef>
-          <a:fillRef idx="0">
-            <a:schemeClr val="accent1"/>
-          </a:fillRef>
-          <a:effectRef idx="0">
-            <a:schemeClr val="accent1"/>
-          </a:effectRef>
-          <a:fontRef idx="minor">
-            <a:schemeClr val="tx1"/>
-          </a:fontRef>
-        </p:style>
-      </p:cxnSp>
-      <p:cxnSp>
-        <p:nvCxnSpPr>
-          <p:cNvPr id="42" name="Straight Connector 41"/>
-          <p:cNvCxnSpPr/>
-          <p:nvPr/>
-        </p:nvCxnSpPr>
-        <p:spPr>
-          <a:xfrm>
-            <a:off x="3657600" y="4907280"/>
-            <a:ext cx="0" cy="426720"/>
-          </a:xfrm>
-          <a:prstGeom prst="line">
-            <a:avLst/>
-          </a:prstGeom>
-          <a:ln w="15875"/>
-        </p:spPr>
-        <p:style>
-          <a:lnRef idx="1">
-            <a:schemeClr val="accent1"/>
-          </a:lnRef>
-          <a:fillRef idx="0">
-            <a:schemeClr val="accent1"/>
-          </a:fillRef>
-          <a:effectRef idx="0">
-            <a:schemeClr val="accent1"/>
-          </a:effectRef>
-          <a:fontRef idx="minor">
-            <a:schemeClr val="tx1"/>
-          </a:fontRef>
-        </p:style>
-      </p:cxnSp>
-      <p:cxnSp>
-        <p:nvCxnSpPr>
-          <p:cNvPr id="45" name="Straight Connector 44"/>
-          <p:cNvCxnSpPr/>
-          <p:nvPr/>
-        </p:nvCxnSpPr>
-        <p:spPr>
-          <a:xfrm>
-            <a:off x="3657600" y="5334000"/>
-            <a:ext cx="0" cy="0"/>
-          </a:xfrm>
-          <a:prstGeom prst="line">
-            <a:avLst/>
-          </a:prstGeom>
-        </p:spPr>
-        <p:style>
-          <a:lnRef idx="1">
-            <a:schemeClr val="accent1"/>
-          </a:lnRef>
-          <a:fillRef idx="0">
-            <a:schemeClr val="accent1"/>
-          </a:fillRef>
-          <a:effectRef idx="0">
-            <a:schemeClr val="accent1"/>
-          </a:effectRef>
-          <a:fontRef idx="minor">
-            <a:schemeClr val="tx1"/>
-          </a:fontRef>
-        </p:style>
-      </p:cxnSp>
-      <p:cxnSp>
-        <p:nvCxnSpPr>
-          <p:cNvPr id="47" name="Straight Connector 46"/>
-          <p:cNvCxnSpPr/>
-          <p:nvPr/>
-        </p:nvCxnSpPr>
-        <p:spPr>
-          <a:xfrm flipH="1">
-            <a:off x="1954681" y="5334000"/>
-            <a:ext cx="1702919" cy="0"/>
-          </a:xfrm>
-          <a:prstGeom prst="line">
-            <a:avLst/>
-          </a:prstGeom>
-          <a:ln w="15875"/>
-        </p:spPr>
-        <p:style>
-          <a:lnRef idx="1">
-            <a:schemeClr val="accent1"/>
-          </a:lnRef>
-          <a:fillRef idx="0">
-            <a:schemeClr val="accent1"/>
-          </a:fillRef>
-          <a:effectRef idx="0">
-            <a:schemeClr val="accent1"/>
-          </a:effectRef>
-          <a:fontRef idx="minor">
-            <a:schemeClr val="tx1"/>
-          </a:fontRef>
-        </p:style>
-      </p:cxnSp>
-      <p:cxnSp>
-        <p:nvCxnSpPr>
-          <p:cNvPr id="49" name="Straight Arrow Connector 48"/>
-          <p:cNvCxnSpPr>
-            <a:endCxn id="6" idx="2"/>
-          </p:cNvCxnSpPr>
-          <p:nvPr/>
-        </p:nvCxnSpPr>
-        <p:spPr>
-          <a:xfrm flipV="1">
-            <a:off x="1954681" y="4169557"/>
-            <a:ext cx="1" cy="1164443"/>
-          </a:xfrm>
-          <a:prstGeom prst="straightConnector1">
-            <a:avLst/>
-          </a:prstGeom>
-          <a:ln w="15875">
-            <a:tailEnd type="arrow"/>
-          </a:ln>
-        </p:spPr>
-        <p:style>
-          <a:lnRef idx="1">
-            <a:schemeClr val="accent1"/>
-          </a:lnRef>
-          <a:fillRef idx="0">
-            <a:schemeClr val="accent1"/>
-          </a:fillRef>
-          <a:effectRef idx="0">
-            <a:schemeClr val="accent1"/>
-          </a:effectRef>
-          <a:fontRef idx="minor">
-            <a:schemeClr val="tx1"/>
-          </a:fontRef>
-        </p:style>
-      </p:cxnSp>
-      <p:cxnSp>
-        <p:nvCxnSpPr>
-          <p:cNvPr id="53" name="Straight Connector 52"/>
-          <p:cNvCxnSpPr/>
-          <p:nvPr/>
-        </p:nvCxnSpPr>
-        <p:spPr>
-          <a:xfrm>
-            <a:off x="3810000" y="4907280"/>
-            <a:ext cx="0" cy="579120"/>
-          </a:xfrm>
-          <a:prstGeom prst="line">
-            <a:avLst/>
-          </a:prstGeom>
-          <a:ln w="15875"/>
-        </p:spPr>
-        <p:style>
-          <a:lnRef idx="1">
-            <a:schemeClr val="accent1"/>
-          </a:lnRef>
-          <a:fillRef idx="0">
-            <a:schemeClr val="accent1"/>
-          </a:fillRef>
-          <a:effectRef idx="0">
-            <a:schemeClr val="accent1"/>
-          </a:effectRef>
-          <a:fontRef idx="minor">
-            <a:schemeClr val="tx1"/>
-          </a:fontRef>
-        </p:style>
-      </p:cxnSp>
-      <p:cxnSp>
-        <p:nvCxnSpPr>
-          <p:cNvPr id="56" name="Straight Connector 55"/>
-          <p:cNvCxnSpPr/>
-          <p:nvPr/>
-        </p:nvCxnSpPr>
-        <p:spPr>
-          <a:xfrm flipH="1">
-            <a:off x="1181100" y="5486400"/>
-            <a:ext cx="2628900" cy="0"/>
-          </a:xfrm>
-          <a:prstGeom prst="line">
-            <a:avLst/>
-          </a:prstGeom>
-          <a:ln w="15875"/>
-        </p:spPr>
-        <p:style>
-          <a:lnRef idx="1">
-            <a:schemeClr val="accent1"/>
-          </a:lnRef>
-          <a:fillRef idx="0">
-            <a:schemeClr val="accent1"/>
-          </a:fillRef>
-          <a:effectRef idx="0">
-            <a:schemeClr val="accent1"/>
-          </a:effectRef>
-          <a:fontRef idx="minor">
-            <a:schemeClr val="tx1"/>
-          </a:fontRef>
-        </p:style>
-      </p:cxnSp>
-      <p:cxnSp>
-        <p:nvCxnSpPr>
-          <p:cNvPr id="58" name="Straight Arrow Connector 57"/>
-          <p:cNvCxnSpPr>
-            <a:endCxn id="5" idx="2"/>
-          </p:cNvCxnSpPr>
-          <p:nvPr/>
-        </p:nvCxnSpPr>
-        <p:spPr>
-          <a:xfrm flipV="1">
-            <a:off x="1181100" y="4169557"/>
-            <a:ext cx="0" cy="1316843"/>
-          </a:xfrm>
-          <a:prstGeom prst="straightConnector1">
-            <a:avLst/>
-          </a:prstGeom>
-          <a:ln w="15875">
-            <a:tailEnd type="arrow"/>
-          </a:ln>
-        </p:spPr>
-        <p:style>
-          <a:lnRef idx="1">
-            <a:schemeClr val="accent1"/>
-          </a:lnRef>
-          <a:fillRef idx="0">
-            <a:schemeClr val="accent1"/>
-          </a:fillRef>
-          <a:effectRef idx="0">
-            <a:schemeClr val="accent1"/>
-          </a:effectRef>
-          <a:fontRef idx="minor">
-            <a:schemeClr val="tx1"/>
-          </a:fontRef>
-        </p:style>
-      </p:cxnSp>
-      <p:cxnSp>
-        <p:nvCxnSpPr>
-          <p:cNvPr id="62" name="Straight Connector 61"/>
-          <p:cNvCxnSpPr>
-            <a:endCxn id="4" idx="0"/>
-          </p:cNvCxnSpPr>
-          <p:nvPr/>
-        </p:nvCxnSpPr>
-        <p:spPr>
-          <a:xfrm>
-            <a:off x="2651760" y="3080266"/>
-            <a:ext cx="0" cy="729734"/>
-          </a:xfrm>
-          <a:prstGeom prst="line">
-            <a:avLst/>
-          </a:prstGeom>
-          <a:ln w="15875"/>
-        </p:spPr>
-        <p:style>
-          <a:lnRef idx="1">
-            <a:schemeClr val="accent1"/>
-          </a:lnRef>
-          <a:fillRef idx="0">
-            <a:schemeClr val="accent1"/>
-          </a:fillRef>
-          <a:effectRef idx="0">
-            <a:schemeClr val="accent1"/>
-          </a:effectRef>
-          <a:fontRef idx="minor">
-            <a:schemeClr val="tx1"/>
-          </a:fontRef>
-        </p:style>
-      </p:cxnSp>
-      <p:cxnSp>
-        <p:nvCxnSpPr>
-          <p:cNvPr id="65" name="Straight Arrow Connector 64"/>
-          <p:cNvCxnSpPr/>
-          <p:nvPr/>
-        </p:nvCxnSpPr>
-        <p:spPr>
-          <a:xfrm>
-            <a:off x="2651760" y="3080266"/>
-            <a:ext cx="701040" cy="0"/>
-          </a:xfrm>
-          <a:prstGeom prst="straightConnector1">
-            <a:avLst/>
-          </a:prstGeom>
-          <a:ln w="15875">
-            <a:tailEnd type="arrow"/>
-          </a:ln>
-        </p:spPr>
-        <p:style>
-          <a:lnRef idx="1">
-            <a:schemeClr val="accent1"/>
-          </a:lnRef>
-          <a:fillRef idx="0">
-            <a:schemeClr val="accent1"/>
-          </a:fillRef>
-          <a:effectRef idx="0">
-            <a:schemeClr val="accent1"/>
-          </a:effectRef>
-          <a:fontRef idx="minor">
-            <a:schemeClr val="tx1"/>
-          </a:fontRef>
-        </p:style>
-      </p:cxnSp>
-      <p:cxnSp>
-        <p:nvCxnSpPr>
-          <p:cNvPr id="67" name="Straight Connector 66"/>
-          <p:cNvCxnSpPr>
-            <a:stCxn id="6" idx="0"/>
-          </p:cNvCxnSpPr>
-          <p:nvPr/>
-        </p:nvCxnSpPr>
-        <p:spPr>
-          <a:xfrm flipV="1">
-            <a:off x="1954682" y="2895600"/>
-            <a:ext cx="0" cy="904625"/>
-          </a:xfrm>
-          <a:prstGeom prst="line">
-            <a:avLst/>
-          </a:prstGeom>
-          <a:ln w="15875"/>
-        </p:spPr>
-        <p:style>
-          <a:lnRef idx="1">
-            <a:schemeClr val="accent1"/>
-          </a:lnRef>
-          <a:fillRef idx="0">
-            <a:schemeClr val="accent1"/>
-          </a:fillRef>
-          <a:effectRef idx="0">
-            <a:schemeClr val="accent1"/>
-          </a:effectRef>
-          <a:fontRef idx="minor">
-            <a:schemeClr val="tx1"/>
-          </a:fontRef>
-        </p:style>
-      </p:cxnSp>
-      <p:cxnSp>
-        <p:nvCxnSpPr>
-          <p:cNvPr id="69" name="Straight Arrow Connector 68"/>
-          <p:cNvCxnSpPr/>
-          <p:nvPr/>
-        </p:nvCxnSpPr>
-        <p:spPr>
-          <a:xfrm>
-            <a:off x="1954682" y="2895600"/>
-            <a:ext cx="1398118" cy="0"/>
-          </a:xfrm>
-          <a:prstGeom prst="straightConnector1">
-            <a:avLst/>
-          </a:prstGeom>
-          <a:ln w="15875">
-            <a:tailEnd type="arrow"/>
-          </a:ln>
-        </p:spPr>
-        <p:style>
-          <a:lnRef idx="1">
-            <a:schemeClr val="accent1"/>
-          </a:lnRef>
-          <a:fillRef idx="0">
-            <a:schemeClr val="accent1"/>
-          </a:fillRef>
-          <a:effectRef idx="0">
-            <a:schemeClr val="accent1"/>
-          </a:effectRef>
-          <a:fontRef idx="minor">
-            <a:schemeClr val="tx1"/>
-          </a:fontRef>
-        </p:style>
-      </p:cxnSp>
-      <p:cxnSp>
-        <p:nvCxnSpPr>
-          <p:cNvPr id="71" name="Straight Connector 70"/>
-          <p:cNvCxnSpPr>
-            <a:stCxn id="5" idx="0"/>
-          </p:cNvCxnSpPr>
-          <p:nvPr/>
-        </p:nvCxnSpPr>
-        <p:spPr>
-          <a:xfrm flipV="1">
-            <a:off x="1181100" y="2743200"/>
-            <a:ext cx="0" cy="1057025"/>
-          </a:xfrm>
-          <a:prstGeom prst="line">
-            <a:avLst/>
-          </a:prstGeom>
-          <a:ln w="15875"/>
-        </p:spPr>
-        <p:style>
-          <a:lnRef idx="1">
-            <a:schemeClr val="accent1"/>
-          </a:lnRef>
-          <a:fillRef idx="0">
-            <a:schemeClr val="accent1"/>
-          </a:fillRef>
-          <a:effectRef idx="0">
-            <a:schemeClr val="accent1"/>
-          </a:effectRef>
-          <a:fontRef idx="minor">
-            <a:schemeClr val="tx1"/>
-          </a:fontRef>
-        </p:style>
-      </p:cxnSp>
-      <p:cxnSp>
-        <p:nvCxnSpPr>
-          <p:cNvPr id="73" name="Straight Arrow Connector 72"/>
-          <p:cNvCxnSpPr/>
-          <p:nvPr/>
-        </p:nvCxnSpPr>
-        <p:spPr>
-          <a:xfrm>
-            <a:off x="1181100" y="2743200"/>
-            <a:ext cx="2171700" cy="0"/>
-          </a:xfrm>
-          <a:prstGeom prst="straightConnector1">
-            <a:avLst/>
-          </a:prstGeom>
-          <a:ln w="15875">
-            <a:tailEnd type="arrow"/>
-          </a:ln>
-        </p:spPr>
-        <p:style>
-          <a:lnRef idx="1">
-            <a:schemeClr val="accent1"/>
-          </a:lnRef>
-          <a:fillRef idx="0">
-            <a:schemeClr val="accent1"/>
-          </a:fillRef>
-          <a:effectRef idx="0">
-            <a:schemeClr val="accent1"/>
-          </a:effectRef>
-          <a:fontRef idx="minor">
-            <a:schemeClr val="tx1"/>
-          </a:fontRef>
-        </p:style>
-      </p:cxnSp>
-      <p:cxnSp>
-        <p:nvCxnSpPr>
-          <p:cNvPr id="75" name="Straight Connector 74"/>
-          <p:cNvCxnSpPr/>
-          <p:nvPr/>
-        </p:nvCxnSpPr>
-        <p:spPr>
-          <a:xfrm>
-            <a:off x="5181600" y="4419600"/>
-            <a:ext cx="1143000" cy="0"/>
-          </a:xfrm>
-          <a:prstGeom prst="line">
-            <a:avLst/>
-          </a:prstGeom>
-          <a:ln w="15875"/>
-        </p:spPr>
-        <p:style>
-          <a:lnRef idx="1">
-            <a:schemeClr val="accent1"/>
-          </a:lnRef>
-          <a:fillRef idx="0">
-            <a:schemeClr val="accent1"/>
-          </a:fillRef>
-          <a:effectRef idx="0">
-            <a:schemeClr val="accent1"/>
-          </a:effectRef>
-          <a:fontRef idx="minor">
-            <a:schemeClr val="tx1"/>
-          </a:fontRef>
-        </p:style>
-      </p:cxnSp>
-      <p:cxnSp>
-        <p:nvCxnSpPr>
-          <p:cNvPr id="77" name="Straight Arrow Connector 76"/>
-          <p:cNvCxnSpPr/>
-          <p:nvPr/>
-        </p:nvCxnSpPr>
-        <p:spPr>
-          <a:xfrm flipV="1">
-            <a:off x="6324600" y="4012471"/>
-            <a:ext cx="1" cy="416005"/>
-          </a:xfrm>
-          <a:prstGeom prst="straightConnector1">
-            <a:avLst/>
-          </a:prstGeom>
-          <a:ln w="15875">
-            <a:tailEnd type="arrow"/>
-          </a:ln>
-        </p:spPr>
-        <p:style>
-          <a:lnRef idx="1">
-            <a:schemeClr val="accent1"/>
-          </a:lnRef>
-          <a:fillRef idx="0">
-            <a:schemeClr val="accent1"/>
-          </a:fillRef>
-          <a:effectRef idx="0">
-            <a:schemeClr val="accent1"/>
-          </a:effectRef>
-          <a:fontRef idx="minor">
-            <a:schemeClr val="tx1"/>
-          </a:fontRef>
-        </p:style>
-      </p:cxnSp>
-      <p:cxnSp>
-        <p:nvCxnSpPr>
-          <p:cNvPr id="79" name="Straight Arrow Connector 78"/>
-          <p:cNvCxnSpPr/>
-          <p:nvPr/>
-        </p:nvCxnSpPr>
-        <p:spPr>
-          <a:xfrm>
-            <a:off x="5181600" y="3810000"/>
-            <a:ext cx="715444" cy="0"/>
-          </a:xfrm>
-          <a:prstGeom prst="straightConnector1">
-            <a:avLst/>
-          </a:prstGeom>
-          <a:ln w="15875">
-            <a:tailEnd type="arrow"/>
-          </a:ln>
-        </p:spPr>
-        <p:style>
-          <a:lnRef idx="1">
-            <a:schemeClr val="accent1"/>
-          </a:lnRef>
-          <a:fillRef idx="0">
-            <a:schemeClr val="accent1"/>
-          </a:fillRef>
-          <a:effectRef idx="0">
-            <a:schemeClr val="accent1"/>
-          </a:effectRef>
-          <a:fontRef idx="minor">
-            <a:schemeClr val="tx1"/>
-          </a:fontRef>
-        </p:style>
-      </p:cxnSp>
-      <p:cxnSp>
-        <p:nvCxnSpPr>
-          <p:cNvPr id="81" name="Straight Arrow Connector 80"/>
-          <p:cNvCxnSpPr>
-            <a:endCxn id="9" idx="1"/>
-          </p:cNvCxnSpPr>
-          <p:nvPr/>
-        </p:nvCxnSpPr>
-        <p:spPr>
-          <a:xfrm>
-            <a:off x="5181600" y="3537466"/>
-            <a:ext cx="715444" cy="4465"/>
-          </a:xfrm>
-          <a:prstGeom prst="straightConnector1">
-            <a:avLst/>
-          </a:prstGeom>
-          <a:ln w="15875">
-            <a:tailEnd type="arrow"/>
-          </a:ln>
-        </p:spPr>
-        <p:style>
-          <a:lnRef idx="1">
-            <a:schemeClr val="accent1"/>
-          </a:lnRef>
-          <a:fillRef idx="0">
-            <a:schemeClr val="accent1"/>
-          </a:fillRef>
-          <a:effectRef idx="0">
-            <a:schemeClr val="accent1"/>
-          </a:effectRef>
-          <a:fontRef idx="minor">
-            <a:schemeClr val="tx1"/>
-          </a:fontRef>
-        </p:style>
-      </p:cxnSp>
-      <p:cxnSp>
-        <p:nvCxnSpPr>
-          <p:cNvPr id="83" name="Straight Arrow Connector 82"/>
-          <p:cNvCxnSpPr/>
-          <p:nvPr/>
-        </p:nvCxnSpPr>
-        <p:spPr>
-          <a:xfrm>
-            <a:off x="5181600" y="3271712"/>
-            <a:ext cx="715444" cy="0"/>
-          </a:xfrm>
-          <a:prstGeom prst="straightConnector1">
-            <a:avLst/>
-          </a:prstGeom>
-          <a:ln w="15875">
-            <a:tailEnd type="arrow"/>
-          </a:ln>
-        </p:spPr>
-        <p:style>
-          <a:lnRef idx="1">
-            <a:schemeClr val="accent1"/>
-          </a:lnRef>
-          <a:fillRef idx="0">
-            <a:schemeClr val="accent1"/>
-          </a:fillRef>
-          <a:effectRef idx="0">
-            <a:schemeClr val="accent1"/>
-          </a:effectRef>
-          <a:fontRef idx="minor">
-            <a:schemeClr val="tx1"/>
-          </a:fontRef>
-        </p:style>
-      </p:cxnSp>
-      <p:cxnSp>
-        <p:nvCxnSpPr>
-          <p:cNvPr id="86" name="Straight Connector 85"/>
-          <p:cNvCxnSpPr/>
-          <p:nvPr/>
-        </p:nvCxnSpPr>
-        <p:spPr>
-          <a:xfrm flipH="1" flipV="1">
-            <a:off x="5990742" y="2447353"/>
-            <a:ext cx="4" cy="632916"/>
-          </a:xfrm>
-          <a:prstGeom prst="line">
-            <a:avLst/>
-          </a:prstGeom>
-          <a:ln w="15875"/>
-        </p:spPr>
-        <p:style>
-          <a:lnRef idx="1">
-            <a:schemeClr val="accent1"/>
-          </a:lnRef>
-          <a:fillRef idx="0">
-            <a:schemeClr val="accent1"/>
-          </a:fillRef>
-          <a:effectRef idx="0">
-            <a:schemeClr val="accent1"/>
-          </a:effectRef>
-          <a:fontRef idx="minor">
-            <a:schemeClr val="tx1"/>
-          </a:fontRef>
-        </p:style>
-      </p:cxnSp>
-      <p:cxnSp>
-        <p:nvCxnSpPr>
-          <p:cNvPr id="89" name="Straight Connector 88"/>
-          <p:cNvCxnSpPr/>
-          <p:nvPr/>
-        </p:nvCxnSpPr>
-        <p:spPr>
-          <a:xfrm flipV="1">
-            <a:off x="6236559" y="2133600"/>
-            <a:ext cx="0" cy="946666"/>
-          </a:xfrm>
-          <a:prstGeom prst="line">
-            <a:avLst/>
-          </a:prstGeom>
-          <a:ln w="15875"/>
-        </p:spPr>
-        <p:style>
-          <a:lnRef idx="1">
-            <a:schemeClr val="accent1"/>
-          </a:lnRef>
-          <a:fillRef idx="0">
-            <a:schemeClr val="accent1"/>
-          </a:fillRef>
-          <a:effectRef idx="0">
-            <a:schemeClr val="accent1"/>
-          </a:effectRef>
-          <a:fontRef idx="minor">
-            <a:schemeClr val="tx1"/>
-          </a:fontRef>
-        </p:style>
-      </p:cxnSp>
-      <p:cxnSp>
-        <p:nvCxnSpPr>
-          <p:cNvPr id="91" name="Straight Connector 90"/>
-          <p:cNvCxnSpPr/>
-          <p:nvPr/>
-        </p:nvCxnSpPr>
-        <p:spPr>
-          <a:xfrm flipH="1" flipV="1">
-            <a:off x="6476898" y="1871683"/>
-            <a:ext cx="12541" cy="1208583"/>
-          </a:xfrm>
-          <a:prstGeom prst="line">
-            <a:avLst/>
-          </a:prstGeom>
-          <a:ln w="15875"/>
-        </p:spPr>
-        <p:style>
-          <a:lnRef idx="1">
-            <a:schemeClr val="accent1"/>
-          </a:lnRef>
-          <a:fillRef idx="0">
-            <a:schemeClr val="accent1"/>
-          </a:fillRef>
-          <a:effectRef idx="0">
-            <a:schemeClr val="accent1"/>
-          </a:effectRef>
-          <a:fontRef idx="minor">
-            <a:schemeClr val="tx1"/>
-          </a:fontRef>
-        </p:style>
-      </p:cxnSp>
-      <p:cxnSp>
-        <p:nvCxnSpPr>
-          <p:cNvPr id="93" name="Straight Connector 92"/>
-          <p:cNvCxnSpPr/>
-          <p:nvPr/>
-        </p:nvCxnSpPr>
-        <p:spPr>
-          <a:xfrm flipH="1" flipV="1">
-            <a:off x="4944581" y="2447353"/>
-            <a:ext cx="1046161" cy="4033"/>
-          </a:xfrm>
-          <a:prstGeom prst="line">
-            <a:avLst/>
-          </a:prstGeom>
-          <a:ln w="15875"/>
-        </p:spPr>
-        <p:style>
-          <a:lnRef idx="1">
-            <a:schemeClr val="accent1"/>
-          </a:lnRef>
-          <a:fillRef idx="0">
-            <a:schemeClr val="accent1"/>
-          </a:fillRef>
-          <a:effectRef idx="0">
-            <a:schemeClr val="accent1"/>
-          </a:effectRef>
-          <a:fontRef idx="minor">
-            <a:schemeClr val="tx1"/>
-          </a:fontRef>
-        </p:style>
-      </p:cxnSp>
-      <p:cxnSp>
-        <p:nvCxnSpPr>
-          <p:cNvPr id="95" name="Straight Connector 94"/>
-          <p:cNvCxnSpPr/>
-          <p:nvPr/>
-        </p:nvCxnSpPr>
-        <p:spPr>
-          <a:xfrm flipH="1">
-            <a:off x="4718539" y="2142192"/>
-            <a:ext cx="1518020" cy="0"/>
-          </a:xfrm>
-          <a:prstGeom prst="line">
-            <a:avLst/>
-          </a:prstGeom>
-          <a:ln w="15875"/>
-        </p:spPr>
-        <p:style>
-          <a:lnRef idx="1">
-            <a:schemeClr val="accent1"/>
-          </a:lnRef>
-          <a:fillRef idx="0">
-            <a:schemeClr val="accent1"/>
-          </a:fillRef>
-          <a:effectRef idx="0">
-            <a:schemeClr val="accent1"/>
-          </a:effectRef>
-          <a:fontRef idx="minor">
-            <a:schemeClr val="tx1"/>
-          </a:fontRef>
-        </p:style>
-      </p:cxnSp>
-      <p:cxnSp>
-        <p:nvCxnSpPr>
-          <p:cNvPr id="99" name="Straight Connector 98"/>
-          <p:cNvCxnSpPr/>
-          <p:nvPr/>
-        </p:nvCxnSpPr>
-        <p:spPr>
-          <a:xfrm flipH="1">
-            <a:off x="4495800" y="1871683"/>
-            <a:ext cx="1981098" cy="21649"/>
-          </a:xfrm>
-          <a:prstGeom prst="line">
-            <a:avLst/>
-          </a:prstGeom>
-          <a:ln w="15875"/>
-        </p:spPr>
-        <p:style>
-          <a:lnRef idx="1">
-            <a:schemeClr val="accent1"/>
-          </a:lnRef>
-          <a:fillRef idx="0">
-            <a:schemeClr val="accent1"/>
-          </a:fillRef>
-          <a:effectRef idx="0">
-            <a:schemeClr val="accent1"/>
-          </a:effectRef>
-          <a:fontRef idx="minor">
-            <a:schemeClr val="tx1"/>
-          </a:fontRef>
-        </p:style>
-      </p:cxnSp>
-      <p:cxnSp>
-        <p:nvCxnSpPr>
-          <p:cNvPr id="101" name="Straight Arrow Connector 100"/>
-          <p:cNvCxnSpPr/>
-          <p:nvPr/>
-        </p:nvCxnSpPr>
-        <p:spPr>
-          <a:xfrm>
-            <a:off x="4495800" y="1893332"/>
-            <a:ext cx="0" cy="718173"/>
-          </a:xfrm>
-          <a:prstGeom prst="straightConnector1">
-            <a:avLst/>
-          </a:prstGeom>
-          <a:ln w="15875">
-            <a:tailEnd type="arrow"/>
-          </a:ln>
-        </p:spPr>
-        <p:style>
-          <a:lnRef idx="1">
-            <a:schemeClr val="accent1"/>
-          </a:lnRef>
-          <a:fillRef idx="0">
-            <a:schemeClr val="accent1"/>
-          </a:fillRef>
-          <a:effectRef idx="0">
-            <a:schemeClr val="accent1"/>
-          </a:effectRef>
-          <a:fontRef idx="minor">
-            <a:schemeClr val="tx1"/>
-          </a:fontRef>
-        </p:style>
-      </p:cxnSp>
-      <p:cxnSp>
-        <p:nvCxnSpPr>
-          <p:cNvPr id="103" name="Straight Arrow Connector 102"/>
-          <p:cNvCxnSpPr/>
-          <p:nvPr/>
-        </p:nvCxnSpPr>
-        <p:spPr>
-          <a:xfrm>
-            <a:off x="4724401" y="2133600"/>
-            <a:ext cx="0" cy="473333"/>
-          </a:xfrm>
-          <a:prstGeom prst="straightConnector1">
-            <a:avLst/>
-          </a:prstGeom>
-          <a:ln w="15875">
-            <a:tailEnd type="arrow"/>
-          </a:ln>
-        </p:spPr>
-        <p:style>
-          <a:lnRef idx="1">
-            <a:schemeClr val="accent1"/>
-          </a:lnRef>
-          <a:fillRef idx="0">
-            <a:schemeClr val="accent1"/>
-          </a:fillRef>
-          <a:effectRef idx="0">
-            <a:schemeClr val="accent1"/>
-          </a:effectRef>
-          <a:fontRef idx="minor">
-            <a:schemeClr val="tx1"/>
-          </a:fontRef>
-        </p:style>
-      </p:cxnSp>
-      <p:cxnSp>
-        <p:nvCxnSpPr>
-          <p:cNvPr id="105" name="Straight Arrow Connector 104"/>
-          <p:cNvCxnSpPr/>
-          <p:nvPr/>
-        </p:nvCxnSpPr>
-        <p:spPr>
-          <a:xfrm>
-            <a:off x="4944581" y="2447353"/>
-            <a:ext cx="0" cy="159580"/>
-          </a:xfrm>
-          <a:prstGeom prst="straightConnector1">
-            <a:avLst/>
-          </a:prstGeom>
-          <a:ln w="15875">
-            <a:tailEnd type="arrow"/>
-          </a:ln>
-        </p:spPr>
-        <p:style>
-          <a:lnRef idx="1">
-            <a:schemeClr val="accent1"/>
-          </a:lnRef>
-          <a:fillRef idx="0">
-            <a:schemeClr val="accent1"/>
-          </a:fillRef>
-          <a:effectRef idx="0">
-            <a:schemeClr val="accent1"/>
-          </a:effectRef>
-          <a:fontRef idx="minor">
-            <a:schemeClr val="tx1"/>
-          </a:fontRef>
-        </p:style>
-      </p:cxnSp>
-      <p:cxnSp>
-        <p:nvCxnSpPr>
-          <p:cNvPr id="109" name="Straight Connector 108"/>
-          <p:cNvCxnSpPr/>
-          <p:nvPr/>
-        </p:nvCxnSpPr>
-        <p:spPr>
-          <a:xfrm>
-            <a:off x="5029200" y="4907280"/>
-            <a:ext cx="0" cy="426720"/>
-          </a:xfrm>
-          <a:prstGeom prst="line">
-            <a:avLst/>
-          </a:prstGeom>
-          <a:ln w="15875"/>
-        </p:spPr>
-        <p:style>
-          <a:lnRef idx="1">
-            <a:schemeClr val="accent1"/>
-          </a:lnRef>
-          <a:fillRef idx="0">
-            <a:schemeClr val="accent1"/>
-          </a:fillRef>
-          <a:effectRef idx="0">
-            <a:schemeClr val="accent1"/>
-          </a:effectRef>
-          <a:fontRef idx="minor">
-            <a:schemeClr val="tx1"/>
-          </a:fontRef>
-        </p:style>
-      </p:cxnSp>
-      <p:cxnSp>
-        <p:nvCxnSpPr>
-          <p:cNvPr id="112" name="Straight Connector 111"/>
-          <p:cNvCxnSpPr/>
-          <p:nvPr/>
-        </p:nvCxnSpPr>
-        <p:spPr>
-          <a:xfrm>
-            <a:off x="5029200" y="5334000"/>
-            <a:ext cx="2730879" cy="0"/>
-          </a:xfrm>
-          <a:prstGeom prst="line">
-            <a:avLst/>
-          </a:prstGeom>
-          <a:ln w="15875"/>
-        </p:spPr>
-        <p:style>
-          <a:lnRef idx="1">
-            <a:schemeClr val="accent1"/>
-          </a:lnRef>
-          <a:fillRef idx="0">
-            <a:schemeClr val="accent1"/>
-          </a:fillRef>
-          <a:effectRef idx="0">
-            <a:schemeClr val="accent1"/>
-          </a:effectRef>
-          <a:fontRef idx="minor">
-            <a:schemeClr val="tx1"/>
-          </a:fontRef>
-        </p:style>
-      </p:cxnSp>
-      <p:cxnSp>
-        <p:nvCxnSpPr>
-          <p:cNvPr id="114" name="Straight Arrow Connector 113"/>
-          <p:cNvCxnSpPr/>
-          <p:nvPr/>
-        </p:nvCxnSpPr>
-        <p:spPr>
-          <a:xfrm>
-            <a:off x="5197274" y="4754736"/>
-            <a:ext cx="1981200" cy="0"/>
-          </a:xfrm>
-          <a:prstGeom prst="straightConnector1">
-            <a:avLst/>
-          </a:prstGeom>
-          <a:ln w="15875">
-            <a:tailEnd type="arrow"/>
-          </a:ln>
-        </p:spPr>
-        <p:style>
-          <a:lnRef idx="1">
-            <a:schemeClr val="accent1"/>
-          </a:lnRef>
-          <a:fillRef idx="0">
-            <a:schemeClr val="accent1"/>
-          </a:fillRef>
-          <a:effectRef idx="0">
-            <a:schemeClr val="accent1"/>
-          </a:effectRef>
-          <a:fontRef idx="minor">
-            <a:schemeClr val="tx1"/>
-          </a:fontRef>
-        </p:style>
-      </p:cxnSp>
-      <p:cxnSp>
-        <p:nvCxnSpPr>
-          <p:cNvPr id="116" name="Straight Arrow Connector 115"/>
-          <p:cNvCxnSpPr>
-            <a:endCxn id="10" idx="2"/>
-          </p:cNvCxnSpPr>
-          <p:nvPr/>
-        </p:nvCxnSpPr>
-        <p:spPr>
-          <a:xfrm flipV="1">
-            <a:off x="7775753" y="5085273"/>
-            <a:ext cx="0" cy="248729"/>
-          </a:xfrm>
-          <a:prstGeom prst="straightConnector1">
-            <a:avLst/>
-          </a:prstGeom>
-          <a:ln w="15875">
-            <a:tailEnd type="arrow"/>
-          </a:ln>
-        </p:spPr>
-        <p:style>
-          <a:lnRef idx="1">
-            <a:schemeClr val="accent1"/>
-          </a:lnRef>
-          <a:fillRef idx="0">
-            <a:schemeClr val="accent1"/>
-          </a:fillRef>
-          <a:effectRef idx="0">
-            <a:schemeClr val="accent1"/>
-          </a:effectRef>
-          <a:fontRef idx="minor">
-            <a:schemeClr val="tx1"/>
-          </a:fontRef>
-        </p:style>
-      </p:cxnSp>
-      <p:cxnSp>
-        <p:nvCxnSpPr>
-          <p:cNvPr id="118" name="Straight Connector 117"/>
-          <p:cNvCxnSpPr>
-            <a:stCxn id="10" idx="0"/>
-          </p:cNvCxnSpPr>
-          <p:nvPr/>
-        </p:nvCxnSpPr>
-        <p:spPr>
-          <a:xfrm flipH="1" flipV="1">
-            <a:off x="7743815" y="1600200"/>
-            <a:ext cx="31938" cy="2284744"/>
-          </a:xfrm>
-          <a:prstGeom prst="line">
-            <a:avLst/>
-          </a:prstGeom>
-          <a:ln w="15875"/>
-        </p:spPr>
-        <p:style>
-          <a:lnRef idx="1">
-            <a:schemeClr val="accent1"/>
-          </a:lnRef>
-          <a:fillRef idx="0">
-            <a:schemeClr val="accent1"/>
-          </a:fillRef>
-          <a:effectRef idx="0">
-            <a:schemeClr val="accent1"/>
-          </a:effectRef>
-          <a:fontRef idx="minor">
-            <a:schemeClr val="tx1"/>
-          </a:fontRef>
-        </p:style>
-      </p:cxnSp>
-      <p:cxnSp>
-        <p:nvCxnSpPr>
-          <p:cNvPr id="120" name="Straight Connector 119"/>
-          <p:cNvCxnSpPr/>
-          <p:nvPr/>
-        </p:nvCxnSpPr>
-        <p:spPr>
-          <a:xfrm flipH="1">
-            <a:off x="4202506" y="1600200"/>
-            <a:ext cx="3541308" cy="0"/>
-          </a:xfrm>
-          <a:prstGeom prst="line">
-            <a:avLst/>
-          </a:prstGeom>
-          <a:ln w="15875"/>
-        </p:spPr>
-        <p:style>
-          <a:lnRef idx="1">
-            <a:schemeClr val="accent1"/>
-          </a:lnRef>
-          <a:fillRef idx="0">
-            <a:schemeClr val="accent1"/>
-          </a:fillRef>
-          <a:effectRef idx="0">
-            <a:schemeClr val="accent1"/>
-          </a:effectRef>
-          <a:fontRef idx="minor">
-            <a:schemeClr val="tx1"/>
-          </a:fontRef>
-        </p:style>
-      </p:cxnSp>
-      <p:cxnSp>
-        <p:nvCxnSpPr>
-          <p:cNvPr id="122" name="Straight Arrow Connector 121"/>
-          <p:cNvCxnSpPr/>
-          <p:nvPr/>
-        </p:nvCxnSpPr>
-        <p:spPr>
-          <a:xfrm>
-            <a:off x="4202506" y="1600200"/>
-            <a:ext cx="0" cy="1006733"/>
-          </a:xfrm>
-          <a:prstGeom prst="straightConnector1">
-            <a:avLst/>
-          </a:prstGeom>
-          <a:ln w="15875">
-            <a:tailEnd type="arrow"/>
-          </a:ln>
-        </p:spPr>
-        <p:style>
-          <a:lnRef idx="1">
-            <a:schemeClr val="accent1"/>
-          </a:lnRef>
-          <a:fillRef idx="0">
-            <a:schemeClr val="accent1"/>
-          </a:fillRef>
-          <a:effectRef idx="0">
-            <a:schemeClr val="accent1"/>
-          </a:effectRef>
-          <a:fontRef idx="minor">
-            <a:schemeClr val="tx1"/>
-          </a:fontRef>
-        </p:style>
-      </p:cxnSp>
-      <p:sp>
-        <p:nvSpPr>
-          <p:cNvPr id="126" name="TextBox 125"/>
-          <p:cNvSpPr txBox="1"/>
-          <p:nvPr/>
-        </p:nvSpPr>
-        <p:spPr>
-          <a:xfrm>
-            <a:off x="5269179" y="1304481"/>
-            <a:ext cx="1934760" cy="369332"/>
-          </a:xfrm>
-          <a:prstGeom prst="rect">
-            <a:avLst/>
-          </a:prstGeom>
-          <a:noFill/>
-        </p:spPr>
-        <p:txBody>
-          <a:bodyPr wrap="none" rtlCol="0">
-            <a:spAutoFit/>
-          </a:bodyPr>
-          <a:lstStyle/>
-          <a:p>
-            <a:r>
-              <a:rPr lang="en-US" dirty="0" smtClean="0"/>
-              <a:t>Memory read data</a:t>
-            </a:r>
-            <a:endParaRPr lang="en-US" dirty="0"/>
-          </a:p>
-        </p:txBody>
-      </p:sp>
-      <p:sp>
-        <p:nvSpPr>
-          <p:cNvPr id="127" name="TextBox 126"/>
-          <p:cNvSpPr txBox="1"/>
-          <p:nvPr/>
-        </p:nvSpPr>
-        <p:spPr>
-          <a:xfrm>
-            <a:off x="5269179" y="1568712"/>
-            <a:ext cx="844911" cy="369332"/>
-          </a:xfrm>
-          <a:prstGeom prst="rect">
-            <a:avLst/>
-          </a:prstGeom>
-          <a:noFill/>
-        </p:spPr>
-        <p:txBody>
-          <a:bodyPr wrap="none" rtlCol="0">
-            <a:spAutoFit/>
-          </a:bodyPr>
-          <a:lstStyle/>
-          <a:p>
-            <a:r>
-              <a:rPr lang="en-US" dirty="0" smtClean="0"/>
-              <a:t>S value</a:t>
-            </a:r>
-            <a:endParaRPr lang="en-US" dirty="0"/>
-          </a:p>
-        </p:txBody>
-      </p:sp>
-      <p:sp>
-        <p:nvSpPr>
-          <p:cNvPr id="128" name="TextBox 127"/>
-          <p:cNvSpPr txBox="1"/>
-          <p:nvPr/>
-        </p:nvSpPr>
-        <p:spPr>
-          <a:xfrm>
-            <a:off x="5266629" y="1871683"/>
-            <a:ext cx="864147" cy="369332"/>
-          </a:xfrm>
-          <a:prstGeom prst="rect">
-            <a:avLst/>
-          </a:prstGeom>
-          <a:noFill/>
-        </p:spPr>
-        <p:txBody>
-          <a:bodyPr wrap="none" rtlCol="0">
-            <a:spAutoFit/>
-          </a:bodyPr>
-          <a:lstStyle/>
-          <a:p>
-            <a:r>
-              <a:rPr lang="en-US" dirty="0"/>
-              <a:t>R</a:t>
-            </a:r>
-            <a:r>
-              <a:rPr lang="en-US" dirty="0" smtClean="0"/>
-              <a:t> value</a:t>
-            </a:r>
-            <a:endParaRPr lang="en-US" dirty="0"/>
-          </a:p>
-        </p:txBody>
-      </p:sp>
-      <p:sp>
-        <p:nvSpPr>
-          <p:cNvPr id="129" name="TextBox 128"/>
-          <p:cNvSpPr txBox="1"/>
-          <p:nvPr/>
-        </p:nvSpPr>
-        <p:spPr>
-          <a:xfrm>
-            <a:off x="5248996" y="2130669"/>
-            <a:ext cx="881780" cy="369332"/>
-          </a:xfrm>
-          <a:prstGeom prst="rect">
-            <a:avLst/>
-          </a:prstGeom>
-          <a:noFill/>
-        </p:spPr>
-        <p:txBody>
-          <a:bodyPr wrap="none" rtlCol="0">
-            <a:spAutoFit/>
-          </a:bodyPr>
-          <a:lstStyle/>
-          <a:p>
-            <a:r>
-              <a:rPr lang="en-US" dirty="0"/>
-              <a:t>D</a:t>
-            </a:r>
-            <a:r>
-              <a:rPr lang="en-US" dirty="0" smtClean="0"/>
-              <a:t> value</a:t>
-            </a:r>
-            <a:endParaRPr lang="en-US" dirty="0"/>
-          </a:p>
-        </p:txBody>
-      </p:sp>
-      <p:sp>
-        <p:nvSpPr>
-          <p:cNvPr id="130" name="TextBox 129"/>
-          <p:cNvSpPr txBox="1"/>
-          <p:nvPr/>
-        </p:nvSpPr>
-        <p:spPr>
-          <a:xfrm>
-            <a:off x="5412406" y="4077676"/>
-            <a:ext cx="554960" cy="369332"/>
-          </a:xfrm>
-          <a:prstGeom prst="rect">
-            <a:avLst/>
-          </a:prstGeom>
-          <a:noFill/>
-        </p:spPr>
-        <p:txBody>
-          <a:bodyPr wrap="none" rtlCol="0">
-            <a:spAutoFit/>
-          </a:bodyPr>
-          <a:lstStyle/>
-          <a:p>
-            <a:r>
-              <a:rPr lang="en-US" dirty="0"/>
-              <a:t>D</a:t>
-            </a:r>
-            <a:r>
-              <a:rPr lang="en-US" dirty="0" smtClean="0"/>
-              <a:t> in</a:t>
-            </a:r>
-            <a:endParaRPr lang="en-US" dirty="0"/>
-          </a:p>
-        </p:txBody>
-      </p:sp>
-      <p:sp>
-        <p:nvSpPr>
-          <p:cNvPr id="131" name="TextBox 130"/>
-          <p:cNvSpPr txBox="1"/>
-          <p:nvPr/>
-        </p:nvSpPr>
-        <p:spPr>
-          <a:xfrm>
-            <a:off x="5793858" y="4428476"/>
-            <a:ext cx="1366080" cy="369332"/>
-          </a:xfrm>
-          <a:prstGeom prst="rect">
-            <a:avLst/>
-          </a:prstGeom>
-          <a:noFill/>
-        </p:spPr>
-        <p:txBody>
-          <a:bodyPr wrap="none" rtlCol="0">
-            <a:spAutoFit/>
-          </a:bodyPr>
-          <a:lstStyle/>
-          <a:p>
-            <a:r>
-              <a:rPr lang="en-US" dirty="0" smtClean="0"/>
-              <a:t>PC/mem </a:t>
-            </a:r>
-            <a:r>
-              <a:rPr lang="en-US" dirty="0" err="1" smtClean="0"/>
-              <a:t>adr</a:t>
-            </a:r>
-            <a:endParaRPr lang="en-US" dirty="0" smtClean="0"/>
-          </a:p>
-        </p:txBody>
-      </p:sp>
-      <p:sp>
-        <p:nvSpPr>
-          <p:cNvPr id="132" name="TextBox 131"/>
-          <p:cNvSpPr txBox="1"/>
-          <p:nvPr/>
-        </p:nvSpPr>
-        <p:spPr>
-          <a:xfrm>
-            <a:off x="5478003" y="5020740"/>
-            <a:ext cx="1997791" cy="369332"/>
-          </a:xfrm>
-          <a:prstGeom prst="rect">
-            <a:avLst/>
-          </a:prstGeom>
-          <a:noFill/>
-        </p:spPr>
-        <p:txBody>
-          <a:bodyPr wrap="none" rtlCol="0">
-            <a:spAutoFit/>
-          </a:bodyPr>
-          <a:lstStyle/>
-          <a:p>
-            <a:r>
-              <a:rPr lang="en-US" dirty="0" smtClean="0"/>
-              <a:t>Memory write data</a:t>
-            </a:r>
-            <a:endParaRPr lang="en-US" dirty="0"/>
-          </a:p>
-        </p:txBody>
-      </p:sp>
-      <p:sp>
-        <p:nvSpPr>
-          <p:cNvPr id="138" name="TextBox 137"/>
-          <p:cNvSpPr txBox="1"/>
-          <p:nvPr/>
-        </p:nvSpPr>
-        <p:spPr>
-          <a:xfrm>
-            <a:off x="5233255" y="2895600"/>
-            <a:ext cx="639919" cy="369332"/>
-          </a:xfrm>
-          <a:prstGeom prst="rect">
-            <a:avLst/>
-          </a:prstGeom>
-          <a:noFill/>
-        </p:spPr>
-        <p:txBody>
-          <a:bodyPr wrap="none" rtlCol="0">
-            <a:spAutoFit/>
-          </a:bodyPr>
-          <a:lstStyle/>
-          <a:p>
-            <a:r>
-              <a:rPr lang="en-US" dirty="0" err="1" smtClean="0"/>
-              <a:t>Dadr</a:t>
-            </a:r>
-            <a:endParaRPr lang="en-US" dirty="0"/>
-          </a:p>
-        </p:txBody>
-      </p:sp>
-      <p:sp>
-        <p:nvSpPr>
-          <p:cNvPr id="139" name="TextBox 138"/>
-          <p:cNvSpPr txBox="1"/>
-          <p:nvPr/>
-        </p:nvSpPr>
-        <p:spPr>
-          <a:xfrm>
-            <a:off x="5214745" y="3515612"/>
-            <a:ext cx="622286" cy="369332"/>
-          </a:xfrm>
-          <a:prstGeom prst="rect">
-            <a:avLst/>
-          </a:prstGeom>
-          <a:noFill/>
-        </p:spPr>
-        <p:txBody>
-          <a:bodyPr wrap="none" rtlCol="0">
-            <a:spAutoFit/>
-          </a:bodyPr>
-          <a:lstStyle/>
-          <a:p>
-            <a:r>
-              <a:rPr lang="en-US" dirty="0" err="1" smtClean="0"/>
-              <a:t>Radr</a:t>
-            </a:r>
-            <a:endParaRPr lang="en-US" dirty="0"/>
-          </a:p>
-        </p:txBody>
-      </p:sp>
-      <p:sp>
-        <p:nvSpPr>
-          <p:cNvPr id="140" name="TextBox 139"/>
-          <p:cNvSpPr txBox="1"/>
-          <p:nvPr/>
-        </p:nvSpPr>
-        <p:spPr>
-          <a:xfrm>
-            <a:off x="5232903" y="3207823"/>
-            <a:ext cx="603050" cy="369332"/>
-          </a:xfrm>
-          <a:prstGeom prst="rect">
-            <a:avLst/>
-          </a:prstGeom>
-          <a:noFill/>
-        </p:spPr>
-        <p:txBody>
-          <a:bodyPr wrap="none" rtlCol="0">
-            <a:spAutoFit/>
-          </a:bodyPr>
-          <a:lstStyle/>
-          <a:p>
-            <a:r>
-              <a:rPr lang="en-US" dirty="0" smtClean="0"/>
-              <a:t>Sadr</a:t>
-            </a:r>
-            <a:endParaRPr lang="en-US" dirty="0"/>
-          </a:p>
-        </p:txBody>
-      </p:sp>
-      <p:sp>
-        <p:nvSpPr>
-          <p:cNvPr id="155" name="TextBox 154"/>
-          <p:cNvSpPr txBox="1"/>
-          <p:nvPr/>
-        </p:nvSpPr>
-        <p:spPr>
-          <a:xfrm>
-            <a:off x="1625104" y="1970109"/>
-            <a:ext cx="888961" cy="369332"/>
-          </a:xfrm>
-          <a:prstGeom prst="rect">
-            <a:avLst/>
-          </a:prstGeom>
-          <a:noFill/>
-        </p:spPr>
-        <p:txBody>
-          <a:bodyPr wrap="none" rtlCol="0">
-            <a:spAutoFit/>
-          </a:bodyPr>
-          <a:lstStyle/>
-          <a:p>
-            <a:r>
-              <a:rPr lang="en-US" dirty="0" smtClean="0"/>
-              <a:t>clocked</a:t>
-            </a:r>
-            <a:endParaRPr lang="en-US" dirty="0"/>
-          </a:p>
-        </p:txBody>
-      </p:sp>
-      <p:cxnSp>
-        <p:nvCxnSpPr>
-          <p:cNvPr id="157" name="Straight Arrow Connector 156"/>
-          <p:cNvCxnSpPr/>
-          <p:nvPr/>
-        </p:nvCxnSpPr>
-        <p:spPr>
-          <a:xfrm flipH="1">
-            <a:off x="1625104" y="2339441"/>
-            <a:ext cx="127496" cy="274692"/>
-          </a:xfrm>
-          <a:prstGeom prst="straightConnector1">
-            <a:avLst/>
-          </a:prstGeom>
-          <a:ln w="15875">
-            <a:tailEnd type="arrow"/>
-          </a:ln>
-        </p:spPr>
-        <p:style>
-          <a:lnRef idx="1">
-            <a:schemeClr val="accent1"/>
-          </a:lnRef>
-          <a:fillRef idx="0">
-            <a:schemeClr val="accent1"/>
-          </a:fillRef>
-          <a:effectRef idx="0">
-            <a:schemeClr val="accent1"/>
-          </a:effectRef>
-          <a:fontRef idx="minor">
-            <a:schemeClr val="tx1"/>
-          </a:fontRef>
-        </p:style>
-      </p:cxnSp>
-      <p:cxnSp>
-        <p:nvCxnSpPr>
-          <p:cNvPr id="159" name="Straight Arrow Connector 158"/>
-          <p:cNvCxnSpPr>
-            <a:stCxn id="155" idx="2"/>
-          </p:cNvCxnSpPr>
-          <p:nvPr/>
-        </p:nvCxnSpPr>
-        <p:spPr>
-          <a:xfrm flipH="1">
-            <a:off x="1954683" y="2339441"/>
-            <a:ext cx="114902" cy="267492"/>
-          </a:xfrm>
-          <a:prstGeom prst="straightConnector1">
-            <a:avLst/>
-          </a:prstGeom>
-          <a:ln w="15875">
-            <a:tailEnd type="arrow"/>
-          </a:ln>
-        </p:spPr>
-        <p:style>
-          <a:lnRef idx="1">
-            <a:schemeClr val="accent1"/>
-          </a:lnRef>
-          <a:fillRef idx="0">
-            <a:schemeClr val="accent1"/>
-          </a:fillRef>
-          <a:effectRef idx="0">
-            <a:schemeClr val="accent1"/>
-          </a:effectRef>
-          <a:fontRef idx="minor">
-            <a:schemeClr val="tx1"/>
-          </a:fontRef>
-        </p:style>
-      </p:cxnSp>
-      <p:cxnSp>
-        <p:nvCxnSpPr>
-          <p:cNvPr id="163" name="Straight Arrow Connector 162"/>
-          <p:cNvCxnSpPr/>
-          <p:nvPr/>
-        </p:nvCxnSpPr>
-        <p:spPr>
-          <a:xfrm>
-            <a:off x="2289971" y="2354420"/>
-            <a:ext cx="129237" cy="244733"/>
-          </a:xfrm>
-          <a:prstGeom prst="straightConnector1">
-            <a:avLst/>
-          </a:prstGeom>
-          <a:ln w="15875">
-            <a:tailEnd type="arrow"/>
-          </a:ln>
-        </p:spPr>
-        <p:style>
-          <a:lnRef idx="1">
-            <a:schemeClr val="accent1"/>
-          </a:lnRef>
-          <a:fillRef idx="0">
-            <a:schemeClr val="accent1"/>
-          </a:fillRef>
-          <a:effectRef idx="0">
-            <a:schemeClr val="accent1"/>
-          </a:effectRef>
-          <a:fontRef idx="minor">
-            <a:schemeClr val="tx1"/>
-          </a:fontRef>
-        </p:style>
-      </p:cxnSp>
-      <p:cxnSp>
-        <p:nvCxnSpPr>
-          <p:cNvPr id="165" name="Straight Arrow Connector 164"/>
-          <p:cNvCxnSpPr>
-            <a:endCxn id="8" idx="1"/>
-          </p:cNvCxnSpPr>
-          <p:nvPr/>
-        </p:nvCxnSpPr>
-        <p:spPr>
-          <a:xfrm>
-            <a:off x="3307526" y="5975866"/>
-            <a:ext cx="426274" cy="0"/>
-          </a:xfrm>
-          <a:prstGeom prst="straightConnector1">
-            <a:avLst/>
-          </a:prstGeom>
-          <a:ln w="15875">
-            <a:tailEnd type="arrow"/>
-          </a:ln>
-        </p:spPr>
-        <p:style>
-          <a:lnRef idx="1">
-            <a:schemeClr val="accent1"/>
-          </a:lnRef>
-          <a:fillRef idx="0">
-            <a:schemeClr val="accent1"/>
-          </a:fillRef>
-          <a:effectRef idx="0">
-            <a:schemeClr val="accent1"/>
-          </a:effectRef>
-          <a:fontRef idx="minor">
-            <a:schemeClr val="tx1"/>
-          </a:fontRef>
-        </p:style>
-      </p:cxnSp>
-      <p:cxnSp>
-        <p:nvCxnSpPr>
-          <p:cNvPr id="179" name="Straight Arrow Connector 178"/>
-          <p:cNvCxnSpPr/>
-          <p:nvPr/>
-        </p:nvCxnSpPr>
-        <p:spPr>
-          <a:xfrm flipH="1">
-            <a:off x="6621089" y="2472898"/>
-            <a:ext cx="329578" cy="607368"/>
-          </a:xfrm>
-          <a:prstGeom prst="straightConnector1">
-            <a:avLst/>
-          </a:prstGeom>
-          <a:ln w="15875">
-            <a:tailEnd type="arrow"/>
-          </a:ln>
-        </p:spPr>
-        <p:style>
-          <a:lnRef idx="1">
-            <a:schemeClr val="accent1"/>
-          </a:lnRef>
-          <a:fillRef idx="0">
-            <a:schemeClr val="accent1"/>
-          </a:fillRef>
-          <a:effectRef idx="0">
-            <a:schemeClr val="accent1"/>
-          </a:effectRef>
-          <a:fontRef idx="minor">
-            <a:schemeClr val="tx1"/>
-          </a:fontRef>
-        </p:style>
-      </p:cxnSp>
-      <p:cxnSp>
-        <p:nvCxnSpPr>
-          <p:cNvPr id="181" name="Straight Arrow Connector 180"/>
-          <p:cNvCxnSpPr/>
-          <p:nvPr/>
-        </p:nvCxnSpPr>
-        <p:spPr>
-          <a:xfrm>
-            <a:off x="8153400" y="2722179"/>
-            <a:ext cx="0" cy="1162765"/>
-          </a:xfrm>
-          <a:prstGeom prst="straightConnector1">
-            <a:avLst/>
-          </a:prstGeom>
-          <a:ln w="15875">
-            <a:tailEnd type="arrow"/>
-          </a:ln>
-        </p:spPr>
-        <p:style>
-          <a:lnRef idx="1">
-            <a:schemeClr val="accent1"/>
-          </a:lnRef>
-          <a:fillRef idx="0">
-            <a:schemeClr val="accent1"/>
-          </a:fillRef>
-          <a:effectRef idx="0">
-            <a:schemeClr val="accent1"/>
-          </a:effectRef>
-          <a:fontRef idx="minor">
-            <a:schemeClr val="tx1"/>
-          </a:fontRef>
-        </p:style>
-      </p:cxnSp>
-      <p:sp>
-        <p:nvSpPr>
-          <p:cNvPr id="182" name="TextBox 181"/>
-          <p:cNvSpPr txBox="1"/>
-          <p:nvPr/>
-        </p:nvSpPr>
-        <p:spPr>
-          <a:xfrm>
-            <a:off x="6728427" y="1929252"/>
-            <a:ext cx="706027" cy="646331"/>
-          </a:xfrm>
-          <a:prstGeom prst="rect">
-            <a:avLst/>
-          </a:prstGeom>
-          <a:noFill/>
-        </p:spPr>
-        <p:txBody>
-          <a:bodyPr wrap="none" rtlCol="0">
-            <a:spAutoFit/>
-          </a:bodyPr>
-          <a:lstStyle/>
-          <a:p>
-            <a:r>
-              <a:rPr lang="en-US" dirty="0" smtClean="0"/>
-              <a:t>Write</a:t>
-            </a:r>
-          </a:p>
-          <a:p>
-            <a:r>
-              <a:rPr lang="en-US" dirty="0" smtClean="0"/>
-              <a:t>clock</a:t>
-            </a:r>
-            <a:endParaRPr lang="en-US" dirty="0"/>
-          </a:p>
-        </p:txBody>
-      </p:sp>
-      <p:sp>
-        <p:nvSpPr>
-          <p:cNvPr id="188" name="TextBox 187"/>
-          <p:cNvSpPr txBox="1"/>
-          <p:nvPr/>
-        </p:nvSpPr>
-        <p:spPr>
-          <a:xfrm>
-            <a:off x="7848600" y="1871683"/>
-            <a:ext cx="863506" cy="923330"/>
-          </a:xfrm>
-          <a:prstGeom prst="rect">
-            <a:avLst/>
-          </a:prstGeom>
-          <a:noFill/>
-        </p:spPr>
-        <p:txBody>
-          <a:bodyPr wrap="none" rtlCol="0">
-            <a:spAutoFit/>
-          </a:bodyPr>
-          <a:lstStyle/>
-          <a:p>
-            <a:r>
-              <a:rPr lang="en-US" dirty="0" smtClean="0"/>
-              <a:t>Read &amp;</a:t>
-            </a:r>
-          </a:p>
-          <a:p>
-            <a:r>
-              <a:rPr lang="en-US" dirty="0" smtClean="0"/>
-              <a:t>Write</a:t>
-            </a:r>
-          </a:p>
-          <a:p>
-            <a:r>
-              <a:rPr lang="en-US" dirty="0" smtClean="0"/>
-              <a:t>clock</a:t>
-            </a:r>
-            <a:endParaRPr lang="en-US" dirty="0"/>
-          </a:p>
-        </p:txBody>
-      </p:sp>
-      <p:sp>
-        <p:nvSpPr>
-          <p:cNvPr id="51" name="TextBox 50"/>
-          <p:cNvSpPr txBox="1"/>
-          <p:nvPr/>
-        </p:nvSpPr>
-        <p:spPr>
-          <a:xfrm>
-            <a:off x="2450124" y="5770713"/>
-            <a:ext cx="888961" cy="369332"/>
-          </a:xfrm>
-          <a:prstGeom prst="rect">
-            <a:avLst/>
-          </a:prstGeom>
-          <a:noFill/>
-        </p:spPr>
-        <p:txBody>
-          <a:bodyPr wrap="none" rtlCol="0">
-            <a:spAutoFit/>
-          </a:bodyPr>
-          <a:lstStyle/>
-          <a:p>
-            <a:r>
-              <a:rPr lang="en-US" dirty="0" smtClean="0"/>
-              <a:t>clocked</a:t>
-            </a:r>
-            <a:endParaRPr lang="en-US" dirty="0"/>
-          </a:p>
-        </p:txBody>
-      </p:sp>
-    </p:spTree>
-    <p:extLst>
-      <p:ext uri="{BB962C8B-B14F-4D97-AF65-F5344CB8AC3E}">
-        <p14:creationId xmlns:p14="http://schemas.microsoft.com/office/powerpoint/2010/main" val="2655608589"/>
-      </p:ext>
-    </p:extLst>
-  </p:cSld>
-  <p:clrMapOvr>
-    <a:masterClrMapping/>
-  </p:clrMapOvr>
-  <p:timing>
-    <p:tnLst>
-      <p:par>
-        <p:cTn id="1" dur="indefinite" restart="never" nodeType="tmRoot"/>
-      </p:par>
-    </p:tnLst>
-  </p:timing>
-</p:sld>
-</file>
-
 <file path=ppt/slides/slide34.xml><?xml version="1.0" encoding="utf-8"?>
 <p:sld xmlns:a="http://schemas.openxmlformats.org/drawingml/2006/main" xmlns:r="http://schemas.openxmlformats.org/officeDocument/2006/relationships" xmlns:p="http://schemas.openxmlformats.org/presentationml/2006/main">
   <p:cSld>
@@ -20503,12 +18978,8 @@
           <a:lstStyle/>
           <a:p>
             <a:r>
-              <a:rPr lang="en-US" sz="4000" dirty="0"/>
-              <a:t>r</a:t>
-            </a:r>
-            <a:r>
               <a:rPr lang="en-US" sz="4000" dirty="0" smtClean="0"/>
-              <a:t>ois24_24uP instruction set</a:t>
+              <a:t>ROIS24_24uP</a:t>
             </a:r>
             <a:endParaRPr lang="en-US" sz="4000" dirty="0"/>
           </a:p>
@@ -20527,178 +18998,216 @@
         <p:spPr/>
         <p:txBody>
           <a:bodyPr>
-            <a:normAutofit fontScale="85000" lnSpcReduction="20000"/>
+            <a:normAutofit fontScale="92500" lnSpcReduction="10000"/>
           </a:bodyPr>
           <a:lstStyle/>
           <a:p>
-            <a:r>
-              <a:rPr lang="en-US" dirty="0" smtClean="0"/>
-              <a:t>Register zero always reads as zero</a:t>
-            </a:r>
-          </a:p>
-          <a:p>
-            <a:r>
-              <a:rPr lang="en-US" sz="3300" u="sng" dirty="0" smtClean="0"/>
-              <a:t>XXXXXX DDDDDD RRRRRRR SSSSSSS </a:t>
-            </a:r>
-            <a:r>
-              <a:rPr lang="en-US" dirty="0" smtClean="0"/>
-              <a:t>(DRS)</a:t>
-            </a:r>
-          </a:p>
-          <a:p>
-            <a:pPr lvl="1"/>
-            <a:r>
-              <a:rPr lang="en-US" dirty="0" smtClean="0"/>
-              <a:t>Two operands &amp; result registers</a:t>
-            </a:r>
-          </a:p>
-          <a:p>
-            <a:pPr lvl="1"/>
-            <a:r>
-              <a:rPr lang="en-US" dirty="0" smtClean="0"/>
-              <a:t>Add, add with carry, subtract, subtract with carry,</a:t>
-            </a:r>
-          </a:p>
-          <a:p>
-            <a:pPr lvl="1"/>
-            <a:r>
-              <a:rPr lang="en-US" dirty="0" smtClean="0"/>
-              <a:t>AND, ANDC(2</a:t>
-            </a:r>
-            <a:r>
-              <a:rPr lang="en-US" baseline="30000" dirty="0" smtClean="0"/>
-              <a:t>nd</a:t>
-            </a:r>
-            <a:r>
-              <a:rPr lang="en-US" dirty="0" smtClean="0"/>
-              <a:t> operand complemented), OR, XOR</a:t>
-            </a:r>
-          </a:p>
-          <a:p>
-            <a:pPr lvl="1"/>
-            <a:r>
-              <a:rPr lang="en-US" dirty="0" smtClean="0"/>
-              <a:t>Call (Jump if D=0; branch to mem[R+S])</a:t>
-            </a:r>
-          </a:p>
-          <a:p>
-            <a:r>
-              <a:rPr lang="en-US" sz="3300" u="sng" dirty="0" smtClean="0"/>
-              <a:t>XXXXXX DDDDDD RRRRRR </a:t>
-            </a:r>
-            <a:r>
-              <a:rPr lang="en-US" sz="3300" u="sng" dirty="0" err="1" smtClean="0"/>
+            <a:pPr marL="342900" lvl="2" indent="-342900"/>
+            <a:r>
+              <a:rPr lang="en-US" sz="3200" dirty="0"/>
+              <a:t>64 24-bit </a:t>
+            </a:r>
+            <a:r>
+              <a:rPr lang="en-US" sz="3200" dirty="0" smtClean="0"/>
+              <a:t>registers: uses 96 LUTs, quad ported</a:t>
+            </a:r>
+            <a:endParaRPr lang="en-US" sz="3200" dirty="0"/>
+          </a:p>
+          <a:p>
+            <a:pPr marL="342900" lvl="2" indent="-342900"/>
+            <a:r>
+              <a:rPr lang="en-US" sz="3200" dirty="0"/>
+              <a:t>24 bit instruction with 6-bit op-code and three 6-bit register </a:t>
+            </a:r>
+            <a:r>
+              <a:rPr lang="en-US" sz="3200" dirty="0" smtClean="0"/>
+              <a:t>designators</a:t>
+            </a:r>
+          </a:p>
+          <a:p>
+            <a:pPr marL="800100" lvl="3" indent="-342900"/>
+            <a:r>
+              <a:rPr lang="en-US" sz="2200" dirty="0" smtClean="0">
+                <a:latin typeface="Arial" panose="020B0604020202020204" pitchFamily="34" charset="0"/>
+                <a:cs typeface="Arial" panose="020B0604020202020204" pitchFamily="34" charset="0"/>
+              </a:rPr>
+              <a:t>XXXXXX DDDDDD RRRRRR SSSSSS		(DRS)</a:t>
+            </a:r>
+          </a:p>
+          <a:p>
+            <a:pPr marL="800100" lvl="3" indent="-342900"/>
+            <a:r>
+              <a:rPr lang="en-US" sz="2200" dirty="0">
+                <a:latin typeface="Arial" panose="020B0604020202020204" pitchFamily="34" charset="0"/>
+                <a:cs typeface="Arial" panose="020B0604020202020204" pitchFamily="34" charset="0"/>
+              </a:rPr>
+              <a:t>XXXXXX DDDDDD </a:t>
+            </a:r>
+            <a:r>
+              <a:rPr lang="en-US" sz="2200" dirty="0" smtClean="0">
+                <a:latin typeface="Arial" panose="020B0604020202020204" pitchFamily="34" charset="0"/>
+                <a:cs typeface="Arial" panose="020B0604020202020204" pitchFamily="34" charset="0"/>
+              </a:rPr>
+              <a:t>RRRRRR </a:t>
+            </a:r>
+            <a:r>
+              <a:rPr lang="en-US" sz="2200" dirty="0" err="1" smtClean="0">
+                <a:latin typeface="Arial" panose="020B0604020202020204" pitchFamily="34" charset="0"/>
+                <a:cs typeface="Arial" panose="020B0604020202020204" pitchFamily="34" charset="0"/>
+              </a:rPr>
               <a:t>sNNNNN</a:t>
             </a:r>
             <a:r>
-              <a:rPr lang="en-US" sz="3300" u="sng" dirty="0" smtClean="0"/>
+              <a:rPr lang="en-US" sz="2200" dirty="0" smtClean="0">
+                <a:latin typeface="Arial" panose="020B0604020202020204" pitchFamily="34" charset="0"/>
+                <a:cs typeface="Arial" panose="020B0604020202020204" pitchFamily="34" charset="0"/>
+              </a:rPr>
+              <a:t>		(</a:t>
+            </a:r>
+            <a:r>
+              <a:rPr lang="en-US" sz="2200" dirty="0" err="1" smtClean="0">
+                <a:latin typeface="Arial" panose="020B0604020202020204" pitchFamily="34" charset="0"/>
+                <a:cs typeface="Arial" panose="020B0604020202020204" pitchFamily="34" charset="0"/>
+              </a:rPr>
+              <a:t>DRsN</a:t>
+            </a:r>
+            <a:r>
+              <a:rPr lang="en-US" sz="2200" dirty="0" smtClean="0">
+                <a:latin typeface="Arial" panose="020B0604020202020204" pitchFamily="34" charset="0"/>
+                <a:cs typeface="Arial" panose="020B0604020202020204" pitchFamily="34" charset="0"/>
+              </a:rPr>
+              <a:t>)</a:t>
+            </a:r>
+          </a:p>
+          <a:p>
+            <a:pPr marL="800100" lvl="3" indent="-342900"/>
+            <a:r>
+              <a:rPr lang="en-US" sz="2200" dirty="0">
+                <a:latin typeface="Arial" panose="020B0604020202020204" pitchFamily="34" charset="0"/>
+                <a:cs typeface="Arial" panose="020B0604020202020204" pitchFamily="34" charset="0"/>
+              </a:rPr>
+              <a:t>XXXXXX DDDDDD </a:t>
+            </a:r>
+            <a:r>
+              <a:rPr lang="en-US" sz="2200" dirty="0" err="1" smtClean="0">
+                <a:latin typeface="Arial" panose="020B0604020202020204" pitchFamily="34" charset="0"/>
+                <a:cs typeface="Arial" panose="020B0604020202020204" pitchFamily="34" charset="0"/>
+              </a:rPr>
+              <a:t>sNNNNN</a:t>
+            </a:r>
+            <a:r>
+              <a:rPr lang="en-US" sz="2200" dirty="0" smtClean="0">
+                <a:latin typeface="Arial" panose="020B0604020202020204" pitchFamily="34" charset="0"/>
+                <a:cs typeface="Arial" panose="020B0604020202020204" pitchFamily="34" charset="0"/>
+              </a:rPr>
+              <a:t> NNNNNN		(</a:t>
+            </a:r>
+            <a:r>
+              <a:rPr lang="en-US" sz="2200" dirty="0" err="1" smtClean="0">
+                <a:latin typeface="Arial" panose="020B0604020202020204" pitchFamily="34" charset="0"/>
+                <a:cs typeface="Arial" panose="020B0604020202020204" pitchFamily="34" charset="0"/>
+              </a:rPr>
+              <a:t>DsNN</a:t>
+            </a:r>
+            <a:r>
+              <a:rPr lang="en-US" sz="2200" dirty="0" smtClean="0">
+                <a:latin typeface="Arial" panose="020B0604020202020204" pitchFamily="34" charset="0"/>
+                <a:cs typeface="Arial" panose="020B0604020202020204" pitchFamily="34" charset="0"/>
+              </a:rPr>
+              <a:t>)</a:t>
+            </a:r>
+            <a:endParaRPr lang="en-US" sz="2200" dirty="0">
+              <a:latin typeface="Arial" panose="020B0604020202020204" pitchFamily="34" charset="0"/>
+              <a:cs typeface="Arial" panose="020B0604020202020204" pitchFamily="34" charset="0"/>
+            </a:endParaRPr>
+          </a:p>
+          <a:p>
+            <a:pPr marL="800100" lvl="3" indent="-342900"/>
+            <a:r>
+              <a:rPr lang="en-US" sz="2200" dirty="0" smtClean="0">
+                <a:latin typeface="Arial" panose="020B0604020202020204" pitchFamily="34" charset="0"/>
+                <a:cs typeface="Arial" panose="020B0604020202020204" pitchFamily="34" charset="0"/>
+              </a:rPr>
+              <a:t>XXXXXX </a:t>
+            </a:r>
+            <a:r>
+              <a:rPr lang="en-US" sz="2200" dirty="0" err="1">
+                <a:latin typeface="Arial" panose="020B0604020202020204" pitchFamily="34" charset="0"/>
+                <a:cs typeface="Arial" panose="020B0604020202020204" pitchFamily="34" charset="0"/>
+              </a:rPr>
+              <a:t>sNNNNN</a:t>
+            </a:r>
+            <a:r>
+              <a:rPr lang="en-US" sz="2200" dirty="0">
+                <a:latin typeface="Arial" panose="020B0604020202020204" pitchFamily="34" charset="0"/>
+                <a:cs typeface="Arial" panose="020B0604020202020204" pitchFamily="34" charset="0"/>
+              </a:rPr>
               <a:t> </a:t>
             </a:r>
             <a:r>
-              <a:rPr lang="en-US" dirty="0" smtClean="0"/>
-              <a:t>(</a:t>
-            </a:r>
-            <a:r>
-              <a:rPr lang="en-US" dirty="0" err="1" smtClean="0"/>
-              <a:t>DRsN</a:t>
-            </a:r>
-            <a:r>
-              <a:rPr lang="en-US" dirty="0" smtClean="0"/>
+              <a:rPr lang="en-US" sz="2200" dirty="0" smtClean="0">
+                <a:latin typeface="Arial" panose="020B0604020202020204" pitchFamily="34" charset="0"/>
+                <a:cs typeface="Arial" panose="020B0604020202020204" pitchFamily="34" charset="0"/>
+              </a:rPr>
+              <a:t>NNNNNN </a:t>
+            </a:r>
+            <a:r>
+              <a:rPr lang="en-US" sz="2200" dirty="0" err="1" smtClean="0">
+                <a:latin typeface="Arial" panose="020B0604020202020204" pitchFamily="34" charset="0"/>
+                <a:cs typeface="Arial" panose="020B0604020202020204" pitchFamily="34" charset="0"/>
+              </a:rPr>
+              <a:t>NNNNNN</a:t>
+            </a:r>
+            <a:r>
+              <a:rPr lang="en-US" sz="2200" dirty="0" smtClean="0">
+                <a:latin typeface="Arial" panose="020B0604020202020204" pitchFamily="34" charset="0"/>
+                <a:cs typeface="Arial" panose="020B0604020202020204" pitchFamily="34" charset="0"/>
+              </a:rPr>
+              <a:t>		(</a:t>
+            </a:r>
+            <a:r>
+              <a:rPr lang="en-US" sz="2200" dirty="0" err="1" smtClean="0">
+                <a:latin typeface="Arial" panose="020B0604020202020204" pitchFamily="34" charset="0"/>
+                <a:cs typeface="Arial" panose="020B0604020202020204" pitchFamily="34" charset="0"/>
+              </a:rPr>
+              <a:t>sNNN</a:t>
+            </a:r>
+            <a:r>
+              <a:rPr lang="en-US" sz="2200" dirty="0" smtClean="0">
+                <a:latin typeface="Arial" panose="020B0604020202020204" pitchFamily="34" charset="0"/>
+                <a:cs typeface="Arial" panose="020B0604020202020204" pitchFamily="34" charset="0"/>
+              </a:rPr>
               <a:t>)</a:t>
             </a:r>
-          </a:p>
-          <a:p>
-            <a:pPr lvl="1"/>
-            <a:r>
-              <a:rPr lang="en-US" dirty="0" smtClean="0"/>
-              <a:t>Sign extended 6-bit immediate combined with R value</a:t>
-            </a:r>
-          </a:p>
-          <a:p>
-            <a:pPr lvl="1"/>
-            <a:r>
-              <a:rPr lang="en-US" dirty="0" err="1" smtClean="0"/>
-              <a:t>Addi</a:t>
-            </a:r>
-            <a:r>
-              <a:rPr lang="en-US" dirty="0" smtClean="0"/>
-              <a:t>, </a:t>
-            </a:r>
-            <a:r>
-              <a:rPr lang="en-US" dirty="0" err="1" smtClean="0"/>
-              <a:t>adci</a:t>
-            </a:r>
-            <a:r>
-              <a:rPr lang="en-US" dirty="0" smtClean="0"/>
-              <a:t>, </a:t>
-            </a:r>
-            <a:r>
-              <a:rPr lang="en-US" dirty="0" err="1" smtClean="0"/>
-              <a:t>andi</a:t>
-            </a:r>
-            <a:r>
-              <a:rPr lang="en-US" dirty="0" smtClean="0"/>
-              <a:t>, </a:t>
-            </a:r>
-            <a:r>
-              <a:rPr lang="en-US" dirty="0" err="1" smtClean="0"/>
-              <a:t>ori</a:t>
-            </a:r>
-            <a:r>
-              <a:rPr lang="en-US" dirty="0" smtClean="0"/>
-              <a:t>, </a:t>
-            </a:r>
-            <a:r>
-              <a:rPr lang="en-US" dirty="0" err="1" smtClean="0"/>
-              <a:t>xori</a:t>
-            </a:r>
-            <a:endParaRPr lang="en-US" dirty="0" smtClean="0"/>
-          </a:p>
-          <a:p>
-            <a:pPr lvl="1"/>
-            <a:r>
-              <a:rPr lang="en-US" dirty="0" smtClean="0"/>
-              <a:t>Call </a:t>
-            </a:r>
+            <a:endParaRPr lang="en-US" sz="2200" dirty="0">
+              <a:latin typeface="Arial" panose="020B0604020202020204" pitchFamily="34" charset="0"/>
+              <a:cs typeface="Arial" panose="020B0604020202020204" pitchFamily="34" charset="0"/>
+            </a:endParaRPr>
+          </a:p>
+          <a:p>
+            <a:pPr marL="342900" lvl="2" indent="-342900"/>
+            <a:r>
+              <a:rPr lang="en-US" sz="3200" dirty="0"/>
+              <a:t>24-bit by 1024 word block RAM main memory</a:t>
+            </a:r>
+          </a:p>
+          <a:p>
             <a:r>
               <a:rPr lang="en-US" dirty="0"/>
-              <a:t>(Jump if </a:t>
-            </a:r>
-            <a:r>
-              <a:rPr lang="en-US" dirty="0" smtClean="0"/>
-              <a:t>D=0; absolute call/</a:t>
-            </a:r>
-            <a:r>
-              <a:rPr lang="en-US" dirty="0" err="1" smtClean="0"/>
-              <a:t>jmp</a:t>
-            </a:r>
-            <a:r>
-              <a:rPr lang="en-US" dirty="0" smtClean="0"/>
-              <a:t> if R=0; return if </a:t>
-            </a:r>
-            <a:r>
-              <a:rPr lang="en-US" dirty="0" err="1" smtClean="0"/>
-              <a:t>sN</a:t>
-            </a:r>
-            <a:r>
-              <a:rPr lang="en-US" dirty="0" smtClean="0"/>
-              <a:t>=0)</a:t>
-            </a:r>
-          </a:p>
-          <a:p>
-            <a:pPr lvl="1"/>
-            <a:r>
-              <a:rPr lang="en-US" dirty="0" smtClean="0"/>
-              <a:t>In, Out</a:t>
-            </a:r>
+              <a:t>IO ports </a:t>
+            </a:r>
+            <a:r>
+              <a:rPr lang="en-US" dirty="0" smtClean="0"/>
+              <a:t>directly connected to LEDs, Switches, Push button, 100MHz clock</a:t>
+            </a:r>
+            <a:endParaRPr lang="en-US" dirty="0"/>
           </a:p>
         </p:txBody>
       </p:sp>
     </p:spTree>
     <p:extLst>
       <p:ext uri="{BB962C8B-B14F-4D97-AF65-F5344CB8AC3E}">
-        <p14:creationId xmlns:p14="http://schemas.microsoft.com/office/powerpoint/2010/main" val="4199475370"/>
+        <p14:creationId xmlns:p14="http://schemas.microsoft.com/office/powerpoint/2010/main" val="3013366072"/>
       </p:ext>
     </p:extLst>
   </p:cSld>
@@ -20742,7 +19251,12 @@
             <p:ph type="title"/>
           </p:nvPr>
         </p:nvSpPr>
-        <p:spPr/>
+        <p:spPr>
+          <a:xfrm>
+            <a:off x="533400" y="304800"/>
+            <a:ext cx="8229600" cy="1143000"/>
+          </a:xfrm>
+        </p:spPr>
         <p:txBody>
           <a:bodyPr>
             <a:normAutofit/>
@@ -20751,17 +19265,16 @@
           <a:p>
             <a:r>
               <a:rPr lang="en-US" sz="4000" dirty="0" smtClean="0"/>
-              <a:t>rois24_24uP </a:t>
-            </a:r>
-            <a:r>
-              <a:rPr lang="en-US" sz="4000" dirty="0"/>
-              <a:t>instruction </a:t>
-            </a:r>
-            <a:r>
+              <a:t>rois24_24uP block diagram</a:t>
+            </a:r>
+            <a:br>
               <a:rPr lang="en-US" sz="4000" dirty="0" smtClean="0"/>
-              <a:t>set cont’d</a:t>
-            </a:r>
-            <a:endParaRPr lang="en-US" sz="4000" dirty="0"/>
+            </a:br>
+            <a:r>
+              <a:rPr lang="en-US" sz="2000" dirty="0" smtClean="0"/>
+              <a:t>write enables on all registers and RAMs</a:t>
+            </a:r>
+            <a:endParaRPr lang="en-US" sz="2000" dirty="0"/>
           </a:p>
         </p:txBody>
       </p:sp>
@@ -20775,161 +19288,2298 @@
             <p:ph idx="1"/>
           </p:nvPr>
         </p:nvSpPr>
-        <p:spPr/>
-        <p:txBody>
-          <a:bodyPr>
-            <a:normAutofit lnSpcReduction="10000"/>
+        <p:spPr>
+          <a:xfrm>
+            <a:off x="182880" y="1175266"/>
+            <a:ext cx="2819400" cy="609600"/>
+          </a:xfrm>
+        </p:spPr>
+        <p:txBody>
+          <a:bodyPr/>
+          <a:lstStyle/>
+          <a:p>
+            <a:pPr marL="0" indent="0">
+              <a:buNone/>
+            </a:pPr>
+            <a:r>
+              <a:rPr lang="en-US" dirty="0" smtClean="0"/>
+              <a:t> </a:t>
+            </a:r>
+            <a:endParaRPr lang="en-US" dirty="0"/>
+          </a:p>
+        </p:txBody>
+      </p:sp>
+      <p:sp>
+        <p:nvSpPr>
+          <p:cNvPr id="4" name="TextBox 3"/>
+          <p:cNvSpPr txBox="1"/>
+          <p:nvPr/>
+        </p:nvSpPr>
+        <p:spPr>
+          <a:xfrm>
+            <a:off x="2438400" y="3810000"/>
+            <a:ext cx="426720" cy="369332"/>
+          </a:xfrm>
+          <a:prstGeom prst="rect">
+            <a:avLst/>
+          </a:prstGeom>
+          <a:noFill/>
+          <a:ln w="15875">
+            <a:solidFill>
+              <a:schemeClr val="tx1">
+                <a:lumMod val="95000"/>
+                <a:lumOff val="5000"/>
+              </a:schemeClr>
+            </a:solidFill>
+          </a:ln>
+        </p:spPr>
+        <p:txBody>
+          <a:bodyPr wrap="none" rtlCol="0">
+            <a:spAutoFit/>
           </a:bodyPr>
           <a:lstStyle/>
           <a:p>
             <a:r>
-              <a:rPr lang="en-US" sz="2800" dirty="0"/>
-              <a:t>Load and store: DRS &amp; </a:t>
-            </a:r>
-            <a:r>
-              <a:rPr lang="en-US" sz="2800" dirty="0" err="1" smtClean="0"/>
-              <a:t>DRsN</a:t>
-            </a:r>
-            <a:endParaRPr lang="en-US" sz="2800" dirty="0" smtClean="0"/>
-          </a:p>
-          <a:p>
-            <a:pPr lvl="1"/>
-            <a:r>
-              <a:rPr lang="en-US" sz="2400" dirty="0" smtClean="0"/>
-              <a:t>Load to D, Store from D</a:t>
-            </a:r>
-            <a:endParaRPr lang="en-US" sz="2400" dirty="0"/>
-          </a:p>
-          <a:p>
-            <a:r>
-              <a:rPr lang="en-US" sz="2800" u="sng" dirty="0" smtClean="0"/>
-              <a:t>XXXXXX DDDDDD </a:t>
-            </a:r>
-            <a:r>
-              <a:rPr lang="en-US" sz="2800" u="sng" dirty="0" err="1" smtClean="0"/>
-              <a:t>sNNNNN</a:t>
-            </a:r>
-            <a:r>
-              <a:rPr lang="en-US" sz="2800" u="sng" dirty="0" smtClean="0"/>
-              <a:t> NNNNNN </a:t>
-            </a:r>
-            <a:r>
-              <a:rPr lang="en-US" dirty="0" smtClean="0"/>
-              <a:t>(</a:t>
-            </a:r>
-            <a:r>
-              <a:rPr lang="en-US" dirty="0" err="1"/>
+              <a:rPr lang="en-US" dirty="0" smtClean="0"/>
+              <a:t>PC</a:t>
+            </a:r>
+            <a:endParaRPr lang="en-US" dirty="0"/>
+          </a:p>
+        </p:txBody>
+      </p:sp>
+      <p:sp>
+        <p:nvSpPr>
+          <p:cNvPr id="5" name="TextBox 4"/>
+          <p:cNvSpPr txBox="1"/>
+          <p:nvPr/>
+        </p:nvSpPr>
+        <p:spPr>
+          <a:xfrm>
+            <a:off x="838200" y="3800225"/>
+            <a:ext cx="685800" cy="369332"/>
+          </a:xfrm>
+          <a:prstGeom prst="rect">
+            <a:avLst/>
+          </a:prstGeom>
+          <a:noFill/>
+          <a:ln w="15875">
+            <a:solidFill>
+              <a:schemeClr val="tx1">
+                <a:lumMod val="95000"/>
+                <a:lumOff val="5000"/>
+              </a:schemeClr>
+            </a:solidFill>
+          </a:ln>
+        </p:spPr>
+        <p:txBody>
+          <a:bodyPr wrap="square" rtlCol="0">
+            <a:spAutoFit/>
+          </a:bodyPr>
+          <a:lstStyle/>
+          <a:p>
+            <a:r>
+              <a:rPr lang="en-US" dirty="0" smtClean="0"/>
+              <a:t>state</a:t>
+            </a:r>
+            <a:endParaRPr lang="en-US" dirty="0"/>
+          </a:p>
+        </p:txBody>
+      </p:sp>
+      <p:sp>
+        <p:nvSpPr>
+          <p:cNvPr id="6" name="TextBox 5"/>
+          <p:cNvSpPr txBox="1"/>
+          <p:nvPr/>
+        </p:nvSpPr>
+        <p:spPr>
+          <a:xfrm>
+            <a:off x="1676400" y="3800225"/>
+            <a:ext cx="556563" cy="369332"/>
+          </a:xfrm>
+          <a:prstGeom prst="rect">
+            <a:avLst/>
+          </a:prstGeom>
+          <a:noFill/>
+          <a:ln w="15875">
+            <a:solidFill>
+              <a:schemeClr val="tx1">
+                <a:lumMod val="95000"/>
+                <a:lumOff val="5000"/>
+              </a:schemeClr>
+            </a:solidFill>
+          </a:ln>
+        </p:spPr>
+        <p:txBody>
+          <a:bodyPr wrap="none" rtlCol="0">
+            <a:spAutoFit/>
+          </a:bodyPr>
+          <a:lstStyle/>
+          <a:p>
+            <a:r>
+              <a:rPr lang="en-US" dirty="0" smtClean="0"/>
+              <a:t>CCR</a:t>
+            </a:r>
+            <a:endParaRPr lang="en-US" dirty="0"/>
+          </a:p>
+        </p:txBody>
+      </p:sp>
+      <p:sp>
+        <p:nvSpPr>
+          <p:cNvPr id="7" name="TextBox 6"/>
+          <p:cNvSpPr txBox="1"/>
+          <p:nvPr/>
+        </p:nvSpPr>
+        <p:spPr>
+          <a:xfrm>
+            <a:off x="3352800" y="2606933"/>
+            <a:ext cx="1828800" cy="2308324"/>
+          </a:xfrm>
+          <a:prstGeom prst="rect">
+            <a:avLst/>
+          </a:prstGeom>
+          <a:noFill/>
+          <a:ln w="28575">
+            <a:solidFill>
+              <a:srgbClr val="00B050"/>
+            </a:solidFill>
+          </a:ln>
+        </p:spPr>
+        <p:txBody>
+          <a:bodyPr wrap="square" rtlCol="0">
+            <a:spAutoFit/>
+          </a:bodyPr>
+          <a:lstStyle/>
+          <a:p>
+            <a:pPr algn="ctr"/>
+            <a:r>
+              <a:rPr lang="en-US" dirty="0" smtClean="0"/>
+              <a:t>Combinatorial logic</a:t>
+            </a:r>
+          </a:p>
+          <a:p>
+            <a:pPr algn="ctr"/>
+            <a:endParaRPr lang="en-US" dirty="0" smtClean="0"/>
+          </a:p>
+          <a:p>
+            <a:pPr algn="ctr"/>
+            <a:r>
+              <a:rPr lang="en-US" dirty="0" smtClean="0"/>
+              <a:t>Adders, </a:t>
+            </a:r>
+          </a:p>
+          <a:p>
+            <a:pPr algn="ctr"/>
+            <a:r>
+              <a:rPr lang="en-US" dirty="0" err="1" smtClean="0"/>
+              <a:t>MUXes</a:t>
+            </a:r>
+            <a:r>
+              <a:rPr lang="en-US" dirty="0" smtClean="0"/>
+              <a:t>,</a:t>
+            </a:r>
+          </a:p>
+          <a:p>
+            <a:pPr algn="ctr"/>
+            <a:r>
+              <a:rPr lang="en-US" dirty="0" smtClean="0"/>
+              <a:t>Update enables,</a:t>
+            </a:r>
+          </a:p>
+          <a:p>
+            <a:pPr algn="ctr"/>
+            <a:r>
+              <a:rPr lang="en-US" dirty="0" smtClean="0"/>
+              <a:t>Etc.</a:t>
+            </a:r>
+          </a:p>
+          <a:p>
+            <a:endParaRPr lang="en-US" dirty="0"/>
+          </a:p>
+        </p:txBody>
+      </p:sp>
+      <p:sp>
+        <p:nvSpPr>
+          <p:cNvPr id="8" name="TextBox 7"/>
+          <p:cNvSpPr txBox="1"/>
+          <p:nvPr/>
+        </p:nvSpPr>
+        <p:spPr>
+          <a:xfrm>
+            <a:off x="3733800" y="5791200"/>
+            <a:ext cx="1620893" cy="369332"/>
+          </a:xfrm>
+          <a:prstGeom prst="rect">
+            <a:avLst/>
+          </a:prstGeom>
+          <a:noFill/>
+          <a:ln w="15875">
+            <a:solidFill>
+              <a:schemeClr val="tx1">
+                <a:lumMod val="95000"/>
+                <a:lumOff val="5000"/>
+              </a:schemeClr>
+            </a:solidFill>
+          </a:ln>
+        </p:spPr>
+        <p:txBody>
+          <a:bodyPr wrap="none" rtlCol="0">
+            <a:spAutoFit/>
+          </a:bodyPr>
+          <a:lstStyle/>
+          <a:p>
+            <a:r>
+              <a:rPr lang="en-US" dirty="0" smtClean="0"/>
+              <a:t>Output register</a:t>
+            </a:r>
+            <a:endParaRPr lang="en-US" dirty="0"/>
+          </a:p>
+        </p:txBody>
+      </p:sp>
+      <p:sp>
+        <p:nvSpPr>
+          <p:cNvPr id="9" name="TextBox 8"/>
+          <p:cNvSpPr txBox="1"/>
+          <p:nvPr/>
+        </p:nvSpPr>
+        <p:spPr>
+          <a:xfrm>
+            <a:off x="5897044" y="3080266"/>
+            <a:ext cx="1045351" cy="923330"/>
+          </a:xfrm>
+          <a:prstGeom prst="rect">
+            <a:avLst/>
+          </a:prstGeom>
+          <a:noFill/>
+          <a:ln w="22225">
+            <a:solidFill>
+              <a:schemeClr val="accent1">
+                <a:lumMod val="75000"/>
+              </a:schemeClr>
+            </a:solidFill>
+          </a:ln>
+        </p:spPr>
+        <p:txBody>
+          <a:bodyPr wrap="none" rtlCol="0">
+            <a:spAutoFit/>
+          </a:bodyPr>
+          <a:lstStyle/>
+          <a:p>
+            <a:pPr algn="ctr"/>
+            <a:r>
+              <a:rPr lang="en-US" dirty="0" smtClean="0"/>
+              <a:t>LUT RAM</a:t>
+            </a:r>
+          </a:p>
+          <a:p>
+            <a:pPr algn="ctr"/>
+            <a:r>
+              <a:rPr lang="en-US" dirty="0" smtClean="0"/>
+              <a:t>64x24</a:t>
+            </a:r>
+          </a:p>
+          <a:p>
+            <a:endParaRPr lang="en-US" dirty="0"/>
+          </a:p>
+        </p:txBody>
+      </p:sp>
+      <p:sp>
+        <p:nvSpPr>
+          <p:cNvPr id="10" name="TextBox 9"/>
+          <p:cNvSpPr txBox="1"/>
+          <p:nvPr/>
+        </p:nvSpPr>
+        <p:spPr>
+          <a:xfrm>
+            <a:off x="7178474" y="3884944"/>
+            <a:ext cx="1194558" cy="1200329"/>
+          </a:xfrm>
+          <a:prstGeom prst="rect">
+            <a:avLst/>
+          </a:prstGeom>
+          <a:noFill/>
+          <a:ln w="28575">
+            <a:solidFill>
+              <a:schemeClr val="accent1">
+                <a:lumMod val="75000"/>
+              </a:schemeClr>
+            </a:solidFill>
+          </a:ln>
+        </p:spPr>
+        <p:txBody>
+          <a:bodyPr wrap="none" rtlCol="0">
+            <a:spAutoFit/>
+          </a:bodyPr>
+          <a:lstStyle/>
+          <a:p>
+            <a:pPr algn="ctr"/>
+            <a:r>
+              <a:rPr lang="en-US" dirty="0" smtClean="0"/>
+              <a:t>Block RAM</a:t>
+            </a:r>
+          </a:p>
+          <a:p>
+            <a:pPr algn="ctr"/>
+            <a:r>
+              <a:rPr lang="en-US" dirty="0" smtClean="0"/>
+              <a:t>1024x24</a:t>
+            </a:r>
+          </a:p>
+          <a:p>
+            <a:endParaRPr lang="en-US" dirty="0" smtClean="0"/>
+          </a:p>
+          <a:p>
+            <a:endParaRPr lang="en-US" dirty="0"/>
+          </a:p>
+        </p:txBody>
+      </p:sp>
+      <p:sp>
+        <p:nvSpPr>
+          <p:cNvPr id="11" name="TextBox 10"/>
+          <p:cNvSpPr txBox="1"/>
+          <p:nvPr/>
+        </p:nvSpPr>
+        <p:spPr>
+          <a:xfrm>
+            <a:off x="3078480" y="1526628"/>
+            <a:ext cx="1124026" cy="369332"/>
+          </a:xfrm>
+          <a:prstGeom prst="rect">
+            <a:avLst/>
+          </a:prstGeom>
+          <a:noFill/>
+        </p:spPr>
+        <p:txBody>
+          <a:bodyPr wrap="none" rtlCol="0">
+            <a:spAutoFit/>
+          </a:bodyPr>
+          <a:lstStyle/>
+          <a:p>
+            <a:r>
+              <a:rPr lang="en-US" dirty="0" smtClean="0"/>
+              <a:t>Input pins</a:t>
+            </a:r>
+          </a:p>
+        </p:txBody>
+      </p:sp>
+      <p:cxnSp>
+        <p:nvCxnSpPr>
+          <p:cNvPr id="13" name="Straight Arrow Connector 12"/>
+          <p:cNvCxnSpPr>
+            <a:stCxn id="11" idx="2"/>
+          </p:cNvCxnSpPr>
+          <p:nvPr/>
+        </p:nvCxnSpPr>
+        <p:spPr>
+          <a:xfrm>
+            <a:off x="3640493" y="1895960"/>
+            <a:ext cx="0" cy="718173"/>
+          </a:xfrm>
+          <a:prstGeom prst="straightConnector1">
+            <a:avLst/>
+          </a:prstGeom>
+          <a:ln w="15875">
+            <a:tailEnd type="arrow"/>
+          </a:ln>
+        </p:spPr>
+        <p:style>
+          <a:lnRef idx="1">
+            <a:schemeClr val="accent1"/>
+          </a:lnRef>
+          <a:fillRef idx="0">
+            <a:schemeClr val="accent1"/>
+          </a:fillRef>
+          <a:effectRef idx="0">
+            <a:schemeClr val="accent1"/>
+          </a:effectRef>
+          <a:fontRef idx="minor">
+            <a:schemeClr val="tx1"/>
+          </a:fontRef>
+        </p:style>
+      </p:cxnSp>
+      <p:cxnSp>
+        <p:nvCxnSpPr>
+          <p:cNvPr id="16" name="Straight Arrow Connector 15"/>
+          <p:cNvCxnSpPr>
+            <a:stCxn id="7" idx="2"/>
+            <a:endCxn id="8" idx="0"/>
+          </p:cNvCxnSpPr>
+          <p:nvPr/>
+        </p:nvCxnSpPr>
+        <p:spPr>
+          <a:xfrm>
+            <a:off x="4267200" y="4915257"/>
+            <a:ext cx="277047" cy="875943"/>
+          </a:xfrm>
+          <a:prstGeom prst="straightConnector1">
+            <a:avLst/>
+          </a:prstGeom>
+          <a:ln w="15875">
+            <a:tailEnd type="arrow"/>
+          </a:ln>
+        </p:spPr>
+        <p:style>
+          <a:lnRef idx="1">
+            <a:schemeClr val="accent1"/>
+          </a:lnRef>
+          <a:fillRef idx="0">
+            <a:schemeClr val="accent1"/>
+          </a:fillRef>
+          <a:effectRef idx="0">
+            <a:schemeClr val="accent1"/>
+          </a:effectRef>
+          <a:fontRef idx="minor">
+            <a:schemeClr val="tx1"/>
+          </a:fontRef>
+        </p:style>
+      </p:cxnSp>
+      <p:cxnSp>
+        <p:nvCxnSpPr>
+          <p:cNvPr id="33" name="Straight Connector 32"/>
+          <p:cNvCxnSpPr/>
+          <p:nvPr/>
+        </p:nvCxnSpPr>
+        <p:spPr>
+          <a:xfrm>
+            <a:off x="2651760" y="5181600"/>
+            <a:ext cx="853440" cy="0"/>
+          </a:xfrm>
+          <a:prstGeom prst="line">
+            <a:avLst/>
+          </a:prstGeom>
+          <a:ln w="15875"/>
+        </p:spPr>
+        <p:style>
+          <a:lnRef idx="1">
+            <a:schemeClr val="accent1"/>
+          </a:lnRef>
+          <a:fillRef idx="0">
+            <a:schemeClr val="accent1"/>
+          </a:fillRef>
+          <a:effectRef idx="0">
+            <a:schemeClr val="accent1"/>
+          </a:effectRef>
+          <a:fontRef idx="minor">
+            <a:schemeClr val="tx1"/>
+          </a:fontRef>
+        </p:style>
+      </p:cxnSp>
+      <p:cxnSp>
+        <p:nvCxnSpPr>
+          <p:cNvPr id="37" name="Straight Connector 36"/>
+          <p:cNvCxnSpPr/>
+          <p:nvPr/>
+        </p:nvCxnSpPr>
+        <p:spPr>
+          <a:xfrm flipV="1">
+            <a:off x="3505200" y="4907280"/>
+            <a:ext cx="0" cy="274321"/>
+          </a:xfrm>
+          <a:prstGeom prst="line">
+            <a:avLst/>
+          </a:prstGeom>
+          <a:ln w="15875"/>
+        </p:spPr>
+        <p:style>
+          <a:lnRef idx="1">
+            <a:schemeClr val="accent1"/>
+          </a:lnRef>
+          <a:fillRef idx="0">
+            <a:schemeClr val="accent1"/>
+          </a:fillRef>
+          <a:effectRef idx="0">
+            <a:schemeClr val="accent1"/>
+          </a:effectRef>
+          <a:fontRef idx="minor">
+            <a:schemeClr val="tx1"/>
+          </a:fontRef>
+        </p:style>
+      </p:cxnSp>
+      <p:cxnSp>
+        <p:nvCxnSpPr>
+          <p:cNvPr id="40" name="Straight Arrow Connector 39"/>
+          <p:cNvCxnSpPr>
+            <a:endCxn id="4" idx="2"/>
+          </p:cNvCxnSpPr>
+          <p:nvPr/>
+        </p:nvCxnSpPr>
+        <p:spPr>
+          <a:xfrm flipV="1">
+            <a:off x="2651760" y="4179332"/>
+            <a:ext cx="0" cy="1002269"/>
+          </a:xfrm>
+          <a:prstGeom prst="straightConnector1">
+            <a:avLst/>
+          </a:prstGeom>
+          <a:ln w="15875">
+            <a:tailEnd type="arrow"/>
+          </a:ln>
+        </p:spPr>
+        <p:style>
+          <a:lnRef idx="1">
+            <a:schemeClr val="accent1"/>
+          </a:lnRef>
+          <a:fillRef idx="0">
+            <a:schemeClr val="accent1"/>
+          </a:fillRef>
+          <a:effectRef idx="0">
+            <a:schemeClr val="accent1"/>
+          </a:effectRef>
+          <a:fontRef idx="minor">
+            <a:schemeClr val="tx1"/>
+          </a:fontRef>
+        </p:style>
+      </p:cxnSp>
+      <p:cxnSp>
+        <p:nvCxnSpPr>
+          <p:cNvPr id="42" name="Straight Connector 41"/>
+          <p:cNvCxnSpPr/>
+          <p:nvPr/>
+        </p:nvCxnSpPr>
+        <p:spPr>
+          <a:xfrm>
+            <a:off x="3657600" y="4907280"/>
+            <a:ext cx="0" cy="426720"/>
+          </a:xfrm>
+          <a:prstGeom prst="line">
+            <a:avLst/>
+          </a:prstGeom>
+          <a:ln w="15875"/>
+        </p:spPr>
+        <p:style>
+          <a:lnRef idx="1">
+            <a:schemeClr val="accent1"/>
+          </a:lnRef>
+          <a:fillRef idx="0">
+            <a:schemeClr val="accent1"/>
+          </a:fillRef>
+          <a:effectRef idx="0">
+            <a:schemeClr val="accent1"/>
+          </a:effectRef>
+          <a:fontRef idx="minor">
+            <a:schemeClr val="tx1"/>
+          </a:fontRef>
+        </p:style>
+      </p:cxnSp>
+      <p:cxnSp>
+        <p:nvCxnSpPr>
+          <p:cNvPr id="45" name="Straight Connector 44"/>
+          <p:cNvCxnSpPr/>
+          <p:nvPr/>
+        </p:nvCxnSpPr>
+        <p:spPr>
+          <a:xfrm>
+            <a:off x="3657600" y="5334000"/>
+            <a:ext cx="0" cy="0"/>
+          </a:xfrm>
+          <a:prstGeom prst="line">
+            <a:avLst/>
+          </a:prstGeom>
+        </p:spPr>
+        <p:style>
+          <a:lnRef idx="1">
+            <a:schemeClr val="accent1"/>
+          </a:lnRef>
+          <a:fillRef idx="0">
+            <a:schemeClr val="accent1"/>
+          </a:fillRef>
+          <a:effectRef idx="0">
+            <a:schemeClr val="accent1"/>
+          </a:effectRef>
+          <a:fontRef idx="minor">
+            <a:schemeClr val="tx1"/>
+          </a:fontRef>
+        </p:style>
+      </p:cxnSp>
+      <p:cxnSp>
+        <p:nvCxnSpPr>
+          <p:cNvPr id="47" name="Straight Connector 46"/>
+          <p:cNvCxnSpPr/>
+          <p:nvPr/>
+        </p:nvCxnSpPr>
+        <p:spPr>
+          <a:xfrm flipH="1">
+            <a:off x="1954681" y="5334000"/>
+            <a:ext cx="1702919" cy="0"/>
+          </a:xfrm>
+          <a:prstGeom prst="line">
+            <a:avLst/>
+          </a:prstGeom>
+          <a:ln w="15875"/>
+        </p:spPr>
+        <p:style>
+          <a:lnRef idx="1">
+            <a:schemeClr val="accent1"/>
+          </a:lnRef>
+          <a:fillRef idx="0">
+            <a:schemeClr val="accent1"/>
+          </a:fillRef>
+          <a:effectRef idx="0">
+            <a:schemeClr val="accent1"/>
+          </a:effectRef>
+          <a:fontRef idx="minor">
+            <a:schemeClr val="tx1"/>
+          </a:fontRef>
+        </p:style>
+      </p:cxnSp>
+      <p:cxnSp>
+        <p:nvCxnSpPr>
+          <p:cNvPr id="49" name="Straight Arrow Connector 48"/>
+          <p:cNvCxnSpPr>
+            <a:endCxn id="6" idx="2"/>
+          </p:cNvCxnSpPr>
+          <p:nvPr/>
+        </p:nvCxnSpPr>
+        <p:spPr>
+          <a:xfrm flipV="1">
+            <a:off x="1954681" y="4169557"/>
+            <a:ext cx="1" cy="1164443"/>
+          </a:xfrm>
+          <a:prstGeom prst="straightConnector1">
+            <a:avLst/>
+          </a:prstGeom>
+          <a:ln w="15875">
+            <a:tailEnd type="arrow"/>
+          </a:ln>
+        </p:spPr>
+        <p:style>
+          <a:lnRef idx="1">
+            <a:schemeClr val="accent1"/>
+          </a:lnRef>
+          <a:fillRef idx="0">
+            <a:schemeClr val="accent1"/>
+          </a:fillRef>
+          <a:effectRef idx="0">
+            <a:schemeClr val="accent1"/>
+          </a:effectRef>
+          <a:fontRef idx="minor">
+            <a:schemeClr val="tx1"/>
+          </a:fontRef>
+        </p:style>
+      </p:cxnSp>
+      <p:cxnSp>
+        <p:nvCxnSpPr>
+          <p:cNvPr id="53" name="Straight Connector 52"/>
+          <p:cNvCxnSpPr/>
+          <p:nvPr/>
+        </p:nvCxnSpPr>
+        <p:spPr>
+          <a:xfrm>
+            <a:off x="3810000" y="4907280"/>
+            <a:ext cx="0" cy="579120"/>
+          </a:xfrm>
+          <a:prstGeom prst="line">
+            <a:avLst/>
+          </a:prstGeom>
+          <a:ln w="15875"/>
+        </p:spPr>
+        <p:style>
+          <a:lnRef idx="1">
+            <a:schemeClr val="accent1"/>
+          </a:lnRef>
+          <a:fillRef idx="0">
+            <a:schemeClr val="accent1"/>
+          </a:fillRef>
+          <a:effectRef idx="0">
+            <a:schemeClr val="accent1"/>
+          </a:effectRef>
+          <a:fontRef idx="minor">
+            <a:schemeClr val="tx1"/>
+          </a:fontRef>
+        </p:style>
+      </p:cxnSp>
+      <p:cxnSp>
+        <p:nvCxnSpPr>
+          <p:cNvPr id="56" name="Straight Connector 55"/>
+          <p:cNvCxnSpPr/>
+          <p:nvPr/>
+        </p:nvCxnSpPr>
+        <p:spPr>
+          <a:xfrm flipH="1">
+            <a:off x="1181100" y="5486400"/>
+            <a:ext cx="2628900" cy="0"/>
+          </a:xfrm>
+          <a:prstGeom prst="line">
+            <a:avLst/>
+          </a:prstGeom>
+          <a:ln w="15875"/>
+        </p:spPr>
+        <p:style>
+          <a:lnRef idx="1">
+            <a:schemeClr val="accent1"/>
+          </a:lnRef>
+          <a:fillRef idx="0">
+            <a:schemeClr val="accent1"/>
+          </a:fillRef>
+          <a:effectRef idx="0">
+            <a:schemeClr val="accent1"/>
+          </a:effectRef>
+          <a:fontRef idx="minor">
+            <a:schemeClr val="tx1"/>
+          </a:fontRef>
+        </p:style>
+      </p:cxnSp>
+      <p:cxnSp>
+        <p:nvCxnSpPr>
+          <p:cNvPr id="58" name="Straight Arrow Connector 57"/>
+          <p:cNvCxnSpPr>
+            <a:endCxn id="5" idx="2"/>
+          </p:cNvCxnSpPr>
+          <p:nvPr/>
+        </p:nvCxnSpPr>
+        <p:spPr>
+          <a:xfrm flipV="1">
+            <a:off x="1181100" y="4169557"/>
+            <a:ext cx="0" cy="1316843"/>
+          </a:xfrm>
+          <a:prstGeom prst="straightConnector1">
+            <a:avLst/>
+          </a:prstGeom>
+          <a:ln w="15875">
+            <a:tailEnd type="arrow"/>
+          </a:ln>
+        </p:spPr>
+        <p:style>
+          <a:lnRef idx="1">
+            <a:schemeClr val="accent1"/>
+          </a:lnRef>
+          <a:fillRef idx="0">
+            <a:schemeClr val="accent1"/>
+          </a:fillRef>
+          <a:effectRef idx="0">
+            <a:schemeClr val="accent1"/>
+          </a:effectRef>
+          <a:fontRef idx="minor">
+            <a:schemeClr val="tx1"/>
+          </a:fontRef>
+        </p:style>
+      </p:cxnSp>
+      <p:cxnSp>
+        <p:nvCxnSpPr>
+          <p:cNvPr id="62" name="Straight Connector 61"/>
+          <p:cNvCxnSpPr>
+            <a:endCxn id="4" idx="0"/>
+          </p:cNvCxnSpPr>
+          <p:nvPr/>
+        </p:nvCxnSpPr>
+        <p:spPr>
+          <a:xfrm>
+            <a:off x="2651760" y="3080266"/>
+            <a:ext cx="0" cy="729734"/>
+          </a:xfrm>
+          <a:prstGeom prst="line">
+            <a:avLst/>
+          </a:prstGeom>
+          <a:ln w="15875"/>
+        </p:spPr>
+        <p:style>
+          <a:lnRef idx="1">
+            <a:schemeClr val="accent1"/>
+          </a:lnRef>
+          <a:fillRef idx="0">
+            <a:schemeClr val="accent1"/>
+          </a:fillRef>
+          <a:effectRef idx="0">
+            <a:schemeClr val="accent1"/>
+          </a:effectRef>
+          <a:fontRef idx="minor">
+            <a:schemeClr val="tx1"/>
+          </a:fontRef>
+        </p:style>
+      </p:cxnSp>
+      <p:cxnSp>
+        <p:nvCxnSpPr>
+          <p:cNvPr id="65" name="Straight Arrow Connector 64"/>
+          <p:cNvCxnSpPr/>
+          <p:nvPr/>
+        </p:nvCxnSpPr>
+        <p:spPr>
+          <a:xfrm>
+            <a:off x="2651760" y="3080266"/>
+            <a:ext cx="701040" cy="0"/>
+          </a:xfrm>
+          <a:prstGeom prst="straightConnector1">
+            <a:avLst/>
+          </a:prstGeom>
+          <a:ln w="15875">
+            <a:tailEnd type="arrow"/>
+          </a:ln>
+        </p:spPr>
+        <p:style>
+          <a:lnRef idx="1">
+            <a:schemeClr val="accent1"/>
+          </a:lnRef>
+          <a:fillRef idx="0">
+            <a:schemeClr val="accent1"/>
+          </a:fillRef>
+          <a:effectRef idx="0">
+            <a:schemeClr val="accent1"/>
+          </a:effectRef>
+          <a:fontRef idx="minor">
+            <a:schemeClr val="tx1"/>
+          </a:fontRef>
+        </p:style>
+      </p:cxnSp>
+      <p:cxnSp>
+        <p:nvCxnSpPr>
+          <p:cNvPr id="67" name="Straight Connector 66"/>
+          <p:cNvCxnSpPr>
+            <a:stCxn id="6" idx="0"/>
+          </p:cNvCxnSpPr>
+          <p:nvPr/>
+        </p:nvCxnSpPr>
+        <p:spPr>
+          <a:xfrm flipV="1">
+            <a:off x="1954682" y="2895600"/>
+            <a:ext cx="0" cy="904625"/>
+          </a:xfrm>
+          <a:prstGeom prst="line">
+            <a:avLst/>
+          </a:prstGeom>
+          <a:ln w="15875"/>
+        </p:spPr>
+        <p:style>
+          <a:lnRef idx="1">
+            <a:schemeClr val="accent1"/>
+          </a:lnRef>
+          <a:fillRef idx="0">
+            <a:schemeClr val="accent1"/>
+          </a:fillRef>
+          <a:effectRef idx="0">
+            <a:schemeClr val="accent1"/>
+          </a:effectRef>
+          <a:fontRef idx="minor">
+            <a:schemeClr val="tx1"/>
+          </a:fontRef>
+        </p:style>
+      </p:cxnSp>
+      <p:cxnSp>
+        <p:nvCxnSpPr>
+          <p:cNvPr id="69" name="Straight Arrow Connector 68"/>
+          <p:cNvCxnSpPr/>
+          <p:nvPr/>
+        </p:nvCxnSpPr>
+        <p:spPr>
+          <a:xfrm>
+            <a:off x="1954682" y="2895600"/>
+            <a:ext cx="1398118" cy="0"/>
+          </a:xfrm>
+          <a:prstGeom prst="straightConnector1">
+            <a:avLst/>
+          </a:prstGeom>
+          <a:ln w="15875">
+            <a:tailEnd type="arrow"/>
+          </a:ln>
+        </p:spPr>
+        <p:style>
+          <a:lnRef idx="1">
+            <a:schemeClr val="accent1"/>
+          </a:lnRef>
+          <a:fillRef idx="0">
+            <a:schemeClr val="accent1"/>
+          </a:fillRef>
+          <a:effectRef idx="0">
+            <a:schemeClr val="accent1"/>
+          </a:effectRef>
+          <a:fontRef idx="minor">
+            <a:schemeClr val="tx1"/>
+          </a:fontRef>
+        </p:style>
+      </p:cxnSp>
+      <p:cxnSp>
+        <p:nvCxnSpPr>
+          <p:cNvPr id="71" name="Straight Connector 70"/>
+          <p:cNvCxnSpPr>
+            <a:stCxn id="5" idx="0"/>
+          </p:cNvCxnSpPr>
+          <p:nvPr/>
+        </p:nvCxnSpPr>
+        <p:spPr>
+          <a:xfrm flipV="1">
+            <a:off x="1181100" y="2743200"/>
+            <a:ext cx="0" cy="1057025"/>
+          </a:xfrm>
+          <a:prstGeom prst="line">
+            <a:avLst/>
+          </a:prstGeom>
+          <a:ln w="15875"/>
+        </p:spPr>
+        <p:style>
+          <a:lnRef idx="1">
+            <a:schemeClr val="accent1"/>
+          </a:lnRef>
+          <a:fillRef idx="0">
+            <a:schemeClr val="accent1"/>
+          </a:fillRef>
+          <a:effectRef idx="0">
+            <a:schemeClr val="accent1"/>
+          </a:effectRef>
+          <a:fontRef idx="minor">
+            <a:schemeClr val="tx1"/>
+          </a:fontRef>
+        </p:style>
+      </p:cxnSp>
+      <p:cxnSp>
+        <p:nvCxnSpPr>
+          <p:cNvPr id="73" name="Straight Arrow Connector 72"/>
+          <p:cNvCxnSpPr/>
+          <p:nvPr/>
+        </p:nvCxnSpPr>
+        <p:spPr>
+          <a:xfrm>
+            <a:off x="1181100" y="2743200"/>
+            <a:ext cx="2171700" cy="0"/>
+          </a:xfrm>
+          <a:prstGeom prst="straightConnector1">
+            <a:avLst/>
+          </a:prstGeom>
+          <a:ln w="15875">
+            <a:tailEnd type="arrow"/>
+          </a:ln>
+        </p:spPr>
+        <p:style>
+          <a:lnRef idx="1">
+            <a:schemeClr val="accent1"/>
+          </a:lnRef>
+          <a:fillRef idx="0">
+            <a:schemeClr val="accent1"/>
+          </a:fillRef>
+          <a:effectRef idx="0">
+            <a:schemeClr val="accent1"/>
+          </a:effectRef>
+          <a:fontRef idx="minor">
+            <a:schemeClr val="tx1"/>
+          </a:fontRef>
+        </p:style>
+      </p:cxnSp>
+      <p:cxnSp>
+        <p:nvCxnSpPr>
+          <p:cNvPr id="75" name="Straight Connector 74"/>
+          <p:cNvCxnSpPr/>
+          <p:nvPr/>
+        </p:nvCxnSpPr>
+        <p:spPr>
+          <a:xfrm>
+            <a:off x="5181600" y="4419600"/>
+            <a:ext cx="1143000" cy="0"/>
+          </a:xfrm>
+          <a:prstGeom prst="line">
+            <a:avLst/>
+          </a:prstGeom>
+          <a:ln w="15875"/>
+        </p:spPr>
+        <p:style>
+          <a:lnRef idx="1">
+            <a:schemeClr val="accent1"/>
+          </a:lnRef>
+          <a:fillRef idx="0">
+            <a:schemeClr val="accent1"/>
+          </a:fillRef>
+          <a:effectRef idx="0">
+            <a:schemeClr val="accent1"/>
+          </a:effectRef>
+          <a:fontRef idx="minor">
+            <a:schemeClr val="tx1"/>
+          </a:fontRef>
+        </p:style>
+      </p:cxnSp>
+      <p:cxnSp>
+        <p:nvCxnSpPr>
+          <p:cNvPr id="77" name="Straight Arrow Connector 76"/>
+          <p:cNvCxnSpPr/>
+          <p:nvPr/>
+        </p:nvCxnSpPr>
+        <p:spPr>
+          <a:xfrm flipV="1">
+            <a:off x="6324600" y="4012471"/>
+            <a:ext cx="1" cy="416005"/>
+          </a:xfrm>
+          <a:prstGeom prst="straightConnector1">
+            <a:avLst/>
+          </a:prstGeom>
+          <a:ln w="15875">
+            <a:tailEnd type="arrow"/>
+          </a:ln>
+        </p:spPr>
+        <p:style>
+          <a:lnRef idx="1">
+            <a:schemeClr val="accent1"/>
+          </a:lnRef>
+          <a:fillRef idx="0">
+            <a:schemeClr val="accent1"/>
+          </a:fillRef>
+          <a:effectRef idx="0">
+            <a:schemeClr val="accent1"/>
+          </a:effectRef>
+          <a:fontRef idx="minor">
+            <a:schemeClr val="tx1"/>
+          </a:fontRef>
+        </p:style>
+      </p:cxnSp>
+      <p:cxnSp>
+        <p:nvCxnSpPr>
+          <p:cNvPr id="79" name="Straight Arrow Connector 78"/>
+          <p:cNvCxnSpPr/>
+          <p:nvPr/>
+        </p:nvCxnSpPr>
+        <p:spPr>
+          <a:xfrm>
+            <a:off x="5181600" y="3810000"/>
+            <a:ext cx="715444" cy="0"/>
+          </a:xfrm>
+          <a:prstGeom prst="straightConnector1">
+            <a:avLst/>
+          </a:prstGeom>
+          <a:ln w="15875">
+            <a:tailEnd type="arrow"/>
+          </a:ln>
+        </p:spPr>
+        <p:style>
+          <a:lnRef idx="1">
+            <a:schemeClr val="accent1"/>
+          </a:lnRef>
+          <a:fillRef idx="0">
+            <a:schemeClr val="accent1"/>
+          </a:fillRef>
+          <a:effectRef idx="0">
+            <a:schemeClr val="accent1"/>
+          </a:effectRef>
+          <a:fontRef idx="minor">
+            <a:schemeClr val="tx1"/>
+          </a:fontRef>
+        </p:style>
+      </p:cxnSp>
+      <p:cxnSp>
+        <p:nvCxnSpPr>
+          <p:cNvPr id="81" name="Straight Arrow Connector 80"/>
+          <p:cNvCxnSpPr>
+            <a:endCxn id="9" idx="1"/>
+          </p:cNvCxnSpPr>
+          <p:nvPr/>
+        </p:nvCxnSpPr>
+        <p:spPr>
+          <a:xfrm>
+            <a:off x="5181600" y="3537466"/>
+            <a:ext cx="715444" cy="4465"/>
+          </a:xfrm>
+          <a:prstGeom prst="straightConnector1">
+            <a:avLst/>
+          </a:prstGeom>
+          <a:ln w="15875">
+            <a:tailEnd type="arrow"/>
+          </a:ln>
+        </p:spPr>
+        <p:style>
+          <a:lnRef idx="1">
+            <a:schemeClr val="accent1"/>
+          </a:lnRef>
+          <a:fillRef idx="0">
+            <a:schemeClr val="accent1"/>
+          </a:fillRef>
+          <a:effectRef idx="0">
+            <a:schemeClr val="accent1"/>
+          </a:effectRef>
+          <a:fontRef idx="minor">
+            <a:schemeClr val="tx1"/>
+          </a:fontRef>
+        </p:style>
+      </p:cxnSp>
+      <p:cxnSp>
+        <p:nvCxnSpPr>
+          <p:cNvPr id="83" name="Straight Arrow Connector 82"/>
+          <p:cNvCxnSpPr/>
+          <p:nvPr/>
+        </p:nvCxnSpPr>
+        <p:spPr>
+          <a:xfrm>
+            <a:off x="5181600" y="3271712"/>
+            <a:ext cx="715444" cy="0"/>
+          </a:xfrm>
+          <a:prstGeom prst="straightConnector1">
+            <a:avLst/>
+          </a:prstGeom>
+          <a:ln w="15875">
+            <a:tailEnd type="arrow"/>
+          </a:ln>
+        </p:spPr>
+        <p:style>
+          <a:lnRef idx="1">
+            <a:schemeClr val="accent1"/>
+          </a:lnRef>
+          <a:fillRef idx="0">
+            <a:schemeClr val="accent1"/>
+          </a:fillRef>
+          <a:effectRef idx="0">
+            <a:schemeClr val="accent1"/>
+          </a:effectRef>
+          <a:fontRef idx="minor">
+            <a:schemeClr val="tx1"/>
+          </a:fontRef>
+        </p:style>
+      </p:cxnSp>
+      <p:cxnSp>
+        <p:nvCxnSpPr>
+          <p:cNvPr id="86" name="Straight Connector 85"/>
+          <p:cNvCxnSpPr/>
+          <p:nvPr/>
+        </p:nvCxnSpPr>
+        <p:spPr>
+          <a:xfrm flipH="1" flipV="1">
+            <a:off x="5990742" y="2447353"/>
+            <a:ext cx="4" cy="632916"/>
+          </a:xfrm>
+          <a:prstGeom prst="line">
+            <a:avLst/>
+          </a:prstGeom>
+          <a:ln w="15875"/>
+        </p:spPr>
+        <p:style>
+          <a:lnRef idx="1">
+            <a:schemeClr val="accent1"/>
+          </a:lnRef>
+          <a:fillRef idx="0">
+            <a:schemeClr val="accent1"/>
+          </a:fillRef>
+          <a:effectRef idx="0">
+            <a:schemeClr val="accent1"/>
+          </a:effectRef>
+          <a:fontRef idx="minor">
+            <a:schemeClr val="tx1"/>
+          </a:fontRef>
+        </p:style>
+      </p:cxnSp>
+      <p:cxnSp>
+        <p:nvCxnSpPr>
+          <p:cNvPr id="89" name="Straight Connector 88"/>
+          <p:cNvCxnSpPr/>
+          <p:nvPr/>
+        </p:nvCxnSpPr>
+        <p:spPr>
+          <a:xfrm flipV="1">
+            <a:off x="6236559" y="2133600"/>
+            <a:ext cx="0" cy="946666"/>
+          </a:xfrm>
+          <a:prstGeom prst="line">
+            <a:avLst/>
+          </a:prstGeom>
+          <a:ln w="15875"/>
+        </p:spPr>
+        <p:style>
+          <a:lnRef idx="1">
+            <a:schemeClr val="accent1"/>
+          </a:lnRef>
+          <a:fillRef idx="0">
+            <a:schemeClr val="accent1"/>
+          </a:fillRef>
+          <a:effectRef idx="0">
+            <a:schemeClr val="accent1"/>
+          </a:effectRef>
+          <a:fontRef idx="minor">
+            <a:schemeClr val="tx1"/>
+          </a:fontRef>
+        </p:style>
+      </p:cxnSp>
+      <p:cxnSp>
+        <p:nvCxnSpPr>
+          <p:cNvPr id="91" name="Straight Connector 90"/>
+          <p:cNvCxnSpPr/>
+          <p:nvPr/>
+        </p:nvCxnSpPr>
+        <p:spPr>
+          <a:xfrm flipH="1" flipV="1">
+            <a:off x="6476898" y="1871683"/>
+            <a:ext cx="12541" cy="1208583"/>
+          </a:xfrm>
+          <a:prstGeom prst="line">
+            <a:avLst/>
+          </a:prstGeom>
+          <a:ln w="15875"/>
+        </p:spPr>
+        <p:style>
+          <a:lnRef idx="1">
+            <a:schemeClr val="accent1"/>
+          </a:lnRef>
+          <a:fillRef idx="0">
+            <a:schemeClr val="accent1"/>
+          </a:fillRef>
+          <a:effectRef idx="0">
+            <a:schemeClr val="accent1"/>
+          </a:effectRef>
+          <a:fontRef idx="minor">
+            <a:schemeClr val="tx1"/>
+          </a:fontRef>
+        </p:style>
+      </p:cxnSp>
+      <p:cxnSp>
+        <p:nvCxnSpPr>
+          <p:cNvPr id="93" name="Straight Connector 92"/>
+          <p:cNvCxnSpPr/>
+          <p:nvPr/>
+        </p:nvCxnSpPr>
+        <p:spPr>
+          <a:xfrm flipH="1" flipV="1">
+            <a:off x="4944581" y="2447353"/>
+            <a:ext cx="1046161" cy="4033"/>
+          </a:xfrm>
+          <a:prstGeom prst="line">
+            <a:avLst/>
+          </a:prstGeom>
+          <a:ln w="15875"/>
+        </p:spPr>
+        <p:style>
+          <a:lnRef idx="1">
+            <a:schemeClr val="accent1"/>
+          </a:lnRef>
+          <a:fillRef idx="0">
+            <a:schemeClr val="accent1"/>
+          </a:fillRef>
+          <a:effectRef idx="0">
+            <a:schemeClr val="accent1"/>
+          </a:effectRef>
+          <a:fontRef idx="minor">
+            <a:schemeClr val="tx1"/>
+          </a:fontRef>
+        </p:style>
+      </p:cxnSp>
+      <p:cxnSp>
+        <p:nvCxnSpPr>
+          <p:cNvPr id="95" name="Straight Connector 94"/>
+          <p:cNvCxnSpPr/>
+          <p:nvPr/>
+        </p:nvCxnSpPr>
+        <p:spPr>
+          <a:xfrm flipH="1">
+            <a:off x="4718539" y="2142192"/>
+            <a:ext cx="1518020" cy="0"/>
+          </a:xfrm>
+          <a:prstGeom prst="line">
+            <a:avLst/>
+          </a:prstGeom>
+          <a:ln w="15875"/>
+        </p:spPr>
+        <p:style>
+          <a:lnRef idx="1">
+            <a:schemeClr val="accent1"/>
+          </a:lnRef>
+          <a:fillRef idx="0">
+            <a:schemeClr val="accent1"/>
+          </a:fillRef>
+          <a:effectRef idx="0">
+            <a:schemeClr val="accent1"/>
+          </a:effectRef>
+          <a:fontRef idx="minor">
+            <a:schemeClr val="tx1"/>
+          </a:fontRef>
+        </p:style>
+      </p:cxnSp>
+      <p:cxnSp>
+        <p:nvCxnSpPr>
+          <p:cNvPr id="99" name="Straight Connector 98"/>
+          <p:cNvCxnSpPr/>
+          <p:nvPr/>
+        </p:nvCxnSpPr>
+        <p:spPr>
+          <a:xfrm flipH="1">
+            <a:off x="4495800" y="1871683"/>
+            <a:ext cx="1981098" cy="21649"/>
+          </a:xfrm>
+          <a:prstGeom prst="line">
+            <a:avLst/>
+          </a:prstGeom>
+          <a:ln w="15875"/>
+        </p:spPr>
+        <p:style>
+          <a:lnRef idx="1">
+            <a:schemeClr val="accent1"/>
+          </a:lnRef>
+          <a:fillRef idx="0">
+            <a:schemeClr val="accent1"/>
+          </a:fillRef>
+          <a:effectRef idx="0">
+            <a:schemeClr val="accent1"/>
+          </a:effectRef>
+          <a:fontRef idx="minor">
+            <a:schemeClr val="tx1"/>
+          </a:fontRef>
+        </p:style>
+      </p:cxnSp>
+      <p:cxnSp>
+        <p:nvCxnSpPr>
+          <p:cNvPr id="101" name="Straight Arrow Connector 100"/>
+          <p:cNvCxnSpPr/>
+          <p:nvPr/>
+        </p:nvCxnSpPr>
+        <p:spPr>
+          <a:xfrm>
+            <a:off x="4495800" y="1893332"/>
+            <a:ext cx="0" cy="718173"/>
+          </a:xfrm>
+          <a:prstGeom prst="straightConnector1">
+            <a:avLst/>
+          </a:prstGeom>
+          <a:ln w="15875">
+            <a:tailEnd type="arrow"/>
+          </a:ln>
+        </p:spPr>
+        <p:style>
+          <a:lnRef idx="1">
+            <a:schemeClr val="accent1"/>
+          </a:lnRef>
+          <a:fillRef idx="0">
+            <a:schemeClr val="accent1"/>
+          </a:fillRef>
+          <a:effectRef idx="0">
+            <a:schemeClr val="accent1"/>
+          </a:effectRef>
+          <a:fontRef idx="minor">
+            <a:schemeClr val="tx1"/>
+          </a:fontRef>
+        </p:style>
+      </p:cxnSp>
+      <p:cxnSp>
+        <p:nvCxnSpPr>
+          <p:cNvPr id="103" name="Straight Arrow Connector 102"/>
+          <p:cNvCxnSpPr/>
+          <p:nvPr/>
+        </p:nvCxnSpPr>
+        <p:spPr>
+          <a:xfrm>
+            <a:off x="4724401" y="2133600"/>
+            <a:ext cx="0" cy="473333"/>
+          </a:xfrm>
+          <a:prstGeom prst="straightConnector1">
+            <a:avLst/>
+          </a:prstGeom>
+          <a:ln w="15875">
+            <a:tailEnd type="arrow"/>
+          </a:ln>
+        </p:spPr>
+        <p:style>
+          <a:lnRef idx="1">
+            <a:schemeClr val="accent1"/>
+          </a:lnRef>
+          <a:fillRef idx="0">
+            <a:schemeClr val="accent1"/>
+          </a:fillRef>
+          <a:effectRef idx="0">
+            <a:schemeClr val="accent1"/>
+          </a:effectRef>
+          <a:fontRef idx="minor">
+            <a:schemeClr val="tx1"/>
+          </a:fontRef>
+        </p:style>
+      </p:cxnSp>
+      <p:cxnSp>
+        <p:nvCxnSpPr>
+          <p:cNvPr id="105" name="Straight Arrow Connector 104"/>
+          <p:cNvCxnSpPr/>
+          <p:nvPr/>
+        </p:nvCxnSpPr>
+        <p:spPr>
+          <a:xfrm>
+            <a:off x="4944581" y="2447353"/>
+            <a:ext cx="0" cy="159580"/>
+          </a:xfrm>
+          <a:prstGeom prst="straightConnector1">
+            <a:avLst/>
+          </a:prstGeom>
+          <a:ln w="15875">
+            <a:tailEnd type="arrow"/>
+          </a:ln>
+        </p:spPr>
+        <p:style>
+          <a:lnRef idx="1">
+            <a:schemeClr val="accent1"/>
+          </a:lnRef>
+          <a:fillRef idx="0">
+            <a:schemeClr val="accent1"/>
+          </a:fillRef>
+          <a:effectRef idx="0">
+            <a:schemeClr val="accent1"/>
+          </a:effectRef>
+          <a:fontRef idx="minor">
+            <a:schemeClr val="tx1"/>
+          </a:fontRef>
+        </p:style>
+      </p:cxnSp>
+      <p:cxnSp>
+        <p:nvCxnSpPr>
+          <p:cNvPr id="109" name="Straight Connector 108"/>
+          <p:cNvCxnSpPr/>
+          <p:nvPr/>
+        </p:nvCxnSpPr>
+        <p:spPr>
+          <a:xfrm>
+            <a:off x="5029200" y="4907280"/>
+            <a:ext cx="0" cy="426720"/>
+          </a:xfrm>
+          <a:prstGeom prst="line">
+            <a:avLst/>
+          </a:prstGeom>
+          <a:ln w="15875"/>
+        </p:spPr>
+        <p:style>
+          <a:lnRef idx="1">
+            <a:schemeClr val="accent1"/>
+          </a:lnRef>
+          <a:fillRef idx="0">
+            <a:schemeClr val="accent1"/>
+          </a:fillRef>
+          <a:effectRef idx="0">
+            <a:schemeClr val="accent1"/>
+          </a:effectRef>
+          <a:fontRef idx="minor">
+            <a:schemeClr val="tx1"/>
+          </a:fontRef>
+        </p:style>
+      </p:cxnSp>
+      <p:cxnSp>
+        <p:nvCxnSpPr>
+          <p:cNvPr id="112" name="Straight Connector 111"/>
+          <p:cNvCxnSpPr/>
+          <p:nvPr/>
+        </p:nvCxnSpPr>
+        <p:spPr>
+          <a:xfrm>
+            <a:off x="5029200" y="5334000"/>
+            <a:ext cx="2730879" cy="0"/>
+          </a:xfrm>
+          <a:prstGeom prst="line">
+            <a:avLst/>
+          </a:prstGeom>
+          <a:ln w="15875"/>
+        </p:spPr>
+        <p:style>
+          <a:lnRef idx="1">
+            <a:schemeClr val="accent1"/>
+          </a:lnRef>
+          <a:fillRef idx="0">
+            <a:schemeClr val="accent1"/>
+          </a:fillRef>
+          <a:effectRef idx="0">
+            <a:schemeClr val="accent1"/>
+          </a:effectRef>
+          <a:fontRef idx="minor">
+            <a:schemeClr val="tx1"/>
+          </a:fontRef>
+        </p:style>
+      </p:cxnSp>
+      <p:cxnSp>
+        <p:nvCxnSpPr>
+          <p:cNvPr id="114" name="Straight Arrow Connector 113"/>
+          <p:cNvCxnSpPr/>
+          <p:nvPr/>
+        </p:nvCxnSpPr>
+        <p:spPr>
+          <a:xfrm>
+            <a:off x="5197274" y="4754736"/>
+            <a:ext cx="1981200" cy="0"/>
+          </a:xfrm>
+          <a:prstGeom prst="straightConnector1">
+            <a:avLst/>
+          </a:prstGeom>
+          <a:ln w="15875">
+            <a:tailEnd type="arrow"/>
+          </a:ln>
+        </p:spPr>
+        <p:style>
+          <a:lnRef idx="1">
+            <a:schemeClr val="accent1"/>
+          </a:lnRef>
+          <a:fillRef idx="0">
+            <a:schemeClr val="accent1"/>
+          </a:fillRef>
+          <a:effectRef idx="0">
+            <a:schemeClr val="accent1"/>
+          </a:effectRef>
+          <a:fontRef idx="minor">
+            <a:schemeClr val="tx1"/>
+          </a:fontRef>
+        </p:style>
+      </p:cxnSp>
+      <p:cxnSp>
+        <p:nvCxnSpPr>
+          <p:cNvPr id="116" name="Straight Arrow Connector 115"/>
+          <p:cNvCxnSpPr>
+            <a:endCxn id="10" idx="2"/>
+          </p:cNvCxnSpPr>
+          <p:nvPr/>
+        </p:nvCxnSpPr>
+        <p:spPr>
+          <a:xfrm flipV="1">
+            <a:off x="7775753" y="5085273"/>
+            <a:ext cx="0" cy="248729"/>
+          </a:xfrm>
+          <a:prstGeom prst="straightConnector1">
+            <a:avLst/>
+          </a:prstGeom>
+          <a:ln w="15875">
+            <a:tailEnd type="arrow"/>
+          </a:ln>
+        </p:spPr>
+        <p:style>
+          <a:lnRef idx="1">
+            <a:schemeClr val="accent1"/>
+          </a:lnRef>
+          <a:fillRef idx="0">
+            <a:schemeClr val="accent1"/>
+          </a:fillRef>
+          <a:effectRef idx="0">
+            <a:schemeClr val="accent1"/>
+          </a:effectRef>
+          <a:fontRef idx="minor">
+            <a:schemeClr val="tx1"/>
+          </a:fontRef>
+        </p:style>
+      </p:cxnSp>
+      <p:cxnSp>
+        <p:nvCxnSpPr>
+          <p:cNvPr id="118" name="Straight Connector 117"/>
+          <p:cNvCxnSpPr>
+            <a:stCxn id="10" idx="0"/>
+          </p:cNvCxnSpPr>
+          <p:nvPr/>
+        </p:nvCxnSpPr>
+        <p:spPr>
+          <a:xfrm flipH="1" flipV="1">
+            <a:off x="7743815" y="1600200"/>
+            <a:ext cx="31938" cy="2284744"/>
+          </a:xfrm>
+          <a:prstGeom prst="line">
+            <a:avLst/>
+          </a:prstGeom>
+          <a:ln w="15875"/>
+        </p:spPr>
+        <p:style>
+          <a:lnRef idx="1">
+            <a:schemeClr val="accent1"/>
+          </a:lnRef>
+          <a:fillRef idx="0">
+            <a:schemeClr val="accent1"/>
+          </a:fillRef>
+          <a:effectRef idx="0">
+            <a:schemeClr val="accent1"/>
+          </a:effectRef>
+          <a:fontRef idx="minor">
+            <a:schemeClr val="tx1"/>
+          </a:fontRef>
+        </p:style>
+      </p:cxnSp>
+      <p:cxnSp>
+        <p:nvCxnSpPr>
+          <p:cNvPr id="120" name="Straight Connector 119"/>
+          <p:cNvCxnSpPr/>
+          <p:nvPr/>
+        </p:nvCxnSpPr>
+        <p:spPr>
+          <a:xfrm flipH="1">
+            <a:off x="4202506" y="1600200"/>
+            <a:ext cx="3541308" cy="0"/>
+          </a:xfrm>
+          <a:prstGeom prst="line">
+            <a:avLst/>
+          </a:prstGeom>
+          <a:ln w="15875"/>
+        </p:spPr>
+        <p:style>
+          <a:lnRef idx="1">
+            <a:schemeClr val="accent1"/>
+          </a:lnRef>
+          <a:fillRef idx="0">
+            <a:schemeClr val="accent1"/>
+          </a:fillRef>
+          <a:effectRef idx="0">
+            <a:schemeClr val="accent1"/>
+          </a:effectRef>
+          <a:fontRef idx="minor">
+            <a:schemeClr val="tx1"/>
+          </a:fontRef>
+        </p:style>
+      </p:cxnSp>
+      <p:cxnSp>
+        <p:nvCxnSpPr>
+          <p:cNvPr id="122" name="Straight Arrow Connector 121"/>
+          <p:cNvCxnSpPr/>
+          <p:nvPr/>
+        </p:nvCxnSpPr>
+        <p:spPr>
+          <a:xfrm>
+            <a:off x="4202506" y="1600200"/>
+            <a:ext cx="0" cy="1006733"/>
+          </a:xfrm>
+          <a:prstGeom prst="straightConnector1">
+            <a:avLst/>
+          </a:prstGeom>
+          <a:ln w="15875">
+            <a:tailEnd type="arrow"/>
+          </a:ln>
+        </p:spPr>
+        <p:style>
+          <a:lnRef idx="1">
+            <a:schemeClr val="accent1"/>
+          </a:lnRef>
+          <a:fillRef idx="0">
+            <a:schemeClr val="accent1"/>
+          </a:fillRef>
+          <a:effectRef idx="0">
+            <a:schemeClr val="accent1"/>
+          </a:effectRef>
+          <a:fontRef idx="minor">
+            <a:schemeClr val="tx1"/>
+          </a:fontRef>
+        </p:style>
+      </p:cxnSp>
+      <p:sp>
+        <p:nvSpPr>
+          <p:cNvPr id="126" name="TextBox 125"/>
+          <p:cNvSpPr txBox="1"/>
+          <p:nvPr/>
+        </p:nvSpPr>
+        <p:spPr>
+          <a:xfrm>
+            <a:off x="5269179" y="1304481"/>
+            <a:ext cx="1934760" cy="369332"/>
+          </a:xfrm>
+          <a:prstGeom prst="rect">
+            <a:avLst/>
+          </a:prstGeom>
+          <a:noFill/>
+        </p:spPr>
+        <p:txBody>
+          <a:bodyPr wrap="none" rtlCol="0">
+            <a:spAutoFit/>
+          </a:bodyPr>
+          <a:lstStyle/>
+          <a:p>
+            <a:r>
+              <a:rPr lang="en-US" dirty="0" smtClean="0"/>
+              <a:t>Memory read data</a:t>
+            </a:r>
+            <a:endParaRPr lang="en-US" dirty="0"/>
+          </a:p>
+        </p:txBody>
+      </p:sp>
+      <p:sp>
+        <p:nvSpPr>
+          <p:cNvPr id="127" name="TextBox 126"/>
+          <p:cNvSpPr txBox="1"/>
+          <p:nvPr/>
+        </p:nvSpPr>
+        <p:spPr>
+          <a:xfrm>
+            <a:off x="5269179" y="1568712"/>
+            <a:ext cx="844911" cy="369332"/>
+          </a:xfrm>
+          <a:prstGeom prst="rect">
+            <a:avLst/>
+          </a:prstGeom>
+          <a:noFill/>
+        </p:spPr>
+        <p:txBody>
+          <a:bodyPr wrap="none" rtlCol="0">
+            <a:spAutoFit/>
+          </a:bodyPr>
+          <a:lstStyle/>
+          <a:p>
+            <a:r>
+              <a:rPr lang="en-US" dirty="0" smtClean="0"/>
+              <a:t>S value</a:t>
+            </a:r>
+            <a:endParaRPr lang="en-US" dirty="0"/>
+          </a:p>
+        </p:txBody>
+      </p:sp>
+      <p:sp>
+        <p:nvSpPr>
+          <p:cNvPr id="128" name="TextBox 127"/>
+          <p:cNvSpPr txBox="1"/>
+          <p:nvPr/>
+        </p:nvSpPr>
+        <p:spPr>
+          <a:xfrm>
+            <a:off x="5266629" y="1871683"/>
+            <a:ext cx="864147" cy="369332"/>
+          </a:xfrm>
+          <a:prstGeom prst="rect">
+            <a:avLst/>
+          </a:prstGeom>
+          <a:noFill/>
+        </p:spPr>
+        <p:txBody>
+          <a:bodyPr wrap="none" rtlCol="0">
+            <a:spAutoFit/>
+          </a:bodyPr>
+          <a:lstStyle/>
+          <a:p>
+            <a:r>
+              <a:rPr lang="en-US" dirty="0"/>
+              <a:t>R</a:t>
+            </a:r>
+            <a:r>
+              <a:rPr lang="en-US" dirty="0" smtClean="0"/>
+              <a:t> value</a:t>
+            </a:r>
+            <a:endParaRPr lang="en-US" dirty="0"/>
+          </a:p>
+        </p:txBody>
+      </p:sp>
+      <p:sp>
+        <p:nvSpPr>
+          <p:cNvPr id="129" name="TextBox 128"/>
+          <p:cNvSpPr txBox="1"/>
+          <p:nvPr/>
+        </p:nvSpPr>
+        <p:spPr>
+          <a:xfrm>
+            <a:off x="5248996" y="2130669"/>
+            <a:ext cx="881780" cy="369332"/>
+          </a:xfrm>
+          <a:prstGeom prst="rect">
+            <a:avLst/>
+          </a:prstGeom>
+          <a:noFill/>
+        </p:spPr>
+        <p:txBody>
+          <a:bodyPr wrap="none" rtlCol="0">
+            <a:spAutoFit/>
+          </a:bodyPr>
+          <a:lstStyle/>
+          <a:p>
+            <a:r>
+              <a:rPr lang="en-US" dirty="0"/>
               <a:t>D</a:t>
             </a:r>
             <a:r>
+              <a:rPr lang="en-US" dirty="0" smtClean="0"/>
+              <a:t> value</a:t>
+            </a:r>
+            <a:endParaRPr lang="en-US" dirty="0"/>
+          </a:p>
+        </p:txBody>
+      </p:sp>
+      <p:sp>
+        <p:nvSpPr>
+          <p:cNvPr id="130" name="TextBox 129"/>
+          <p:cNvSpPr txBox="1"/>
+          <p:nvPr/>
+        </p:nvSpPr>
+        <p:spPr>
+          <a:xfrm>
+            <a:off x="5412406" y="4077676"/>
+            <a:ext cx="554960" cy="369332"/>
+          </a:xfrm>
+          <a:prstGeom prst="rect">
+            <a:avLst/>
+          </a:prstGeom>
+          <a:noFill/>
+        </p:spPr>
+        <p:txBody>
+          <a:bodyPr wrap="none" rtlCol="0">
+            <a:spAutoFit/>
+          </a:bodyPr>
+          <a:lstStyle/>
+          <a:p>
+            <a:r>
+              <a:rPr lang="en-US" dirty="0"/>
+              <a:t>D</a:t>
+            </a:r>
+            <a:r>
+              <a:rPr lang="en-US" dirty="0" smtClean="0"/>
+              <a:t> in</a:t>
+            </a:r>
+            <a:endParaRPr lang="en-US" dirty="0"/>
+          </a:p>
+        </p:txBody>
+      </p:sp>
+      <p:sp>
+        <p:nvSpPr>
+          <p:cNvPr id="131" name="TextBox 130"/>
+          <p:cNvSpPr txBox="1"/>
+          <p:nvPr/>
+        </p:nvSpPr>
+        <p:spPr>
+          <a:xfrm>
+            <a:off x="5793858" y="4428476"/>
+            <a:ext cx="1366080" cy="369332"/>
+          </a:xfrm>
+          <a:prstGeom prst="rect">
+            <a:avLst/>
+          </a:prstGeom>
+          <a:noFill/>
+        </p:spPr>
+        <p:txBody>
+          <a:bodyPr wrap="none" rtlCol="0">
+            <a:spAutoFit/>
+          </a:bodyPr>
+          <a:lstStyle/>
+          <a:p>
+            <a:r>
+              <a:rPr lang="en-US" dirty="0" smtClean="0"/>
+              <a:t>PC/mem </a:t>
+            </a:r>
+            <a:r>
               <a:rPr lang="en-US" dirty="0" err="1" smtClean="0"/>
-              <a:t>sNN</a:t>
-            </a:r>
-            <a:r>
-              <a:rPr lang="en-US" dirty="0" smtClean="0"/>
-              <a:t>)</a:t>
-            </a:r>
-          </a:p>
-          <a:p>
-            <a:pPr lvl="1"/>
-            <a:r>
-              <a:rPr lang="en-US" dirty="0" smtClean="0"/>
-              <a:t>Conditional branch relative (D is condition code)</a:t>
-            </a:r>
-          </a:p>
-          <a:p>
-            <a:pPr lvl="1"/>
-            <a:r>
-              <a:rPr lang="en-US" dirty="0" smtClean="0"/>
-              <a:t>Load immediate</a:t>
-            </a:r>
-          </a:p>
-          <a:p>
-            <a:pPr lvl="1"/>
-            <a:r>
-              <a:rPr lang="en-US" dirty="0" smtClean="0"/>
-              <a:t>Call relative</a:t>
-            </a:r>
-          </a:p>
-          <a:p>
-            <a:r>
-              <a:rPr lang="en-US" sz="2800" u="sng" dirty="0" smtClean="0">
-                <a:cs typeface="Times New Roman" panose="02020603050405020304" pitchFamily="18" charset="0"/>
-              </a:rPr>
-              <a:t>XXXXXX </a:t>
-            </a:r>
-            <a:r>
-              <a:rPr lang="en-US" sz="2800" u="sng" dirty="0" err="1" smtClean="0">
-                <a:cs typeface="Times New Roman" panose="02020603050405020304" pitchFamily="18" charset="0"/>
-              </a:rPr>
-              <a:t>sNNNNN</a:t>
-            </a:r>
-            <a:r>
-              <a:rPr lang="en-US" sz="2800" u="sng" dirty="0" smtClean="0">
-                <a:cs typeface="Times New Roman" panose="02020603050405020304" pitchFamily="18" charset="0"/>
-              </a:rPr>
-              <a:t> NNNNNN </a:t>
-            </a:r>
-            <a:r>
-              <a:rPr lang="en-US" sz="2800" u="sng" dirty="0" err="1" smtClean="0">
-                <a:cs typeface="Times New Roman" panose="02020603050405020304" pitchFamily="18" charset="0"/>
-              </a:rPr>
-              <a:t>NNNNNN</a:t>
-            </a:r>
-            <a:r>
-              <a:rPr lang="en-US" sz="2800" u="sng" dirty="0" smtClean="0">
-                <a:cs typeface="Times New Roman" panose="02020603050405020304" pitchFamily="18" charset="0"/>
-              </a:rPr>
-              <a:t> </a:t>
-            </a:r>
-            <a:r>
-              <a:rPr lang="en-US" dirty="0" smtClean="0"/>
-              <a:t>(</a:t>
-            </a:r>
+              <a:t>adr</a:t>
+            </a:r>
+            <a:endParaRPr lang="en-US" dirty="0" smtClean="0"/>
+          </a:p>
+        </p:txBody>
+      </p:sp>
+      <p:sp>
+        <p:nvSpPr>
+          <p:cNvPr id="132" name="TextBox 131"/>
+          <p:cNvSpPr txBox="1"/>
+          <p:nvPr/>
+        </p:nvSpPr>
+        <p:spPr>
+          <a:xfrm>
+            <a:off x="5478003" y="5020740"/>
+            <a:ext cx="1997791" cy="369332"/>
+          </a:xfrm>
+          <a:prstGeom prst="rect">
+            <a:avLst/>
+          </a:prstGeom>
+          <a:noFill/>
+        </p:spPr>
+        <p:txBody>
+          <a:bodyPr wrap="none" rtlCol="0">
+            <a:spAutoFit/>
+          </a:bodyPr>
+          <a:lstStyle/>
+          <a:p>
+            <a:r>
+              <a:rPr lang="en-US" dirty="0" smtClean="0"/>
+              <a:t>Memory write data</a:t>
+            </a:r>
+            <a:endParaRPr lang="en-US" dirty="0"/>
+          </a:p>
+        </p:txBody>
+      </p:sp>
+      <p:sp>
+        <p:nvSpPr>
+          <p:cNvPr id="138" name="TextBox 137"/>
+          <p:cNvSpPr txBox="1"/>
+          <p:nvPr/>
+        </p:nvSpPr>
+        <p:spPr>
+          <a:xfrm>
+            <a:off x="5233255" y="2895600"/>
+            <a:ext cx="639919" cy="369332"/>
+          </a:xfrm>
+          <a:prstGeom prst="rect">
+            <a:avLst/>
+          </a:prstGeom>
+          <a:noFill/>
+        </p:spPr>
+        <p:txBody>
+          <a:bodyPr wrap="none" rtlCol="0">
+            <a:spAutoFit/>
+          </a:bodyPr>
+          <a:lstStyle/>
+          <a:p>
             <a:r>
               <a:rPr lang="en-US" dirty="0" err="1" smtClean="0"/>
-              <a:t>sNNN</a:t>
-            </a:r>
-            <a:r>
-              <a:rPr lang="en-US" dirty="0" smtClean="0"/>
-              <a:t>)</a:t>
-            </a:r>
-          </a:p>
-          <a:p>
-            <a:pPr lvl="1"/>
-            <a:r>
-              <a:rPr lang="en-US" dirty="0" smtClean="0"/>
-              <a:t>Prefix: </a:t>
-            </a:r>
+              <a:t>Dadr</a:t>
+            </a:r>
+            <a:endParaRPr lang="en-US" dirty="0"/>
+          </a:p>
+        </p:txBody>
+      </p:sp>
+      <p:sp>
+        <p:nvSpPr>
+          <p:cNvPr id="139" name="TextBox 138"/>
+          <p:cNvSpPr txBox="1"/>
+          <p:nvPr/>
+        </p:nvSpPr>
+        <p:spPr>
+          <a:xfrm>
+            <a:off x="5214745" y="3515612"/>
+            <a:ext cx="622286" cy="369332"/>
+          </a:xfrm>
+          <a:prstGeom prst="rect">
+            <a:avLst/>
+          </a:prstGeom>
+          <a:noFill/>
+        </p:spPr>
+        <p:txBody>
+          <a:bodyPr wrap="none" rtlCol="0">
+            <a:spAutoFit/>
+          </a:bodyPr>
+          <a:lstStyle/>
+          <a:p>
             <a:r>
               <a:rPr lang="en-US" dirty="0" err="1" smtClean="0"/>
-              <a:t>sNNN</a:t>
-            </a:r>
-            <a:r>
-              <a:rPr lang="en-US" dirty="0" smtClean="0"/>
-              <a:t> will be prefixed to next </a:t>
-            </a:r>
-            <a:r>
-              <a:rPr lang="en-US" dirty="0" err="1" smtClean="0"/>
-              <a:t>sN</a:t>
-            </a:r>
-            <a:r>
-              <a:rPr lang="en-US" dirty="0" smtClean="0"/>
-              <a:t> </a:t>
-            </a:r>
-            <a:r>
-              <a:rPr lang="en-US" dirty="0" err="1" smtClean="0"/>
-              <a:t>inst</a:t>
-            </a:r>
-            <a:endParaRPr lang="en-US" dirty="0" smtClean="0"/>
-          </a:p>
-          <a:p>
-            <a:r>
-              <a:rPr lang="en-US" dirty="0" smtClean="0"/>
-              <a:t>28 instructions currently, room for 64 inst.</a:t>
-            </a:r>
-          </a:p>
-          <a:p>
+              <a:t>Radr</a:t>
+            </a:r>
+            <a:endParaRPr lang="en-US" dirty="0"/>
+          </a:p>
+        </p:txBody>
+      </p:sp>
+      <p:sp>
+        <p:nvSpPr>
+          <p:cNvPr id="140" name="TextBox 139"/>
+          <p:cNvSpPr txBox="1"/>
+          <p:nvPr/>
+        </p:nvSpPr>
+        <p:spPr>
+          <a:xfrm>
+            <a:off x="5232903" y="3207823"/>
+            <a:ext cx="603050" cy="369332"/>
+          </a:xfrm>
+          <a:prstGeom prst="rect">
+            <a:avLst/>
+          </a:prstGeom>
+          <a:noFill/>
+        </p:spPr>
+        <p:txBody>
+          <a:bodyPr wrap="none" rtlCol="0">
+            <a:spAutoFit/>
+          </a:bodyPr>
+          <a:lstStyle/>
+          <a:p>
+            <a:r>
+              <a:rPr lang="en-US" dirty="0" smtClean="0"/>
+              <a:t>Sadr</a:t>
+            </a:r>
+            <a:endParaRPr lang="en-US" dirty="0"/>
+          </a:p>
+        </p:txBody>
+      </p:sp>
+      <p:sp>
+        <p:nvSpPr>
+          <p:cNvPr id="155" name="TextBox 154"/>
+          <p:cNvSpPr txBox="1"/>
+          <p:nvPr/>
+        </p:nvSpPr>
+        <p:spPr>
+          <a:xfrm>
+            <a:off x="1625104" y="1970109"/>
+            <a:ext cx="888961" cy="369332"/>
+          </a:xfrm>
+          <a:prstGeom prst="rect">
+            <a:avLst/>
+          </a:prstGeom>
+          <a:noFill/>
+        </p:spPr>
+        <p:txBody>
+          <a:bodyPr wrap="none" rtlCol="0">
+            <a:spAutoFit/>
+          </a:bodyPr>
+          <a:lstStyle/>
+          <a:p>
+            <a:r>
+              <a:rPr lang="en-US" dirty="0" smtClean="0"/>
+              <a:t>clocked</a:t>
+            </a:r>
+            <a:endParaRPr lang="en-US" dirty="0"/>
+          </a:p>
+        </p:txBody>
+      </p:sp>
+      <p:cxnSp>
+        <p:nvCxnSpPr>
+          <p:cNvPr id="157" name="Straight Arrow Connector 156"/>
+          <p:cNvCxnSpPr/>
+          <p:nvPr/>
+        </p:nvCxnSpPr>
+        <p:spPr>
+          <a:xfrm flipH="1">
+            <a:off x="1625104" y="2339441"/>
+            <a:ext cx="127496" cy="274692"/>
+          </a:xfrm>
+          <a:prstGeom prst="straightConnector1">
+            <a:avLst/>
+          </a:prstGeom>
+          <a:ln w="15875">
+            <a:tailEnd type="arrow"/>
+          </a:ln>
+        </p:spPr>
+        <p:style>
+          <a:lnRef idx="1">
+            <a:schemeClr val="accent1"/>
+          </a:lnRef>
+          <a:fillRef idx="0">
+            <a:schemeClr val="accent1"/>
+          </a:fillRef>
+          <a:effectRef idx="0">
+            <a:schemeClr val="accent1"/>
+          </a:effectRef>
+          <a:fontRef idx="minor">
+            <a:schemeClr val="tx1"/>
+          </a:fontRef>
+        </p:style>
+      </p:cxnSp>
+      <p:cxnSp>
+        <p:nvCxnSpPr>
+          <p:cNvPr id="159" name="Straight Arrow Connector 158"/>
+          <p:cNvCxnSpPr>
+            <a:stCxn id="155" idx="2"/>
+          </p:cNvCxnSpPr>
+          <p:nvPr/>
+        </p:nvCxnSpPr>
+        <p:spPr>
+          <a:xfrm flipH="1">
+            <a:off x="1954683" y="2339441"/>
+            <a:ext cx="114902" cy="267492"/>
+          </a:xfrm>
+          <a:prstGeom prst="straightConnector1">
+            <a:avLst/>
+          </a:prstGeom>
+          <a:ln w="15875">
+            <a:tailEnd type="arrow"/>
+          </a:ln>
+        </p:spPr>
+        <p:style>
+          <a:lnRef idx="1">
+            <a:schemeClr val="accent1"/>
+          </a:lnRef>
+          <a:fillRef idx="0">
+            <a:schemeClr val="accent1"/>
+          </a:fillRef>
+          <a:effectRef idx="0">
+            <a:schemeClr val="accent1"/>
+          </a:effectRef>
+          <a:fontRef idx="minor">
+            <a:schemeClr val="tx1"/>
+          </a:fontRef>
+        </p:style>
+      </p:cxnSp>
+      <p:cxnSp>
+        <p:nvCxnSpPr>
+          <p:cNvPr id="163" name="Straight Arrow Connector 162"/>
+          <p:cNvCxnSpPr/>
+          <p:nvPr/>
+        </p:nvCxnSpPr>
+        <p:spPr>
+          <a:xfrm>
+            <a:off x="2289971" y="2354420"/>
+            <a:ext cx="129237" cy="244733"/>
+          </a:xfrm>
+          <a:prstGeom prst="straightConnector1">
+            <a:avLst/>
+          </a:prstGeom>
+          <a:ln w="15875">
+            <a:tailEnd type="arrow"/>
+          </a:ln>
+        </p:spPr>
+        <p:style>
+          <a:lnRef idx="1">
+            <a:schemeClr val="accent1"/>
+          </a:lnRef>
+          <a:fillRef idx="0">
+            <a:schemeClr val="accent1"/>
+          </a:fillRef>
+          <a:effectRef idx="0">
+            <a:schemeClr val="accent1"/>
+          </a:effectRef>
+          <a:fontRef idx="minor">
+            <a:schemeClr val="tx1"/>
+          </a:fontRef>
+        </p:style>
+      </p:cxnSp>
+      <p:cxnSp>
+        <p:nvCxnSpPr>
+          <p:cNvPr id="165" name="Straight Arrow Connector 164"/>
+          <p:cNvCxnSpPr>
+            <a:endCxn id="8" idx="1"/>
+          </p:cNvCxnSpPr>
+          <p:nvPr/>
+        </p:nvCxnSpPr>
+        <p:spPr>
+          <a:xfrm>
+            <a:off x="3307526" y="5975866"/>
+            <a:ext cx="426274" cy="0"/>
+          </a:xfrm>
+          <a:prstGeom prst="straightConnector1">
+            <a:avLst/>
+          </a:prstGeom>
+          <a:ln w="15875">
+            <a:tailEnd type="arrow"/>
+          </a:ln>
+        </p:spPr>
+        <p:style>
+          <a:lnRef idx="1">
+            <a:schemeClr val="accent1"/>
+          </a:lnRef>
+          <a:fillRef idx="0">
+            <a:schemeClr val="accent1"/>
+          </a:fillRef>
+          <a:effectRef idx="0">
+            <a:schemeClr val="accent1"/>
+          </a:effectRef>
+          <a:fontRef idx="minor">
+            <a:schemeClr val="tx1"/>
+          </a:fontRef>
+        </p:style>
+      </p:cxnSp>
+      <p:cxnSp>
+        <p:nvCxnSpPr>
+          <p:cNvPr id="179" name="Straight Arrow Connector 178"/>
+          <p:cNvCxnSpPr/>
+          <p:nvPr/>
+        </p:nvCxnSpPr>
+        <p:spPr>
+          <a:xfrm flipH="1">
+            <a:off x="6621089" y="2472898"/>
+            <a:ext cx="329578" cy="607368"/>
+          </a:xfrm>
+          <a:prstGeom prst="straightConnector1">
+            <a:avLst/>
+          </a:prstGeom>
+          <a:ln w="15875">
+            <a:tailEnd type="arrow"/>
+          </a:ln>
+        </p:spPr>
+        <p:style>
+          <a:lnRef idx="1">
+            <a:schemeClr val="accent1"/>
+          </a:lnRef>
+          <a:fillRef idx="0">
+            <a:schemeClr val="accent1"/>
+          </a:fillRef>
+          <a:effectRef idx="0">
+            <a:schemeClr val="accent1"/>
+          </a:effectRef>
+          <a:fontRef idx="minor">
+            <a:schemeClr val="tx1"/>
+          </a:fontRef>
+        </p:style>
+      </p:cxnSp>
+      <p:cxnSp>
+        <p:nvCxnSpPr>
+          <p:cNvPr id="181" name="Straight Arrow Connector 180"/>
+          <p:cNvCxnSpPr/>
+          <p:nvPr/>
+        </p:nvCxnSpPr>
+        <p:spPr>
+          <a:xfrm>
+            <a:off x="8153400" y="2722179"/>
+            <a:ext cx="0" cy="1162765"/>
+          </a:xfrm>
+          <a:prstGeom prst="straightConnector1">
+            <a:avLst/>
+          </a:prstGeom>
+          <a:ln w="15875">
+            <a:tailEnd type="arrow"/>
+          </a:ln>
+        </p:spPr>
+        <p:style>
+          <a:lnRef idx="1">
+            <a:schemeClr val="accent1"/>
+          </a:lnRef>
+          <a:fillRef idx="0">
+            <a:schemeClr val="accent1"/>
+          </a:fillRef>
+          <a:effectRef idx="0">
+            <a:schemeClr val="accent1"/>
+          </a:effectRef>
+          <a:fontRef idx="minor">
+            <a:schemeClr val="tx1"/>
+          </a:fontRef>
+        </p:style>
+      </p:cxnSp>
+      <p:sp>
+        <p:nvSpPr>
+          <p:cNvPr id="182" name="TextBox 181"/>
+          <p:cNvSpPr txBox="1"/>
+          <p:nvPr/>
+        </p:nvSpPr>
+        <p:spPr>
+          <a:xfrm>
+            <a:off x="6728427" y="1929252"/>
+            <a:ext cx="706027" cy="646331"/>
+          </a:xfrm>
+          <a:prstGeom prst="rect">
+            <a:avLst/>
+          </a:prstGeom>
+          <a:noFill/>
+        </p:spPr>
+        <p:txBody>
+          <a:bodyPr wrap="none" rtlCol="0">
+            <a:spAutoFit/>
+          </a:bodyPr>
+          <a:lstStyle/>
+          <a:p>
+            <a:r>
+              <a:rPr lang="en-US" dirty="0" smtClean="0"/>
+              <a:t>Write</a:t>
+            </a:r>
+          </a:p>
+          <a:p>
+            <a:r>
+              <a:rPr lang="en-US" dirty="0" smtClean="0"/>
+              <a:t>clock</a:t>
+            </a:r>
+            <a:endParaRPr lang="en-US" dirty="0"/>
+          </a:p>
+        </p:txBody>
+      </p:sp>
+      <p:sp>
+        <p:nvSpPr>
+          <p:cNvPr id="188" name="TextBox 187"/>
+          <p:cNvSpPr txBox="1"/>
+          <p:nvPr/>
+        </p:nvSpPr>
+        <p:spPr>
+          <a:xfrm>
+            <a:off x="7848600" y="1871683"/>
+            <a:ext cx="863506" cy="923330"/>
+          </a:xfrm>
+          <a:prstGeom prst="rect">
+            <a:avLst/>
+          </a:prstGeom>
+          <a:noFill/>
+        </p:spPr>
+        <p:txBody>
+          <a:bodyPr wrap="none" rtlCol="0">
+            <a:spAutoFit/>
+          </a:bodyPr>
+          <a:lstStyle/>
+          <a:p>
+            <a:r>
+              <a:rPr lang="en-US" dirty="0" smtClean="0"/>
+              <a:t>Read &amp;</a:t>
+            </a:r>
+          </a:p>
+          <a:p>
+            <a:r>
+              <a:rPr lang="en-US" dirty="0" smtClean="0"/>
+              <a:t>Write</a:t>
+            </a:r>
+          </a:p>
+          <a:p>
+            <a:r>
+              <a:rPr lang="en-US" dirty="0" smtClean="0"/>
+              <a:t>clock</a:t>
+            </a:r>
+            <a:endParaRPr lang="en-US" dirty="0"/>
+          </a:p>
+        </p:txBody>
+      </p:sp>
+      <p:sp>
+        <p:nvSpPr>
+          <p:cNvPr id="51" name="TextBox 50"/>
+          <p:cNvSpPr txBox="1"/>
+          <p:nvPr/>
+        </p:nvSpPr>
+        <p:spPr>
+          <a:xfrm>
+            <a:off x="2450124" y="5770713"/>
+            <a:ext cx="888961" cy="369332"/>
+          </a:xfrm>
+          <a:prstGeom prst="rect">
+            <a:avLst/>
+          </a:prstGeom>
+          <a:noFill/>
+        </p:spPr>
+        <p:txBody>
+          <a:bodyPr wrap="none" rtlCol="0">
+            <a:spAutoFit/>
+          </a:bodyPr>
+          <a:lstStyle/>
+          <a:p>
+            <a:r>
+              <a:rPr lang="en-US" dirty="0" smtClean="0"/>
+              <a:t>clocked</a:t>
+            </a:r>
             <a:endParaRPr lang="en-US" dirty="0"/>
           </a:p>
         </p:txBody>
@@ -20937,7 +21587,7 @@
     </p:spTree>
     <p:extLst>
       <p:ext uri="{BB962C8B-B14F-4D97-AF65-F5344CB8AC3E}">
-        <p14:creationId xmlns:p14="http://schemas.microsoft.com/office/powerpoint/2010/main" val="1948384651"/>
+        <p14:creationId xmlns:p14="http://schemas.microsoft.com/office/powerpoint/2010/main" val="2655608589"/>
       </p:ext>
     </p:extLst>
   </p:cSld>
@@ -20989,8 +21639,12 @@
           <a:lstStyle/>
           <a:p>
             <a:r>
+              <a:rPr lang="en-US" sz="4000" dirty="0"/>
+              <a:t>r</a:t>
+            </a:r>
+            <a:r>
               <a:rPr lang="en-US" sz="4000" dirty="0" smtClean="0"/>
-              <a:t>Rois24_24uP minimal program</a:t>
+              <a:t>ois24_24uP instruction set</a:t>
             </a:r>
             <a:endParaRPr lang="en-US" sz="4000" dirty="0"/>
           </a:p>
@@ -21009,60 +21663,44 @@
         <p:spPr/>
         <p:txBody>
           <a:bodyPr>
-            <a:normAutofit lnSpcReduction="10000"/>
+            <a:normAutofit fontScale="85000" lnSpcReduction="20000"/>
           </a:bodyPr>
           <a:lstStyle/>
           <a:p>
             <a:r>
               <a:rPr lang="en-US" dirty="0" smtClean="0"/>
-              <a:t>At 100MHz need more than 24-bits to get blinking lights</a:t>
-            </a:r>
-          </a:p>
-          <a:p>
-            <a:r>
-              <a:rPr lang="en-US" dirty="0" smtClean="0"/>
-              <a:t>Use two registers:</a:t>
+              <a:t>Register zero always reads as zero</a:t>
+            </a:r>
+          </a:p>
+          <a:p>
+            <a:r>
+              <a:rPr lang="en-US" sz="3300" u="sng" dirty="0" smtClean="0"/>
+              <a:t>XXXXXX DDDDDD RRRRRRR SSSSSSS </a:t>
+            </a:r>
+            <a:r>
+              <a:rPr lang="en-US" dirty="0" smtClean="0"/>
+              <a:t>(DRS)</a:t>
             </a:r>
           </a:p>
           <a:p>
             <a:pPr lvl="1"/>
             <a:r>
               <a:rPr lang="en-US" dirty="0" smtClean="0"/>
-              <a:t>Add one to first register</a:t>
+              <a:t>Two operands &amp; result registers</a:t>
             </a:r>
           </a:p>
           <a:p>
             <a:pPr lvl="1"/>
             <a:r>
               <a:rPr lang="en-US" dirty="0" smtClean="0"/>
-              <a:t>Add carry to second register</a:t>
+              <a:t>Add, add with carry, subtract, subtract with carry,</a:t>
             </a:r>
           </a:p>
           <a:p>
             <a:pPr lvl="1"/>
             <a:r>
               <a:rPr lang="en-US" dirty="0" smtClean="0"/>
-              <a:t>Output second register to LEDs</a:t>
-            </a:r>
-          </a:p>
-          <a:p>
-            <a:pPr lvl="1"/>
-            <a:r>
-              <a:rPr lang="en-US" dirty="0" smtClean="0"/>
-              <a:t>Branch back to first instruction</a:t>
-            </a:r>
-          </a:p>
-          <a:p>
-            <a:r>
-              <a:rPr lang="en-US" dirty="0" smtClean="0"/>
-              <a:t>Four instruction loop</a:t>
-            </a:r>
-          </a:p>
-          <a:p>
-            <a:pPr lvl="1"/>
-            <a:r>
-              <a:rPr lang="en-US" dirty="0" smtClean="0"/>
-              <a:t>2</a:t>
+              <a:t>AND, ANDC(2</a:t>
             </a:r>
             <a:r>
               <a:rPr lang="en-US" baseline="30000" dirty="0" smtClean="0"/>
@@ -21070,16 +21708,133 @@
             </a:r>
             <a:r>
               <a:rPr lang="en-US" dirty="0" smtClean="0"/>
-              <a:t> register increments every 0.67 seconds</a:t>
-            </a:r>
-            <a:endParaRPr lang="en-US" dirty="0"/>
+              <a:t> operand complemented), OR, XOR</a:t>
+            </a:r>
+          </a:p>
+          <a:p>
+            <a:pPr lvl="1"/>
+            <a:r>
+              <a:rPr lang="en-US" dirty="0" smtClean="0"/>
+              <a:t>Call (Jump if D=0; branch to mem[R+S])</a:t>
+            </a:r>
+          </a:p>
+          <a:p>
+            <a:r>
+              <a:rPr lang="en-US" sz="3300" u="sng" dirty="0" smtClean="0"/>
+              <a:t>XXXXXX DDDDDD RRRRRR </a:t>
+            </a:r>
+            <a:r>
+              <a:rPr lang="en-US" sz="3300" u="sng" dirty="0" err="1" smtClean="0"/>
+              <a:t>sNNNNN</a:t>
+            </a:r>
+            <a:r>
+              <a:rPr lang="en-US" sz="3300" u="sng" dirty="0" smtClean="0"/>
+              <a:t> </a:t>
+            </a:r>
+            <a:r>
+              <a:rPr lang="en-US" dirty="0" smtClean="0"/>
+              <a:t>(</a:t>
+            </a:r>
+            <a:r>
+              <a:rPr lang="en-US" dirty="0" err="1" smtClean="0"/>
+              <a:t>DRsN</a:t>
+            </a:r>
+            <a:r>
+              <a:rPr lang="en-US" dirty="0" smtClean="0"/>
+              <a:t>)</a:t>
+            </a:r>
+          </a:p>
+          <a:p>
+            <a:pPr lvl="1"/>
+            <a:r>
+              <a:rPr lang="en-US" dirty="0" smtClean="0"/>
+              <a:t>Sign extended 6-bit immediate combined with R value</a:t>
+            </a:r>
+          </a:p>
+          <a:p>
+            <a:pPr lvl="1"/>
+            <a:r>
+              <a:rPr lang="en-US" dirty="0" err="1" smtClean="0"/>
+              <a:t>Addi</a:t>
+            </a:r>
+            <a:r>
+              <a:rPr lang="en-US" dirty="0" smtClean="0"/>
+              <a:t>, </a:t>
+            </a:r>
+            <a:r>
+              <a:rPr lang="en-US" dirty="0" err="1" smtClean="0"/>
+              <a:t>adci</a:t>
+            </a:r>
+            <a:r>
+              <a:rPr lang="en-US" dirty="0" smtClean="0"/>
+              <a:t>, </a:t>
+            </a:r>
+            <a:r>
+              <a:rPr lang="en-US" dirty="0" err="1" smtClean="0"/>
+              <a:t>andi</a:t>
+            </a:r>
+            <a:r>
+              <a:rPr lang="en-US" dirty="0" smtClean="0"/>
+              <a:t>, </a:t>
+            </a:r>
+            <a:r>
+              <a:rPr lang="en-US" dirty="0" err="1" smtClean="0"/>
+              <a:t>ori</a:t>
+            </a:r>
+            <a:r>
+              <a:rPr lang="en-US" dirty="0" smtClean="0"/>
+              <a:t>, </a:t>
+            </a:r>
+            <a:r>
+              <a:rPr lang="en-US" dirty="0" err="1" smtClean="0"/>
+              <a:t>xori</a:t>
+            </a:r>
+            <a:endParaRPr lang="en-US" dirty="0" smtClean="0"/>
+          </a:p>
+          <a:p>
+            <a:pPr lvl="1"/>
+            <a:r>
+              <a:rPr lang="en-US" dirty="0" smtClean="0"/>
+              <a:t>Call </a:t>
+            </a:r>
+            <a:r>
+              <a:rPr lang="en-US" dirty="0"/>
+              <a:t>(Jump if </a:t>
+            </a:r>
+            <a:r>
+              <a:rPr lang="en-US" dirty="0" smtClean="0"/>
+              <a:t>D=0; absolute call/</a:t>
+            </a:r>
+            <a:r>
+              <a:rPr lang="en-US" dirty="0" err="1" smtClean="0"/>
+              <a:t>jmp</a:t>
+            </a:r>
+            <a:r>
+              <a:rPr lang="en-US" dirty="0" smtClean="0"/>
+              <a:t> if R=0; return if </a:t>
+            </a:r>
+            <a:r>
+              <a:rPr lang="en-US" dirty="0" err="1" smtClean="0"/>
+              <a:t>sN</a:t>
+            </a:r>
+            <a:r>
+              <a:rPr lang="en-US" dirty="0" smtClean="0"/>
+              <a:t>=0)</a:t>
+            </a:r>
+          </a:p>
+          <a:p>
+            <a:pPr lvl="1"/>
+            <a:r>
+              <a:rPr lang="en-US" dirty="0" smtClean="0"/>
+              <a:t>In, Out</a:t>
+            </a:r>
           </a:p>
         </p:txBody>
       </p:sp>
     </p:spTree>
     <p:extLst>
       <p:ext uri="{BB962C8B-B14F-4D97-AF65-F5344CB8AC3E}">
-        <p14:creationId xmlns:p14="http://schemas.microsoft.com/office/powerpoint/2010/main" val="2908367164"/>
+        <p14:creationId xmlns:p14="http://schemas.microsoft.com/office/powerpoint/2010/main" val="4199475370"/>
       </p:ext>
     </p:extLst>
   </p:cSld>
@@ -21132,7 +21887,15 @@
           <a:p>
             <a:r>
               <a:rPr lang="en-US" sz="4000" dirty="0" smtClean="0"/>
-              <a:t>Is it working?</a:t>
+              <a:t>rois24_24uP </a:t>
+            </a:r>
+            <a:r>
+              <a:rPr lang="en-US" sz="4000" dirty="0"/>
+              <a:t>instruction </a:t>
+            </a:r>
+            <a:r>
+              <a:rPr lang="en-US" sz="4000" dirty="0" smtClean="0"/>
+              <a:t>set cont’d</a:t>
             </a:r>
             <a:endParaRPr lang="en-US" sz="4000" dirty="0"/>
           </a:p>
@@ -21151,93 +21914,166 @@
         <p:spPr/>
         <p:txBody>
           <a:bodyPr>
-            <a:normAutofit fontScale="92500" lnSpcReduction="20000"/>
+            <a:normAutofit lnSpcReduction="10000"/>
           </a:bodyPr>
           <a:lstStyle/>
           <a:p>
             <a:r>
-              <a:rPr lang="en-US" dirty="0" smtClean="0"/>
-              <a:t>Constraint file</a:t>
-            </a:r>
+              <a:rPr lang="en-US" sz="2800" dirty="0"/>
+              <a:t>Load and store: DRS &amp; </a:t>
+            </a:r>
+            <a:r>
+              <a:rPr lang="en-US" sz="2800" dirty="0" err="1" smtClean="0"/>
+              <a:t>DRsN</a:t>
+            </a:r>
+            <a:endParaRPr lang="en-US" sz="2800" dirty="0" smtClean="0"/>
           </a:p>
           <a:p>
             <a:pPr lvl="1"/>
             <a:r>
-              <a:rPr lang="en-US" dirty="0" smtClean="0"/>
-              <a:t>Sets clock speed</a:t>
+              <a:rPr lang="en-US" sz="2400" dirty="0" smtClean="0"/>
+              <a:t>Load to D, Store from D</a:t>
+            </a:r>
+            <a:endParaRPr lang="en-US" sz="2400" dirty="0"/>
+          </a:p>
+          <a:p>
+            <a:r>
+              <a:rPr lang="en-US" sz="2800" u="sng" dirty="0" smtClean="0"/>
+              <a:t>XXXXXX DDDDDD </a:t>
+            </a:r>
+            <a:r>
+              <a:rPr lang="en-US" sz="2800" u="sng" dirty="0" err="1" smtClean="0"/>
+              <a:t>sNNNNN</a:t>
+            </a:r>
+            <a:r>
+              <a:rPr lang="en-US" sz="2800" u="sng" dirty="0" smtClean="0"/>
+              <a:t> NNNNNN </a:t>
+            </a:r>
+            <a:r>
+              <a:rPr lang="en-US" dirty="0" smtClean="0"/>
+              <a:t>(</a:t>
+            </a:r>
+            <a:r>
+              <a:rPr lang="en-US" dirty="0" err="1"/>
+              <a:t>D</a:t>
+            </a:r>
+            <a:r>
+              <a:rPr lang="en-US" dirty="0" err="1" smtClean="0"/>
+              <a:t>sNN</a:t>
+            </a:r>
+            <a:r>
+              <a:rPr lang="en-US" dirty="0" smtClean="0"/>
+              <a:t>)</a:t>
             </a:r>
           </a:p>
           <a:p>
             <a:pPr lvl="1"/>
             <a:r>
               <a:rPr lang="en-US" dirty="0" smtClean="0"/>
-              <a:t>Sets IO pin assignment</a:t>
+              <a:t>Conditional branch relative (D is condition code)</a:t>
             </a:r>
           </a:p>
           <a:p>
             <a:pPr lvl="1"/>
             <a:r>
               <a:rPr lang="en-US" dirty="0" smtClean="0"/>
-              <a:t>Evaluation kit usually has a sample constraint file</a:t>
-            </a:r>
-          </a:p>
-          <a:p>
-            <a:r>
-              <a:rPr lang="en-US" dirty="0" smtClean="0"/>
-              <a:t>Simulate/debug</a:t>
+              <a:t>Load immediate</a:t>
             </a:r>
           </a:p>
           <a:p>
             <a:pPr lvl="1"/>
             <a:r>
               <a:rPr lang="en-US" dirty="0" smtClean="0"/>
-              <a:t>Tools will generate a simple test bench</a:t>
+              <a:t>Call relative</a:t>
+            </a:r>
+          </a:p>
+          <a:p>
+            <a:r>
+              <a:rPr lang="en-US" sz="2800" u="sng" dirty="0" smtClean="0">
+                <a:cs typeface="Times New Roman" panose="02020603050405020304" pitchFamily="18" charset="0"/>
+              </a:rPr>
+              <a:t>XXXXXX </a:t>
+            </a:r>
+            <a:r>
+              <a:rPr lang="en-US" sz="2800" u="sng" dirty="0" err="1" smtClean="0">
+                <a:cs typeface="Times New Roman" panose="02020603050405020304" pitchFamily="18" charset="0"/>
+              </a:rPr>
+              <a:t>sNNNNN</a:t>
+            </a:r>
+            <a:r>
+              <a:rPr lang="en-US" sz="2800" u="sng" dirty="0" smtClean="0">
+                <a:cs typeface="Times New Roman" panose="02020603050405020304" pitchFamily="18" charset="0"/>
+              </a:rPr>
+              <a:t> NNNNNN </a:t>
+            </a:r>
+            <a:r>
+              <a:rPr lang="en-US" sz="2800" u="sng" dirty="0" err="1" smtClean="0">
+                <a:cs typeface="Times New Roman" panose="02020603050405020304" pitchFamily="18" charset="0"/>
+              </a:rPr>
+              <a:t>NNNNNN</a:t>
+            </a:r>
+            <a:r>
+              <a:rPr lang="en-US" sz="2800" u="sng" dirty="0" smtClean="0">
+                <a:cs typeface="Times New Roman" panose="02020603050405020304" pitchFamily="18" charset="0"/>
+              </a:rPr>
+              <a:t> </a:t>
+            </a:r>
+            <a:r>
+              <a:rPr lang="en-US" dirty="0" smtClean="0"/>
+              <a:t>(</a:t>
+            </a:r>
+            <a:r>
+              <a:rPr lang="en-US" dirty="0" err="1" smtClean="0"/>
+              <a:t>sNNN</a:t>
+            </a:r>
+            <a:r>
+              <a:rPr lang="en-US" dirty="0" smtClean="0"/>
+              <a:t>)</a:t>
             </a:r>
           </a:p>
           <a:p>
             <a:pPr lvl="1"/>
             <a:r>
               <a:rPr lang="en-US" dirty="0" smtClean="0"/>
-              <a:t>Need to relay observed signals out to test bench</a:t>
-            </a:r>
-          </a:p>
-          <a:p>
-            <a:pPr lvl="1"/>
-            <a:r>
-              <a:rPr lang="en-US" dirty="0" smtClean="0"/>
-              <a:t>Program acts as the test script</a:t>
-            </a:r>
-          </a:p>
-          <a:p>
-            <a:r>
-              <a:rPr lang="en-US" dirty="0" smtClean="0"/>
-              <a:t>Performance metrics &amp; goals</a:t>
-            </a:r>
-          </a:p>
-          <a:p>
-            <a:pPr lvl="1"/>
-            <a:r>
-              <a:rPr lang="en-US" dirty="0" smtClean="0"/>
-              <a:t>Track LUT count and </a:t>
+              <a:t>Prefix: </a:t>
             </a:r>
             <a:r>
               <a:rPr lang="en-US" dirty="0" err="1" smtClean="0"/>
-              <a:t>Fmax</a:t>
+              <a:t>sNNN</a:t>
+            </a:r>
+            <a:r>
+              <a:rPr lang="en-US" dirty="0" smtClean="0"/>
+              <a:t> will be prefixed to next </a:t>
+            </a:r>
+            <a:r>
+              <a:rPr lang="en-US" dirty="0" err="1" smtClean="0"/>
+              <a:t>sN</a:t>
+            </a:r>
+            <a:r>
+              <a:rPr lang="en-US" dirty="0" smtClean="0"/>
+              <a:t> </a:t>
+            </a:r>
+            <a:r>
+              <a:rPr lang="en-US" dirty="0" err="1" smtClean="0"/>
+              <a:t>inst</a:t>
             </a:r>
             <a:endParaRPr lang="en-US" dirty="0" smtClean="0"/>
           </a:p>
           <a:p>
-            <a:pPr marL="0" indent="0">
-              <a:buNone/>
-            </a:pPr>
-            <a:endParaRPr lang="en-US" dirty="0" smtClean="0"/>
+            <a:r>
+              <a:rPr lang="en-US" dirty="0" smtClean="0"/>
+              <a:t>28 instructions currently, room for 64 inst.</a:t>
+            </a:r>
+          </a:p>
+          <a:p>
+            <a:endParaRPr lang="en-US" dirty="0"/>
           </a:p>
         </p:txBody>
       </p:sp>
     </p:spTree>
     <p:extLst>
       <p:ext uri="{BB962C8B-B14F-4D97-AF65-F5344CB8AC3E}">
-        <p14:creationId xmlns:p14="http://schemas.microsoft.com/office/powerpoint/2010/main" val="2527857361"/>
+        <p14:creationId xmlns:p14="http://schemas.microsoft.com/office/powerpoint/2010/main" val="1948384651"/>
       </p:ext>
     </p:extLst>
   </p:cSld>
@@ -21290,7 +22126,7 @@
           <a:p>
             <a:r>
               <a:rPr lang="en-US" sz="4000" dirty="0" smtClean="0"/>
-              <a:t>Insights</a:t>
+              <a:t>Rois24_24uP minimal program</a:t>
             </a:r>
             <a:endParaRPr lang="en-US" sz="4000" dirty="0"/>
           </a:p>
@@ -21314,87 +22150,230 @@
           <a:lstStyle/>
           <a:p>
             <a:r>
-              <a:rPr lang="en-US" dirty="0"/>
-              <a:t>A</a:t>
-            </a:r>
-            <a:r>
-              <a:rPr lang="en-US" dirty="0" smtClean="0"/>
-              <a:t> deliberate process:</a:t>
-            </a:r>
-          </a:p>
-          <a:p>
-            <a:r>
-              <a:rPr lang="en-US" dirty="0" smtClean="0"/>
-              <a:t>Get something bare bones working</a:t>
+              <a:rPr lang="en-US" dirty="0" smtClean="0"/>
+              <a:t>At 100MHz need more than 24-bits to get blinking lights</a:t>
+            </a:r>
+          </a:p>
+          <a:p>
+            <a:r>
+              <a:rPr lang="en-US" dirty="0" smtClean="0"/>
+              <a:t>Use two registers:</a:t>
             </a:r>
           </a:p>
           <a:p>
             <a:pPr lvl="1"/>
             <a:r>
               <a:rPr lang="en-US" dirty="0" smtClean="0"/>
-              <a:t>Minimum instruction set, minimum program</a:t>
-            </a:r>
-          </a:p>
-          <a:p>
-            <a:r>
-              <a:rPr lang="en-US" dirty="0" smtClean="0"/>
-              <a:t>Add instructions</a:t>
-            </a:r>
-          </a:p>
-          <a:p>
-            <a:r>
-              <a:rPr lang="en-US" dirty="0" smtClean="0"/>
-              <a:t>Add to test program</a:t>
-            </a:r>
-          </a:p>
-          <a:p>
-            <a:r>
-              <a:rPr lang="en-US" dirty="0" smtClean="0"/>
-              <a:t>Migrate to block RAM and data-path?*</a:t>
+              <a:t>Add one to first register</a:t>
             </a:r>
           </a:p>
           <a:p>
             <a:pPr lvl="1"/>
             <a:r>
               <a:rPr lang="en-US" dirty="0" smtClean="0"/>
-              <a:t>Data-path logic is harder to debug</a:t>
-            </a:r>
-          </a:p>
-          <a:p>
-            <a:r>
-              <a:rPr lang="en-US" dirty="0" smtClean="0"/>
-              <a:t>Lots of soft-core </a:t>
-            </a:r>
-            <a:r>
-              <a:rPr lang="en-US" dirty="0" err="1" smtClean="0"/>
-              <a:t>uPs</a:t>
-            </a:r>
-            <a:r>
-              <a:rPr lang="en-US" dirty="0" smtClean="0"/>
-              <a:t> at </a:t>
-            </a:r>
-            <a:r>
-              <a:rPr lang="en-US" dirty="0" smtClean="0">
-                <a:hlinkClick r:id="rId3"/>
-              </a:rPr>
-              <a:t>www.opencores.org</a:t>
-            </a:r>
-            <a:r>
-              <a:rPr lang="en-US" dirty="0" smtClean="0"/>
-              <a:t> </a:t>
-            </a:r>
-            <a:endParaRPr lang="en-US" dirty="0" smtClean="0">
-              <a:solidFill>
-                <a:srgbClr val="0070C0"/>
-              </a:solidFill>
-            </a:endParaRPr>
+              <a:t>Add carry to second register</a:t>
+            </a:r>
+          </a:p>
+          <a:p>
+            <a:pPr lvl="1"/>
+            <a:r>
+              <a:rPr lang="en-US" dirty="0" smtClean="0"/>
+              <a:t>Output second register to LEDs</a:t>
+            </a:r>
+          </a:p>
+          <a:p>
+            <a:pPr lvl="1"/>
+            <a:r>
+              <a:rPr lang="en-US" dirty="0" smtClean="0"/>
+              <a:t>Branch back to first instruction</a:t>
+            </a:r>
+          </a:p>
+          <a:p>
+            <a:r>
+              <a:rPr lang="en-US" dirty="0" smtClean="0"/>
+              <a:t>Four instruction loop</a:t>
+            </a:r>
+          </a:p>
+          <a:p>
+            <a:pPr lvl="1"/>
+            <a:r>
+              <a:rPr lang="en-US" dirty="0" smtClean="0"/>
+              <a:t>2</a:t>
+            </a:r>
+            <a:r>
+              <a:rPr lang="en-US" baseline="30000" dirty="0" smtClean="0"/>
+              <a:t>nd</a:t>
+            </a:r>
+            <a:r>
+              <a:rPr lang="en-US" dirty="0" smtClean="0"/>
+              <a:t> register increments every 0.67 seconds</a:t>
+            </a:r>
+            <a:endParaRPr lang="en-US" dirty="0"/>
           </a:p>
         </p:txBody>
       </p:sp>
     </p:spTree>
     <p:extLst>
       <p:ext uri="{BB962C8B-B14F-4D97-AF65-F5344CB8AC3E}">
-        <p14:creationId xmlns:p14="http://schemas.microsoft.com/office/powerpoint/2010/main" val="900767485"/>
+        <p14:creationId xmlns:p14="http://schemas.microsoft.com/office/powerpoint/2010/main" val="2908367164"/>
+      </p:ext>
+    </p:extLst>
+  </p:cSld>
+  <p:clrMapOvr>
+    <a:masterClrMapping/>
+  </p:clrMapOvr>
+  <p:timing>
+    <p:tnLst>
+      <p:par>
+        <p:cTn id="1" dur="indefinite" restart="never" nodeType="tmRoot"/>
+      </p:par>
+    </p:tnLst>
+  </p:timing>
+</p:sld>
+</file>
+
+<file path=ppt/slides/slide39.xml><?xml version="1.0" encoding="utf-8"?>
+<p:sld xmlns:a="http://schemas.openxmlformats.org/drawingml/2006/main" xmlns:r="http://schemas.openxmlformats.org/officeDocument/2006/relationships" xmlns:p="http://schemas.openxmlformats.org/presentationml/2006/main">
+  <p:cSld>
+    <p:spTree>
+      <p:nvGrpSpPr>
+        <p:cNvPr id="1" name=""/>
+        <p:cNvGrpSpPr/>
+        <p:nvPr/>
+      </p:nvGrpSpPr>
+      <p:grpSpPr>
+        <a:xfrm>
+          <a:off x="0" y="0"/>
+          <a:ext cx="0" cy="0"/>
+          <a:chOff x="0" y="0"/>
+          <a:chExt cx="0" cy="0"/>
+        </a:xfrm>
+      </p:grpSpPr>
+      <p:sp>
+        <p:nvSpPr>
+          <p:cNvPr id="2" name="Title 1"/>
+          <p:cNvSpPr>
+            <a:spLocks noGrp="1"/>
+          </p:cNvSpPr>
+          <p:nvPr>
+            <p:ph type="title"/>
+          </p:nvPr>
+        </p:nvSpPr>
+        <p:spPr/>
+        <p:txBody>
+          <a:bodyPr>
+            <a:normAutofit/>
+          </a:bodyPr>
+          <a:lstStyle/>
+          <a:p>
+            <a:r>
+              <a:rPr lang="en-US" sz="4000" dirty="0" smtClean="0"/>
+              <a:t>Is it working?</a:t>
+            </a:r>
+            <a:endParaRPr lang="en-US" sz="4000" dirty="0"/>
+          </a:p>
+        </p:txBody>
+      </p:sp>
+      <p:sp>
+        <p:nvSpPr>
+          <p:cNvPr id="3" name="Content Placeholder 2"/>
+          <p:cNvSpPr>
+            <a:spLocks noGrp="1"/>
+          </p:cNvSpPr>
+          <p:nvPr>
+            <p:ph idx="1"/>
+          </p:nvPr>
+        </p:nvSpPr>
+        <p:spPr/>
+        <p:txBody>
+          <a:bodyPr>
+            <a:normAutofit fontScale="92500" lnSpcReduction="20000"/>
+          </a:bodyPr>
+          <a:lstStyle/>
+          <a:p>
+            <a:r>
+              <a:rPr lang="en-US" dirty="0" smtClean="0"/>
+              <a:t>Constraint file</a:t>
+            </a:r>
+          </a:p>
+          <a:p>
+            <a:pPr lvl="1"/>
+            <a:r>
+              <a:rPr lang="en-US" dirty="0" smtClean="0"/>
+              <a:t>Sets clock speed</a:t>
+            </a:r>
+          </a:p>
+          <a:p>
+            <a:pPr lvl="1"/>
+            <a:r>
+              <a:rPr lang="en-US" dirty="0" smtClean="0"/>
+              <a:t>Sets IO pin assignment</a:t>
+            </a:r>
+          </a:p>
+          <a:p>
+            <a:pPr lvl="1"/>
+            <a:r>
+              <a:rPr lang="en-US" dirty="0" smtClean="0"/>
+              <a:t>Evaluation kit usually has a sample constraint file</a:t>
+            </a:r>
+          </a:p>
+          <a:p>
+            <a:r>
+              <a:rPr lang="en-US" dirty="0" smtClean="0"/>
+              <a:t>Simulate/debug</a:t>
+            </a:r>
+          </a:p>
+          <a:p>
+            <a:pPr lvl="1"/>
+            <a:r>
+              <a:rPr lang="en-US" dirty="0" smtClean="0"/>
+              <a:t>Tools will generate a simple test bench</a:t>
+            </a:r>
+          </a:p>
+          <a:p>
+            <a:pPr lvl="1"/>
+            <a:r>
+              <a:rPr lang="en-US" dirty="0" smtClean="0"/>
+              <a:t>Need to relay observed signals out to test bench</a:t>
+            </a:r>
+          </a:p>
+          <a:p>
+            <a:pPr lvl="1"/>
+            <a:r>
+              <a:rPr lang="en-US" dirty="0" smtClean="0"/>
+              <a:t>Program acts as the test script</a:t>
+            </a:r>
+          </a:p>
+          <a:p>
+            <a:r>
+              <a:rPr lang="en-US" dirty="0" smtClean="0"/>
+              <a:t>Performance metrics &amp; goals</a:t>
+            </a:r>
+          </a:p>
+          <a:p>
+            <a:pPr lvl="1"/>
+            <a:r>
+              <a:rPr lang="en-US" dirty="0" smtClean="0"/>
+              <a:t>Track LUT count and </a:t>
+            </a:r>
+            <a:r>
+              <a:rPr lang="en-US" dirty="0" err="1" smtClean="0"/>
+              <a:t>Fmax</a:t>
+            </a:r>
+            <a:endParaRPr lang="en-US" dirty="0" smtClean="0"/>
+          </a:p>
+          <a:p>
+            <a:pPr marL="0" indent="0">
+              <a:buNone/>
+            </a:pPr>
+            <a:endParaRPr lang="en-US" dirty="0" smtClean="0"/>
+          </a:p>
+        </p:txBody>
+      </p:sp>
+    </p:spTree>
+    <p:extLst>
+      <p:ext uri="{BB962C8B-B14F-4D97-AF65-F5344CB8AC3E}">
+        <p14:creationId xmlns:p14="http://schemas.microsoft.com/office/powerpoint/2010/main" val="2527857361"/>
       </p:ext>
     </p:extLst>
   </p:cSld>
@@ -21630,8 +22609,13 @@
           <a:p>
             <a:r>
               <a:rPr lang="en-US" dirty="0" smtClean="0"/>
-              <a:t>Early on decided on register field immediate</a:t>
-            </a:r>
+              <a:t>Early on decided on register field </a:t>
+            </a:r>
+            <a:r>
+              <a:rPr lang="en-US" dirty="0" smtClean="0"/>
+              <a:t>immediate encoding</a:t>
+            </a:r>
+            <a:endParaRPr lang="en-US" dirty="0" smtClean="0"/>
           </a:p>
           <a:p>
             <a:pPr lvl="1"/>
@@ -21646,6 +22630,163 @@
     <p:extLst>
       <p:ext uri="{BB962C8B-B14F-4D97-AF65-F5344CB8AC3E}">
         <p14:creationId xmlns:p14="http://schemas.microsoft.com/office/powerpoint/2010/main" val="364056563"/>
+      </p:ext>
+    </p:extLst>
+  </p:cSld>
+  <p:clrMapOvr>
+    <a:masterClrMapping/>
+  </p:clrMapOvr>
+  <p:timing>
+    <p:tnLst>
+      <p:par>
+        <p:cTn id="1" dur="indefinite" restart="never" nodeType="tmRoot"/>
+      </p:par>
+    </p:tnLst>
+  </p:timing>
+</p:sld>
+</file>
+
+<file path=ppt/slides/slide40.xml><?xml version="1.0" encoding="utf-8"?>
+<p:sld xmlns:a="http://schemas.openxmlformats.org/drawingml/2006/main" xmlns:r="http://schemas.openxmlformats.org/officeDocument/2006/relationships" xmlns:p="http://schemas.openxmlformats.org/presentationml/2006/main">
+  <p:cSld>
+    <p:spTree>
+      <p:nvGrpSpPr>
+        <p:cNvPr id="1" name=""/>
+        <p:cNvGrpSpPr/>
+        <p:nvPr/>
+      </p:nvGrpSpPr>
+      <p:grpSpPr>
+        <a:xfrm>
+          <a:off x="0" y="0"/>
+          <a:ext cx="0" cy="0"/>
+          <a:chOff x="0" y="0"/>
+          <a:chExt cx="0" cy="0"/>
+        </a:xfrm>
+      </p:grpSpPr>
+      <p:sp>
+        <p:nvSpPr>
+          <p:cNvPr id="2" name="Title 1"/>
+          <p:cNvSpPr>
+            <a:spLocks noGrp="1"/>
+          </p:cNvSpPr>
+          <p:nvPr>
+            <p:ph type="title"/>
+          </p:nvPr>
+        </p:nvSpPr>
+        <p:spPr/>
+        <p:txBody>
+          <a:bodyPr>
+            <a:normAutofit/>
+          </a:bodyPr>
+          <a:lstStyle/>
+          <a:p>
+            <a:r>
+              <a:rPr lang="en-US" sz="4000" dirty="0" smtClean="0"/>
+              <a:t>Insights</a:t>
+            </a:r>
+            <a:endParaRPr lang="en-US" sz="4000" dirty="0"/>
+          </a:p>
+        </p:txBody>
+      </p:sp>
+      <p:sp>
+        <p:nvSpPr>
+          <p:cNvPr id="3" name="Content Placeholder 2"/>
+          <p:cNvSpPr>
+            <a:spLocks noGrp="1"/>
+          </p:cNvSpPr>
+          <p:nvPr>
+            <p:ph idx="1"/>
+          </p:nvPr>
+        </p:nvSpPr>
+        <p:spPr/>
+        <p:txBody>
+          <a:bodyPr>
+            <a:normAutofit lnSpcReduction="10000"/>
+          </a:bodyPr>
+          <a:lstStyle/>
+          <a:p>
+            <a:r>
+              <a:rPr lang="en-US" dirty="0"/>
+              <a:t>A</a:t>
+            </a:r>
+            <a:r>
+              <a:rPr lang="en-US" dirty="0" smtClean="0"/>
+              <a:t> deliberate process:</a:t>
+            </a:r>
+          </a:p>
+          <a:p>
+            <a:r>
+              <a:rPr lang="en-US" dirty="0" smtClean="0"/>
+              <a:t>Get something bare bones working</a:t>
+            </a:r>
+          </a:p>
+          <a:p>
+            <a:pPr lvl="1"/>
+            <a:r>
+              <a:rPr lang="en-US" dirty="0" smtClean="0"/>
+              <a:t>Minimum instruction set, minimum program</a:t>
+            </a:r>
+          </a:p>
+          <a:p>
+            <a:r>
+              <a:rPr lang="en-US" dirty="0" smtClean="0"/>
+              <a:t>Add instructions</a:t>
+            </a:r>
+          </a:p>
+          <a:p>
+            <a:r>
+              <a:rPr lang="en-US" dirty="0" smtClean="0"/>
+              <a:t>Add to test program</a:t>
+            </a:r>
+          </a:p>
+          <a:p>
+            <a:r>
+              <a:rPr lang="en-US" dirty="0" smtClean="0"/>
+              <a:t>Migrate to block RAM and data-path?*</a:t>
+            </a:r>
+          </a:p>
+          <a:p>
+            <a:pPr lvl="1"/>
+            <a:r>
+              <a:rPr lang="en-US" dirty="0" smtClean="0"/>
+              <a:t>Data-path logic is harder to debug</a:t>
+            </a:r>
+          </a:p>
+          <a:p>
+            <a:r>
+              <a:rPr lang="en-US" dirty="0" smtClean="0"/>
+              <a:t>Lots of soft-core </a:t>
+            </a:r>
+            <a:r>
+              <a:rPr lang="en-US" dirty="0" err="1" smtClean="0"/>
+              <a:t>uPs</a:t>
+            </a:r>
+            <a:r>
+              <a:rPr lang="en-US" dirty="0" smtClean="0"/>
+              <a:t> at </a:t>
+            </a:r>
+            <a:r>
+              <a:rPr lang="en-US" dirty="0" smtClean="0">
+                <a:hlinkClick r:id="rId3"/>
+              </a:rPr>
+              <a:t>www.opencores.org</a:t>
+            </a:r>
+            <a:r>
+              <a:rPr lang="en-US" dirty="0" smtClean="0"/>
+              <a:t> </a:t>
+            </a:r>
+            <a:endParaRPr lang="en-US" dirty="0" smtClean="0">
+              <a:solidFill>
+                <a:srgbClr val="0070C0"/>
+              </a:solidFill>
+            </a:endParaRPr>
+          </a:p>
+        </p:txBody>
+      </p:sp>
+    </p:spTree>
+    <p:extLst>
+      <p:ext uri="{BB962C8B-B14F-4D97-AF65-F5344CB8AC3E}">
+        <p14:creationId xmlns:p14="http://schemas.microsoft.com/office/powerpoint/2010/main" val="900767485"/>
       </p:ext>
     </p:extLst>
   </p:cSld>

--- a/DIY_soft-core_uP.pptx
+++ b/DIY_soft-core_uP.pptx
@@ -1081,15 +1081,7 @@
             </a:r>
             <a:r>
               <a:rPr lang="en-US" baseline="0" dirty="0" smtClean="0"/>
-              <a:t> </a:t>
-            </a:r>
-            <a:r>
-              <a:rPr lang="en-US" baseline="0" dirty="0" smtClean="0"/>
-              <a:t>type code of the D register implies the type of the ALU </a:t>
-            </a:r>
-            <a:r>
-              <a:rPr lang="en-US" baseline="0" dirty="0" smtClean="0"/>
-              <a:t>immediate.  Mixed data type operations may or may not be supported.</a:t>
+              <a:t> type code of the D register implies the type of the ALU immediate.  Mixed data type operations may or may not be supported.</a:t>
             </a:r>
             <a:endParaRPr lang="en-US" dirty="0"/>
           </a:p>
@@ -1431,15 +1423,7 @@
             </a:r>
             <a:r>
               <a:rPr lang="en-US" dirty="0" smtClean="0"/>
-              <a:t> </a:t>
-            </a:r>
-            <a:r>
-              <a:rPr lang="en-US" dirty="0" smtClean="0"/>
-              <a:t>exponent tag </a:t>
-            </a:r>
-            <a:r>
-              <a:rPr lang="en-US" dirty="0" smtClean="0"/>
-              <a:t>bit for Euclidian</a:t>
+              <a:t> exponent tag bit for Euclidian</a:t>
             </a:r>
             <a:r>
               <a:rPr lang="en-US" baseline="0" dirty="0" smtClean="0"/>
@@ -2984,15 +2968,7 @@
           <a:p>
             <a:r>
               <a:rPr lang="en-US" dirty="0" smtClean="0"/>
-              <a:t>Each </a:t>
-            </a:r>
-            <a:r>
-              <a:rPr lang="en-US" dirty="0" smtClean="0"/>
-              <a:t>op-code updates default </a:t>
-            </a:r>
-            <a:r>
-              <a:rPr lang="en-US" dirty="0" smtClean="0"/>
-              <a:t>values as needed.  Loads and store take two clock cycles</a:t>
+              <a:t>Each op-code updates default values as needed.  Loads and store take two clock cycles</a:t>
             </a:r>
             <a:r>
               <a:rPr lang="en-US" baseline="0" dirty="0" smtClean="0"/>
@@ -3845,12 +3821,24 @@
               <a:t>Most of these can be found on </a:t>
             </a:r>
             <a:r>
-              <a:rPr lang="en-US" dirty="0" err="1" smtClean="0"/>
-              <a:t>wikipedia</a:t>
-            </a:r>
-            <a:r>
-              <a:rPr lang="en-US" dirty="0" smtClean="0"/>
-              <a:t>.</a:t>
+              <a:rPr lang="en-US" dirty="0" smtClean="0"/>
+              <a:t>Wikipedia.  </a:t>
+            </a:r>
+            <a:r>
+              <a:rPr lang="en-US" dirty="0" smtClean="0"/>
+              <a:t>A</a:t>
+            </a:r>
+            <a:r>
+              <a:rPr lang="en-US" baseline="0" dirty="0" smtClean="0"/>
+              <a:t> c</a:t>
+            </a:r>
+            <a:r>
+              <a:rPr lang="en-US" dirty="0" smtClean="0"/>
+              <a:t>ollection of 28 code density papers at:</a:t>
+            </a:r>
+            <a:r>
+              <a:rPr lang="en-US" baseline="0" dirty="0" smtClean="0"/>
+              <a:t> https://github.com/jimbrake/Code-Density-papers</a:t>
             </a:r>
             <a:endParaRPr lang="en-US" dirty="0"/>
           </a:p>
@@ -4005,6 +3993,22 @@
           <a:bodyPr/>
           <a:lstStyle/>
           <a:p>
+            <a:r>
+              <a:rPr lang="en-US" dirty="0" smtClean="0"/>
+              <a:t>There are many books on computer architecture, usually covering</a:t>
+            </a:r>
+            <a:r>
+              <a:rPr lang="en-US" baseline="0" dirty="0" smtClean="0"/>
+              <a:t> several.  Computer Architecture A Quantitative Approach, 1990 by Hennessy &amp; Patterson offers comparisons with an abundance of charts and graphs of various metrics.  It is now in </a:t>
+            </a:r>
+            <a:r>
+              <a:rPr lang="en-US" baseline="0" smtClean="0"/>
+              <a:t>it’s 6th </a:t>
+            </a:r>
+            <a:r>
+              <a:rPr lang="en-US" baseline="0" dirty="0" smtClean="0"/>
+              <a:t>edition.</a:t>
+            </a:r>
             <a:endParaRPr lang="en-US" dirty="0"/>
           </a:p>
         </p:txBody>
@@ -4486,19 +4490,11 @@
             </a:r>
             <a:r>
               <a:rPr lang="en-US" dirty="0" smtClean="0"/>
-              <a:t>*Main </a:t>
-            </a:r>
-            <a:r>
-              <a:rPr lang="en-US" dirty="0" smtClean="0"/>
-              <a:t>restriction is to force 16 or 32 bit instruction alignment by using</a:t>
+              <a:t>*Main restriction is to force 16 or 32 bit instruction alignment by using</a:t>
             </a:r>
             <a:r>
               <a:rPr lang="en-US" baseline="0" dirty="0" smtClean="0"/>
-              <a:t> longer than necessary immediate values or inserting align </a:t>
-            </a:r>
-            <a:r>
-              <a:rPr lang="en-US" baseline="0" dirty="0" smtClean="0"/>
-              <a:t>op-codes.</a:t>
+              <a:t> longer than necessary immediate values or inserting align op-codes.</a:t>
             </a:r>
             <a:endParaRPr lang="en-US" dirty="0"/>
           </a:p>
@@ -4969,11 +4965,7 @@
           <a:p>
             <a:r>
               <a:rPr lang="en-US" dirty="0" smtClean="0"/>
-              <a:t>From 2016 talk. </a:t>
-            </a:r>
-            <a:r>
-              <a:rPr lang="en-US" dirty="0" smtClean="0"/>
-              <a:t> Multiply is anywhere from</a:t>
+              <a:t>From 2016 talk.  Multiply is anywhere from</a:t>
             </a:r>
             <a:r>
               <a:rPr lang="en-US" baseline="0" dirty="0" smtClean="0"/>
@@ -5134,11 +5126,7 @@
           <a:p>
             <a:r>
               <a:rPr lang="en-US" dirty="0" smtClean="0"/>
-              <a:t>From 2016 talk. </a:t>
-            </a:r>
-            <a:r>
-              <a:rPr lang="en-US" dirty="0" smtClean="0"/>
-              <a:t>ALM is roughly</a:t>
+              <a:t>From 2016 talk. ALM is roughly</a:t>
             </a:r>
             <a:r>
               <a:rPr lang="en-US" baseline="0" dirty="0" smtClean="0"/>
@@ -6348,15 +6336,7 @@
             </a:r>
             <a:r>
               <a:rPr lang="en-US" baseline="0" dirty="0" smtClean="0"/>
-              <a:t>-v with no compromise on </a:t>
-            </a:r>
-            <a:r>
-              <a:rPr lang="en-US" baseline="0" dirty="0" smtClean="0"/>
-              <a:t>number </a:t>
-            </a:r>
-            <a:r>
-              <a:rPr lang="en-US" baseline="0" dirty="0" smtClean="0"/>
-              <a:t>of 24-bit op-codes</a:t>
+              <a:t>-v with no compromise on number of 24-bit op-codes</a:t>
             </a:r>
             <a:endParaRPr lang="en-US" dirty="0"/>
           </a:p>
@@ -6525,11 +6505,7 @@
             </a:r>
             <a:r>
               <a:rPr lang="en-US" baseline="0" dirty="0" smtClean="0"/>
-              <a:t> the control signals for you</a:t>
-            </a:r>
-            <a:r>
-              <a:rPr lang="en-US" baseline="0" dirty="0" smtClean="0"/>
-              <a:t>.  Ted Fried has excellent examples of micro-coded designs: https://github.com/MicroCoreLabs/Projects/tree/master mcl65, mcl51 &amp; mcl86 are open source 6502, 8051 &amp; 8086</a:t>
+              <a:t> the control signals for you.  Ted Fried has excellent examples of micro-coded designs: https://github.com/MicroCoreLabs/Projects/tree/master mcl65, mcl51 &amp; mcl86 are open source 6502, 8051 &amp; 8086</a:t>
             </a:r>
             <a:endParaRPr lang="en-US" dirty="0"/>
           </a:p>
@@ -7703,7 +7679,7 @@
           <a:p>
             <a:fld id="{597B3554-E48D-4042-8BC8-156CF19819B1}" type="datetime1">
               <a:rPr lang="en-US" smtClean="0"/>
-              <a:t>2/28/2025</a:t>
+              <a:t>3/2/2025</a:t>
             </a:fld>
             <a:endParaRPr lang="en-US"/>
           </a:p>
@@ -7873,7 +7849,7 @@
           <a:p>
             <a:fld id="{08748482-27D4-4490-93F1-FC478CD1D69D}" type="datetime1">
               <a:rPr lang="en-US" smtClean="0"/>
-              <a:t>2/28/2025</a:t>
+              <a:t>3/2/2025</a:t>
             </a:fld>
             <a:endParaRPr lang="en-US"/>
           </a:p>
@@ -8053,7 +8029,7 @@
           <a:p>
             <a:fld id="{5803C183-9D35-4B57-BCA0-E77552C5783A}" type="datetime1">
               <a:rPr lang="en-US" smtClean="0"/>
-              <a:t>2/28/2025</a:t>
+              <a:t>3/2/2025</a:t>
             </a:fld>
             <a:endParaRPr lang="en-US"/>
           </a:p>
@@ -8223,7 +8199,7 @@
           <a:p>
             <a:fld id="{D106FFBC-5CCE-47DA-92C8-69397CF800F5}" type="datetime1">
               <a:rPr lang="en-US" smtClean="0"/>
-              <a:t>2/28/2025</a:t>
+              <a:t>3/2/2025</a:t>
             </a:fld>
             <a:endParaRPr lang="en-US"/>
           </a:p>
@@ -8469,7 +8445,7 @@
           <a:p>
             <a:fld id="{7A851FC4-1B5A-4A7C-AA95-15844BE05AA9}" type="datetime1">
               <a:rPr lang="en-US" smtClean="0"/>
-              <a:t>2/28/2025</a:t>
+              <a:t>3/2/2025</a:t>
             </a:fld>
             <a:endParaRPr lang="en-US"/>
           </a:p>
@@ -8757,7 +8733,7 @@
           <a:p>
             <a:fld id="{C01B0DD6-CB45-457F-A1DA-9E3A0E3683D6}" type="datetime1">
               <a:rPr lang="en-US" smtClean="0"/>
-              <a:t>2/28/2025</a:t>
+              <a:t>3/2/2025</a:t>
             </a:fld>
             <a:endParaRPr lang="en-US"/>
           </a:p>
@@ -9179,7 +9155,7 @@
           <a:p>
             <a:fld id="{CA458FD7-BAE3-4CDD-8C19-AD20F5972751}" type="datetime1">
               <a:rPr lang="en-US" smtClean="0"/>
-              <a:t>2/28/2025</a:t>
+              <a:t>3/2/2025</a:t>
             </a:fld>
             <a:endParaRPr lang="en-US"/>
           </a:p>
@@ -9297,7 +9273,7 @@
           <a:p>
             <a:fld id="{AC9E4D94-E4FF-4667-9276-D4665BFC9DCB}" type="datetime1">
               <a:rPr lang="en-US" smtClean="0"/>
-              <a:t>2/28/2025</a:t>
+              <a:t>3/2/2025</a:t>
             </a:fld>
             <a:endParaRPr lang="en-US"/>
           </a:p>
@@ -9392,7 +9368,7 @@
           <a:p>
             <a:fld id="{5D8DFC15-7203-4972-853B-6FEACD84F7DF}" type="datetime1">
               <a:rPr lang="en-US" smtClean="0"/>
-              <a:t>2/28/2025</a:t>
+              <a:t>3/2/2025</a:t>
             </a:fld>
             <a:endParaRPr lang="en-US"/>
           </a:p>
@@ -9669,7 +9645,7 @@
           <a:p>
             <a:fld id="{3551DEEB-6358-41BB-B985-D3DD34568FA1}" type="datetime1">
               <a:rPr lang="en-US" smtClean="0"/>
-              <a:t>2/28/2025</a:t>
+              <a:t>3/2/2025</a:t>
             </a:fld>
             <a:endParaRPr lang="en-US"/>
           </a:p>
@@ -9922,7 +9898,7 @@
           <a:p>
             <a:fld id="{E4ACCB68-27F7-431D-B234-05878582807D}" type="datetime1">
               <a:rPr lang="en-US" smtClean="0"/>
-              <a:t>2/28/2025</a:t>
+              <a:t>3/2/2025</a:t>
             </a:fld>
             <a:endParaRPr lang="en-US"/>
           </a:p>
@@ -10135,7 +10111,7 @@
           <a:p>
             <a:fld id="{FC27569B-FE9D-4E13-9399-A8B5AD924944}" type="datetime1">
               <a:rPr lang="en-US" smtClean="0"/>
-              <a:t>2/28/2025</a:t>
+              <a:t>3/2/2025</a:t>
             </a:fld>
             <a:endParaRPr lang="en-US"/>
           </a:p>
@@ -11078,8 +11054,12 @@
               <a:t>, </a:t>
             </a:r>
             <a:r>
+              <a:rPr lang="en-US" sz="1800" dirty="0" smtClean="0"/>
+              <a:t>LOOPI</a:t>
+            </a:r>
+            <a:r>
               <a:rPr lang="en-US" sz="1600" dirty="0" smtClean="0"/>
-              <a:t>LOOPI (My 66000 instructions)</a:t>
+              <a:t> (My 66000 instructions)</a:t>
             </a:r>
             <a:endParaRPr lang="en-US" sz="1800" dirty="0" smtClean="0"/>
           </a:p>
@@ -15640,11 +15620,7 @@
             <a:pPr lvl="1"/>
             <a:r>
               <a:rPr lang="en-US" dirty="0" smtClean="0"/>
-              <a:t>Which included a 24-bit RISC ISA </a:t>
-            </a:r>
-            <a:r>
-              <a:rPr lang="en-US" dirty="0" smtClean="0"/>
-              <a:t>implementation</a:t>
+              <a:t>Which included a 24-bit RISC ISA implementation</a:t>
             </a:r>
           </a:p>
           <a:p>
@@ -16746,11 +16722,7 @@
           <a:p>
             <a:r>
               <a:rPr lang="en-US" dirty="0" smtClean="0"/>
-              <a:t>Add </a:t>
-            </a:r>
-            <a:r>
-              <a:rPr lang="en-US" dirty="0" smtClean="0"/>
-              <a:t>additional ports to register file</a:t>
+              <a:t>Add additional ports to register file</a:t>
             </a:r>
           </a:p>
           <a:p>
@@ -16771,15 +16743,7 @@
           <a:p>
             <a:r>
               <a:rPr lang="en-US" dirty="0" smtClean="0"/>
-              <a:t>Add </a:t>
-            </a:r>
-            <a:r>
-              <a:rPr lang="en-US" dirty="0" smtClean="0"/>
-              <a:t>byte write enables to </a:t>
-            </a:r>
-            <a:r>
-              <a:rPr lang="en-US" dirty="0" smtClean="0"/>
-              <a:t>memory </a:t>
+              <a:t>Add byte write enables to memory </a:t>
             </a:r>
             <a:r>
               <a:rPr lang="en-US" sz="2600" i="1" dirty="0" smtClean="0"/>
@@ -16797,22 +16761,14 @@
             <a:pPr lvl="1"/>
             <a:r>
               <a:rPr lang="en-US" dirty="0" smtClean="0"/>
-              <a:t>Need assembler to generate memory </a:t>
-            </a:r>
-            <a:r>
-              <a:rPr lang="en-US" dirty="0" smtClean="0"/>
-              <a:t>initialization</a:t>
+              <a:t>Need assembler to generate memory initialization</a:t>
             </a:r>
           </a:p>
           <a:p>
             <a:pPr lvl="1"/>
             <a:r>
               <a:rPr lang="en-US" dirty="0" smtClean="0"/>
-              <a:t>Unless</a:t>
-            </a:r>
-            <a:r>
-              <a:rPr lang="en-US" dirty="0" smtClean="0"/>
-              <a:t> using word aligned instructions</a:t>
+              <a:t>Unless using word aligned instructions</a:t>
             </a:r>
             <a:endParaRPr lang="en-US" dirty="0"/>
           </a:p>
@@ -16916,11 +16872,7 @@
             <a:pPr lvl="1"/>
             <a:r>
               <a:rPr lang="en-US" dirty="0" smtClean="0"/>
-              <a:t>Needed to generate memory initialization </a:t>
-            </a:r>
-            <a:r>
-              <a:rPr lang="en-US" dirty="0" smtClean="0"/>
-              <a:t>files</a:t>
+              <a:t>Needed to generate memory initialization files</a:t>
             </a:r>
           </a:p>
           <a:p>
@@ -16929,7 +16881,6 @@
               <a:rPr lang="en-US" dirty="0" smtClean="0"/>
               <a:t>Previously wrote a subroutine for each type of instruction, program was a long set of subroutine calls</a:t>
             </a:r>
-            <a:endParaRPr lang="en-US" dirty="0" smtClean="0"/>
           </a:p>
           <a:p>
             <a:r>
@@ -17461,7 +17412,11 @@
             </a:r>
             <a:r>
               <a:rPr lang="en-US" sz="1800" dirty="0"/>
-              <a:t> a device with control input that selects one of its other </a:t>
+              <a:t> a device with control input that selects one of </a:t>
+            </a:r>
+            <a:r>
+              <a:rPr lang="en-US" sz="1800" dirty="0" smtClean="0"/>
+              <a:t>its </a:t>
             </a:r>
             <a:r>
               <a:rPr lang="en-US" sz="1800" i="1" dirty="0" smtClean="0"/>
@@ -17986,33 +17941,13 @@
             <a:pPr lvl="1"/>
             <a:r>
               <a:rPr lang="en-US" dirty="0" smtClean="0"/>
-              <a:t>Includes </a:t>
-            </a:r>
-            <a:r>
-              <a:rPr lang="en-US" dirty="0" smtClean="0"/>
-              <a:t>carry chain for building adders</a:t>
-            </a:r>
-          </a:p>
-          <a:p>
-            <a:r>
-              <a:rPr lang="en-US" dirty="0" smtClean="0"/>
-              <a:t>DFF	</a:t>
-            </a:r>
-            <a:r>
-              <a:rPr lang="en-US" dirty="0" smtClean="0"/>
-              <a:t>	D </a:t>
-            </a:r>
-            <a:r>
-              <a:rPr lang="en-US" dirty="0" smtClean="0"/>
-              <a:t>flip-flop	</a:t>
-            </a:r>
-            <a:r>
-              <a:rPr lang="en-US" dirty="0" smtClean="0"/>
-              <a:t>1 </a:t>
-            </a:r>
-            <a:r>
-              <a:rPr lang="en-US" dirty="0" smtClean="0"/>
-              <a:t>to 2 per LUT</a:t>
+              <a:t>Includes carry chain for building adders</a:t>
+            </a:r>
+          </a:p>
+          <a:p>
+            <a:r>
+              <a:rPr lang="en-US" dirty="0" smtClean="0"/>
+              <a:t>DFF		D flip-flop	1 to 2 per LUT</a:t>
             </a:r>
           </a:p>
           <a:p>
@@ -22609,13 +22544,8 @@
           <a:p>
             <a:r>
               <a:rPr lang="en-US" dirty="0" smtClean="0"/>
-              <a:t>Early on decided on register field </a:t>
-            </a:r>
-            <a:r>
-              <a:rPr lang="en-US" dirty="0" smtClean="0"/>
-              <a:t>immediate encoding</a:t>
-            </a:r>
-            <a:endParaRPr lang="en-US" dirty="0" smtClean="0"/>
+              <a:t>Early on decided on register field immediate encoding</a:t>
+            </a:r>
           </a:p>
           <a:p>
             <a:pPr lvl="1"/>
